--- a/DA_Final_Presentation.pptx
+++ b/DA_Final_Presentation.pptx
@@ -5,21 +5,22 @@
     <p:sldMasterId id="2147483648" r:id="rId1"/>
   </p:sldMasterIdLst>
   <p:notesMasterIdLst>
-    <p:notesMasterId r:id="rId14"/>
+    <p:notesMasterId r:id="rId15"/>
   </p:notesMasterIdLst>
   <p:sldIdLst>
     <p:sldId id="256" r:id="rId2"/>
     <p:sldId id="257" r:id="rId3"/>
-    <p:sldId id="258" r:id="rId4"/>
-    <p:sldId id="259" r:id="rId5"/>
-    <p:sldId id="266" r:id="rId6"/>
-    <p:sldId id="268" r:id="rId7"/>
-    <p:sldId id="269" r:id="rId8"/>
-    <p:sldId id="264" r:id="rId9"/>
-    <p:sldId id="267" r:id="rId10"/>
-    <p:sldId id="265" r:id="rId11"/>
-    <p:sldId id="270" r:id="rId12"/>
-    <p:sldId id="271" r:id="rId13"/>
+    <p:sldId id="272" r:id="rId4"/>
+    <p:sldId id="273" r:id="rId5"/>
+    <p:sldId id="274" r:id="rId6"/>
+    <p:sldId id="275" r:id="rId7"/>
+    <p:sldId id="276" r:id="rId8"/>
+    <p:sldId id="277" r:id="rId9"/>
+    <p:sldId id="278" r:id="rId10"/>
+    <p:sldId id="271" r:id="rId11"/>
+    <p:sldId id="268" r:id="rId12"/>
+    <p:sldId id="265" r:id="rId13"/>
+    <p:sldId id="270" r:id="rId14"/>
   </p:sldIdLst>
   <p:sldSz cx="12192000" cy="6858000"/>
   <p:notesSz cx="6858000" cy="9144000"/>
@@ -211,7 +212,7 @@
           <a:p>
             <a:fld id="{4FF42813-F979-AE40-8A8B-2C378C5B80D9}" type="datetimeFigureOut">
               <a:rPr lang="en-GB" smtClean="0"/>
-              <a:t>01/04/2025</a:t>
+              <a:t>05/04/2025</a:t>
             </a:fld>
             <a:endParaRPr lang="en-GB"/>
           </a:p>
@@ -524,7 +525,15 @@
           <a:p>
             <a:r>
               <a:rPr lang="en-GB" dirty="0"/>
-              <a:t>Today I’ll be sharing a data-driven exploration of how English has influenced the German language, specifically through what often termed as Denglish.</a:t>
+              <a:t>Today I’ll be sharing a data-driven exploration of how English has influenced the German language, specifically through what often termed as </a:t>
+            </a:r>
+            <a:r>
+              <a:rPr lang="en-GB" dirty="0" err="1"/>
+              <a:t>Denglish</a:t>
+            </a:r>
+            <a:r>
+              <a:rPr lang="en-GB" dirty="0"/>
+              <a:t>.</a:t>
             </a:r>
           </a:p>
           <a:p>
@@ -639,119 +648,100 @@
           <a:bodyPr/>
           <a:lstStyle/>
           <a:p>
-            <a:pPr>
-              <a:buNone/>
-            </a:pPr>
-            <a:r>
-              <a:rPr lang="en-GB" b="0" dirty="0"/>
-              <a:t>I also asked an LLM to label tone and explain </a:t>
-            </a:r>
-            <a:r>
-              <a:rPr lang="en-GB" b="0" dirty="0" err="1"/>
-              <a:t>whiy</a:t>
-            </a:r>
-            <a:r>
-              <a:rPr lang="en-GB" b="0" dirty="0"/>
-              <a:t> English is used. </a:t>
-            </a:r>
-          </a:p>
-          <a:p>
-            <a:pPr>
-              <a:buNone/>
-            </a:pPr>
-            <a:endParaRPr lang="en-GB" b="0" dirty="0"/>
-          </a:p>
-          <a:p>
-            <a:pPr>
-              <a:buNone/>
-            </a:pPr>
-            <a:r>
-              <a:rPr lang="en-GB" b="0" dirty="0"/>
-              <a:t>Many words like “Startup” or “Smartphone” reflect aspiration, modernity or trendiness.</a:t>
-            </a:r>
-          </a:p>
-          <a:p>
-            <a:pPr>
-              <a:buNone/>
-            </a:pPr>
-            <a:endParaRPr lang="en-GB" b="0" dirty="0"/>
-          </a:p>
-          <a:p>
-            <a:pPr>
-              <a:buNone/>
-            </a:pPr>
-            <a:r>
-              <a:rPr lang="en-GB" b="0" dirty="0"/>
-              <a:t>Most articles were formal in tone – which reinforces the idea that English adds perceived authority or professionalism.</a:t>
-            </a:r>
-          </a:p>
-          <a:p>
-            <a:pPr>
-              <a:buNone/>
-            </a:pPr>
-            <a:endParaRPr lang="en-GB" b="1" dirty="0"/>
-          </a:p>
-          <a:p>
-            <a:pPr>
-              <a:buNone/>
-            </a:pPr>
-            <a:r>
-              <a:rPr lang="en-GB" b="1" dirty="0"/>
-              <a:t>Slide 8: Qualitative Insights (LLM)</a:t>
-            </a:r>
-          </a:p>
-          <a:p>
-            <a:pPr>
-              <a:buNone/>
-            </a:pPr>
-            <a:r>
-              <a:rPr lang="en-GB" b="1" dirty="0"/>
-              <a:t>But Why Are These Words Used?</a:t>
-            </a:r>
+            <a:r>
+              <a:rPr lang="en-GB" dirty="0"/>
+              <a:t>To wrap up:</a:t>
+            </a:r>
+          </a:p>
+          <a:p>
             <a:endParaRPr lang="en-GB" dirty="0"/>
           </a:p>
           <a:p>
-            <a:pPr>
-              <a:buFont typeface="Arial" panose="020B0604020202020204" pitchFamily="34" charset="0"/>
-              <a:buChar char="•"/>
-            </a:pPr>
             <a:r>
               <a:rPr lang="en-GB" dirty="0"/>
-              <a:t>LLM response: English signals modernity, tech-savviness, and trendiness.</a:t>
-            </a:r>
-          </a:p>
-          <a:p>
-            <a:pPr>
-              <a:buFont typeface="Arial" panose="020B0604020202020204" pitchFamily="34" charset="0"/>
-              <a:buChar char="•"/>
-            </a:pPr>
+              <a:t>English loanwords are rising in German news – especially in tech, business, and positive-tone content. </a:t>
+            </a:r>
+          </a:p>
+          <a:p>
+            <a:endParaRPr lang="en-GB" dirty="0"/>
+          </a:p>
+          <a:p>
             <a:r>
               <a:rPr lang="en-GB" dirty="0"/>
-              <a:t>Example: "Performance", "Startup", "Smartphone" used for aspirational tone</a:t>
-            </a:r>
-          </a:p>
-          <a:p>
-            <a:pPr>
-              <a:buFont typeface="Arial" panose="020B0604020202020204" pitchFamily="34" charset="0"/>
-              <a:buChar char="•"/>
-            </a:pPr>
+              <a:t>This suggests a shift not just in language but in identity and branding.</a:t>
+            </a:r>
+          </a:p>
+          <a:p>
+            <a:endParaRPr lang="en-GB" dirty="0"/>
+          </a:p>
+          <a:p>
             <a:r>
               <a:rPr lang="en-GB" dirty="0"/>
-              <a:t>Tone classification: ~80% formal, 20% informal in sample</a:t>
-            </a:r>
-          </a:p>
-          <a:p>
-            <a:r>
-              <a:rPr lang="en-GB" i="1" dirty="0"/>
-              <a:t>Extra</a:t>
-            </a:r>
+              <a:t>I used both quantitative and qualitative methods to show how deep this goes.</a:t>
+            </a:r>
+          </a:p>
+          <a:p>
+            <a:endParaRPr lang="en-GB" dirty="0"/>
+          </a:p>
+          <a:p>
             <a:r>
               <a:rPr lang="en-GB" dirty="0"/>
-              <a:t>: LLM also generated summaries + contextual reasoning for loanword use.</a:t>
+              <a:t>Importantly we used statistical tools like the 95% confidence internal to ensure our findings.</a:t>
             </a:r>
           </a:p>
           <a:p>
             <a:endParaRPr lang="en-GB" dirty="0"/>
+          </a:p>
+          <a:p>
+            <a:r>
+              <a:rPr lang="en-GB" dirty="0"/>
+              <a:t>Like the growth in loanword density – are robust and meaningful not just random.</a:t>
+            </a:r>
+          </a:p>
+          <a:p>
+            <a:endParaRPr lang="en-GB" dirty="0"/>
+          </a:p>
+          <a:p>
+            <a:r>
+              <a:rPr lang="en-GB" dirty="0"/>
+              <a:t>In the future, adding more sites and modelling adoption trends could deepen even further</a:t>
+            </a:r>
+          </a:p>
+          <a:p>
+            <a:endParaRPr lang="en-GB" dirty="0"/>
+          </a:p>
+          <a:p>
+            <a:r>
+              <a:rPr lang="en-GB" dirty="0"/>
+              <a:t>Next steps:</a:t>
+            </a:r>
+          </a:p>
+          <a:p>
+            <a:endParaRPr lang="en-GB" dirty="0"/>
+          </a:p>
+          <a:p>
+            <a:r>
+              <a:rPr lang="en-GB" dirty="0"/>
+              <a:t>Add more sources (e.g. Reddit, tech blogs, news).</a:t>
+            </a:r>
+          </a:p>
+          <a:p>
+            <a:endParaRPr lang="en-GB" dirty="0"/>
+          </a:p>
+          <a:p>
+            <a:r>
+              <a:rPr lang="en-GB" dirty="0"/>
+              <a:t>Model prediction: can we forecast loanword adoption?</a:t>
+            </a:r>
+          </a:p>
+          <a:p>
+            <a:endParaRPr lang="en-GB" dirty="0"/>
+          </a:p>
+          <a:p>
+            <a:r>
+              <a:rPr lang="en-GB" dirty="0"/>
+              <a:t>Thank you</a:t>
+            </a:r>
           </a:p>
         </p:txBody>
       </p:sp>
@@ -781,7 +771,7 @@
     </p:spTree>
     <p:extLst>
       <p:ext uri="{BB962C8B-B14F-4D97-AF65-F5344CB8AC3E}">
-        <p14:creationId xmlns:p14="http://schemas.microsoft.com/office/powerpoint/2010/main" val="2441509719"/>
+        <p14:creationId xmlns:p14="http://schemas.microsoft.com/office/powerpoint/2010/main" val="62052570"/>
       </p:ext>
     </p:extLst>
   </p:cSld>
@@ -837,7 +827,7 @@
           <a:p>
             <a:r>
               <a:rPr lang="en-GB" dirty="0"/>
-              <a:t>This brings us to a bolder idea – maybe English isn’t just accidental.</a:t>
+              <a:t>Here, I compared average loanword density by article domain. </a:t>
             </a:r>
           </a:p>
           <a:p>
@@ -846,7 +836,7 @@
           <a:p>
             <a:r>
               <a:rPr lang="en-GB" dirty="0"/>
-              <a:t>Maybe it’s used deliberately as a branding tool.</a:t>
+              <a:t>As expected, Business and Tech articles used more English than Politics or Lifestyle.</a:t>
             </a:r>
           </a:p>
           <a:p>
@@ -855,7 +845,7 @@
           <a:p>
             <a:r>
               <a:rPr lang="en-GB" dirty="0"/>
-              <a:t>My data supports this: English words appear more in formal, business-focused and positive content.</a:t>
+              <a:t>This aligns with global branding and tech influence.</a:t>
             </a:r>
           </a:p>
           <a:p>
@@ -864,7 +854,7 @@
           <a:p>
             <a:r>
               <a:rPr lang="en-GB" dirty="0"/>
-              <a:t>It’s not random – it’s strategic.</a:t>
+              <a:t>And helps show where English is embedded in the content most.</a:t>
             </a:r>
           </a:p>
           <a:p>
@@ -873,8 +863,14 @@
           <a:p>
             <a:r>
               <a:rPr lang="en-GB" dirty="0"/>
-              <a:t>Interpretation: English words aren’t just filler – they’re signals of professionalism, ambition and global alignment.</a:t>
-            </a:r>
+              <a:t>Insight: Business articles show consistently higher loanword usage compared to other topic areas.</a:t>
+            </a:r>
+          </a:p>
+          <a:p>
+            <a:endParaRPr lang="en-GB" dirty="0"/>
+          </a:p>
+          <a:p>
+            <a:endParaRPr lang="en-GB" dirty="0"/>
           </a:p>
         </p:txBody>
       </p:sp>
@@ -904,7 +900,7 @@
     </p:spTree>
     <p:extLst>
       <p:ext uri="{BB962C8B-B14F-4D97-AF65-F5344CB8AC3E}">
-        <p14:creationId xmlns:p14="http://schemas.microsoft.com/office/powerpoint/2010/main" val="3073255599"/>
+        <p14:creationId xmlns:p14="http://schemas.microsoft.com/office/powerpoint/2010/main" val="3909109280"/>
       </p:ext>
     </p:extLst>
   </p:cSld>
@@ -958,100 +954,119 @@
           <a:bodyPr/>
           <a:lstStyle/>
           <a:p>
+            <a:pPr>
+              <a:buNone/>
+            </a:pPr>
+            <a:r>
+              <a:rPr lang="en-GB" b="0" dirty="0"/>
+              <a:t>I also asked an LLM to label tone and explain </a:t>
+            </a:r>
+            <a:r>
+              <a:rPr lang="en-GB" b="0" dirty="0" err="1"/>
+              <a:t>whiy</a:t>
+            </a:r>
+            <a:r>
+              <a:rPr lang="en-GB" b="0" dirty="0"/>
+              <a:t> English is used. </a:t>
+            </a:r>
+          </a:p>
+          <a:p>
+            <a:pPr>
+              <a:buNone/>
+            </a:pPr>
+            <a:endParaRPr lang="en-GB" b="0" dirty="0"/>
+          </a:p>
+          <a:p>
+            <a:pPr>
+              <a:buNone/>
+            </a:pPr>
+            <a:r>
+              <a:rPr lang="en-GB" b="0" dirty="0"/>
+              <a:t>Many words like “Startup” or “Smartphone” reflect aspiration, modernity or trendiness.</a:t>
+            </a:r>
+          </a:p>
+          <a:p>
+            <a:pPr>
+              <a:buNone/>
+            </a:pPr>
+            <a:endParaRPr lang="en-GB" b="0" dirty="0"/>
+          </a:p>
+          <a:p>
+            <a:pPr>
+              <a:buNone/>
+            </a:pPr>
+            <a:r>
+              <a:rPr lang="en-GB" b="0" dirty="0"/>
+              <a:t>Most articles were formal in tone – which reinforces the idea that English adds perceived authority or professionalism.</a:t>
+            </a:r>
+          </a:p>
+          <a:p>
+            <a:pPr>
+              <a:buNone/>
+            </a:pPr>
+            <a:endParaRPr lang="en-GB" b="1" dirty="0"/>
+          </a:p>
+          <a:p>
+            <a:pPr>
+              <a:buNone/>
+            </a:pPr>
+            <a:r>
+              <a:rPr lang="en-GB" b="1" dirty="0"/>
+              <a:t>Slide 8: Qualitative Insights (LLM)</a:t>
+            </a:r>
+          </a:p>
+          <a:p>
+            <a:pPr>
+              <a:buNone/>
+            </a:pPr>
+            <a:r>
+              <a:rPr lang="en-GB" b="1" dirty="0"/>
+              <a:t>But Why Are These Words Used?</a:t>
+            </a:r>
+            <a:endParaRPr lang="en-GB" dirty="0"/>
+          </a:p>
+          <a:p>
+            <a:pPr>
+              <a:buFont typeface="Arial" panose="020B0604020202020204" pitchFamily="34" charset="0"/>
+              <a:buChar char="•"/>
+            </a:pPr>
             <a:r>
               <a:rPr lang="en-GB" dirty="0"/>
-              <a:t>To wrap up:</a:t>
+              <a:t>LLM response: English signals modernity, tech-savviness, and trendiness.</a:t>
+            </a:r>
+          </a:p>
+          <a:p>
+            <a:pPr>
+              <a:buFont typeface="Arial" panose="020B0604020202020204" pitchFamily="34" charset="0"/>
+              <a:buChar char="•"/>
+            </a:pPr>
+            <a:r>
+              <a:rPr lang="en-GB" dirty="0"/>
+              <a:t>Example: "Performance", "Startup", "Smartphone" used for aspirational tone</a:t>
+            </a:r>
+          </a:p>
+          <a:p>
+            <a:pPr>
+              <a:buFont typeface="Arial" panose="020B0604020202020204" pitchFamily="34" charset="0"/>
+              <a:buChar char="•"/>
+            </a:pPr>
+            <a:r>
+              <a:rPr lang="en-GB" dirty="0"/>
+              <a:t>Tone classification: ~80% formal, 20% informal in sample</a:t>
+            </a:r>
+          </a:p>
+          <a:p>
+            <a:r>
+              <a:rPr lang="en-GB" i="1" dirty="0"/>
+              <a:t>Extra</a:t>
+            </a:r>
+            <a:r>
+              <a:rPr lang="en-GB" dirty="0"/>
+              <a:t>: LLM also generated summaries + contextual reasoning for loanword use.</a:t>
             </a:r>
           </a:p>
           <a:p>
             <a:endParaRPr lang="en-GB" dirty="0"/>
-          </a:p>
-          <a:p>
-            <a:r>
-              <a:rPr lang="en-GB" dirty="0"/>
-              <a:t>English loanwords are rising in German news – especially in tech, business, and positive-tone content. </a:t>
-            </a:r>
-          </a:p>
-          <a:p>
-            <a:endParaRPr lang="en-GB" dirty="0"/>
-          </a:p>
-          <a:p>
-            <a:r>
-              <a:rPr lang="en-GB" dirty="0"/>
-              <a:t>This suggests a shift not just in language but in identity and branding.</a:t>
-            </a:r>
-          </a:p>
-          <a:p>
-            <a:endParaRPr lang="en-GB" dirty="0"/>
-          </a:p>
-          <a:p>
-            <a:r>
-              <a:rPr lang="en-GB" dirty="0"/>
-              <a:t>I used both quantitative and qualitative methods to show how deep this goes.</a:t>
-            </a:r>
-          </a:p>
-          <a:p>
-            <a:endParaRPr lang="en-GB" dirty="0"/>
-          </a:p>
-          <a:p>
-            <a:r>
-              <a:rPr lang="en-GB" dirty="0"/>
-              <a:t>Importantly we used statistical tools like the 95% confidence internal to ensure our findings.</a:t>
-            </a:r>
-          </a:p>
-          <a:p>
-            <a:endParaRPr lang="en-GB" dirty="0"/>
-          </a:p>
-          <a:p>
-            <a:r>
-              <a:rPr lang="en-GB" dirty="0"/>
-              <a:t>Like the growth in loanword density – are robust and meaningful not just random.</a:t>
-            </a:r>
-          </a:p>
-          <a:p>
-            <a:endParaRPr lang="en-GB" dirty="0"/>
-          </a:p>
-          <a:p>
-            <a:r>
-              <a:rPr lang="en-GB" dirty="0"/>
-              <a:t>In the future, adding more sites and modelling adoption trends could deepen even further</a:t>
-            </a:r>
-          </a:p>
-          <a:p>
-            <a:endParaRPr lang="en-GB" dirty="0"/>
-          </a:p>
-          <a:p>
-            <a:r>
-              <a:rPr lang="en-GB" dirty="0"/>
-              <a:t>Next steps:</a:t>
-            </a:r>
-          </a:p>
-          <a:p>
-            <a:endParaRPr lang="en-GB" dirty="0"/>
-          </a:p>
-          <a:p>
-            <a:r>
-              <a:rPr lang="en-GB" dirty="0"/>
-              <a:t>Add more sources (e.g. Reddit, tech blogs, news).</a:t>
-            </a:r>
-          </a:p>
-          <a:p>
-            <a:endParaRPr lang="en-GB" dirty="0"/>
-          </a:p>
-          <a:p>
-            <a:r>
-              <a:rPr lang="en-GB" dirty="0"/>
-              <a:t>Model prediction: can we forecast loanword adoption?</a:t>
-            </a:r>
-          </a:p>
-          <a:p>
-            <a:endParaRPr lang="en-GB" dirty="0"/>
-          </a:p>
-          <a:p>
-            <a:r>
-              <a:rPr lang="en-GB" dirty="0"/>
-              <a:t>Thank you</a:t>
-            </a:r>
           </a:p>
         </p:txBody>
       </p:sp>
@@ -1081,7 +1096,130 @@
     </p:spTree>
     <p:extLst>
       <p:ext uri="{BB962C8B-B14F-4D97-AF65-F5344CB8AC3E}">
-        <p14:creationId xmlns:p14="http://schemas.microsoft.com/office/powerpoint/2010/main" val="62052570"/>
+        <p14:creationId xmlns:p14="http://schemas.microsoft.com/office/powerpoint/2010/main" val="3113088859"/>
+      </p:ext>
+    </p:extLst>
+  </p:cSld>
+  <p:clrMapOvr>
+    <a:masterClrMapping/>
+  </p:clrMapOvr>
+</p:notes>
+</file>
+
+<file path=ppt/notesSlides/notesSlide13.xml><?xml version="1.0" encoding="utf-8"?>
+<p:notes xmlns:a="http://schemas.openxmlformats.org/drawingml/2006/main" xmlns:r="http://schemas.openxmlformats.org/officeDocument/2006/relationships" xmlns:p="http://schemas.openxmlformats.org/presentationml/2006/main">
+  <p:cSld>
+    <p:spTree>
+      <p:nvGrpSpPr>
+        <p:cNvPr id="1" name=""/>
+        <p:cNvGrpSpPr/>
+        <p:nvPr/>
+      </p:nvGrpSpPr>
+      <p:grpSpPr>
+        <a:xfrm>
+          <a:off x="0" y="0"/>
+          <a:ext cx="0" cy="0"/>
+          <a:chOff x="0" y="0"/>
+          <a:chExt cx="0" cy="0"/>
+        </a:xfrm>
+      </p:grpSpPr>
+      <p:sp>
+        <p:nvSpPr>
+          <p:cNvPr id="2" name="Slide Image Placeholder 1"/>
+          <p:cNvSpPr>
+            <a:spLocks noGrp="1" noRot="1" noChangeAspect="1"/>
+          </p:cNvSpPr>
+          <p:nvPr>
+            <p:ph type="sldImg"/>
+          </p:nvPr>
+        </p:nvSpPr>
+        <p:spPr/>
+      </p:sp>
+      <p:sp>
+        <p:nvSpPr>
+          <p:cNvPr id="3" name="Notes Placeholder 2"/>
+          <p:cNvSpPr>
+            <a:spLocks noGrp="1"/>
+          </p:cNvSpPr>
+          <p:nvPr>
+            <p:ph type="body" idx="1"/>
+          </p:nvPr>
+        </p:nvSpPr>
+        <p:spPr/>
+        <p:txBody>
+          <a:bodyPr/>
+          <a:lstStyle/>
+          <a:p>
+            <a:r>
+              <a:rPr lang="en-GB" dirty="0"/>
+              <a:t>This brings us to a bolder idea – maybe English isn’t just accidental.</a:t>
+            </a:r>
+          </a:p>
+          <a:p>
+            <a:endParaRPr lang="en-GB" dirty="0"/>
+          </a:p>
+          <a:p>
+            <a:r>
+              <a:rPr lang="en-GB" dirty="0"/>
+              <a:t>Maybe it’s used deliberately as a branding tool.</a:t>
+            </a:r>
+          </a:p>
+          <a:p>
+            <a:endParaRPr lang="en-GB" dirty="0"/>
+          </a:p>
+          <a:p>
+            <a:r>
+              <a:rPr lang="en-GB" dirty="0"/>
+              <a:t>My data supports this: English words appear more in formal, business-focused and positive content.</a:t>
+            </a:r>
+          </a:p>
+          <a:p>
+            <a:endParaRPr lang="en-GB" dirty="0"/>
+          </a:p>
+          <a:p>
+            <a:r>
+              <a:rPr lang="en-GB" dirty="0"/>
+              <a:t>It’s not random – it’s strategic.</a:t>
+            </a:r>
+          </a:p>
+          <a:p>
+            <a:endParaRPr lang="en-GB" dirty="0"/>
+          </a:p>
+          <a:p>
+            <a:r>
+              <a:rPr lang="en-GB" dirty="0"/>
+              <a:t>Interpretation: English words aren’t just filler – they’re signals of professionalism, ambition and global alignment.</a:t>
+            </a:r>
+          </a:p>
+        </p:txBody>
+      </p:sp>
+      <p:sp>
+        <p:nvSpPr>
+          <p:cNvPr id="4" name="Slide Number Placeholder 3"/>
+          <p:cNvSpPr>
+            <a:spLocks noGrp="1"/>
+          </p:cNvSpPr>
+          <p:nvPr>
+            <p:ph type="sldNum" sz="quarter" idx="5"/>
+          </p:nvPr>
+        </p:nvSpPr>
+        <p:spPr/>
+        <p:txBody>
+          <a:bodyPr/>
+          <a:lstStyle/>
+          <a:p>
+            <a:fld id="{606917B7-F4B5-AB46-80C1-BC4475229642}" type="slidenum">
+              <a:rPr lang="en-GB" smtClean="0"/>
+              <a:t>13</a:t>
+            </a:fld>
+            <a:endParaRPr lang="en-GB"/>
+          </a:p>
+        </p:txBody>
+      </p:sp>
+    </p:spTree>
+    <p:extLst>
+      <p:ext uri="{BB962C8B-B14F-4D97-AF65-F5344CB8AC3E}">
+        <p14:creationId xmlns:p14="http://schemas.microsoft.com/office/powerpoint/2010/main" val="3073255599"/>
       </p:ext>
     </p:extLst>
   </p:cSld>
@@ -1303,7 +1441,13 @@
   <p:cSld>
     <p:spTree>
       <p:nvGrpSpPr>
-        <p:cNvPr id="1" name=""/>
+        <p:cNvPr id="1" name="">
+          <a:extLst>
+            <a:ext uri="{FF2B5EF4-FFF2-40B4-BE49-F238E27FC236}">
+              <a16:creationId xmlns:a16="http://schemas.microsoft.com/office/drawing/2014/main" id="{B761EAD0-2626-A9D4-8A99-1768DE581489}"/>
+            </a:ext>
+          </a:extLst>
+        </p:cNvPr>
         <p:cNvGrpSpPr/>
         <p:nvPr/>
       </p:nvGrpSpPr>
@@ -1317,7 +1461,13 @@
       </p:grpSpPr>
       <p:sp>
         <p:nvSpPr>
-          <p:cNvPr id="2" name="Slide Image Placeholder 1"/>
+          <p:cNvPr id="2" name="Slide Image Placeholder 1">
+            <a:extLst>
+              <a:ext uri="{FF2B5EF4-FFF2-40B4-BE49-F238E27FC236}">
+                <a16:creationId xmlns:a16="http://schemas.microsoft.com/office/drawing/2014/main" id="{E7E089E8-2793-CAAD-9B81-BDA63A998D4C}"/>
+              </a:ext>
+            </a:extLst>
+          </p:cNvPr>
           <p:cNvSpPr>
             <a:spLocks noGrp="1" noRot="1" noChangeAspect="1"/>
           </p:cNvSpPr>
@@ -1329,7 +1479,13 @@
       </p:sp>
       <p:sp>
         <p:nvSpPr>
-          <p:cNvPr id="3" name="Notes Placeholder 2"/>
+          <p:cNvPr id="3" name="Notes Placeholder 2">
+            <a:extLst>
+              <a:ext uri="{FF2B5EF4-FFF2-40B4-BE49-F238E27FC236}">
+                <a16:creationId xmlns:a16="http://schemas.microsoft.com/office/drawing/2014/main" id="{D15C8E45-E301-BE7F-898E-09E1489F3EA3}"/>
+              </a:ext>
+            </a:extLst>
+          </p:cNvPr>
           <p:cNvSpPr>
             <a:spLocks noGrp="1"/>
           </p:cNvSpPr>
@@ -1342,10 +1498,6 @@
           <a:bodyPr/>
           <a:lstStyle/>
           <a:p>
-            <a:pPr marL="0" indent="0">
-              <a:buFont typeface="Arial" panose="020B0604020202020204" pitchFamily="34" charset="0"/>
-              <a:buNone/>
-            </a:pPr>
             <a:r>
               <a:rPr lang="en-GB" sz="1200" dirty="0">
                 <a:solidFill>
@@ -1353,14 +1505,10 @@
                 </a:solidFill>
                 <a:latin typeface="Mulish" pitchFamily="2" charset="77"/>
               </a:rPr>
-              <a:t>To answer the questions, I scraped over 100,000 articles from Business Insider Germany from 2016 - 2024. </a:t>
-            </a:r>
-          </a:p>
-          <a:p>
-            <a:pPr marL="0" indent="0">
-              <a:buFont typeface="Arial" panose="020B0604020202020204" pitchFamily="34" charset="0"/>
-              <a:buNone/>
-            </a:pPr>
+              <a:t>I used one primary source, Business Insider Germany.</a:t>
+            </a:r>
+          </a:p>
+          <a:p>
             <a:endParaRPr lang="en-GB" sz="1200" dirty="0">
               <a:solidFill>
                 <a:srgbClr val="142273"/>
@@ -1369,10 +1517,6 @@
             </a:endParaRPr>
           </a:p>
           <a:p>
-            <a:pPr marL="0" indent="0">
-              <a:buFont typeface="Arial" panose="020B0604020202020204" pitchFamily="34" charset="0"/>
-              <a:buNone/>
-            </a:pPr>
             <a:r>
               <a:rPr lang="en-GB" sz="1200" dirty="0">
                 <a:solidFill>
@@ -1380,14 +1524,10 @@
                 </a:solidFill>
                 <a:latin typeface="Mulish" pitchFamily="2" charset="77"/>
               </a:rPr>
-              <a:t>I build a custom NLP pipeline to detect English words inside German text.</a:t>
-            </a:r>
-          </a:p>
-          <a:p>
-            <a:pPr marL="0" indent="0">
-              <a:buFont typeface="Arial" panose="020B0604020202020204" pitchFamily="34" charset="0"/>
-              <a:buNone/>
-            </a:pPr>
+              <a:t>I created a pipeline to detect English loanwords inside German articles.</a:t>
+            </a:r>
+          </a:p>
+          <a:p>
             <a:endParaRPr lang="en-GB" sz="1200" dirty="0">
               <a:solidFill>
                 <a:srgbClr val="142273"/>
@@ -1396,10 +1536,6 @@
             </a:endParaRPr>
           </a:p>
           <a:p>
-            <a:pPr marL="0" indent="0">
-              <a:buFont typeface="Arial" panose="020B0604020202020204" pitchFamily="34" charset="0"/>
-              <a:buNone/>
-            </a:pPr>
             <a:r>
               <a:rPr lang="en-GB" sz="1200" dirty="0">
                 <a:solidFill>
@@ -1407,14 +1543,10 @@
                 </a:solidFill>
                 <a:latin typeface="Mulish" pitchFamily="2" charset="77"/>
               </a:rPr>
-              <a:t>I filtered out irrelevant terms such as “tracking” and “footer”, and ran a sentiment analysis. </a:t>
-            </a:r>
-          </a:p>
-          <a:p>
-            <a:pPr marL="0" indent="0">
-              <a:buFont typeface="Arial" panose="020B0604020202020204" pitchFamily="34" charset="0"/>
-              <a:buNone/>
-            </a:pPr>
+              <a:t>I also calculated statistics like word count and density.</a:t>
+            </a:r>
+          </a:p>
+          <a:p>
             <a:endParaRPr lang="en-GB" sz="1200" dirty="0">
               <a:solidFill>
                 <a:srgbClr val="142273"/>
@@ -1423,10 +1555,6 @@
             </a:endParaRPr>
           </a:p>
           <a:p>
-            <a:pPr marL="0" indent="0">
-              <a:buFont typeface="Arial" panose="020B0604020202020204" pitchFamily="34" charset="0"/>
-              <a:buNone/>
-            </a:pPr>
             <a:r>
               <a:rPr lang="en-GB" sz="1200" dirty="0">
                 <a:solidFill>
@@ -1434,197 +1562,21 @@
                 </a:solidFill>
                 <a:latin typeface="Mulish" pitchFamily="2" charset="77"/>
               </a:rPr>
-              <a:t>I used </a:t>
-            </a:r>
-            <a:r>
-              <a:rPr lang="en-GB" sz="1200" dirty="0" err="1">
-                <a:solidFill>
-                  <a:srgbClr val="142273"/>
-                </a:solidFill>
-                <a:latin typeface="Mulish" pitchFamily="2" charset="77"/>
-              </a:rPr>
-              <a:t>Ollama</a:t>
-            </a:r>
-            <a:r>
-              <a:rPr lang="en-GB" sz="1200" dirty="0">
-                <a:solidFill>
-                  <a:srgbClr val="142273"/>
-                </a:solidFill>
-                <a:latin typeface="Mulish" pitchFamily="2" charset="77"/>
-              </a:rPr>
-              <a:t> and Mistral to generate tone labels and qualitative insights.</a:t>
-            </a:r>
-          </a:p>
-          <a:p>
-            <a:pPr marL="0" indent="0">
-              <a:buFont typeface="Arial" panose="020B0604020202020204" pitchFamily="34" charset="0"/>
-              <a:buNone/>
-            </a:pPr>
-            <a:endParaRPr lang="en-GB" sz="1200" dirty="0">
-              <a:solidFill>
-                <a:srgbClr val="142273"/>
-              </a:solidFill>
-              <a:latin typeface="Mulish" pitchFamily="2" charset="77"/>
-            </a:endParaRPr>
-          </a:p>
-          <a:p>
-            <a:pPr marL="0" indent="0">
-              <a:buFont typeface="Arial" panose="020B0604020202020204" pitchFamily="34" charset="0"/>
-              <a:buNone/>
-            </a:pPr>
-            <a:r>
-              <a:rPr lang="en-GB" sz="1200" dirty="0">
-                <a:solidFill>
-                  <a:srgbClr val="142273"/>
-                </a:solidFill>
-                <a:latin typeface="Mulish" pitchFamily="2" charset="77"/>
-              </a:rPr>
-              <a:t>All of which gave me a rich dataset to explore.</a:t>
-            </a:r>
-          </a:p>
-          <a:p>
-            <a:pPr marL="0" indent="0">
-              <a:buFont typeface="Arial" panose="020B0604020202020204" pitchFamily="34" charset="0"/>
-              <a:buNone/>
-            </a:pPr>
-            <a:endParaRPr lang="en-GB" sz="1200" dirty="0">
-              <a:solidFill>
-                <a:srgbClr val="142273"/>
-              </a:solidFill>
-              <a:latin typeface="Mulish" pitchFamily="2" charset="77"/>
-            </a:endParaRPr>
-          </a:p>
-          <a:p>
-            <a:pPr marL="0" indent="0">
-              <a:buFont typeface="Arial" panose="020B0604020202020204" pitchFamily="34" charset="0"/>
-              <a:buNone/>
-            </a:pPr>
-            <a:r>
-              <a:rPr lang="en-GB" sz="1200" dirty="0" err="1">
-                <a:solidFill>
-                  <a:srgbClr val="142273"/>
-                </a:solidFill>
-                <a:latin typeface="Mulish" pitchFamily="2" charset="77"/>
-              </a:rPr>
-              <a:t>spaCy</a:t>
-            </a:r>
-            <a:r>
-              <a:rPr lang="en-GB" sz="1200" dirty="0">
-                <a:solidFill>
-                  <a:srgbClr val="142273"/>
-                </a:solidFill>
-                <a:latin typeface="Mulish" pitchFamily="2" charset="77"/>
-              </a:rPr>
-              <a:t> + </a:t>
-            </a:r>
-            <a:r>
-              <a:rPr lang="en-GB" sz="1200" dirty="0" err="1">
-                <a:solidFill>
-                  <a:srgbClr val="142273"/>
-                </a:solidFill>
-                <a:latin typeface="Mulish" pitchFamily="2" charset="77"/>
-              </a:rPr>
-              <a:t>langdetect</a:t>
-            </a:r>
-            <a:r>
-              <a:rPr lang="en-GB" sz="1200" dirty="0">
-                <a:solidFill>
-                  <a:srgbClr val="142273"/>
-                </a:solidFill>
-                <a:latin typeface="Mulish" pitchFamily="2" charset="77"/>
-              </a:rPr>
-              <a:t> + regex -&gt; loanword detection</a:t>
-            </a:r>
-          </a:p>
-          <a:p>
-            <a:pPr marL="0" indent="0">
-              <a:buFont typeface="Arial" panose="020B0604020202020204" pitchFamily="34" charset="0"/>
-              <a:buNone/>
-            </a:pPr>
-            <a:r>
-              <a:rPr lang="en-GB" sz="1200" dirty="0">
-                <a:solidFill>
-                  <a:srgbClr val="142273"/>
-                </a:solidFill>
-                <a:latin typeface="Mulish" pitchFamily="2" charset="77"/>
-              </a:rPr>
-              <a:t>Custom filters -&gt; removed boilerplate and brand terms</a:t>
-            </a:r>
-          </a:p>
-          <a:p>
-            <a:pPr marL="0" indent="0">
-              <a:buFont typeface="Arial" panose="020B0604020202020204" pitchFamily="34" charset="0"/>
-              <a:buNone/>
-            </a:pPr>
-            <a:r>
-              <a:rPr lang="en-GB" sz="1200" dirty="0">
-                <a:solidFill>
-                  <a:srgbClr val="142273"/>
-                </a:solidFill>
-                <a:latin typeface="Mulish" pitchFamily="2" charset="77"/>
-              </a:rPr>
-              <a:t>Sentiment analysis (transformers)</a:t>
-            </a:r>
-          </a:p>
-          <a:p>
-            <a:pPr marL="0" indent="0">
-              <a:buFont typeface="Arial" panose="020B0604020202020204" pitchFamily="34" charset="0"/>
-              <a:buNone/>
-            </a:pPr>
-            <a:r>
-              <a:rPr lang="en-GB" sz="1200" dirty="0">
-                <a:solidFill>
-                  <a:srgbClr val="142273"/>
-                </a:solidFill>
-                <a:latin typeface="Mulish" pitchFamily="2" charset="77"/>
-              </a:rPr>
-              <a:t>Enrichment using LLM (</a:t>
-            </a:r>
-            <a:r>
-              <a:rPr lang="en-GB" sz="1200" dirty="0" err="1">
-                <a:solidFill>
-                  <a:srgbClr val="142273"/>
-                </a:solidFill>
-                <a:latin typeface="Mulish" pitchFamily="2" charset="77"/>
-              </a:rPr>
-              <a:t>Ollama</a:t>
-            </a:r>
-            <a:r>
-              <a:rPr lang="en-GB" sz="1200" dirty="0">
-                <a:solidFill>
-                  <a:srgbClr val="142273"/>
-                </a:solidFill>
-                <a:latin typeface="Mulish" pitchFamily="2" charset="77"/>
-              </a:rPr>
-              <a:t>) + Mistral for qualitative labelling</a:t>
-            </a:r>
-          </a:p>
-          <a:p>
-            <a:pPr marL="0" indent="0">
-              <a:buNone/>
-            </a:pPr>
+              <a:t>And ran sentiment models on each article.</a:t>
+            </a:r>
             <a:endParaRPr lang="en-GB" dirty="0"/>
           </a:p>
-          <a:p>
-            <a:pPr marL="0" indent="0">
-              <a:buNone/>
-            </a:pPr>
-            <a:endParaRPr lang="en-GB" dirty="0"/>
-          </a:p>
-          <a:p>
-            <a:pPr marL="0" indent="0">
-              <a:buNone/>
-            </a:pPr>
-            <a:r>
-              <a:rPr lang="en-GB" dirty="0"/>
-              <a:t>Pipeline Output: Cleaned CSV with loanword density, counts, top terms, sentiment, etc</a:t>
-            </a:r>
-          </a:p>
-        </p:txBody>
-      </p:sp>
-      <p:sp>
-        <p:nvSpPr>
-          <p:cNvPr id="4" name="Slide Number Placeholder 3"/>
+        </p:txBody>
+      </p:sp>
+      <p:sp>
+        <p:nvSpPr>
+          <p:cNvPr id="4" name="Slide Number Placeholder 3">
+            <a:extLst>
+              <a:ext uri="{FF2B5EF4-FFF2-40B4-BE49-F238E27FC236}">
+                <a16:creationId xmlns:a16="http://schemas.microsoft.com/office/drawing/2014/main" id="{952C4DDC-6DC9-D045-8764-678C3DEAE9E7}"/>
+              </a:ext>
+            </a:extLst>
+          </p:cNvPr>
           <p:cNvSpPr>
             <a:spLocks noGrp="1"/>
           </p:cNvSpPr>
@@ -1648,7 +1600,7 @@
     </p:spTree>
     <p:extLst>
       <p:ext uri="{BB962C8B-B14F-4D97-AF65-F5344CB8AC3E}">
-        <p14:creationId xmlns:p14="http://schemas.microsoft.com/office/powerpoint/2010/main" val="1435884"/>
+        <p14:creationId xmlns:p14="http://schemas.microsoft.com/office/powerpoint/2010/main" val="3833173505"/>
       </p:ext>
     </p:extLst>
   </p:cSld>
@@ -1663,7 +1615,13 @@
   <p:cSld>
     <p:spTree>
       <p:nvGrpSpPr>
-        <p:cNvPr id="1" name=""/>
+        <p:cNvPr id="1" name="">
+          <a:extLst>
+            <a:ext uri="{FF2B5EF4-FFF2-40B4-BE49-F238E27FC236}">
+              <a16:creationId xmlns:a16="http://schemas.microsoft.com/office/drawing/2014/main" id="{67D690F3-423C-AC7F-9888-B0A5C3EE884A}"/>
+            </a:ext>
+          </a:extLst>
+        </p:cNvPr>
         <p:cNvGrpSpPr/>
         <p:nvPr/>
       </p:nvGrpSpPr>
@@ -1677,7 +1635,13 @@
       </p:grpSpPr>
       <p:sp>
         <p:nvSpPr>
-          <p:cNvPr id="2" name="Slide Image Placeholder 1"/>
+          <p:cNvPr id="2" name="Slide Image Placeholder 1">
+            <a:extLst>
+              <a:ext uri="{FF2B5EF4-FFF2-40B4-BE49-F238E27FC236}">
+                <a16:creationId xmlns:a16="http://schemas.microsoft.com/office/drawing/2014/main" id="{FD651270-4CB2-8B8A-91B7-C5AA03F37462}"/>
+              </a:ext>
+            </a:extLst>
+          </p:cNvPr>
           <p:cNvSpPr>
             <a:spLocks noGrp="1" noRot="1" noChangeAspect="1"/>
           </p:cNvSpPr>
@@ -1689,7 +1653,13 @@
       </p:sp>
       <p:sp>
         <p:nvSpPr>
-          <p:cNvPr id="3" name="Notes Placeholder 2"/>
+          <p:cNvPr id="3" name="Notes Placeholder 2">
+            <a:extLst>
+              <a:ext uri="{FF2B5EF4-FFF2-40B4-BE49-F238E27FC236}">
+                <a16:creationId xmlns:a16="http://schemas.microsoft.com/office/drawing/2014/main" id="{0A6D3FB3-47D1-41EC-E313-EF1722335400}"/>
+              </a:ext>
+            </a:extLst>
+          </p:cNvPr>
           <p:cNvSpPr>
             <a:spLocks noGrp="1"/>
           </p:cNvSpPr>
@@ -1733,7 +1703,15 @@
           <a:p>
             <a:r>
               <a:rPr lang="en-GB" dirty="0"/>
-              <a:t>This supports the idea that Denglish is becoming more common, possibly accelerated by globalisation, tech growth, possibly even pandemic-era remote work and global digital culture.</a:t>
+              <a:t>This supports the idea that </a:t>
+            </a:r>
+            <a:r>
+              <a:rPr lang="en-GB" dirty="0" err="1"/>
+              <a:t>Denglish</a:t>
+            </a:r>
+            <a:r>
+              <a:rPr lang="en-GB" dirty="0"/>
+              <a:t> is becoming more common, possibly accelerated by globalisation, tech growth, possibly even pandemic-era remote work and global digital culture.</a:t>
             </a:r>
           </a:p>
           <a:p>
@@ -1776,11 +1754,44 @@
               <a:t>Visualisation: Line chart with shaded 95% confidence interval</a:t>
             </a:r>
           </a:p>
-        </p:txBody>
-      </p:sp>
-      <p:sp>
-        <p:nvSpPr>
-          <p:cNvPr id="4" name="Slide Number Placeholder 3"/>
+          <a:p>
+            <a:endParaRPr lang="en-GB" dirty="0"/>
+          </a:p>
+          <a:p>
+            <a:r>
+              <a:rPr lang="en-GB" dirty="0"/>
+              <a:t>Interestingly, we see a rise in English loanword usage through 2019 and early 2020, possibly linked to globalisation and digital trends.</a:t>
+            </a:r>
+          </a:p>
+          <a:p>
+            <a:endParaRPr lang="en-GB" dirty="0"/>
+          </a:p>
+          <a:p>
+            <a:r>
+              <a:rPr lang="en-GB" dirty="0"/>
+              <a:t>But from 2021 onwards, there’s a decline. </a:t>
+            </a:r>
+          </a:p>
+          <a:p>
+            <a:endParaRPr lang="en-GB" dirty="0"/>
+          </a:p>
+          <a:p>
+            <a:r>
+              <a:rPr lang="en-GB" dirty="0"/>
+              <a:t>This may reflect a shift in media tone during the pandemic or editorial moves towards clarity and native language.</a:t>
+            </a:r>
+          </a:p>
+        </p:txBody>
+      </p:sp>
+      <p:sp>
+        <p:nvSpPr>
+          <p:cNvPr id="4" name="Slide Number Placeholder 3">
+            <a:extLst>
+              <a:ext uri="{FF2B5EF4-FFF2-40B4-BE49-F238E27FC236}">
+                <a16:creationId xmlns:a16="http://schemas.microsoft.com/office/drawing/2014/main" id="{C8453067-1D40-6C29-2E56-9551F692F0E0}"/>
+              </a:ext>
+            </a:extLst>
+          </p:cNvPr>
           <p:cNvSpPr>
             <a:spLocks noGrp="1"/>
           </p:cNvSpPr>
@@ -1804,7 +1815,7 @@
     </p:spTree>
     <p:extLst>
       <p:ext uri="{BB962C8B-B14F-4D97-AF65-F5344CB8AC3E}">
-        <p14:creationId xmlns:p14="http://schemas.microsoft.com/office/powerpoint/2010/main" val="1304687558"/>
+        <p14:creationId xmlns:p14="http://schemas.microsoft.com/office/powerpoint/2010/main" val="1342356306"/>
       </p:ext>
     </p:extLst>
   </p:cSld>
@@ -1819,7 +1830,13 @@
   <p:cSld>
     <p:spTree>
       <p:nvGrpSpPr>
-        <p:cNvPr id="1" name=""/>
+        <p:cNvPr id="1" name="">
+          <a:extLst>
+            <a:ext uri="{FF2B5EF4-FFF2-40B4-BE49-F238E27FC236}">
+              <a16:creationId xmlns:a16="http://schemas.microsoft.com/office/drawing/2014/main" id="{42F34EFE-DA1C-B679-8AB4-22E4B7E4AF86}"/>
+            </a:ext>
+          </a:extLst>
+        </p:cNvPr>
         <p:cNvGrpSpPr/>
         <p:nvPr/>
       </p:nvGrpSpPr>
@@ -1833,7 +1850,13 @@
       </p:grpSpPr>
       <p:sp>
         <p:nvSpPr>
-          <p:cNvPr id="2" name="Slide Image Placeholder 1"/>
+          <p:cNvPr id="2" name="Slide Image Placeholder 1">
+            <a:extLst>
+              <a:ext uri="{FF2B5EF4-FFF2-40B4-BE49-F238E27FC236}">
+                <a16:creationId xmlns:a16="http://schemas.microsoft.com/office/drawing/2014/main" id="{489555A4-88FA-F945-31C0-33C5F3F0DCBA}"/>
+              </a:ext>
+            </a:extLst>
+          </p:cNvPr>
           <p:cNvSpPr>
             <a:spLocks noGrp="1" noRot="1" noChangeAspect="1"/>
           </p:cNvSpPr>
@@ -1845,7 +1868,13 @@
       </p:sp>
       <p:sp>
         <p:nvSpPr>
-          <p:cNvPr id="3" name="Notes Placeholder 2"/>
+          <p:cNvPr id="3" name="Notes Placeholder 2">
+            <a:extLst>
+              <a:ext uri="{FF2B5EF4-FFF2-40B4-BE49-F238E27FC236}">
+                <a16:creationId xmlns:a16="http://schemas.microsoft.com/office/drawing/2014/main" id="{26379723-E6C2-89F6-1863-19CB94FF231E}"/>
+              </a:ext>
+            </a:extLst>
+          </p:cNvPr>
           <p:cNvSpPr>
             <a:spLocks noGrp="1"/>
           </p:cNvSpPr>
@@ -1859,43 +1888,43 @@
           <a:lstStyle/>
           <a:p>
             <a:r>
-              <a:rPr lang="en-GB" dirty="0"/>
+              <a:rPr lang="en-GB" sz="3200" dirty="0"/>
               <a:t>This histogram (plot #2) shows the spread of the loanword usage across all articles. </a:t>
             </a:r>
           </a:p>
           <a:p>
-            <a:endParaRPr lang="en-GB" dirty="0"/>
-          </a:p>
-          <a:p>
-            <a:r>
-              <a:rPr lang="en-GB" dirty="0"/>
+            <a:endParaRPr lang="en-GB" sz="3200" dirty="0"/>
+          </a:p>
+          <a:p>
+            <a:r>
+              <a:rPr lang="en-GB" sz="3200" dirty="0"/>
               <a:t>Most articles use very few English words, but there a long tail of articles that use a lot, which suggests that certain types of content lean heavily into English. </a:t>
             </a:r>
           </a:p>
           <a:p>
-            <a:endParaRPr lang="en-GB" dirty="0"/>
-          </a:p>
-          <a:p>
-            <a:r>
-              <a:rPr lang="en-GB" dirty="0"/>
+            <a:endParaRPr lang="en-GB" sz="3200" dirty="0"/>
+          </a:p>
+          <a:p>
+            <a:r>
+              <a:rPr lang="en-GB" sz="3200" dirty="0"/>
               <a:t>And we will explore this further in later slides.</a:t>
             </a:r>
           </a:p>
           <a:p>
-            <a:endParaRPr lang="en-GB" dirty="0"/>
-          </a:p>
-          <a:p>
-            <a:r>
-              <a:rPr lang="en-GB" dirty="0"/>
+            <a:endParaRPr lang="en-GB" sz="3200" dirty="0"/>
+          </a:p>
+          <a:p>
+            <a:r>
+              <a:rPr lang="en-GB" sz="3200" dirty="0"/>
               <a:t>Insight: While most articles use few loanwords, a notable number are highly English influenced. </a:t>
             </a:r>
           </a:p>
           <a:p>
-            <a:endParaRPr lang="en-GB" dirty="0"/>
-          </a:p>
-          <a:p>
-            <a:r>
-              <a:rPr lang="en-GB" dirty="0"/>
+            <a:endParaRPr lang="en-GB" sz="3200" dirty="0"/>
+          </a:p>
+          <a:p>
+            <a:r>
+              <a:rPr lang="en-GB" sz="3200" dirty="0"/>
               <a:t>Visualisation: Histogram of loanword density across all articles</a:t>
             </a:r>
           </a:p>
@@ -1903,7 +1932,13 @@
       </p:sp>
       <p:sp>
         <p:nvSpPr>
-          <p:cNvPr id="4" name="Slide Number Placeholder 3"/>
+          <p:cNvPr id="4" name="Slide Number Placeholder 3">
+            <a:extLst>
+              <a:ext uri="{FF2B5EF4-FFF2-40B4-BE49-F238E27FC236}">
+                <a16:creationId xmlns:a16="http://schemas.microsoft.com/office/drawing/2014/main" id="{C664E12E-47BF-13E2-C86F-60D6AD3D0A33}"/>
+              </a:ext>
+            </a:extLst>
+          </p:cNvPr>
           <p:cNvSpPr>
             <a:spLocks noGrp="1"/>
           </p:cNvSpPr>
@@ -1927,7 +1962,7 @@
     </p:spTree>
     <p:extLst>
       <p:ext uri="{BB962C8B-B14F-4D97-AF65-F5344CB8AC3E}">
-        <p14:creationId xmlns:p14="http://schemas.microsoft.com/office/powerpoint/2010/main" val="2389666416"/>
+        <p14:creationId xmlns:p14="http://schemas.microsoft.com/office/powerpoint/2010/main" val="3505303645"/>
       </p:ext>
     </p:extLst>
   </p:cSld>
@@ -1942,7 +1977,13 @@
   <p:cSld>
     <p:spTree>
       <p:nvGrpSpPr>
-        <p:cNvPr id="1" name=""/>
+        <p:cNvPr id="1" name="">
+          <a:extLst>
+            <a:ext uri="{FF2B5EF4-FFF2-40B4-BE49-F238E27FC236}">
+              <a16:creationId xmlns:a16="http://schemas.microsoft.com/office/drawing/2014/main" id="{7ABA1102-52DB-C800-CAF5-4B84130CC30D}"/>
+            </a:ext>
+          </a:extLst>
+        </p:cNvPr>
         <p:cNvGrpSpPr/>
         <p:nvPr/>
       </p:nvGrpSpPr>
@@ -1956,7 +1997,13 @@
       </p:grpSpPr>
       <p:sp>
         <p:nvSpPr>
-          <p:cNvPr id="2" name="Slide Image Placeholder 1"/>
+          <p:cNvPr id="2" name="Slide Image Placeholder 1">
+            <a:extLst>
+              <a:ext uri="{FF2B5EF4-FFF2-40B4-BE49-F238E27FC236}">
+                <a16:creationId xmlns:a16="http://schemas.microsoft.com/office/drawing/2014/main" id="{F855FDAC-D429-E073-C390-9D8B3C05277F}"/>
+              </a:ext>
+            </a:extLst>
+          </p:cNvPr>
           <p:cNvSpPr>
             <a:spLocks noGrp="1" noRot="1" noChangeAspect="1"/>
           </p:cNvSpPr>
@@ -1968,7 +2015,13 @@
       </p:sp>
       <p:sp>
         <p:nvSpPr>
-          <p:cNvPr id="3" name="Notes Placeholder 2"/>
+          <p:cNvPr id="3" name="Notes Placeholder 2">
+            <a:extLst>
+              <a:ext uri="{FF2B5EF4-FFF2-40B4-BE49-F238E27FC236}">
+                <a16:creationId xmlns:a16="http://schemas.microsoft.com/office/drawing/2014/main" id="{6AF3BD1C-F950-62C0-B52E-1E57A70DA95F}"/>
+              </a:ext>
+            </a:extLst>
+          </p:cNvPr>
           <p:cNvSpPr>
             <a:spLocks noGrp="1"/>
           </p:cNvSpPr>
@@ -1982,57 +2035,57 @@
           <a:lstStyle/>
           <a:p>
             <a:r>
-              <a:rPr lang="en-GB" dirty="0"/>
-              <a:t>Here, I compared average loanword density by article domain. </a:t>
-            </a:r>
-          </a:p>
-          <a:p>
-            <a:endParaRPr lang="en-GB" dirty="0"/>
-          </a:p>
-          <a:p>
-            <a:r>
-              <a:rPr lang="en-GB" dirty="0"/>
-              <a:t>As expected, Business and Tech articles used more English than Politics or Lifestyle.</a:t>
-            </a:r>
-          </a:p>
-          <a:p>
-            <a:endParaRPr lang="en-GB" dirty="0"/>
-          </a:p>
-          <a:p>
-            <a:r>
-              <a:rPr lang="en-GB" dirty="0"/>
-              <a:t>This aligns with global branding and tech influence.</a:t>
-            </a:r>
-          </a:p>
-          <a:p>
-            <a:endParaRPr lang="en-GB" dirty="0"/>
-          </a:p>
-          <a:p>
-            <a:r>
-              <a:rPr lang="en-GB" dirty="0"/>
-              <a:t>And helps show where English is embedded in the content most.</a:t>
-            </a:r>
-          </a:p>
-          <a:p>
-            <a:endParaRPr lang="en-GB" dirty="0"/>
-          </a:p>
-          <a:p>
-            <a:r>
-              <a:rPr lang="en-GB" dirty="0"/>
-              <a:t>Insight: Business articles show consistently higher loanword usage compared to other topic areas.</a:t>
-            </a:r>
-          </a:p>
-          <a:p>
-            <a:endParaRPr lang="en-GB" dirty="0"/>
-          </a:p>
-          <a:p>
-            <a:endParaRPr lang="en-GB" dirty="0"/>
-          </a:p>
-        </p:txBody>
-      </p:sp>
-      <p:sp>
-        <p:nvSpPr>
-          <p:cNvPr id="4" name="Slide Number Placeholder 3"/>
+              <a:rPr lang="en-GB" sz="3200" dirty="0"/>
+              <a:t>This histogram (plot #2) shows the spread of the loanword usage across all articles. </a:t>
+            </a:r>
+          </a:p>
+          <a:p>
+            <a:endParaRPr lang="en-GB" sz="3200" dirty="0"/>
+          </a:p>
+          <a:p>
+            <a:r>
+              <a:rPr lang="en-GB" sz="3200" dirty="0"/>
+              <a:t>Most articles use very few English words, but there a long tail of articles that use a lot, which suggests that certain types of content lean heavily into English. </a:t>
+            </a:r>
+          </a:p>
+          <a:p>
+            <a:endParaRPr lang="en-GB" sz="3200" dirty="0"/>
+          </a:p>
+          <a:p>
+            <a:r>
+              <a:rPr lang="en-GB" sz="3200" dirty="0"/>
+              <a:t>And we will explore this further in later slides.</a:t>
+            </a:r>
+          </a:p>
+          <a:p>
+            <a:endParaRPr lang="en-GB" sz="3200" dirty="0"/>
+          </a:p>
+          <a:p>
+            <a:r>
+              <a:rPr lang="en-GB" sz="3200" dirty="0"/>
+              <a:t>Insight: While most articles use few loanwords, a notable number are highly English influenced. </a:t>
+            </a:r>
+          </a:p>
+          <a:p>
+            <a:endParaRPr lang="en-GB" sz="3200" dirty="0"/>
+          </a:p>
+          <a:p>
+            <a:r>
+              <a:rPr lang="en-GB" sz="3200" dirty="0"/>
+              <a:t>Visualisation: Histogram of loanword density across all articles</a:t>
+            </a:r>
+          </a:p>
+        </p:txBody>
+      </p:sp>
+      <p:sp>
+        <p:nvSpPr>
+          <p:cNvPr id="4" name="Slide Number Placeholder 3">
+            <a:extLst>
+              <a:ext uri="{FF2B5EF4-FFF2-40B4-BE49-F238E27FC236}">
+                <a16:creationId xmlns:a16="http://schemas.microsoft.com/office/drawing/2014/main" id="{BAD0AB66-D5C9-18C4-89DA-707F8C10D25B}"/>
+              </a:ext>
+            </a:extLst>
+          </p:cNvPr>
           <p:cNvSpPr>
             <a:spLocks noGrp="1"/>
           </p:cNvSpPr>
@@ -2056,7 +2109,7 @@
     </p:spTree>
     <p:extLst>
       <p:ext uri="{BB962C8B-B14F-4D97-AF65-F5344CB8AC3E}">
-        <p14:creationId xmlns:p14="http://schemas.microsoft.com/office/powerpoint/2010/main" val="2504636766"/>
+        <p14:creationId xmlns:p14="http://schemas.microsoft.com/office/powerpoint/2010/main" val="986264182"/>
       </p:ext>
     </p:extLst>
   </p:cSld>
@@ -2071,7 +2124,13 @@
   <p:cSld>
     <p:spTree>
       <p:nvGrpSpPr>
-        <p:cNvPr id="1" name=""/>
+        <p:cNvPr id="1" name="">
+          <a:extLst>
+            <a:ext uri="{FF2B5EF4-FFF2-40B4-BE49-F238E27FC236}">
+              <a16:creationId xmlns:a16="http://schemas.microsoft.com/office/drawing/2014/main" id="{8CD3A96E-543C-DDA3-6A8E-1CC0D02319AC}"/>
+            </a:ext>
+          </a:extLst>
+        </p:cNvPr>
         <p:cNvGrpSpPr/>
         <p:nvPr/>
       </p:nvGrpSpPr>
@@ -2085,7 +2144,13 @@
       </p:grpSpPr>
       <p:sp>
         <p:nvSpPr>
-          <p:cNvPr id="2" name="Slide Image Placeholder 1"/>
+          <p:cNvPr id="2" name="Slide Image Placeholder 1">
+            <a:extLst>
+              <a:ext uri="{FF2B5EF4-FFF2-40B4-BE49-F238E27FC236}">
+                <a16:creationId xmlns:a16="http://schemas.microsoft.com/office/drawing/2014/main" id="{D8E58205-78CB-4F0D-11D0-1702B9CC88BB}"/>
+              </a:ext>
+            </a:extLst>
+          </p:cNvPr>
           <p:cNvSpPr>
             <a:spLocks noGrp="1" noRot="1" noChangeAspect="1"/>
           </p:cNvSpPr>
@@ -2097,7 +2162,13 @@
       </p:sp>
       <p:sp>
         <p:nvSpPr>
-          <p:cNvPr id="3" name="Notes Placeholder 2"/>
+          <p:cNvPr id="3" name="Notes Placeholder 2">
+            <a:extLst>
+              <a:ext uri="{FF2B5EF4-FFF2-40B4-BE49-F238E27FC236}">
+                <a16:creationId xmlns:a16="http://schemas.microsoft.com/office/drawing/2014/main" id="{6CB92FEC-CACF-CCBC-92D4-C2179F59C79A}"/>
+              </a:ext>
+            </a:extLst>
+          </p:cNvPr>
           <p:cNvSpPr>
             <a:spLocks noGrp="1"/>
           </p:cNvSpPr>
@@ -2111,61 +2182,61 @@
           <a:lstStyle/>
           <a:p>
             <a:r>
-              <a:rPr lang="en-GB" dirty="0"/>
+              <a:rPr lang="en-GB" sz="3200" dirty="0"/>
               <a:t>Insight: English appears more in upbeat, aspirational articles – possible signalling positivity.</a:t>
             </a:r>
           </a:p>
           <a:p>
-            <a:endParaRPr lang="en-GB" dirty="0"/>
-          </a:p>
-          <a:p>
-            <a:r>
-              <a:rPr lang="en-GB" dirty="0"/>
+            <a:endParaRPr lang="en-GB" sz="3200" dirty="0"/>
+          </a:p>
+          <a:p>
+            <a:r>
+              <a:rPr lang="en-GB" sz="3200" dirty="0"/>
               <a:t>Visualisation: Boxplot of loanword density by sentiment label.</a:t>
             </a:r>
           </a:p>
           <a:p>
-            <a:endParaRPr lang="en-GB" dirty="0"/>
-          </a:p>
-          <a:p>
-            <a:r>
-              <a:rPr lang="en-GB" dirty="0"/>
+            <a:endParaRPr lang="en-GB" sz="3200" dirty="0"/>
+          </a:p>
+          <a:p>
+            <a:r>
+              <a:rPr lang="en-GB" sz="3200" dirty="0"/>
               <a:t>In this boxplot, articles with higher English loanword density tend to show more positive sentiment. </a:t>
             </a:r>
           </a:p>
           <a:p>
-            <a:endParaRPr lang="en-GB" dirty="0"/>
-          </a:p>
-          <a:p>
-            <a:r>
-              <a:rPr lang="en-GB" dirty="0"/>
+            <a:endParaRPr lang="en-GB" sz="3200" dirty="0"/>
+          </a:p>
+          <a:p>
+            <a:r>
+              <a:rPr lang="en-GB" sz="3200" dirty="0"/>
               <a:t>In fact, there’s a modest positive correlation here – meaning the more English loanwords an article uses, the more likely its overall tone is upbeat or aspirational.</a:t>
             </a:r>
           </a:p>
           <a:p>
-            <a:endParaRPr lang="en-GB" dirty="0"/>
-          </a:p>
-          <a:p>
-            <a:r>
-              <a:rPr lang="en-GB" dirty="0"/>
+            <a:endParaRPr lang="en-GB" sz="3200" dirty="0"/>
+          </a:p>
+          <a:p>
+            <a:r>
+              <a:rPr lang="en-GB" sz="3200" dirty="0"/>
               <a:t>This might reflect how English words are used in German media not just for clarity, but to signal ambition, trendiness, or international relevance.</a:t>
             </a:r>
           </a:p>
           <a:p>
-            <a:endParaRPr lang="en-GB" dirty="0"/>
-          </a:p>
-          <a:p>
-            <a:r>
-              <a:rPr lang="en-GB" dirty="0"/>
+            <a:endParaRPr lang="en-GB" sz="3200" dirty="0"/>
+          </a:p>
+          <a:p>
+            <a:r>
+              <a:rPr lang="en-GB" sz="3200" dirty="0"/>
               <a:t>Think of terms like “Startup” or “Performance”. They carry energy and modernity. </a:t>
             </a:r>
           </a:p>
           <a:p>
-            <a:endParaRPr lang="en-GB" dirty="0"/>
-          </a:p>
-          <a:p>
-            <a:r>
-              <a:rPr lang="en-GB" dirty="0"/>
+            <a:endParaRPr lang="en-GB" sz="3200" dirty="0"/>
+          </a:p>
+          <a:p>
+            <a:r>
+              <a:rPr lang="en-GB" sz="3200" dirty="0"/>
               <a:t>When you read these kinds of words in a German, Spanish, French article, what feeling do they evoke?</a:t>
             </a:r>
           </a:p>
@@ -2173,7 +2244,13 @@
       </p:sp>
       <p:sp>
         <p:nvSpPr>
-          <p:cNvPr id="4" name="Slide Number Placeholder 3"/>
+          <p:cNvPr id="4" name="Slide Number Placeholder 3">
+            <a:extLst>
+              <a:ext uri="{FF2B5EF4-FFF2-40B4-BE49-F238E27FC236}">
+                <a16:creationId xmlns:a16="http://schemas.microsoft.com/office/drawing/2014/main" id="{2DF82AE1-E68D-D09F-0DD7-B6E62B69CF87}"/>
+              </a:ext>
+            </a:extLst>
+          </p:cNvPr>
           <p:cNvSpPr>
             <a:spLocks noGrp="1"/>
           </p:cNvSpPr>
@@ -2197,7 +2274,7 @@
     </p:spTree>
     <p:extLst>
       <p:ext uri="{BB962C8B-B14F-4D97-AF65-F5344CB8AC3E}">
-        <p14:creationId xmlns:p14="http://schemas.microsoft.com/office/powerpoint/2010/main" val="2210497191"/>
+        <p14:creationId xmlns:p14="http://schemas.microsoft.com/office/powerpoint/2010/main" val="551413986"/>
       </p:ext>
     </p:extLst>
   </p:cSld>
@@ -2212,7 +2289,13 @@
   <p:cSld>
     <p:spTree>
       <p:nvGrpSpPr>
-        <p:cNvPr id="1" name=""/>
+        <p:cNvPr id="1" name="">
+          <a:extLst>
+            <a:ext uri="{FF2B5EF4-FFF2-40B4-BE49-F238E27FC236}">
+              <a16:creationId xmlns:a16="http://schemas.microsoft.com/office/drawing/2014/main" id="{3527F2D1-AD52-6072-F8B3-47BB9146C5FE}"/>
+            </a:ext>
+          </a:extLst>
+        </p:cNvPr>
         <p:cNvGrpSpPr/>
         <p:nvPr/>
       </p:nvGrpSpPr>
@@ -2226,7 +2309,13 @@
       </p:grpSpPr>
       <p:sp>
         <p:nvSpPr>
-          <p:cNvPr id="2" name="Slide Image Placeholder 1"/>
+          <p:cNvPr id="2" name="Slide Image Placeholder 1">
+            <a:extLst>
+              <a:ext uri="{FF2B5EF4-FFF2-40B4-BE49-F238E27FC236}">
+                <a16:creationId xmlns:a16="http://schemas.microsoft.com/office/drawing/2014/main" id="{20F8C00A-BB76-FAE5-CB01-E46E9E3BB45B}"/>
+              </a:ext>
+            </a:extLst>
+          </p:cNvPr>
           <p:cNvSpPr>
             <a:spLocks noGrp="1" noRot="1" noChangeAspect="1"/>
           </p:cNvSpPr>
@@ -2238,7 +2327,13 @@
       </p:sp>
       <p:sp>
         <p:nvSpPr>
-          <p:cNvPr id="3" name="Notes Placeholder 2"/>
+          <p:cNvPr id="3" name="Notes Placeholder 2">
+            <a:extLst>
+              <a:ext uri="{FF2B5EF4-FFF2-40B4-BE49-F238E27FC236}">
+                <a16:creationId xmlns:a16="http://schemas.microsoft.com/office/drawing/2014/main" id="{31764FFF-8843-043F-B1E5-B3BE4A601C77}"/>
+              </a:ext>
+            </a:extLst>
+          </p:cNvPr>
           <p:cNvSpPr>
             <a:spLocks noGrp="1"/>
           </p:cNvSpPr>
@@ -2431,7 +2526,13 @@
       </p:sp>
       <p:sp>
         <p:nvSpPr>
-          <p:cNvPr id="4" name="Slide Number Placeholder 3"/>
+          <p:cNvPr id="4" name="Slide Number Placeholder 3">
+            <a:extLst>
+              <a:ext uri="{FF2B5EF4-FFF2-40B4-BE49-F238E27FC236}">
+                <a16:creationId xmlns:a16="http://schemas.microsoft.com/office/drawing/2014/main" id="{3CE720EA-3B95-5B29-CF4C-799571206A0C}"/>
+              </a:ext>
+            </a:extLst>
+          </p:cNvPr>
           <p:cNvSpPr>
             <a:spLocks noGrp="1"/>
           </p:cNvSpPr>
@@ -2455,7 +2556,7 @@
     </p:spTree>
     <p:extLst>
       <p:ext uri="{BB962C8B-B14F-4D97-AF65-F5344CB8AC3E}">
-        <p14:creationId xmlns:p14="http://schemas.microsoft.com/office/powerpoint/2010/main" val="2420135436"/>
+        <p14:creationId xmlns:p14="http://schemas.microsoft.com/office/powerpoint/2010/main" val="3649055021"/>
       </p:ext>
     </p:extLst>
   </p:cSld>
@@ -2470,7 +2571,13 @@
   <p:cSld>
     <p:spTree>
       <p:nvGrpSpPr>
-        <p:cNvPr id="1" name=""/>
+        <p:cNvPr id="1" name="">
+          <a:extLst>
+            <a:ext uri="{FF2B5EF4-FFF2-40B4-BE49-F238E27FC236}">
+              <a16:creationId xmlns:a16="http://schemas.microsoft.com/office/drawing/2014/main" id="{753EC176-E2A4-21D6-C7AA-F700714E3EBA}"/>
+            </a:ext>
+          </a:extLst>
+        </p:cNvPr>
         <p:cNvGrpSpPr/>
         <p:nvPr/>
       </p:nvGrpSpPr>
@@ -2484,7 +2591,13 @@
       </p:grpSpPr>
       <p:sp>
         <p:nvSpPr>
-          <p:cNvPr id="2" name="Slide Image Placeholder 1"/>
+          <p:cNvPr id="2" name="Slide Image Placeholder 1">
+            <a:extLst>
+              <a:ext uri="{FF2B5EF4-FFF2-40B4-BE49-F238E27FC236}">
+                <a16:creationId xmlns:a16="http://schemas.microsoft.com/office/drawing/2014/main" id="{1D95895C-AB62-8F04-2108-A38FE8DE3D49}"/>
+              </a:ext>
+            </a:extLst>
+          </p:cNvPr>
           <p:cNvSpPr>
             <a:spLocks noGrp="1" noRot="1" noChangeAspect="1"/>
           </p:cNvSpPr>
@@ -2496,7 +2609,13 @@
       </p:sp>
       <p:sp>
         <p:nvSpPr>
-          <p:cNvPr id="3" name="Notes Placeholder 2"/>
+          <p:cNvPr id="3" name="Notes Placeholder 2">
+            <a:extLst>
+              <a:ext uri="{FF2B5EF4-FFF2-40B4-BE49-F238E27FC236}">
+                <a16:creationId xmlns:a16="http://schemas.microsoft.com/office/drawing/2014/main" id="{440E38A7-267F-0A97-A4CB-739E5A9802DE}"/>
+              </a:ext>
+            </a:extLst>
+          </p:cNvPr>
           <p:cNvSpPr>
             <a:spLocks noGrp="1"/>
           </p:cNvSpPr>
@@ -2510,16 +2629,16 @@
           <a:lstStyle/>
           <a:p>
             <a:r>
-              <a:rPr lang="en-GB" dirty="0"/>
+              <a:rPr lang="en-GB" sz="3200" dirty="0"/>
               <a:t>Insight: Many words come from business, tech and HR culture – showing domains / topic of influence.</a:t>
             </a:r>
           </a:p>
           <a:p>
-            <a:endParaRPr lang="en-GB" dirty="0"/>
-          </a:p>
-          <a:p>
-            <a:r>
-              <a:rPr lang="en-GB" dirty="0"/>
+            <a:endParaRPr lang="en-GB" sz="3200" dirty="0"/>
+          </a:p>
+          <a:p>
+            <a:r>
+              <a:rPr lang="en-GB" sz="3200" dirty="0"/>
               <a:t>Visualisation: Horizontal bar chart of top 10 loanwords by frequency</a:t>
             </a:r>
           </a:p>
@@ -2527,7 +2646,13 @@
       </p:sp>
       <p:sp>
         <p:nvSpPr>
-          <p:cNvPr id="4" name="Slide Number Placeholder 3"/>
+          <p:cNvPr id="4" name="Slide Number Placeholder 3">
+            <a:extLst>
+              <a:ext uri="{FF2B5EF4-FFF2-40B4-BE49-F238E27FC236}">
+                <a16:creationId xmlns:a16="http://schemas.microsoft.com/office/drawing/2014/main" id="{7B0644D5-F702-DC07-F163-714705237CD5}"/>
+              </a:ext>
+            </a:extLst>
+          </p:cNvPr>
           <p:cNvSpPr>
             <a:spLocks noGrp="1"/>
           </p:cNvSpPr>
@@ -2551,7 +2676,7 @@
     </p:spTree>
     <p:extLst>
       <p:ext uri="{BB962C8B-B14F-4D97-AF65-F5344CB8AC3E}">
-        <p14:creationId xmlns:p14="http://schemas.microsoft.com/office/powerpoint/2010/main" val="1219879158"/>
+        <p14:creationId xmlns:p14="http://schemas.microsoft.com/office/powerpoint/2010/main" val="2518561116"/>
       </p:ext>
     </p:extLst>
   </p:cSld>
@@ -2708,7 +2833,7 @@
           <a:p>
             <a:fld id="{4EE7A2BD-3271-AE44-A1D3-D8AF76639709}" type="datetimeFigureOut">
               <a:rPr lang="en-GB" smtClean="0"/>
-              <a:t>01/04/2025</a:t>
+              <a:t>05/04/2025</a:t>
             </a:fld>
             <a:endParaRPr lang="en-GB"/>
           </a:p>
@@ -2906,7 +3031,7 @@
           <a:p>
             <a:fld id="{4EE7A2BD-3271-AE44-A1D3-D8AF76639709}" type="datetimeFigureOut">
               <a:rPr lang="en-GB" smtClean="0"/>
-              <a:t>01/04/2025</a:t>
+              <a:t>05/04/2025</a:t>
             </a:fld>
             <a:endParaRPr lang="en-GB"/>
           </a:p>
@@ -3114,7 +3239,7 @@
           <a:p>
             <a:fld id="{4EE7A2BD-3271-AE44-A1D3-D8AF76639709}" type="datetimeFigureOut">
               <a:rPr lang="en-GB" smtClean="0"/>
-              <a:t>01/04/2025</a:t>
+              <a:t>05/04/2025</a:t>
             </a:fld>
             <a:endParaRPr lang="en-GB"/>
           </a:p>
@@ -3312,7 +3437,7 @@
           <a:p>
             <a:fld id="{4EE7A2BD-3271-AE44-A1D3-D8AF76639709}" type="datetimeFigureOut">
               <a:rPr lang="en-GB" smtClean="0"/>
-              <a:t>01/04/2025</a:t>
+              <a:t>05/04/2025</a:t>
             </a:fld>
             <a:endParaRPr lang="en-GB"/>
           </a:p>
@@ -3587,7 +3712,7 @@
           <a:p>
             <a:fld id="{4EE7A2BD-3271-AE44-A1D3-D8AF76639709}" type="datetimeFigureOut">
               <a:rPr lang="en-GB" smtClean="0"/>
-              <a:t>01/04/2025</a:t>
+              <a:t>05/04/2025</a:t>
             </a:fld>
             <a:endParaRPr lang="en-GB"/>
           </a:p>
@@ -3852,7 +3977,7 @@
           <a:p>
             <a:fld id="{4EE7A2BD-3271-AE44-A1D3-D8AF76639709}" type="datetimeFigureOut">
               <a:rPr lang="en-GB" smtClean="0"/>
-              <a:t>01/04/2025</a:t>
+              <a:t>05/04/2025</a:t>
             </a:fld>
             <a:endParaRPr lang="en-GB"/>
           </a:p>
@@ -4264,7 +4389,7 @@
           <a:p>
             <a:fld id="{4EE7A2BD-3271-AE44-A1D3-D8AF76639709}" type="datetimeFigureOut">
               <a:rPr lang="en-GB" smtClean="0"/>
-              <a:t>01/04/2025</a:t>
+              <a:t>05/04/2025</a:t>
             </a:fld>
             <a:endParaRPr lang="en-GB"/>
           </a:p>
@@ -4405,7 +4530,7 @@
           <a:p>
             <a:fld id="{4EE7A2BD-3271-AE44-A1D3-D8AF76639709}" type="datetimeFigureOut">
               <a:rPr lang="en-GB" smtClean="0"/>
-              <a:t>01/04/2025</a:t>
+              <a:t>05/04/2025</a:t>
             </a:fld>
             <a:endParaRPr lang="en-GB"/>
           </a:p>
@@ -4518,7 +4643,7 @@
           <a:p>
             <a:fld id="{4EE7A2BD-3271-AE44-A1D3-D8AF76639709}" type="datetimeFigureOut">
               <a:rPr lang="en-GB" smtClean="0"/>
-              <a:t>01/04/2025</a:t>
+              <a:t>05/04/2025</a:t>
             </a:fld>
             <a:endParaRPr lang="en-GB"/>
           </a:p>
@@ -4829,7 +4954,7 @@
           <a:p>
             <a:fld id="{4EE7A2BD-3271-AE44-A1D3-D8AF76639709}" type="datetimeFigureOut">
               <a:rPr lang="en-GB" smtClean="0"/>
-              <a:t>01/04/2025</a:t>
+              <a:t>05/04/2025</a:t>
             </a:fld>
             <a:endParaRPr lang="en-GB"/>
           </a:p>
@@ -5117,7 +5242,7 @@
           <a:p>
             <a:fld id="{4EE7A2BD-3271-AE44-A1D3-D8AF76639709}" type="datetimeFigureOut">
               <a:rPr lang="en-GB" smtClean="0"/>
-              <a:t>01/04/2025</a:t>
+              <a:t>05/04/2025</a:t>
             </a:fld>
             <a:endParaRPr lang="en-GB"/>
           </a:p>
@@ -5194,9 +5319,30 @@
 <p:sldMaster xmlns:a="http://schemas.openxmlformats.org/drawingml/2006/main" xmlns:r="http://schemas.openxmlformats.org/officeDocument/2006/relationships" xmlns:p="http://schemas.openxmlformats.org/presentationml/2006/main">
   <p:cSld>
     <p:bg>
-      <p:bgRef idx="1001">
-        <a:schemeClr val="bg1"/>
-      </p:bgRef>
+      <p:bgPr>
+        <a:gradFill flip="none" rotWithShape="1">
+          <a:gsLst>
+            <a:gs pos="24000">
+              <a:srgbClr val="F2F2F2"/>
+            </a:gs>
+            <a:gs pos="51000">
+              <a:srgbClr val="D8D0F2"/>
+            </a:gs>
+            <a:gs pos="100000">
+              <a:srgbClr val="D930AC">
+                <a:alpha val="34743"/>
+                <a:lumMod val="99929"/>
+                <a:lumOff val="71"/>
+              </a:srgbClr>
+            </a:gs>
+          </a:gsLst>
+          <a:path path="circle">
+            <a:fillToRect r="100000" b="100000"/>
+          </a:path>
+          <a:tileRect l="-100000" t="-100000"/>
+        </a:gradFill>
+        <a:effectLst/>
+      </p:bgPr>
     </p:bg>
     <p:spTree>
       <p:nvGrpSpPr>
@@ -5358,7 +5504,7 @@
           <a:p>
             <a:fld id="{4EE7A2BD-3271-AE44-A1D3-D8AF76639709}" type="datetimeFigureOut">
               <a:rPr lang="en-GB" smtClean="0"/>
-              <a:t>01/04/2025</a:t>
+              <a:t>05/04/2025</a:t>
             </a:fld>
             <a:endParaRPr lang="en-GB"/>
           </a:p>
@@ -5764,7 +5910,7 @@
     <p:bg>
       <p:bgPr>
         <a:solidFill>
-          <a:srgbClr val="F2F2F2"/>
+          <a:srgbClr val="D64025"/>
         </a:solidFill>
         <a:effectLst/>
       </p:bgPr>
@@ -6506,7 +6652,7 @@
                 <a:avLst/>
               </a:prstGeom>
               <a:solidFill>
-                <a:srgbClr val="D8D0F2"/>
+                <a:srgbClr val="EEECE8"/>
               </a:solidFill>
               <a:ln>
                 <a:noFill/>
@@ -7592,8 +7738,8 @@
         </p:nvSpPr>
         <p:spPr>
           <a:xfrm>
-            <a:off x="1523999" y="1441544"/>
-            <a:ext cx="9144000" cy="2387600"/>
+            <a:off x="2245537" y="4774110"/>
+            <a:ext cx="9769080" cy="1901360"/>
           </a:xfrm>
         </p:spPr>
         <p:txBody>
@@ -7602,22 +7748,42 @@
           </a:bodyPr>
           <a:lstStyle/>
           <a:p>
+            <a:pPr algn="r"/>
+            <a:r>
+              <a:rPr lang="en-GB" b="1" dirty="0" err="1">
+                <a:solidFill>
+                  <a:srgbClr val="EEECE8"/>
+                </a:solidFill>
+                <a:latin typeface="Hanken Grotesk" pitchFamily="2" charset="77"/>
+                <a:cs typeface="Speak Pro" panose="020F0502020204030204" pitchFamily="34" charset="0"/>
+              </a:rPr>
+              <a:t>english</a:t>
+            </a:r>
             <a:r>
               <a:rPr lang="en-GB" b="1" dirty="0">
                 <a:solidFill>
-                  <a:srgbClr val="142273"/>
+                  <a:srgbClr val="EEECE8"/>
                 </a:solidFill>
-                <a:latin typeface="Space Mono" panose="02010509030202000204" pitchFamily="49" charset="77"/>
+                <a:latin typeface="Hanken Grotesk" pitchFamily="2" charset="77"/>
                 <a:cs typeface="Speak Pro" panose="020F0502020204030204" pitchFamily="34" charset="0"/>
               </a:rPr>
-              <a:t>English Influence </a:t>
-            </a:r>
-            <a:r>
+              <a:t> influence </a:t>
+            </a:r>
+            <a:br>
               <a:rPr lang="en-GB" b="1" dirty="0">
                 <a:solidFill>
-                  <a:srgbClr val="142273"/>
+                  <a:srgbClr val="EEECE8"/>
                 </a:solidFill>
-                <a:latin typeface="Space Mono" panose="02010509030202000204" pitchFamily="49" charset="77"/>
+                <a:latin typeface="Hanken Grotesk" pitchFamily="2" charset="77"/>
+                <a:cs typeface="Speak Pro" panose="020F0502020204030204" pitchFamily="34" charset="0"/>
+              </a:rPr>
+            </a:br>
+            <a:r>
+              <a:rPr lang="en-GB" b="1" dirty="0">
+                <a:solidFill>
+                  <a:srgbClr val="EEECE8"/>
+                </a:solidFill>
+                <a:latin typeface="Hanken Grotesk" pitchFamily="2" charset="77"/>
                 <a:cs typeface="Aptos Mono" panose="020F0502020204030204" pitchFamily="34" charset="0"/>
               </a:rPr>
               <a:t>on</a:t>
@@ -7625,12 +7791,32 @@
             <a:r>
               <a:rPr lang="en-GB" b="1" dirty="0">
                 <a:solidFill>
-                  <a:srgbClr val="142273"/>
+                  <a:srgbClr val="EEECE8"/>
                 </a:solidFill>
-                <a:latin typeface="Space Mono" panose="02010509030202000204" pitchFamily="49" charset="77"/>
+                <a:latin typeface="Hanken Grotesk" pitchFamily="2" charset="77"/>
                 <a:cs typeface="Speak Pro" panose="020F0502020204030204" pitchFamily="34" charset="0"/>
               </a:rPr>
-              <a:t> German Language</a:t>
+              <a:t> </a:t>
+            </a:r>
+            <a:r>
+              <a:rPr lang="en-GB" b="1" dirty="0" err="1">
+                <a:solidFill>
+                  <a:srgbClr val="EEECE8"/>
+                </a:solidFill>
+                <a:latin typeface="Hanken Grotesk" pitchFamily="2" charset="77"/>
+                <a:cs typeface="Speak Pro" panose="020F0502020204030204" pitchFamily="34" charset="0"/>
+              </a:rPr>
+              <a:t>german</a:t>
+            </a:r>
+            <a:r>
+              <a:rPr lang="en-GB" b="1" dirty="0">
+                <a:solidFill>
+                  <a:srgbClr val="EEECE8"/>
+                </a:solidFill>
+                <a:latin typeface="Hanken Grotesk" pitchFamily="2" charset="77"/>
+                <a:cs typeface="Speak Pro" panose="020F0502020204030204" pitchFamily="34" charset="0"/>
+              </a:rPr>
+              <a:t> language</a:t>
             </a:r>
           </a:p>
         </p:txBody>
@@ -7653,8 +7839,8 @@
         </p:nvSpPr>
         <p:spPr>
           <a:xfrm>
-            <a:off x="1523999" y="4055636"/>
-            <a:ext cx="9144000" cy="1655762"/>
+            <a:off x="2737492" y="4597761"/>
+            <a:ext cx="9144000" cy="402885"/>
           </a:xfrm>
         </p:spPr>
         <p:txBody>
@@ -7663,43 +7849,16 @@
           </a:bodyPr>
           <a:lstStyle/>
           <a:p>
-            <a:r>
-              <a:rPr lang="en-GB" sz="3600" dirty="0">
+            <a:pPr algn="r"/>
+            <a:r>
+              <a:rPr lang="en-GB" sz="1800" dirty="0">
                 <a:solidFill>
-                  <a:srgbClr val="142273"/>
+                  <a:srgbClr val="EEECE8"/>
                 </a:solidFill>
-                <a:latin typeface="Mulish" pitchFamily="2" charset="77"/>
+                <a:latin typeface="Barlow Light" pitchFamily="2" charset="77"/>
+                <a:ea typeface="Roboto Condensed Light" panose="02000000000000000000" pitchFamily="2" charset="0"/>
               </a:rPr>
-              <a:t>Exploring </a:t>
-            </a:r>
-            <a:r>
-              <a:rPr lang="en-GB" sz="3600" b="1" dirty="0">
-                <a:solidFill>
-                  <a:srgbClr val="142273"/>
-                </a:solidFill>
-                <a:latin typeface="Mulish" pitchFamily="2" charset="77"/>
-              </a:rPr>
-              <a:t>Denglish</a:t>
-            </a:r>
-            <a:r>
-              <a:rPr lang="en-GB" sz="3600" dirty="0">
-                <a:solidFill>
-                  <a:srgbClr val="142273"/>
-                </a:solidFill>
-                <a:latin typeface="Mulish" pitchFamily="2" charset="77"/>
-              </a:rPr>
-              <a:t> </a:t>
-            </a:r>
-          </a:p>
-          <a:p>
-            <a:r>
-              <a:rPr lang="en-GB" sz="3600" dirty="0">
-                <a:solidFill>
-                  <a:srgbClr val="142273"/>
-                </a:solidFill>
-                <a:latin typeface="Mulish" pitchFamily="2" charset="77"/>
-              </a:rPr>
-              <a:t>Through Data and NLP</a:t>
+              <a:t>EXPLORING DENGLISH THROUGH DATA AND NLP</a:t>
             </a:r>
           </a:p>
         </p:txBody>
@@ -7723,7 +7882,7 @@
     <p:bg>
       <p:bgPr>
         <a:solidFill>
-          <a:srgbClr val="F2F2F2"/>
+          <a:srgbClr val="D64025"/>
         </a:solidFill>
         <a:effectLst/>
       </p:bgPr>
@@ -7747,7 +7906,7 @@
           <p:cNvPr id="2" name="Title 1">
             <a:extLst>
               <a:ext uri="{FF2B5EF4-FFF2-40B4-BE49-F238E27FC236}">
-                <a16:creationId xmlns:a16="http://schemas.microsoft.com/office/drawing/2014/main" id="{BD4B6237-4A2B-4CC9-C3BA-999AA1DE25A1}"/>
+                <a16:creationId xmlns:a16="http://schemas.microsoft.com/office/drawing/2014/main" id="{685A8BB7-2222-9A98-3D3E-D0F532D245DC}"/>
               </a:ext>
             </a:extLst>
           </p:cNvPr>
@@ -7759,28 +7918,34 @@
           </p:nvPr>
         </p:nvSpPr>
         <p:spPr>
-          <a:solidFill>
-            <a:srgbClr val="D8D0F2"/>
-          </a:solidFill>
+          <a:xfrm>
+            <a:off x="402102" y="2798835"/>
+            <a:ext cx="7236655" cy="954000"/>
+          </a:xfrm>
+          <a:noFill/>
           <a:ln w="50800">
-            <a:solidFill>
-              <a:srgbClr val="142273"/>
-            </a:solidFill>
+            <a:noFill/>
           </a:ln>
         </p:spPr>
         <p:txBody>
-          <a:bodyPr/>
+          <a:bodyPr>
+            <a:normAutofit/>
+          </a:bodyPr>
           <a:lstStyle/>
           <a:p>
-            <a:pPr algn="ctr"/>
-            <a:r>
-              <a:rPr lang="en-GB" b="1" dirty="0">
+            <a:pPr>
+              <a:lnSpc>
+                <a:spcPct val="100000"/>
+              </a:lnSpc>
+            </a:pPr>
+            <a:r>
+              <a:rPr lang="en-GB" sz="4800" b="1" dirty="0">
                 <a:solidFill>
-                  <a:srgbClr val="142273"/>
+                  <a:srgbClr val="EEECE8"/>
                 </a:solidFill>
-                <a:latin typeface="Space Mono" panose="02010509030202000204" pitchFamily="49" charset="77"/>
+                <a:latin typeface="Hanken Grotesk" pitchFamily="2" charset="77"/>
               </a:rPr>
-              <a:t>Qualitative Insights (LLM)</a:t>
+              <a:t>Conclusion &amp; Takeaways</a:t>
             </a:r>
           </a:p>
         </p:txBody>
@@ -7790,7 +7955,7 @@
           <p:cNvPr id="3" name="Content Placeholder 2">
             <a:extLst>
               <a:ext uri="{FF2B5EF4-FFF2-40B4-BE49-F238E27FC236}">
-                <a16:creationId xmlns:a16="http://schemas.microsoft.com/office/drawing/2014/main" id="{84A8438B-7CD1-6DFB-BA7F-1EA7225C5F45}"/>
+                <a16:creationId xmlns:a16="http://schemas.microsoft.com/office/drawing/2014/main" id="{1E947FA3-D852-BDFA-C63B-4A2893AE5BDD}"/>
               </a:ext>
             </a:extLst>
           </p:cNvPr>
@@ -7801,358 +7966,257 @@
             <p:ph idx="1"/>
           </p:nvPr>
         </p:nvSpPr>
-        <p:spPr/>
-        <p:txBody>
-          <a:bodyPr/>
+        <p:spPr>
+          <a:xfrm>
+            <a:off x="402102" y="4456283"/>
+            <a:ext cx="10515600" cy="1990288"/>
+          </a:xfrm>
+        </p:spPr>
+        <p:txBody>
+          <a:bodyPr>
+            <a:spAutoFit/>
+          </a:bodyPr>
           <a:lstStyle/>
           <a:p>
             <a:pPr marL="0" indent="0">
               <a:buNone/>
             </a:pPr>
             <a:r>
-              <a:rPr lang="en-GB" dirty="0"/>
-              <a:t>Why Are These Words Used?</a:t>
+              <a:rPr lang="en-GB" sz="2000" dirty="0">
+                <a:solidFill>
+                  <a:srgbClr val="EEECE8"/>
+                </a:solidFill>
+                <a:latin typeface="Inter Thin" panose="02000503000000020004" pitchFamily="2" charset="0"/>
+                <a:ea typeface="Inter Thin" panose="02000503000000020004" pitchFamily="2" charset="0"/>
+              </a:rPr>
+              <a:t>Impact</a:t>
+            </a:r>
+            <a:r>
+              <a:rPr lang="en-GB" sz="2000" dirty="0">
+                <a:solidFill>
+                  <a:srgbClr val="EEECE8"/>
+                </a:solidFill>
+                <a:latin typeface="Inter Light" panose="02000503000000020004" pitchFamily="2" charset="0"/>
+                <a:ea typeface="Inter Light" panose="02000503000000020004" pitchFamily="2" charset="0"/>
+              </a:rPr>
+              <a:t>: </a:t>
+            </a:r>
+            <a:r>
+              <a:rPr lang="en-GB" sz="2000" b="1" dirty="0">
+                <a:solidFill>
+                  <a:srgbClr val="EEECE8"/>
+                </a:solidFill>
+                <a:latin typeface="Inter SemiBold" panose="02000503000000020004" pitchFamily="2" charset="0"/>
+                <a:ea typeface="Inter SemiBold" panose="02000503000000020004" pitchFamily="2" charset="0"/>
+              </a:rPr>
+              <a:t>English loanwords are shaping modern German</a:t>
             </a:r>
           </a:p>
           <a:p>
             <a:pPr marL="0" indent="0">
               <a:buNone/>
             </a:pPr>
-            <a:endParaRPr lang="en-GB" dirty="0"/>
+            <a:r>
+              <a:rPr lang="en-GB" sz="2000" dirty="0">
+                <a:solidFill>
+                  <a:srgbClr val="EEECE8"/>
+                </a:solidFill>
+                <a:latin typeface="Inter Thin" panose="02000503000000020004" pitchFamily="2" charset="0"/>
+                <a:ea typeface="Inter Thin" panose="02000503000000020004" pitchFamily="2" charset="0"/>
+              </a:rPr>
+              <a:t>Usage</a:t>
+            </a:r>
+            <a:r>
+              <a:rPr lang="en-GB" sz="2000" dirty="0">
+                <a:solidFill>
+                  <a:srgbClr val="EEECE8"/>
+                </a:solidFill>
+                <a:latin typeface="Inter Light" panose="02000503000000020004" pitchFamily="2" charset="0"/>
+                <a:ea typeface="Inter Light" panose="02000503000000020004" pitchFamily="2" charset="0"/>
+              </a:rPr>
+              <a:t>: </a:t>
+            </a:r>
+            <a:r>
+              <a:rPr lang="en-GB" sz="2000" b="1" dirty="0">
+                <a:solidFill>
+                  <a:srgbClr val="EEECE8"/>
+                </a:solidFill>
+                <a:latin typeface="Inter SemiBold" panose="02000503000000020004" pitchFamily="2" charset="0"/>
+                <a:ea typeface="Inter SemiBold" panose="02000503000000020004" pitchFamily="2" charset="0"/>
+              </a:rPr>
+              <a:t>Rising in globalised sectors</a:t>
+            </a:r>
           </a:p>
           <a:p>
             <a:pPr marL="0" indent="0">
               <a:buNone/>
             </a:pPr>
             <a:r>
-              <a:rPr lang="en-GB" dirty="0"/>
-              <a:t>LLM Response: modernity, tech-savviness, trendiness</a:t>
+              <a:rPr lang="en-GB" sz="2000" dirty="0">
+                <a:solidFill>
+                  <a:srgbClr val="EEECE8"/>
+                </a:solidFill>
+                <a:latin typeface="Inter Thin" panose="02000503000000020004" pitchFamily="2" charset="0"/>
+                <a:ea typeface="Inter Thin" panose="02000503000000020004" pitchFamily="2" charset="0"/>
+              </a:rPr>
+              <a:t>Density</a:t>
+            </a:r>
+            <a:r>
+              <a:rPr lang="en-GB" sz="2000" dirty="0">
+                <a:solidFill>
+                  <a:srgbClr val="EEECE8"/>
+                </a:solidFill>
+                <a:latin typeface="Inter Light" panose="02000503000000020004" pitchFamily="2" charset="0"/>
+                <a:ea typeface="Inter Light" panose="02000503000000020004" pitchFamily="2" charset="0"/>
+              </a:rPr>
+              <a:t>: </a:t>
+            </a:r>
+            <a:r>
+              <a:rPr lang="en-GB" sz="2000" b="1" dirty="0">
+                <a:solidFill>
+                  <a:srgbClr val="EEECE8"/>
+                </a:solidFill>
+                <a:latin typeface="Inter SemiBold" panose="02000503000000020004" pitchFamily="2" charset="0"/>
+                <a:ea typeface="Inter SemiBold" panose="02000503000000020004" pitchFamily="2" charset="0"/>
+              </a:rPr>
+              <a:t>Business content shows the highest concentration</a:t>
             </a:r>
           </a:p>
           <a:p>
             <a:pPr marL="0" indent="0">
               <a:buNone/>
             </a:pPr>
-            <a:endParaRPr lang="en-GB" dirty="0"/>
+            <a:r>
+              <a:rPr lang="en-GB" sz="2000" dirty="0">
+                <a:solidFill>
+                  <a:srgbClr val="EEECE8"/>
+                </a:solidFill>
+                <a:latin typeface="Inter Thin" panose="02000503000000020004" pitchFamily="2" charset="0"/>
+                <a:ea typeface="Inter Thin" panose="02000503000000020004" pitchFamily="2" charset="0"/>
+              </a:rPr>
+              <a:t>Trends</a:t>
+            </a:r>
+            <a:r>
+              <a:rPr lang="en-GB" sz="2000" dirty="0">
+                <a:solidFill>
+                  <a:srgbClr val="EEECE8"/>
+                </a:solidFill>
+                <a:latin typeface="Inter Light" panose="02000503000000020004" pitchFamily="2" charset="0"/>
+                <a:ea typeface="Inter Light" panose="02000503000000020004" pitchFamily="2" charset="0"/>
+              </a:rPr>
+              <a:t>: </a:t>
+            </a:r>
+            <a:r>
+              <a:rPr lang="en-GB" sz="2000" b="1" dirty="0">
+                <a:solidFill>
+                  <a:srgbClr val="EEECE8"/>
+                </a:solidFill>
+                <a:latin typeface="Inter SemiBold" panose="02000503000000020004" pitchFamily="2" charset="0"/>
+                <a:ea typeface="Inter SemiBold" panose="02000503000000020004" pitchFamily="2" charset="0"/>
+              </a:rPr>
+              <a:t>Sentiment suggest English adds positive tone or perceived authority</a:t>
+            </a:r>
+            <a:endParaRPr lang="en-GB" sz="2000" dirty="0">
+              <a:solidFill>
+                <a:srgbClr val="EEECE8"/>
+              </a:solidFill>
+              <a:latin typeface="Inter Light" panose="02000503000000020004" pitchFamily="2" charset="0"/>
+              <a:ea typeface="Inter Light" panose="02000503000000020004" pitchFamily="2" charset="0"/>
+            </a:endParaRPr>
           </a:p>
           <a:p>
             <a:pPr marL="0" indent="0">
               <a:buNone/>
             </a:pPr>
             <a:r>
-              <a:rPr lang="en-GB" dirty="0"/>
-              <a:t>Aspirational tone</a:t>
-            </a:r>
-          </a:p>
-          <a:p>
-            <a:pPr marL="0" indent="0">
-              <a:buNone/>
-            </a:pPr>
-            <a:endParaRPr lang="en-GB" dirty="0"/>
-          </a:p>
-          <a:p>
-            <a:pPr marL="0" indent="0">
-              <a:buNone/>
-            </a:pPr>
-            <a:r>
-              <a:rPr lang="en-GB" dirty="0"/>
-              <a:t>Tone classification: ~80% formal, 20% informal in sample</a:t>
-            </a:r>
-          </a:p>
-        </p:txBody>
-      </p:sp>
-    </p:spTree>
-    <p:extLst>
-      <p:ext uri="{BB962C8B-B14F-4D97-AF65-F5344CB8AC3E}">
-        <p14:creationId xmlns:p14="http://schemas.microsoft.com/office/powerpoint/2010/main" val="201961905"/>
-      </p:ext>
-    </p:extLst>
-  </p:cSld>
-  <p:clrMapOvr>
-    <a:masterClrMapping/>
-  </p:clrMapOvr>
-</p:sld>
-</file>
-
-<file path=ppt/slides/slide11.xml><?xml version="1.0" encoding="utf-8"?>
-<p:sld xmlns:a="http://schemas.openxmlformats.org/drawingml/2006/main" xmlns:r="http://schemas.openxmlformats.org/officeDocument/2006/relationships" xmlns:p="http://schemas.openxmlformats.org/presentationml/2006/main">
-  <p:cSld>
-    <p:spTree>
-      <p:nvGrpSpPr>
-        <p:cNvPr id="1" name=""/>
-        <p:cNvGrpSpPr/>
-        <p:nvPr/>
-      </p:nvGrpSpPr>
-      <p:grpSpPr>
-        <a:xfrm>
-          <a:off x="0" y="0"/>
-          <a:ext cx="0" cy="0"/>
-          <a:chOff x="0" y="0"/>
-          <a:chExt cx="0" cy="0"/>
-        </a:xfrm>
-      </p:grpSpPr>
-      <p:sp>
-        <p:nvSpPr>
-          <p:cNvPr id="2" name="Title 1">
-            <a:extLst>
-              <a:ext uri="{FF2B5EF4-FFF2-40B4-BE49-F238E27FC236}">
-                <a16:creationId xmlns:a16="http://schemas.microsoft.com/office/drawing/2014/main" id="{CD39575E-5DCA-B55C-5A5D-4043D3AACE1D}"/>
-              </a:ext>
-            </a:extLst>
-          </p:cNvPr>
-          <p:cNvSpPr>
-            <a:spLocks noGrp="1"/>
-          </p:cNvSpPr>
-          <p:nvPr>
-            <p:ph type="title"/>
-          </p:nvPr>
-        </p:nvSpPr>
+              <a:rPr lang="en-GB" sz="2000" dirty="0">
+                <a:solidFill>
+                  <a:srgbClr val="EEECE8"/>
+                </a:solidFill>
+                <a:latin typeface="Inter Thin" panose="02000503000000020004" pitchFamily="2" charset="0"/>
+                <a:ea typeface="Inter Thin" panose="02000503000000020004" pitchFamily="2" charset="0"/>
+              </a:rPr>
+              <a:t>Limitations</a:t>
+            </a:r>
+            <a:r>
+              <a:rPr lang="en-GB" sz="2000" dirty="0">
+                <a:solidFill>
+                  <a:srgbClr val="EEECE8"/>
+                </a:solidFill>
+                <a:latin typeface="Inter Light" panose="02000503000000020004" pitchFamily="2" charset="0"/>
+                <a:ea typeface="Inter Light" panose="02000503000000020004" pitchFamily="2" charset="0"/>
+              </a:rPr>
+              <a:t>: </a:t>
+            </a:r>
+            <a:r>
+              <a:rPr lang="en-GB" sz="2000" b="1" dirty="0">
+                <a:solidFill>
+                  <a:srgbClr val="EEECE8"/>
+                </a:solidFill>
+                <a:latin typeface="Inter SemiBold" panose="02000503000000020004" pitchFamily="2" charset="0"/>
+                <a:ea typeface="Inter SemiBold" panose="02000503000000020004" pitchFamily="2" charset="0"/>
+              </a:rPr>
+              <a:t>One source site (</a:t>
+            </a:r>
+            <a:r>
+              <a:rPr lang="en-GB" sz="2000" b="1" dirty="0" err="1">
+                <a:solidFill>
+                  <a:srgbClr val="EEECE8"/>
+                </a:solidFill>
+                <a:latin typeface="Inter SemiBold" panose="02000503000000020004" pitchFamily="2" charset="0"/>
+                <a:ea typeface="Inter SemiBold" panose="02000503000000020004" pitchFamily="2" charset="0"/>
+              </a:rPr>
+              <a:t>businessinsider.de</a:t>
+            </a:r>
+            <a:r>
+              <a:rPr lang="en-GB" sz="2000" b="1" dirty="0">
+                <a:solidFill>
+                  <a:srgbClr val="EEECE8"/>
+                </a:solidFill>
+                <a:latin typeface="Inter SemiBold" panose="02000503000000020004" pitchFamily="2" charset="0"/>
+                <a:ea typeface="Inter SemiBold" panose="02000503000000020004" pitchFamily="2" charset="0"/>
+              </a:rPr>
+              <a:t>) limits domain diversity</a:t>
+            </a:r>
+          </a:p>
+        </p:txBody>
+      </p:sp>
+      <p:pic>
+        <p:nvPicPr>
+          <p:cNvPr id="9" name="Graphic 8">
+            <a:extLst>
+              <a:ext uri="{FF2B5EF4-FFF2-40B4-BE49-F238E27FC236}">
+                <a16:creationId xmlns:a16="http://schemas.microsoft.com/office/drawing/2014/main" id="{BE51EDF9-1A3D-0366-6F1E-C0EDECEE8887}"/>
+              </a:ext>
+            </a:extLst>
+          </p:cNvPr>
+          <p:cNvPicPr>
+            <a:picLocks noChangeAspect="1"/>
+          </p:cNvPicPr>
+          <p:nvPr/>
+        </p:nvPicPr>
+        <p:blipFill>
+          <a:blip r:embed="rId3">
+            <a:extLst>
+              <a:ext uri="{96DAC541-7B7A-43D3-8B79-37D633B846F1}">
+                <asvg:svgBlip xmlns:asvg="http://schemas.microsoft.com/office/drawing/2016/SVG/main" r:embed="rId4"/>
+              </a:ext>
+            </a:extLst>
+          </a:blip>
+          <a:stretch>
+            <a:fillRect/>
+          </a:stretch>
+        </p:blipFill>
         <p:spPr>
-          <a:solidFill>
-            <a:srgbClr val="D8D0F2"/>
-          </a:solidFill>
-          <a:ln w="50800">
-            <a:solidFill>
-              <a:srgbClr val="142273"/>
-            </a:solidFill>
-          </a:ln>
+          <a:xfrm flipH="1">
+            <a:off x="8607568" y="648768"/>
+            <a:ext cx="5877569" cy="6208133"/>
+          </a:xfrm>
+          <a:prstGeom prst="rect">
+            <a:avLst/>
+          </a:prstGeom>
         </p:spPr>
-        <p:txBody>
-          <a:bodyPr/>
-          <a:lstStyle/>
-          <a:p>
-            <a:pPr algn="ctr"/>
-            <a:r>
-              <a:rPr lang="en-GB" b="1" dirty="0">
-                <a:solidFill>
-                  <a:srgbClr val="142273"/>
-                </a:solidFill>
-                <a:latin typeface="Space Mono" panose="02010509030202000204" pitchFamily="49" charset="77"/>
-              </a:rPr>
-              <a:t>Branding, Aspiration &amp; </a:t>
-            </a:r>
-            <a:br>
-              <a:rPr lang="en-GB" b="1" dirty="0">
-                <a:solidFill>
-                  <a:srgbClr val="142273"/>
-                </a:solidFill>
-                <a:latin typeface="Space Mono" panose="02010509030202000204" pitchFamily="49" charset="77"/>
-              </a:rPr>
-            </a:br>
-            <a:r>
-              <a:rPr lang="en-GB" b="1" dirty="0">
-                <a:solidFill>
-                  <a:srgbClr val="142273"/>
-                </a:solidFill>
-                <a:latin typeface="Space Mono" panose="02010509030202000204" pitchFamily="49" charset="77"/>
-              </a:rPr>
-              <a:t>Global Alignment</a:t>
-            </a:r>
-          </a:p>
-        </p:txBody>
-      </p:sp>
-      <p:sp>
-        <p:nvSpPr>
-          <p:cNvPr id="3" name="Content Placeholder 2">
-            <a:extLst>
-              <a:ext uri="{FF2B5EF4-FFF2-40B4-BE49-F238E27FC236}">
-                <a16:creationId xmlns:a16="http://schemas.microsoft.com/office/drawing/2014/main" id="{B210C2C8-D07F-E703-FC3F-05F8BCE9EB0A}"/>
-              </a:ext>
-            </a:extLst>
-          </p:cNvPr>
-          <p:cNvSpPr>
-            <a:spLocks noGrp="1"/>
-          </p:cNvSpPr>
-          <p:nvPr>
-            <p:ph idx="1"/>
-          </p:nvPr>
-        </p:nvSpPr>
-        <p:spPr/>
-        <p:txBody>
-          <a:bodyPr/>
-          <a:lstStyle/>
-          <a:p>
-            <a:pPr marL="0" indent="0">
-              <a:buNone/>
-            </a:pPr>
-            <a:r>
-              <a:rPr lang="en-GB" dirty="0">
-                <a:latin typeface="Mulish" pitchFamily="2" charset="77"/>
-              </a:rPr>
-              <a:t>Is Denglish a linguistic tool for branding and aspiration?</a:t>
-            </a:r>
-          </a:p>
-        </p:txBody>
-      </p:sp>
-    </p:spTree>
-    <p:extLst>
-      <p:ext uri="{BB962C8B-B14F-4D97-AF65-F5344CB8AC3E}">
-        <p14:creationId xmlns:p14="http://schemas.microsoft.com/office/powerpoint/2010/main" val="2730758770"/>
-      </p:ext>
-    </p:extLst>
-  </p:cSld>
-  <p:clrMapOvr>
-    <a:masterClrMapping/>
-  </p:clrMapOvr>
-</p:sld>
-</file>
-
-<file path=ppt/slides/slide12.xml><?xml version="1.0" encoding="utf-8"?>
-<p:sld xmlns:a="http://schemas.openxmlformats.org/drawingml/2006/main" xmlns:r="http://schemas.openxmlformats.org/officeDocument/2006/relationships" xmlns:p="http://schemas.openxmlformats.org/presentationml/2006/main">
-  <p:cSld>
-    <p:spTree>
-      <p:nvGrpSpPr>
-        <p:cNvPr id="1" name=""/>
-        <p:cNvGrpSpPr/>
-        <p:nvPr/>
-      </p:nvGrpSpPr>
-      <p:grpSpPr>
-        <a:xfrm>
-          <a:off x="0" y="0"/>
-          <a:ext cx="0" cy="0"/>
-          <a:chOff x="0" y="0"/>
-          <a:chExt cx="0" cy="0"/>
-        </a:xfrm>
-      </p:grpSpPr>
-      <p:sp>
-        <p:nvSpPr>
-          <p:cNvPr id="2" name="Title 1">
-            <a:extLst>
-              <a:ext uri="{FF2B5EF4-FFF2-40B4-BE49-F238E27FC236}">
-                <a16:creationId xmlns:a16="http://schemas.microsoft.com/office/drawing/2014/main" id="{685A8BB7-2222-9A98-3D3E-D0F532D245DC}"/>
-              </a:ext>
-            </a:extLst>
-          </p:cNvPr>
-          <p:cNvSpPr>
-            <a:spLocks noGrp="1"/>
-          </p:cNvSpPr>
-          <p:nvPr>
-            <p:ph type="title"/>
-          </p:nvPr>
-        </p:nvSpPr>
-        <p:spPr>
-          <a:solidFill>
-            <a:srgbClr val="D8D0F2"/>
-          </a:solidFill>
-          <a:ln w="50800">
-            <a:solidFill>
-              <a:srgbClr val="142273"/>
-            </a:solidFill>
-          </a:ln>
-        </p:spPr>
-        <p:txBody>
-          <a:bodyPr/>
-          <a:lstStyle/>
-          <a:p>
-            <a:pPr algn="ctr"/>
-            <a:r>
-              <a:rPr lang="en-GB" b="1" dirty="0">
-                <a:solidFill>
-                  <a:srgbClr val="142273"/>
-                </a:solidFill>
-                <a:latin typeface="Space Mono" panose="02010509030202000204" pitchFamily="49" charset="77"/>
-              </a:rPr>
-              <a:t>Conclusion &amp; Takeaways</a:t>
-            </a:r>
-          </a:p>
-        </p:txBody>
-      </p:sp>
-      <p:sp>
-        <p:nvSpPr>
-          <p:cNvPr id="3" name="Content Placeholder 2">
-            <a:extLst>
-              <a:ext uri="{FF2B5EF4-FFF2-40B4-BE49-F238E27FC236}">
-                <a16:creationId xmlns:a16="http://schemas.microsoft.com/office/drawing/2014/main" id="{1E947FA3-D852-BDFA-C63B-4A2893AE5BDD}"/>
-              </a:ext>
-            </a:extLst>
-          </p:cNvPr>
-          <p:cNvSpPr>
-            <a:spLocks noGrp="1"/>
-          </p:cNvSpPr>
-          <p:nvPr>
-            <p:ph idx="1"/>
-          </p:nvPr>
-        </p:nvSpPr>
-        <p:spPr/>
-        <p:txBody>
-          <a:bodyPr/>
-          <a:lstStyle/>
-          <a:p>
-            <a:pPr marL="0" indent="0">
-              <a:buNone/>
-            </a:pPr>
-            <a:r>
-              <a:rPr lang="en-GB" dirty="0"/>
-              <a:t>English loanwords are shaping modern German</a:t>
-            </a:r>
-          </a:p>
-          <a:p>
-            <a:pPr marL="0" indent="0">
-              <a:buNone/>
-            </a:pPr>
-            <a:r>
-              <a:rPr lang="en-GB" dirty="0"/>
-              <a:t>Usage is rising – especially in globalised sectors</a:t>
-            </a:r>
-          </a:p>
-          <a:p>
-            <a:pPr marL="0" indent="0">
-              <a:buNone/>
-            </a:pPr>
-            <a:r>
-              <a:rPr lang="en-GB" dirty="0"/>
-              <a:t>Business content shows the highest concentration</a:t>
-            </a:r>
-          </a:p>
-          <a:p>
-            <a:pPr marL="0" indent="0">
-              <a:buNone/>
-            </a:pPr>
-            <a:r>
-              <a:rPr lang="en-GB" dirty="0"/>
-              <a:t>Sentiment trends suggest English adds positive tone or perceived authority</a:t>
-            </a:r>
-          </a:p>
-          <a:p>
-            <a:pPr marL="0" indent="0">
-              <a:buNone/>
-            </a:pPr>
-            <a:r>
-              <a:rPr lang="en-GB" dirty="0"/>
-              <a:t>LLMs add depth: qualitative labels + cultural context</a:t>
-            </a:r>
-          </a:p>
-          <a:p>
-            <a:pPr marL="0" indent="0">
-              <a:buNone/>
-            </a:pPr>
-            <a:endParaRPr lang="en-GB" dirty="0"/>
-          </a:p>
-          <a:p>
-            <a:pPr marL="0" indent="0">
-              <a:buNone/>
-            </a:pPr>
-            <a:r>
-              <a:rPr lang="en-GB" dirty="0"/>
-              <a:t>Limitations: One source site (</a:t>
-            </a:r>
-            <a:r>
-              <a:rPr lang="en-GB" dirty="0" err="1"/>
-              <a:t>businessinsider.de</a:t>
-            </a:r>
-            <a:r>
-              <a:rPr lang="en-GB" dirty="0"/>
-              <a:t>) limits domain diversity</a:t>
-            </a:r>
-          </a:p>
-          <a:p>
-            <a:pPr marL="0" indent="0">
-              <a:buNone/>
-            </a:pPr>
-            <a:endParaRPr lang="en-GB" dirty="0"/>
-          </a:p>
-        </p:txBody>
-      </p:sp>
+      </p:pic>
     </p:spTree>
     <p:extLst>
       <p:ext uri="{BB962C8B-B14F-4D97-AF65-F5344CB8AC3E}">
@@ -8166,13 +8230,13 @@
 </p:sld>
 </file>
 
-<file path=ppt/slides/slide2.xml><?xml version="1.0" encoding="utf-8"?>
+<file path=ppt/slides/slide11.xml><?xml version="1.0" encoding="utf-8"?>
 <p:sld xmlns:a="http://schemas.openxmlformats.org/drawingml/2006/main" xmlns:r="http://schemas.openxmlformats.org/officeDocument/2006/relationships" xmlns:p="http://schemas.openxmlformats.org/presentationml/2006/main">
   <p:cSld>
     <p:bg>
       <p:bgPr>
         <a:solidFill>
-          <a:srgbClr val="F2F2F2"/>
+          <a:srgbClr val="EEECE8"/>
         </a:solidFill>
         <a:effectLst/>
       </p:bgPr>
@@ -8196,7 +8260,7 @@
           <p:cNvPr id="2" name="Title 1">
             <a:extLst>
               <a:ext uri="{FF2B5EF4-FFF2-40B4-BE49-F238E27FC236}">
-                <a16:creationId xmlns:a16="http://schemas.microsoft.com/office/drawing/2014/main" id="{AAB6200D-E3AD-570B-2EB2-386B1AED2D96}"/>
+                <a16:creationId xmlns:a16="http://schemas.microsoft.com/office/drawing/2014/main" id="{D5938D3B-FDAE-3319-0ADF-DCFAE3C68286}"/>
               </a:ext>
             </a:extLst>
           </p:cNvPr>
@@ -8210,7 +8274,7 @@
         <p:spPr>
           <a:xfrm>
             <a:off x="838200" y="365125"/>
-            <a:ext cx="10515600" cy="1119189"/>
+            <a:ext cx="10515600" cy="954000"/>
           </a:xfrm>
           <a:solidFill>
             <a:srgbClr val="D8D0F2"/>
@@ -8225,1285 +8289,11 @@
           <a:bodyPr/>
           <a:lstStyle/>
           <a:p>
-            <a:pPr algn="ctr"/>
-            <a:r>
-              <a:rPr lang="en-GB" b="1" dirty="0">
-                <a:solidFill>
-                  <a:srgbClr val="142273"/>
-                </a:solidFill>
-                <a:latin typeface="Space Mono" panose="02010509030202000204" pitchFamily="49" charset="77"/>
-              </a:rPr>
-              <a:t>Research Questions/Hypotheses</a:t>
-            </a:r>
-          </a:p>
-        </p:txBody>
-      </p:sp>
-      <p:sp>
-        <p:nvSpPr>
-          <p:cNvPr id="5" name="Rounded Rectangle 4">
-            <a:extLst>
-              <a:ext uri="{FF2B5EF4-FFF2-40B4-BE49-F238E27FC236}">
-                <a16:creationId xmlns:a16="http://schemas.microsoft.com/office/drawing/2014/main" id="{C621D7DF-9D18-4E29-02CC-827CEF03D885}"/>
-              </a:ext>
-            </a:extLst>
-          </p:cNvPr>
-          <p:cNvSpPr/>
-          <p:nvPr/>
-        </p:nvSpPr>
-        <p:spPr>
-          <a:xfrm>
-            <a:off x="838200" y="2227966"/>
-            <a:ext cx="3709308" cy="1325563"/>
-          </a:xfrm>
-          <a:prstGeom prst="roundRect">
-            <a:avLst>
-              <a:gd name="adj" fmla="val 49909"/>
-            </a:avLst>
-          </a:prstGeom>
-          <a:solidFill>
-            <a:srgbClr val="D930AC"/>
-          </a:solidFill>
-          <a:ln>
-            <a:noFill/>
-          </a:ln>
-        </p:spPr>
-        <p:style>
-          <a:lnRef idx="2">
-            <a:schemeClr val="accent1">
-              <a:shade val="15000"/>
-            </a:schemeClr>
-          </a:lnRef>
-          <a:fillRef idx="1">
-            <a:schemeClr val="accent1"/>
-          </a:fillRef>
-          <a:effectRef idx="0">
-            <a:schemeClr val="accent1"/>
-          </a:effectRef>
-          <a:fontRef idx="minor">
-            <a:schemeClr val="lt1"/>
-          </a:fontRef>
-        </p:style>
-        <p:txBody>
-          <a:bodyPr rtlCol="0" anchor="ctr"/>
-          <a:lstStyle/>
-          <a:p>
-            <a:pPr algn="ctr"/>
-            <a:r>
-              <a:rPr lang="en-GB" sz="3600" b="1" dirty="0">
-                <a:solidFill>
-                  <a:srgbClr val="F2E205"/>
-                </a:solidFill>
-                <a:latin typeface="Space Mono" panose="02010509030202000204" pitchFamily="49" charset="77"/>
-              </a:rPr>
-              <a:t>Hypothesis</a:t>
-            </a:r>
-          </a:p>
-        </p:txBody>
-      </p:sp>
-      <p:sp>
-        <p:nvSpPr>
-          <p:cNvPr id="6" name="Rounded Rectangle 5">
-            <a:extLst>
-              <a:ext uri="{FF2B5EF4-FFF2-40B4-BE49-F238E27FC236}">
-                <a16:creationId xmlns:a16="http://schemas.microsoft.com/office/drawing/2014/main" id="{9D8AD31D-C97B-F45B-D187-FE02538AD0F6}"/>
-              </a:ext>
-            </a:extLst>
-          </p:cNvPr>
-          <p:cNvSpPr/>
-          <p:nvPr/>
-        </p:nvSpPr>
-        <p:spPr>
-          <a:xfrm>
-            <a:off x="6205927" y="2044480"/>
-            <a:ext cx="5147873" cy="1738312"/>
-          </a:xfrm>
-          <a:prstGeom prst="roundRect">
-            <a:avLst/>
-          </a:prstGeom>
-          <a:noFill/>
-          <a:ln w="50800">
-            <a:solidFill>
-              <a:srgbClr val="D930AC"/>
-            </a:solidFill>
-          </a:ln>
-        </p:spPr>
-        <p:style>
-          <a:lnRef idx="2">
-            <a:schemeClr val="accent1">
-              <a:shade val="15000"/>
-            </a:schemeClr>
-          </a:lnRef>
-          <a:fillRef idx="1">
-            <a:schemeClr val="accent1"/>
-          </a:fillRef>
-          <a:effectRef idx="0">
-            <a:schemeClr val="accent1"/>
-          </a:effectRef>
-          <a:fontRef idx="minor">
-            <a:schemeClr val="lt1"/>
-          </a:fontRef>
-        </p:style>
-        <p:txBody>
-          <a:bodyPr rtlCol="0" anchor="ctr"/>
-          <a:lstStyle/>
-          <a:p>
-            <a:r>
-              <a:rPr lang="en-GB" sz="2400" dirty="0">
-                <a:solidFill>
-                  <a:srgbClr val="142273"/>
-                </a:solidFill>
-                <a:latin typeface="Mulish" pitchFamily="2" charset="77"/>
-              </a:rPr>
-              <a:t>English usage has grown due to globalisation and appears more often in tech/business content.</a:t>
-            </a:r>
-          </a:p>
-        </p:txBody>
-      </p:sp>
-      <p:cxnSp>
-        <p:nvCxnSpPr>
-          <p:cNvPr id="8" name="Straight Arrow Connector 7">
-            <a:extLst>
-              <a:ext uri="{FF2B5EF4-FFF2-40B4-BE49-F238E27FC236}">
-                <a16:creationId xmlns:a16="http://schemas.microsoft.com/office/drawing/2014/main" id="{EEDAB24D-1B53-7CEC-D260-D008CA240F00}"/>
-              </a:ext>
-            </a:extLst>
-          </p:cNvPr>
-          <p:cNvCxnSpPr>
-            <a:cxnSpLocks/>
-            <a:stCxn id="5" idx="3"/>
-            <a:endCxn id="6" idx="1"/>
-          </p:cNvCxnSpPr>
-          <p:nvPr/>
-        </p:nvCxnSpPr>
-        <p:spPr>
-          <a:xfrm>
-            <a:off x="4547508" y="2890748"/>
-            <a:ext cx="1658419" cy="22888"/>
-          </a:xfrm>
-          <a:prstGeom prst="straightConnector1">
-            <a:avLst/>
-          </a:prstGeom>
-          <a:ln w="50800">
-            <a:solidFill>
-              <a:srgbClr val="D930AC"/>
-            </a:solidFill>
-            <a:tailEnd type="triangle"/>
-          </a:ln>
-        </p:spPr>
-        <p:style>
-          <a:lnRef idx="2">
-            <a:schemeClr val="accent1"/>
-          </a:lnRef>
-          <a:fillRef idx="0">
-            <a:schemeClr val="accent1"/>
-          </a:fillRef>
-          <a:effectRef idx="1">
-            <a:schemeClr val="accent1"/>
-          </a:effectRef>
-          <a:fontRef idx="minor">
-            <a:schemeClr val="tx1"/>
-          </a:fontRef>
-        </p:style>
-      </p:cxnSp>
-      <p:sp>
-        <p:nvSpPr>
-          <p:cNvPr id="12" name="Rounded Rectangle 11">
-            <a:extLst>
-              <a:ext uri="{FF2B5EF4-FFF2-40B4-BE49-F238E27FC236}">
-                <a16:creationId xmlns:a16="http://schemas.microsoft.com/office/drawing/2014/main" id="{B7EBE53C-57FE-56F3-EE84-E35E5D3DA227}"/>
-              </a:ext>
-            </a:extLst>
-          </p:cNvPr>
-          <p:cNvSpPr/>
-          <p:nvPr/>
-        </p:nvSpPr>
-        <p:spPr>
-          <a:xfrm>
-            <a:off x="838200" y="4342959"/>
-            <a:ext cx="10515600" cy="1851780"/>
-          </a:xfrm>
-          <a:prstGeom prst="roundRect">
-            <a:avLst/>
-          </a:prstGeom>
-          <a:noFill/>
-          <a:ln w="50800">
-            <a:solidFill>
-              <a:srgbClr val="D930AC"/>
-            </a:solidFill>
-          </a:ln>
-        </p:spPr>
-        <p:style>
-          <a:lnRef idx="2">
-            <a:schemeClr val="accent1">
-              <a:shade val="15000"/>
-            </a:schemeClr>
-          </a:lnRef>
-          <a:fillRef idx="1">
-            <a:schemeClr val="accent1"/>
-          </a:fillRef>
-          <a:effectRef idx="0">
-            <a:schemeClr val="accent1"/>
-          </a:effectRef>
-          <a:fontRef idx="minor">
-            <a:schemeClr val="lt1"/>
-          </a:fontRef>
-        </p:style>
-        <p:txBody>
-          <a:bodyPr rtlCol="0" anchor="ctr"/>
-          <a:lstStyle/>
-          <a:p>
-            <a:pPr marL="342900" indent="-342900">
-              <a:buFont typeface="Arial" panose="020B0604020202020204" pitchFamily="34" charset="0"/>
-              <a:buChar char="•"/>
+            <a:pPr algn="ctr">
+              <a:lnSpc>
+                <a:spcPct val="100000"/>
+              </a:lnSpc>
             </a:pPr>
-            <a:r>
-              <a:rPr lang="en-GB" sz="2400" dirty="0">
-                <a:solidFill>
-                  <a:srgbClr val="142273"/>
-                </a:solidFill>
-                <a:latin typeface="Mulish" pitchFamily="2" charset="77"/>
-              </a:rPr>
-              <a:t>Has English loanword usage in German increased over time?</a:t>
-            </a:r>
-          </a:p>
-          <a:p>
-            <a:pPr marL="342900" indent="-342900">
-              <a:buFont typeface="Arial" panose="020B0604020202020204" pitchFamily="34" charset="0"/>
-              <a:buChar char="•"/>
-            </a:pPr>
-            <a:r>
-              <a:rPr lang="en-GB" sz="2400" dirty="0">
-                <a:solidFill>
-                  <a:srgbClr val="142273"/>
-                </a:solidFill>
-                <a:latin typeface="Mulish" pitchFamily="2" charset="77"/>
-              </a:rPr>
-              <a:t>Is there a relationship between sentiment and loanwords?</a:t>
-            </a:r>
-          </a:p>
-        </p:txBody>
-      </p:sp>
-    </p:spTree>
-    <p:extLst>
-      <p:ext uri="{BB962C8B-B14F-4D97-AF65-F5344CB8AC3E}">
-        <p14:creationId xmlns:p14="http://schemas.microsoft.com/office/powerpoint/2010/main" val="2071208408"/>
-      </p:ext>
-    </p:extLst>
-  </p:cSld>
-  <p:clrMapOvr>
-    <a:masterClrMapping/>
-  </p:clrMapOvr>
-</p:sld>
-</file>
-
-<file path=ppt/slides/slide3.xml><?xml version="1.0" encoding="utf-8"?>
-<p:sld xmlns:a="http://schemas.openxmlformats.org/drawingml/2006/main" xmlns:r="http://schemas.openxmlformats.org/officeDocument/2006/relationships" xmlns:p="http://schemas.openxmlformats.org/presentationml/2006/main">
-  <p:cSld>
-    <p:bg>
-      <p:bgPr>
-        <a:solidFill>
-          <a:srgbClr val="F2F2F2"/>
-        </a:solidFill>
-        <a:effectLst/>
-      </p:bgPr>
-    </p:bg>
-    <p:spTree>
-      <p:nvGrpSpPr>
-        <p:cNvPr id="1" name=""/>
-        <p:cNvGrpSpPr/>
-        <p:nvPr/>
-      </p:nvGrpSpPr>
-      <p:grpSpPr>
-        <a:xfrm>
-          <a:off x="0" y="0"/>
-          <a:ext cx="0" cy="0"/>
-          <a:chOff x="0" y="0"/>
-          <a:chExt cx="0" cy="0"/>
-        </a:xfrm>
-      </p:grpSpPr>
-      <p:sp>
-        <p:nvSpPr>
-          <p:cNvPr id="2" name="Title 1">
-            <a:extLst>
-              <a:ext uri="{FF2B5EF4-FFF2-40B4-BE49-F238E27FC236}">
-                <a16:creationId xmlns:a16="http://schemas.microsoft.com/office/drawing/2014/main" id="{F6AA0592-9555-51EA-B5DA-DC08DF9CB058}"/>
-              </a:ext>
-            </a:extLst>
-          </p:cNvPr>
-          <p:cNvSpPr>
-            <a:spLocks noGrp="1"/>
-          </p:cNvSpPr>
-          <p:nvPr>
-            <p:ph type="title"/>
-          </p:nvPr>
-        </p:nvSpPr>
-        <p:spPr>
-          <a:xfrm>
-            <a:off x="838200" y="365125"/>
-            <a:ext cx="10515600" cy="954883"/>
-          </a:xfrm>
-          <a:solidFill>
-            <a:srgbClr val="D8D0F2"/>
-          </a:solidFill>
-          <a:ln w="50800">
-            <a:solidFill>
-              <a:srgbClr val="142273"/>
-            </a:solidFill>
-          </a:ln>
-        </p:spPr>
-        <p:txBody>
-          <a:bodyPr/>
-          <a:lstStyle/>
-          <a:p>
-            <a:pPr algn="ctr"/>
-            <a:r>
-              <a:rPr lang="en-GB" b="1" dirty="0">
-                <a:solidFill>
-                  <a:srgbClr val="142273"/>
-                </a:solidFill>
-                <a:latin typeface="Space Mono" panose="02010509030202000204" pitchFamily="49" charset="77"/>
-              </a:rPr>
-              <a:t>Data &amp; Pipeline</a:t>
-            </a:r>
-          </a:p>
-        </p:txBody>
-      </p:sp>
-      <p:sp>
-        <p:nvSpPr>
-          <p:cNvPr id="4" name="Rounded Rectangle 3">
-            <a:extLst>
-              <a:ext uri="{FF2B5EF4-FFF2-40B4-BE49-F238E27FC236}">
-                <a16:creationId xmlns:a16="http://schemas.microsoft.com/office/drawing/2014/main" id="{C6559B36-3D55-7F90-AEC7-965A6384121F}"/>
-              </a:ext>
-            </a:extLst>
-          </p:cNvPr>
-          <p:cNvSpPr/>
-          <p:nvPr/>
-        </p:nvSpPr>
-        <p:spPr>
-          <a:xfrm>
-            <a:off x="838200" y="1946911"/>
-            <a:ext cx="3709308" cy="1325563"/>
-          </a:xfrm>
-          <a:prstGeom prst="roundRect">
-            <a:avLst>
-              <a:gd name="adj" fmla="val 49909"/>
-            </a:avLst>
-          </a:prstGeom>
-          <a:solidFill>
-            <a:srgbClr val="142273"/>
-          </a:solidFill>
-          <a:ln>
-            <a:noFill/>
-          </a:ln>
-        </p:spPr>
-        <p:style>
-          <a:lnRef idx="2">
-            <a:schemeClr val="accent1">
-              <a:shade val="15000"/>
-            </a:schemeClr>
-          </a:lnRef>
-          <a:fillRef idx="1">
-            <a:schemeClr val="accent1"/>
-          </a:fillRef>
-          <a:effectRef idx="0">
-            <a:schemeClr val="accent1"/>
-          </a:effectRef>
-          <a:fontRef idx="minor">
-            <a:schemeClr val="lt1"/>
-          </a:fontRef>
-        </p:style>
-        <p:txBody>
-          <a:bodyPr rtlCol="0" anchor="ctr"/>
-          <a:lstStyle/>
-          <a:p>
-            <a:pPr algn="ctr"/>
-            <a:r>
-              <a:rPr lang="en-GB" sz="3600" b="1" dirty="0">
-                <a:solidFill>
-                  <a:srgbClr val="F2E205"/>
-                </a:solidFill>
-                <a:latin typeface="Space Mono" panose="02010509030202000204" pitchFamily="49" charset="77"/>
-              </a:rPr>
-              <a:t>Dataset</a:t>
-            </a:r>
-          </a:p>
-        </p:txBody>
-      </p:sp>
-      <p:sp>
-        <p:nvSpPr>
-          <p:cNvPr id="5" name="Rounded Rectangle 4">
-            <a:extLst>
-              <a:ext uri="{FF2B5EF4-FFF2-40B4-BE49-F238E27FC236}">
-                <a16:creationId xmlns:a16="http://schemas.microsoft.com/office/drawing/2014/main" id="{508EA3AA-AFF8-44D8-D9EC-706A5CBCD1E5}"/>
-              </a:ext>
-            </a:extLst>
-          </p:cNvPr>
-          <p:cNvSpPr/>
-          <p:nvPr/>
-        </p:nvSpPr>
-        <p:spPr>
-          <a:xfrm>
-            <a:off x="6205927" y="1946911"/>
-            <a:ext cx="5147873" cy="1325563"/>
-          </a:xfrm>
-          <a:prstGeom prst="roundRect">
-            <a:avLst/>
-          </a:prstGeom>
-          <a:noFill/>
-          <a:ln w="50800">
-            <a:solidFill>
-              <a:srgbClr val="142273"/>
-            </a:solidFill>
-          </a:ln>
-        </p:spPr>
-        <p:style>
-          <a:lnRef idx="2">
-            <a:schemeClr val="accent1">
-              <a:shade val="15000"/>
-            </a:schemeClr>
-          </a:lnRef>
-          <a:fillRef idx="1">
-            <a:schemeClr val="accent1"/>
-          </a:fillRef>
-          <a:effectRef idx="0">
-            <a:schemeClr val="accent1"/>
-          </a:effectRef>
-          <a:fontRef idx="minor">
-            <a:schemeClr val="lt1"/>
-          </a:fontRef>
-        </p:style>
-        <p:txBody>
-          <a:bodyPr rtlCol="0" anchor="ctr"/>
-          <a:lstStyle/>
-          <a:p>
-            <a:pPr marL="0" indent="0">
-              <a:buNone/>
-            </a:pPr>
-            <a:r>
-              <a:rPr lang="en-GB" sz="2400" dirty="0">
-                <a:solidFill>
-                  <a:srgbClr val="142273"/>
-                </a:solidFill>
-                <a:latin typeface="Mulish" pitchFamily="2" charset="77"/>
-              </a:rPr>
-              <a:t>100, 000 scraped articles from </a:t>
-            </a:r>
-            <a:r>
-              <a:rPr lang="en-GB" sz="2400" i="1" dirty="0" err="1">
-                <a:solidFill>
-                  <a:srgbClr val="142273"/>
-                </a:solidFill>
-                <a:latin typeface="Mulish" pitchFamily="2" charset="77"/>
-              </a:rPr>
-              <a:t>businessinsider.de</a:t>
-            </a:r>
-            <a:r>
-              <a:rPr lang="en-GB" sz="2400" i="1" dirty="0">
-                <a:solidFill>
-                  <a:srgbClr val="142273"/>
-                </a:solidFill>
-                <a:latin typeface="Mulish" pitchFamily="2" charset="77"/>
-              </a:rPr>
-              <a:t> </a:t>
-            </a:r>
-            <a:r>
-              <a:rPr lang="en-GB" sz="2400" dirty="0">
-                <a:solidFill>
-                  <a:srgbClr val="142273"/>
-                </a:solidFill>
-                <a:latin typeface="Mulish" pitchFamily="2" charset="77"/>
-              </a:rPr>
-              <a:t>(2016-2024)</a:t>
-            </a:r>
-          </a:p>
-        </p:txBody>
-      </p:sp>
-      <p:cxnSp>
-        <p:nvCxnSpPr>
-          <p:cNvPr id="8" name="Straight Arrow Connector 7">
-            <a:extLst>
-              <a:ext uri="{FF2B5EF4-FFF2-40B4-BE49-F238E27FC236}">
-                <a16:creationId xmlns:a16="http://schemas.microsoft.com/office/drawing/2014/main" id="{C2714F7F-FC68-A6D3-8DD3-F283170184F4}"/>
-              </a:ext>
-            </a:extLst>
-          </p:cNvPr>
-          <p:cNvCxnSpPr>
-            <a:stCxn id="4" idx="3"/>
-            <a:endCxn id="5" idx="1"/>
-          </p:cNvCxnSpPr>
-          <p:nvPr/>
-        </p:nvCxnSpPr>
-        <p:spPr>
-          <a:xfrm>
-            <a:off x="4547508" y="2609693"/>
-            <a:ext cx="1658419" cy="0"/>
-          </a:xfrm>
-          <a:prstGeom prst="straightConnector1">
-            <a:avLst/>
-          </a:prstGeom>
-          <a:ln w="50800">
-            <a:solidFill>
-              <a:srgbClr val="142273"/>
-            </a:solidFill>
-            <a:tailEnd type="triangle"/>
-          </a:ln>
-        </p:spPr>
-        <p:style>
-          <a:lnRef idx="2">
-            <a:schemeClr val="accent1"/>
-          </a:lnRef>
-          <a:fillRef idx="0">
-            <a:schemeClr val="accent1"/>
-          </a:fillRef>
-          <a:effectRef idx="1">
-            <a:schemeClr val="accent1"/>
-          </a:effectRef>
-          <a:fontRef idx="minor">
-            <a:schemeClr val="tx1"/>
-          </a:fontRef>
-        </p:style>
-      </p:cxnSp>
-      <p:sp>
-        <p:nvSpPr>
-          <p:cNvPr id="9" name="Rounded Rectangle 8">
-            <a:extLst>
-              <a:ext uri="{FF2B5EF4-FFF2-40B4-BE49-F238E27FC236}">
-                <a16:creationId xmlns:a16="http://schemas.microsoft.com/office/drawing/2014/main" id="{7BB535B1-9490-20BD-3C1A-D811DDB8B707}"/>
-              </a:ext>
-            </a:extLst>
-          </p:cNvPr>
-          <p:cNvSpPr/>
-          <p:nvPr/>
-        </p:nvSpPr>
-        <p:spPr>
-          <a:xfrm>
-            <a:off x="838200" y="4373452"/>
-            <a:ext cx="3709308" cy="1325563"/>
-          </a:xfrm>
-          <a:prstGeom prst="roundRect">
-            <a:avLst>
-              <a:gd name="adj" fmla="val 49909"/>
-            </a:avLst>
-          </a:prstGeom>
-          <a:solidFill>
-            <a:srgbClr val="D930AC"/>
-          </a:solidFill>
-          <a:ln>
-            <a:noFill/>
-          </a:ln>
-        </p:spPr>
-        <p:style>
-          <a:lnRef idx="2">
-            <a:schemeClr val="accent1">
-              <a:shade val="15000"/>
-            </a:schemeClr>
-          </a:lnRef>
-          <a:fillRef idx="1">
-            <a:schemeClr val="accent1"/>
-          </a:fillRef>
-          <a:effectRef idx="0">
-            <a:schemeClr val="accent1"/>
-          </a:effectRef>
-          <a:fontRef idx="minor">
-            <a:schemeClr val="lt1"/>
-          </a:fontRef>
-        </p:style>
-        <p:txBody>
-          <a:bodyPr rtlCol="0" anchor="ctr"/>
-          <a:lstStyle/>
-          <a:p>
-            <a:pPr algn="ctr"/>
-            <a:r>
-              <a:rPr lang="en-GB" sz="3600" b="1" dirty="0">
-                <a:solidFill>
-                  <a:srgbClr val="F2E205"/>
-                </a:solidFill>
-                <a:latin typeface="Space Mono" panose="02010509030202000204" pitchFamily="49" charset="77"/>
-              </a:rPr>
-              <a:t>Tools</a:t>
-            </a:r>
-          </a:p>
-        </p:txBody>
-      </p:sp>
-      <p:sp>
-        <p:nvSpPr>
-          <p:cNvPr id="10" name="Rounded Rectangle 9">
-            <a:extLst>
-              <a:ext uri="{FF2B5EF4-FFF2-40B4-BE49-F238E27FC236}">
-                <a16:creationId xmlns:a16="http://schemas.microsoft.com/office/drawing/2014/main" id="{42EE96DC-2CA4-9C5C-CEB0-330B6FA50A1C}"/>
-              </a:ext>
-            </a:extLst>
-          </p:cNvPr>
-          <p:cNvSpPr/>
-          <p:nvPr/>
-        </p:nvSpPr>
-        <p:spPr>
-          <a:xfrm>
-            <a:off x="6205926" y="3981738"/>
-            <a:ext cx="5147874" cy="2108992"/>
-          </a:xfrm>
-          <a:prstGeom prst="roundRect">
-            <a:avLst/>
-          </a:prstGeom>
-          <a:noFill/>
-          <a:ln w="50800">
-            <a:solidFill>
-              <a:srgbClr val="D930AC"/>
-            </a:solidFill>
-          </a:ln>
-        </p:spPr>
-        <p:style>
-          <a:lnRef idx="2">
-            <a:schemeClr val="accent1">
-              <a:shade val="15000"/>
-            </a:schemeClr>
-          </a:lnRef>
-          <a:fillRef idx="1">
-            <a:schemeClr val="accent1"/>
-          </a:fillRef>
-          <a:effectRef idx="0">
-            <a:schemeClr val="accent1"/>
-          </a:effectRef>
-          <a:fontRef idx="minor">
-            <a:schemeClr val="lt1"/>
-          </a:fontRef>
-        </p:style>
-        <p:txBody>
-          <a:bodyPr rtlCol="0" anchor="ctr"/>
-          <a:lstStyle/>
-          <a:p>
-            <a:pPr marL="571500" indent="-571500">
-              <a:buFont typeface="Arial" panose="020B0604020202020204" pitchFamily="34" charset="0"/>
-              <a:buChar char="•"/>
-            </a:pPr>
-            <a:r>
-              <a:rPr lang="en-GB" sz="2400" dirty="0" err="1">
-                <a:solidFill>
-                  <a:srgbClr val="142273"/>
-                </a:solidFill>
-                <a:latin typeface="Mulish" pitchFamily="2" charset="77"/>
-              </a:rPr>
-              <a:t>spaCy</a:t>
-            </a:r>
-            <a:r>
-              <a:rPr lang="en-GB" sz="2400" dirty="0">
-                <a:solidFill>
-                  <a:srgbClr val="142273"/>
-                </a:solidFill>
-                <a:latin typeface="Mulish" pitchFamily="2" charset="77"/>
-              </a:rPr>
-              <a:t> + </a:t>
-            </a:r>
-            <a:r>
-              <a:rPr lang="en-GB" sz="2400" dirty="0" err="1">
-                <a:solidFill>
-                  <a:srgbClr val="142273"/>
-                </a:solidFill>
-                <a:latin typeface="Mulish" pitchFamily="2" charset="77"/>
-              </a:rPr>
-              <a:t>langdetect</a:t>
-            </a:r>
-            <a:r>
-              <a:rPr lang="en-GB" sz="2400" dirty="0">
-                <a:solidFill>
-                  <a:srgbClr val="142273"/>
-                </a:solidFill>
-                <a:latin typeface="Mulish" pitchFamily="2" charset="77"/>
-              </a:rPr>
-              <a:t> + regex</a:t>
-            </a:r>
-          </a:p>
-          <a:p>
-            <a:pPr marL="571500" indent="-571500">
-              <a:buFont typeface="Arial" panose="020B0604020202020204" pitchFamily="34" charset="0"/>
-              <a:buChar char="•"/>
-            </a:pPr>
-            <a:r>
-              <a:rPr lang="en-GB" sz="2400" dirty="0">
-                <a:solidFill>
-                  <a:srgbClr val="142273"/>
-                </a:solidFill>
-                <a:latin typeface="Mulish" pitchFamily="2" charset="77"/>
-              </a:rPr>
-              <a:t>Custom filters</a:t>
-            </a:r>
-          </a:p>
-          <a:p>
-            <a:pPr marL="571500" indent="-571500">
-              <a:buFont typeface="Arial" panose="020B0604020202020204" pitchFamily="34" charset="0"/>
-              <a:buChar char="•"/>
-            </a:pPr>
-            <a:r>
-              <a:rPr lang="en-GB" sz="2400" dirty="0">
-                <a:solidFill>
-                  <a:srgbClr val="142273"/>
-                </a:solidFill>
-                <a:latin typeface="Mulish" pitchFamily="2" charset="77"/>
-              </a:rPr>
-              <a:t>Sentiment analysis</a:t>
-            </a:r>
-          </a:p>
-          <a:p>
-            <a:pPr marL="571500" indent="-571500">
-              <a:buFont typeface="Arial" panose="020B0604020202020204" pitchFamily="34" charset="0"/>
-              <a:buChar char="•"/>
-            </a:pPr>
-            <a:r>
-              <a:rPr lang="en-GB" sz="2400" dirty="0">
-                <a:solidFill>
-                  <a:srgbClr val="142273"/>
-                </a:solidFill>
-                <a:latin typeface="Mulish" pitchFamily="2" charset="77"/>
-              </a:rPr>
-              <a:t>Enrichment using LLM</a:t>
-            </a:r>
-          </a:p>
-        </p:txBody>
-      </p:sp>
-      <p:cxnSp>
-        <p:nvCxnSpPr>
-          <p:cNvPr id="21" name="Straight Arrow Connector 20">
-            <a:extLst>
-              <a:ext uri="{FF2B5EF4-FFF2-40B4-BE49-F238E27FC236}">
-                <a16:creationId xmlns:a16="http://schemas.microsoft.com/office/drawing/2014/main" id="{A1379CD0-75FB-D424-AA46-F04DF87725C1}"/>
-              </a:ext>
-            </a:extLst>
-          </p:cNvPr>
-          <p:cNvCxnSpPr>
-            <a:stCxn id="9" idx="3"/>
-            <a:endCxn id="10" idx="1"/>
-          </p:cNvCxnSpPr>
-          <p:nvPr/>
-        </p:nvCxnSpPr>
-        <p:spPr>
-          <a:xfrm>
-            <a:off x="4547508" y="5036234"/>
-            <a:ext cx="1658418" cy="0"/>
-          </a:xfrm>
-          <a:prstGeom prst="straightConnector1">
-            <a:avLst/>
-          </a:prstGeom>
-          <a:ln w="50800">
-            <a:solidFill>
-              <a:srgbClr val="D930AC"/>
-            </a:solidFill>
-            <a:tailEnd type="triangle"/>
-          </a:ln>
-        </p:spPr>
-        <p:style>
-          <a:lnRef idx="2">
-            <a:schemeClr val="accent1"/>
-          </a:lnRef>
-          <a:fillRef idx="0">
-            <a:schemeClr val="accent1"/>
-          </a:fillRef>
-          <a:effectRef idx="1">
-            <a:schemeClr val="accent1"/>
-          </a:effectRef>
-          <a:fontRef idx="minor">
-            <a:schemeClr val="tx1"/>
-          </a:fontRef>
-        </p:style>
-      </p:cxnSp>
-    </p:spTree>
-    <p:extLst>
-      <p:ext uri="{BB962C8B-B14F-4D97-AF65-F5344CB8AC3E}">
-        <p14:creationId xmlns:p14="http://schemas.microsoft.com/office/powerpoint/2010/main" val="4256459878"/>
-      </p:ext>
-    </p:extLst>
-  </p:cSld>
-  <p:clrMapOvr>
-    <a:masterClrMapping/>
-  </p:clrMapOvr>
-</p:sld>
-</file>
-
-<file path=ppt/slides/slide4.xml><?xml version="1.0" encoding="utf-8"?>
-<p:sld xmlns:a="http://schemas.openxmlformats.org/drawingml/2006/main" xmlns:r="http://schemas.openxmlformats.org/officeDocument/2006/relationships" xmlns:p="http://schemas.openxmlformats.org/presentationml/2006/main">
-  <p:cSld>
-    <p:bg>
-      <p:bgPr>
-        <a:solidFill>
-          <a:srgbClr val="F2F2F2"/>
-        </a:solidFill>
-        <a:effectLst/>
-      </p:bgPr>
-    </p:bg>
-    <p:spTree>
-      <p:nvGrpSpPr>
-        <p:cNvPr id="1" name=""/>
-        <p:cNvGrpSpPr/>
-        <p:nvPr/>
-      </p:nvGrpSpPr>
-      <p:grpSpPr>
-        <a:xfrm>
-          <a:off x="0" y="0"/>
-          <a:ext cx="0" cy="0"/>
-          <a:chOff x="0" y="0"/>
-          <a:chExt cx="0" cy="0"/>
-        </a:xfrm>
-      </p:grpSpPr>
-      <p:sp>
-        <p:nvSpPr>
-          <p:cNvPr id="2" name="Title 1">
-            <a:extLst>
-              <a:ext uri="{FF2B5EF4-FFF2-40B4-BE49-F238E27FC236}">
-                <a16:creationId xmlns:a16="http://schemas.microsoft.com/office/drawing/2014/main" id="{70417243-0D32-9C33-E18C-4A01DB94DD4B}"/>
-              </a:ext>
-            </a:extLst>
-          </p:cNvPr>
-          <p:cNvSpPr>
-            <a:spLocks noGrp="1"/>
-          </p:cNvSpPr>
-          <p:nvPr>
-            <p:ph type="title"/>
-          </p:nvPr>
-        </p:nvSpPr>
-        <p:spPr>
-          <a:solidFill>
-            <a:srgbClr val="D8D0F2"/>
-          </a:solidFill>
-          <a:ln w="50800">
-            <a:solidFill>
-              <a:srgbClr val="142273"/>
-            </a:solidFill>
-          </a:ln>
-        </p:spPr>
-        <p:txBody>
-          <a:bodyPr>
-            <a:normAutofit/>
-          </a:bodyPr>
-          <a:lstStyle/>
-          <a:p>
-            <a:pPr algn="ctr"/>
-            <a:r>
-              <a:rPr lang="en-GB" b="1" dirty="0">
-                <a:solidFill>
-                  <a:srgbClr val="142273"/>
-                </a:solidFill>
-                <a:latin typeface="Space Mono" panose="02010509030202000204" pitchFamily="49" charset="77"/>
-              </a:rPr>
-              <a:t>Loanword Usage Over Time</a:t>
-            </a:r>
-          </a:p>
-        </p:txBody>
-      </p:sp>
-      <p:sp>
-        <p:nvSpPr>
-          <p:cNvPr id="3" name="Content Placeholder 2">
-            <a:extLst>
-              <a:ext uri="{FF2B5EF4-FFF2-40B4-BE49-F238E27FC236}">
-                <a16:creationId xmlns:a16="http://schemas.microsoft.com/office/drawing/2014/main" id="{D286F038-89AB-6EC2-A710-4CC7944B1C9B}"/>
-              </a:ext>
-            </a:extLst>
-          </p:cNvPr>
-          <p:cNvSpPr>
-            <a:spLocks noGrp="1"/>
-          </p:cNvSpPr>
-          <p:nvPr>
-            <p:ph idx="1"/>
-          </p:nvPr>
-        </p:nvSpPr>
-        <p:spPr/>
-        <p:txBody>
-          <a:bodyPr>
-            <a:normAutofit/>
-          </a:bodyPr>
-          <a:lstStyle/>
-          <a:p>
-            <a:pPr marL="0" indent="0">
-              <a:buNone/>
-            </a:pPr>
-            <a:r>
-              <a:rPr lang="en-GB" dirty="0">
-                <a:latin typeface="Mulish" pitchFamily="2" charset="77"/>
-              </a:rPr>
-              <a:t>TODO: Plot #1 Line Chart + Confidence</a:t>
-            </a:r>
-          </a:p>
-          <a:p>
-            <a:pPr marL="0" indent="0">
-              <a:buNone/>
-            </a:pPr>
-            <a:endParaRPr lang="en-GB" dirty="0">
-              <a:latin typeface="Mulish" pitchFamily="2" charset="77"/>
-            </a:endParaRPr>
-          </a:p>
-        </p:txBody>
-      </p:sp>
-      <p:sp>
-        <p:nvSpPr>
-          <p:cNvPr id="4" name="Rounded Rectangle 3">
-            <a:extLst>
-              <a:ext uri="{FF2B5EF4-FFF2-40B4-BE49-F238E27FC236}">
-                <a16:creationId xmlns:a16="http://schemas.microsoft.com/office/drawing/2014/main" id="{C9058646-43D5-2073-2296-B269283FBA31}"/>
-              </a:ext>
-            </a:extLst>
-          </p:cNvPr>
-          <p:cNvSpPr/>
-          <p:nvPr/>
-        </p:nvSpPr>
-        <p:spPr>
-          <a:xfrm>
-            <a:off x="4052047" y="3253637"/>
-            <a:ext cx="4087906" cy="1495313"/>
-          </a:xfrm>
-          <a:prstGeom prst="roundRect">
-            <a:avLst/>
-          </a:prstGeom>
-          <a:solidFill>
-            <a:srgbClr val="D8D0F2"/>
-          </a:solidFill>
-          <a:ln w="50800"/>
-        </p:spPr>
-        <p:style>
-          <a:lnRef idx="2">
-            <a:schemeClr val="accent1">
-              <a:shade val="15000"/>
-            </a:schemeClr>
-          </a:lnRef>
-          <a:fillRef idx="1">
-            <a:schemeClr val="accent1"/>
-          </a:fillRef>
-          <a:effectRef idx="0">
-            <a:schemeClr val="accent1"/>
-          </a:effectRef>
-          <a:fontRef idx="minor">
-            <a:schemeClr val="lt1"/>
-          </a:fontRef>
-        </p:style>
-        <p:txBody>
-          <a:bodyPr rtlCol="0" anchor="ctr"/>
-          <a:lstStyle/>
-          <a:p>
-            <a:pPr marL="0" indent="0">
-              <a:buNone/>
-            </a:pPr>
-            <a:r>
-              <a:rPr lang="en-GB" b="1" dirty="0">
-                <a:solidFill>
-                  <a:srgbClr val="142273"/>
-                </a:solidFill>
-                <a:latin typeface="Mulish" pitchFamily="2" charset="77"/>
-              </a:rPr>
-              <a:t>Stat Highlights:</a:t>
-            </a:r>
-          </a:p>
-          <a:p>
-            <a:pPr marL="0" indent="0">
-              <a:buNone/>
-            </a:pPr>
-            <a:r>
-              <a:rPr lang="en-GB" b="1" dirty="0">
-                <a:solidFill>
-                  <a:srgbClr val="142273"/>
-                </a:solidFill>
-                <a:latin typeface="Mulish" pitchFamily="2" charset="77"/>
-              </a:rPr>
-              <a:t>2017</a:t>
-            </a:r>
-            <a:r>
-              <a:rPr lang="en-GB" dirty="0">
-                <a:solidFill>
-                  <a:srgbClr val="142273"/>
-                </a:solidFill>
-                <a:latin typeface="Mulish" pitchFamily="2" charset="77"/>
-              </a:rPr>
-              <a:t> avg. density: </a:t>
-            </a:r>
-            <a:r>
-              <a:rPr lang="en-GB" b="1" dirty="0">
-                <a:solidFill>
-                  <a:srgbClr val="142273"/>
-                </a:solidFill>
-                <a:latin typeface="Mulish" pitchFamily="2" charset="77"/>
-              </a:rPr>
-              <a:t>0.0039</a:t>
-            </a:r>
-          </a:p>
-          <a:p>
-            <a:pPr marL="0" indent="0">
-              <a:buNone/>
-            </a:pPr>
-            <a:r>
-              <a:rPr lang="en-GB" b="1" dirty="0">
-                <a:solidFill>
-                  <a:srgbClr val="142273"/>
-                </a:solidFill>
-                <a:latin typeface="Mulish" pitchFamily="2" charset="77"/>
-              </a:rPr>
-              <a:t>2023</a:t>
-            </a:r>
-            <a:r>
-              <a:rPr lang="en-GB" dirty="0">
-                <a:solidFill>
-                  <a:srgbClr val="142273"/>
-                </a:solidFill>
-                <a:latin typeface="Mulish" pitchFamily="2" charset="77"/>
-              </a:rPr>
-              <a:t> avg. density: </a:t>
-            </a:r>
-            <a:r>
-              <a:rPr lang="en-GB" b="1" dirty="0">
-                <a:solidFill>
-                  <a:srgbClr val="142273"/>
-                </a:solidFill>
-                <a:latin typeface="Mulish" pitchFamily="2" charset="77"/>
-              </a:rPr>
-              <a:t>0.0076</a:t>
-            </a:r>
-          </a:p>
-          <a:p>
-            <a:pPr marL="0" indent="0">
-              <a:buNone/>
-            </a:pPr>
-            <a:r>
-              <a:rPr lang="en-GB" b="1" dirty="0">
-                <a:solidFill>
-                  <a:srgbClr val="142273"/>
-                </a:solidFill>
-                <a:latin typeface="Mulish" pitchFamily="2" charset="77"/>
-              </a:rPr>
-              <a:t>95% </a:t>
-            </a:r>
-            <a:r>
-              <a:rPr lang="en-GB" dirty="0">
-                <a:solidFill>
-                  <a:srgbClr val="142273"/>
-                </a:solidFill>
-                <a:latin typeface="Mulish" pitchFamily="2" charset="77"/>
-              </a:rPr>
-              <a:t>increase over </a:t>
-            </a:r>
-            <a:r>
-              <a:rPr lang="en-GB" b="1" dirty="0">
-                <a:solidFill>
-                  <a:srgbClr val="142273"/>
-                </a:solidFill>
-                <a:latin typeface="Mulish" pitchFamily="2" charset="77"/>
-              </a:rPr>
-              <a:t>6</a:t>
-            </a:r>
-            <a:r>
-              <a:rPr lang="en-GB" dirty="0">
-                <a:solidFill>
-                  <a:srgbClr val="142273"/>
-                </a:solidFill>
-                <a:latin typeface="Mulish" pitchFamily="2" charset="77"/>
-              </a:rPr>
-              <a:t> years</a:t>
-            </a:r>
-          </a:p>
-        </p:txBody>
-      </p:sp>
-    </p:spTree>
-    <p:extLst>
-      <p:ext uri="{BB962C8B-B14F-4D97-AF65-F5344CB8AC3E}">
-        <p14:creationId xmlns:p14="http://schemas.microsoft.com/office/powerpoint/2010/main" val="1267491427"/>
-      </p:ext>
-    </p:extLst>
-  </p:cSld>
-  <p:clrMapOvr>
-    <a:masterClrMapping/>
-  </p:clrMapOvr>
-</p:sld>
-</file>
-
-<file path=ppt/slides/slide5.xml><?xml version="1.0" encoding="utf-8"?>
-<p:sld xmlns:a="http://schemas.openxmlformats.org/drawingml/2006/main" xmlns:r="http://schemas.openxmlformats.org/officeDocument/2006/relationships" xmlns:p="http://schemas.openxmlformats.org/presentationml/2006/main">
-  <p:cSld>
-    <p:spTree>
-      <p:nvGrpSpPr>
-        <p:cNvPr id="1" name=""/>
-        <p:cNvGrpSpPr/>
-        <p:nvPr/>
-      </p:nvGrpSpPr>
-      <p:grpSpPr>
-        <a:xfrm>
-          <a:off x="0" y="0"/>
-          <a:ext cx="0" cy="0"/>
-          <a:chOff x="0" y="0"/>
-          <a:chExt cx="0" cy="0"/>
-        </a:xfrm>
-      </p:grpSpPr>
-      <p:sp>
-        <p:nvSpPr>
-          <p:cNvPr id="2" name="Title 1">
-            <a:extLst>
-              <a:ext uri="{FF2B5EF4-FFF2-40B4-BE49-F238E27FC236}">
-                <a16:creationId xmlns:a16="http://schemas.microsoft.com/office/drawing/2014/main" id="{D5F3CFA1-21C4-3E3E-D60F-EDD93B2BC5BA}"/>
-              </a:ext>
-            </a:extLst>
-          </p:cNvPr>
-          <p:cNvSpPr>
-            <a:spLocks noGrp="1"/>
-          </p:cNvSpPr>
-          <p:nvPr>
-            <p:ph type="title"/>
-          </p:nvPr>
-        </p:nvSpPr>
-        <p:spPr>
-          <a:solidFill>
-            <a:srgbClr val="D8D0F2"/>
-          </a:solidFill>
-          <a:ln w="50800">
-            <a:solidFill>
-              <a:srgbClr val="142273"/>
-            </a:solidFill>
-          </a:ln>
-        </p:spPr>
-        <p:txBody>
-          <a:bodyPr/>
-          <a:lstStyle/>
-          <a:p>
-            <a:pPr algn="ctr"/>
-            <a:r>
-              <a:rPr lang="en-GB" b="1" dirty="0">
-                <a:solidFill>
-                  <a:srgbClr val="142273"/>
-                </a:solidFill>
-                <a:latin typeface="Space Mono" panose="02010509030202000204" pitchFamily="49" charset="77"/>
-              </a:rPr>
-              <a:t>Distribution of Loanword Usage</a:t>
-            </a:r>
-          </a:p>
-        </p:txBody>
-      </p:sp>
-      <p:sp>
-        <p:nvSpPr>
-          <p:cNvPr id="3" name="Content Placeholder 2">
-            <a:extLst>
-              <a:ext uri="{FF2B5EF4-FFF2-40B4-BE49-F238E27FC236}">
-                <a16:creationId xmlns:a16="http://schemas.microsoft.com/office/drawing/2014/main" id="{65C30F36-B7B3-2161-A01B-9809B47B2372}"/>
-              </a:ext>
-            </a:extLst>
-          </p:cNvPr>
-          <p:cNvSpPr>
-            <a:spLocks noGrp="1"/>
-          </p:cNvSpPr>
-          <p:nvPr>
-            <p:ph idx="1"/>
-          </p:nvPr>
-        </p:nvSpPr>
-        <p:spPr/>
-        <p:txBody>
-          <a:bodyPr/>
-          <a:lstStyle/>
-          <a:p>
-            <a:pPr marL="0" indent="0">
-              <a:buNone/>
-            </a:pPr>
-            <a:r>
-              <a:rPr lang="en-GB" dirty="0"/>
-              <a:t>TODO: Plot #2 Histogram</a:t>
-            </a:r>
-          </a:p>
-          <a:p>
-            <a:pPr marL="0" indent="0">
-              <a:buNone/>
-            </a:pPr>
-            <a:endParaRPr lang="en-GB" dirty="0"/>
-          </a:p>
-          <a:p>
-            <a:pPr marL="0" indent="0">
-              <a:buNone/>
-            </a:pPr>
-            <a:r>
-              <a:rPr lang="en-GB" dirty="0"/>
-              <a:t>How common are “English-heavy” articles?</a:t>
-            </a:r>
-          </a:p>
-          <a:p>
-            <a:pPr marL="0" indent="0">
-              <a:buNone/>
-            </a:pPr>
-            <a:endParaRPr lang="en-GB" dirty="0"/>
-          </a:p>
-          <a:p>
-            <a:pPr marL="0" indent="0">
-              <a:buNone/>
-            </a:pPr>
-            <a:r>
-              <a:rPr lang="en-GB" dirty="0"/>
-              <a:t>Stat Highlights:</a:t>
-            </a:r>
-          </a:p>
-          <a:p>
-            <a:r>
-              <a:rPr lang="en-GB" dirty="0"/>
-              <a:t>Long tail: most articles have &lt;1% density</a:t>
-            </a:r>
-          </a:p>
-          <a:p>
-            <a:r>
-              <a:rPr lang="en-GB" dirty="0"/>
-              <a:t>A minority are dense with English terms</a:t>
-            </a:r>
-          </a:p>
-        </p:txBody>
-      </p:sp>
-    </p:spTree>
-    <p:extLst>
-      <p:ext uri="{BB962C8B-B14F-4D97-AF65-F5344CB8AC3E}">
-        <p14:creationId xmlns:p14="http://schemas.microsoft.com/office/powerpoint/2010/main" val="3720162886"/>
-      </p:ext>
-    </p:extLst>
-  </p:cSld>
-  <p:clrMapOvr>
-    <a:masterClrMapping/>
-  </p:clrMapOvr>
-</p:sld>
-</file>
-
-<file path=ppt/slides/slide6.xml><?xml version="1.0" encoding="utf-8"?>
-<p:sld xmlns:a="http://schemas.openxmlformats.org/drawingml/2006/main" xmlns:r="http://schemas.openxmlformats.org/officeDocument/2006/relationships" xmlns:p="http://schemas.openxmlformats.org/presentationml/2006/main">
-  <p:cSld>
-    <p:spTree>
-      <p:nvGrpSpPr>
-        <p:cNvPr id="1" name=""/>
-        <p:cNvGrpSpPr/>
-        <p:nvPr/>
-      </p:nvGrpSpPr>
-      <p:grpSpPr>
-        <a:xfrm>
-          <a:off x="0" y="0"/>
-          <a:ext cx="0" cy="0"/>
-          <a:chOff x="0" y="0"/>
-          <a:chExt cx="0" cy="0"/>
-        </a:xfrm>
-      </p:grpSpPr>
-      <p:sp>
-        <p:nvSpPr>
-          <p:cNvPr id="2" name="Title 1">
-            <a:extLst>
-              <a:ext uri="{FF2B5EF4-FFF2-40B4-BE49-F238E27FC236}">
-                <a16:creationId xmlns:a16="http://schemas.microsoft.com/office/drawing/2014/main" id="{D5938D3B-FDAE-3319-0ADF-DCFAE3C68286}"/>
-              </a:ext>
-            </a:extLst>
-          </p:cNvPr>
-          <p:cNvSpPr>
-            <a:spLocks noGrp="1"/>
-          </p:cNvSpPr>
-          <p:nvPr>
-            <p:ph type="title"/>
-          </p:nvPr>
-        </p:nvSpPr>
-        <p:spPr>
-          <a:solidFill>
-            <a:srgbClr val="D8D0F2"/>
-          </a:solidFill>
-          <a:ln w="50800">
-            <a:solidFill>
-              <a:srgbClr val="142273"/>
-            </a:solidFill>
-          </a:ln>
-        </p:spPr>
-        <p:txBody>
-          <a:bodyPr/>
-          <a:lstStyle/>
-          <a:p>
-            <a:pPr algn="ctr"/>
             <a:r>
               <a:rPr lang="en-GB" b="1" dirty="0">
                 <a:solidFill>
@@ -9730,7 +8520,7 @@
     </p:spTree>
     <p:extLst>
       <p:ext uri="{BB962C8B-B14F-4D97-AF65-F5344CB8AC3E}">
-        <p14:creationId xmlns:p14="http://schemas.microsoft.com/office/powerpoint/2010/main" val="3106992075"/>
+        <p14:creationId xmlns:p14="http://schemas.microsoft.com/office/powerpoint/2010/main" val="2923883874"/>
       </p:ext>
     </p:extLst>
   </p:cSld>
@@ -9740,132 +8530,13 @@
 </p:sld>
 </file>
 
-<file path=ppt/slides/slide7.xml><?xml version="1.0" encoding="utf-8"?>
-<p:sld xmlns:a="http://schemas.openxmlformats.org/drawingml/2006/main" xmlns:r="http://schemas.openxmlformats.org/officeDocument/2006/relationships" xmlns:p="http://schemas.openxmlformats.org/presentationml/2006/main">
-  <p:cSld>
-    <p:spTree>
-      <p:nvGrpSpPr>
-        <p:cNvPr id="1" name=""/>
-        <p:cNvGrpSpPr/>
-        <p:nvPr/>
-      </p:nvGrpSpPr>
-      <p:grpSpPr>
-        <a:xfrm>
-          <a:off x="0" y="0"/>
-          <a:ext cx="0" cy="0"/>
-          <a:chOff x="0" y="0"/>
-          <a:chExt cx="0" cy="0"/>
-        </a:xfrm>
-      </p:grpSpPr>
-      <p:sp>
-        <p:nvSpPr>
-          <p:cNvPr id="2" name="Title 1">
-            <a:extLst>
-              <a:ext uri="{FF2B5EF4-FFF2-40B4-BE49-F238E27FC236}">
-                <a16:creationId xmlns:a16="http://schemas.microsoft.com/office/drawing/2014/main" id="{61322E65-938C-7E3F-6732-23C791DD9731}"/>
-              </a:ext>
-            </a:extLst>
-          </p:cNvPr>
-          <p:cNvSpPr>
-            <a:spLocks noGrp="1"/>
-          </p:cNvSpPr>
-          <p:nvPr>
-            <p:ph type="title"/>
-          </p:nvPr>
-        </p:nvSpPr>
-        <p:spPr>
-          <a:solidFill>
-            <a:srgbClr val="D8D0F2"/>
-          </a:solidFill>
-          <a:ln w="50800">
-            <a:solidFill>
-              <a:srgbClr val="142273"/>
-            </a:solidFill>
-          </a:ln>
-        </p:spPr>
-        <p:txBody>
-          <a:bodyPr/>
-          <a:lstStyle/>
-          <a:p>
-            <a:pPr algn="ctr"/>
-            <a:r>
-              <a:rPr lang="en-GB" b="1" dirty="0">
-                <a:solidFill>
-                  <a:srgbClr val="142273"/>
-                </a:solidFill>
-                <a:latin typeface="Space Mono" panose="02010509030202000204" pitchFamily="49" charset="77"/>
-              </a:rPr>
-              <a:t>Sentiment &amp; Loanwords</a:t>
-            </a:r>
-          </a:p>
-        </p:txBody>
-      </p:sp>
-      <p:sp>
-        <p:nvSpPr>
-          <p:cNvPr id="3" name="Content Placeholder 2">
-            <a:extLst>
-              <a:ext uri="{FF2B5EF4-FFF2-40B4-BE49-F238E27FC236}">
-                <a16:creationId xmlns:a16="http://schemas.microsoft.com/office/drawing/2014/main" id="{E1DFDFB2-15E3-27F7-80BC-B280DE1DF5E3}"/>
-              </a:ext>
-            </a:extLst>
-          </p:cNvPr>
-          <p:cNvSpPr>
-            <a:spLocks noGrp="1"/>
-          </p:cNvSpPr>
-          <p:nvPr>
-            <p:ph idx="1"/>
-          </p:nvPr>
-        </p:nvSpPr>
-        <p:spPr/>
-        <p:txBody>
-          <a:bodyPr/>
-          <a:lstStyle/>
-          <a:p>
-            <a:pPr marL="0" indent="0">
-              <a:buNone/>
-            </a:pPr>
-            <a:r>
-              <a:rPr lang="en-GB" dirty="0"/>
-              <a:t>TODO: Plot #4 Boxplot of loanword density by sentiment label</a:t>
-            </a:r>
-          </a:p>
-          <a:p>
-            <a:pPr marL="0" indent="0">
-              <a:buNone/>
-            </a:pPr>
-            <a:endParaRPr lang="en-GB" dirty="0"/>
-          </a:p>
-          <a:p>
-            <a:pPr marL="0" indent="0">
-              <a:buNone/>
-            </a:pPr>
-            <a:r>
-              <a:rPr lang="en-GB" i="1" dirty="0"/>
-              <a:t>Does the use of English loanwords align with positive tone?</a:t>
-            </a:r>
-          </a:p>
-        </p:txBody>
-      </p:sp>
-    </p:spTree>
-    <p:extLst>
-      <p:ext uri="{BB962C8B-B14F-4D97-AF65-F5344CB8AC3E}">
-        <p14:creationId xmlns:p14="http://schemas.microsoft.com/office/powerpoint/2010/main" val="2277791406"/>
-      </p:ext>
-    </p:extLst>
-  </p:cSld>
-  <p:clrMapOvr>
-    <a:masterClrMapping/>
-  </p:clrMapOvr>
-</p:sld>
-</file>
-
-<file path=ppt/slides/slide8.xml><?xml version="1.0" encoding="utf-8"?>
+<file path=ppt/slides/slide12.xml><?xml version="1.0" encoding="utf-8"?>
 <p:sld xmlns:a="http://schemas.openxmlformats.org/drawingml/2006/main" xmlns:r="http://schemas.openxmlformats.org/officeDocument/2006/relationships" xmlns:p="http://schemas.openxmlformats.org/presentationml/2006/main">
   <p:cSld>
     <p:bg>
       <p:bgPr>
         <a:solidFill>
-          <a:srgbClr val="F2F2F2"/>
+          <a:srgbClr val="EEECE8"/>
         </a:solidFill>
         <a:effectLst/>
       </p:bgPr>
@@ -9886,112 +8557,660 @@
       </p:grpSpPr>
       <p:sp>
         <p:nvSpPr>
-          <p:cNvPr id="17" name="Rounded Rectangle 16">
-            <a:extLst>
-              <a:ext uri="{FF2B5EF4-FFF2-40B4-BE49-F238E27FC236}">
-                <a16:creationId xmlns:a16="http://schemas.microsoft.com/office/drawing/2014/main" id="{FD051304-8475-D879-AAB7-A142992DA37A}"/>
-              </a:ext>
-            </a:extLst>
-          </p:cNvPr>
-          <p:cNvSpPr/>
-          <p:nvPr/>
+          <p:cNvPr id="2" name="Title 1">
+            <a:extLst>
+              <a:ext uri="{FF2B5EF4-FFF2-40B4-BE49-F238E27FC236}">
+                <a16:creationId xmlns:a16="http://schemas.microsoft.com/office/drawing/2014/main" id="{BD4B6237-4A2B-4CC9-C3BA-999AA1DE25A1}"/>
+              </a:ext>
+            </a:extLst>
+          </p:cNvPr>
+          <p:cNvSpPr>
+            <a:spLocks noGrp="1"/>
+          </p:cNvSpPr>
+          <p:nvPr>
+            <p:ph type="title"/>
+          </p:nvPr>
         </p:nvSpPr>
         <p:spPr>
           <a:xfrm>
-            <a:off x="5596128" y="2905571"/>
-            <a:ext cx="3675888" cy="914400"/>
+            <a:off x="838200" y="365125"/>
+            <a:ext cx="10515600" cy="954000"/>
           </a:xfrm>
-          <a:prstGeom prst="roundRect">
+          <a:solidFill>
+            <a:srgbClr val="D8D0F2"/>
+          </a:solidFill>
+          <a:ln w="50800">
+            <a:solidFill>
+              <a:srgbClr val="142273"/>
+            </a:solidFill>
+          </a:ln>
+        </p:spPr>
+        <p:txBody>
+          <a:bodyPr/>
+          <a:lstStyle/>
+          <a:p>
+            <a:pPr algn="ctr">
+              <a:lnSpc>
+                <a:spcPct val="100000"/>
+              </a:lnSpc>
+            </a:pPr>
+            <a:r>
+              <a:rPr lang="en-GB" b="1" dirty="0">
+                <a:solidFill>
+                  <a:srgbClr val="142273"/>
+                </a:solidFill>
+                <a:latin typeface="Space Mono" panose="02010509030202000204" pitchFamily="49" charset="77"/>
+              </a:rPr>
+              <a:t>Qualitative Insights (LLM)</a:t>
+            </a:r>
+          </a:p>
+        </p:txBody>
+      </p:sp>
+      <p:sp>
+        <p:nvSpPr>
+          <p:cNvPr id="3" name="Content Placeholder 2">
+            <a:extLst>
+              <a:ext uri="{FF2B5EF4-FFF2-40B4-BE49-F238E27FC236}">
+                <a16:creationId xmlns:a16="http://schemas.microsoft.com/office/drawing/2014/main" id="{84A8438B-7CD1-6DFB-BA7F-1EA7225C5F45}"/>
+              </a:ext>
+            </a:extLst>
+          </p:cNvPr>
+          <p:cNvSpPr>
+            <a:spLocks noGrp="1"/>
+          </p:cNvSpPr>
+          <p:nvPr>
+            <p:ph idx="1"/>
+          </p:nvPr>
+        </p:nvSpPr>
+        <p:spPr/>
+        <p:txBody>
+          <a:bodyPr/>
+          <a:lstStyle/>
+          <a:p>
+            <a:pPr marL="0" indent="0">
+              <a:buNone/>
+            </a:pPr>
+            <a:r>
+              <a:rPr lang="en-GB" dirty="0"/>
+              <a:t>Why Are These Words Used?</a:t>
+            </a:r>
+          </a:p>
+          <a:p>
+            <a:pPr marL="0" indent="0">
+              <a:buNone/>
+            </a:pPr>
+            <a:endParaRPr lang="en-GB" dirty="0"/>
+          </a:p>
+          <a:p>
+            <a:pPr marL="0" indent="0">
+              <a:buNone/>
+            </a:pPr>
+            <a:r>
+              <a:rPr lang="en-GB" dirty="0"/>
+              <a:t>LLM Response: modernity, tech-savviness, trendiness</a:t>
+            </a:r>
+          </a:p>
+          <a:p>
+            <a:pPr marL="0" indent="0">
+              <a:buNone/>
+            </a:pPr>
+            <a:endParaRPr lang="en-GB" dirty="0"/>
+          </a:p>
+          <a:p>
+            <a:pPr marL="0" indent="0">
+              <a:buNone/>
+            </a:pPr>
+            <a:r>
+              <a:rPr lang="en-GB" dirty="0"/>
+              <a:t>Aspirational tone</a:t>
+            </a:r>
+          </a:p>
+          <a:p>
+            <a:pPr marL="0" indent="0">
+              <a:buNone/>
+            </a:pPr>
+            <a:endParaRPr lang="en-GB" dirty="0"/>
+          </a:p>
+          <a:p>
+            <a:pPr marL="0" indent="0">
+              <a:buNone/>
+            </a:pPr>
+            <a:r>
+              <a:rPr lang="en-GB" dirty="0"/>
+              <a:t>Tone classification: ~80% formal, 20% informal in sample</a:t>
+            </a:r>
+          </a:p>
+        </p:txBody>
+      </p:sp>
+    </p:spTree>
+    <p:extLst>
+      <p:ext uri="{BB962C8B-B14F-4D97-AF65-F5344CB8AC3E}">
+        <p14:creationId xmlns:p14="http://schemas.microsoft.com/office/powerpoint/2010/main" val="2786154911"/>
+      </p:ext>
+    </p:extLst>
+  </p:cSld>
+  <p:clrMapOvr>
+    <a:masterClrMapping/>
+  </p:clrMapOvr>
+</p:sld>
+</file>
+
+<file path=ppt/slides/slide13.xml><?xml version="1.0" encoding="utf-8"?>
+<p:sld xmlns:a="http://schemas.openxmlformats.org/drawingml/2006/main" xmlns:r="http://schemas.openxmlformats.org/officeDocument/2006/relationships" xmlns:p="http://schemas.openxmlformats.org/presentationml/2006/main">
+  <p:cSld>
+    <p:bg>
+      <p:bgPr>
+        <a:solidFill>
+          <a:srgbClr val="EEECE8"/>
+        </a:solidFill>
+        <a:effectLst/>
+      </p:bgPr>
+    </p:bg>
+    <p:spTree>
+      <p:nvGrpSpPr>
+        <p:cNvPr id="1" name=""/>
+        <p:cNvGrpSpPr/>
+        <p:nvPr/>
+      </p:nvGrpSpPr>
+      <p:grpSpPr>
+        <a:xfrm>
+          <a:off x="0" y="0"/>
+          <a:ext cx="0" cy="0"/>
+          <a:chOff x="0" y="0"/>
+          <a:chExt cx="0" cy="0"/>
+        </a:xfrm>
+      </p:grpSpPr>
+      <p:sp>
+        <p:nvSpPr>
+          <p:cNvPr id="2" name="Title 1">
+            <a:extLst>
+              <a:ext uri="{FF2B5EF4-FFF2-40B4-BE49-F238E27FC236}">
+                <a16:creationId xmlns:a16="http://schemas.microsoft.com/office/drawing/2014/main" id="{CD39575E-5DCA-B55C-5A5D-4043D3AACE1D}"/>
+              </a:ext>
+            </a:extLst>
+          </p:cNvPr>
+          <p:cNvSpPr>
+            <a:spLocks noGrp="1"/>
+          </p:cNvSpPr>
+          <p:nvPr>
+            <p:ph type="title"/>
+          </p:nvPr>
+        </p:nvSpPr>
+        <p:spPr>
+          <a:solidFill>
+            <a:srgbClr val="D8D0F2"/>
+          </a:solidFill>
+          <a:ln w="50800">
+            <a:solidFill>
+              <a:srgbClr val="142273"/>
+            </a:solidFill>
+          </a:ln>
+        </p:spPr>
+        <p:txBody>
+          <a:bodyPr>
+            <a:normAutofit fontScale="90000"/>
+          </a:bodyPr>
+          <a:lstStyle/>
+          <a:p>
+            <a:pPr algn="ctr">
+              <a:lnSpc>
+                <a:spcPct val="100000"/>
+              </a:lnSpc>
+            </a:pPr>
+            <a:r>
+              <a:rPr lang="en-GB" b="1" dirty="0">
+                <a:solidFill>
+                  <a:srgbClr val="142273"/>
+                </a:solidFill>
+                <a:latin typeface="Space Mono" panose="02010509030202000204" pitchFamily="49" charset="77"/>
+              </a:rPr>
+              <a:t>Branding, Aspiration &amp; </a:t>
+            </a:r>
+            <a:br>
+              <a:rPr lang="en-GB" b="1" dirty="0">
+                <a:solidFill>
+                  <a:srgbClr val="142273"/>
+                </a:solidFill>
+                <a:latin typeface="Space Mono" panose="02010509030202000204" pitchFamily="49" charset="77"/>
+              </a:rPr>
+            </a:br>
+            <a:r>
+              <a:rPr lang="en-GB" b="1" dirty="0">
+                <a:solidFill>
+                  <a:srgbClr val="142273"/>
+                </a:solidFill>
+                <a:latin typeface="Space Mono" panose="02010509030202000204" pitchFamily="49" charset="77"/>
+              </a:rPr>
+              <a:t>Global Alignment</a:t>
+            </a:r>
+          </a:p>
+        </p:txBody>
+      </p:sp>
+      <p:sp>
+        <p:nvSpPr>
+          <p:cNvPr id="3" name="Content Placeholder 2">
+            <a:extLst>
+              <a:ext uri="{FF2B5EF4-FFF2-40B4-BE49-F238E27FC236}">
+                <a16:creationId xmlns:a16="http://schemas.microsoft.com/office/drawing/2014/main" id="{B210C2C8-D07F-E703-FC3F-05F8BCE9EB0A}"/>
+              </a:ext>
+            </a:extLst>
+          </p:cNvPr>
+          <p:cNvSpPr>
+            <a:spLocks noGrp="1"/>
+          </p:cNvSpPr>
+          <p:nvPr>
+            <p:ph idx="1"/>
+          </p:nvPr>
+        </p:nvSpPr>
+        <p:spPr/>
+        <p:txBody>
+          <a:bodyPr/>
+          <a:lstStyle/>
+          <a:p>
+            <a:pPr marL="0" indent="0">
+              <a:buNone/>
+            </a:pPr>
+            <a:r>
+              <a:rPr lang="en-GB" dirty="0">
+                <a:latin typeface="Mulish" pitchFamily="2" charset="77"/>
+              </a:rPr>
+              <a:t>Is Denglish a linguistic tool for branding and aspiration?</a:t>
+            </a:r>
+          </a:p>
+        </p:txBody>
+      </p:sp>
+    </p:spTree>
+    <p:extLst>
+      <p:ext uri="{BB962C8B-B14F-4D97-AF65-F5344CB8AC3E}">
+        <p14:creationId xmlns:p14="http://schemas.microsoft.com/office/powerpoint/2010/main" val="2730758770"/>
+      </p:ext>
+    </p:extLst>
+  </p:cSld>
+  <p:clrMapOvr>
+    <a:masterClrMapping/>
+  </p:clrMapOvr>
+</p:sld>
+</file>
+
+<file path=ppt/slides/slide2.xml><?xml version="1.0" encoding="utf-8"?>
+<p:sld xmlns:a="http://schemas.openxmlformats.org/drawingml/2006/main" xmlns:r="http://schemas.openxmlformats.org/officeDocument/2006/relationships" xmlns:p="http://schemas.openxmlformats.org/presentationml/2006/main">
+  <p:cSld>
+    <p:bg>
+      <p:bgPr>
+        <a:solidFill>
+          <a:srgbClr val="EEECE8"/>
+        </a:solidFill>
+        <a:effectLst/>
+      </p:bgPr>
+    </p:bg>
+    <p:spTree>
+      <p:nvGrpSpPr>
+        <p:cNvPr id="1" name=""/>
+        <p:cNvGrpSpPr/>
+        <p:nvPr/>
+      </p:nvGrpSpPr>
+      <p:grpSpPr>
+        <a:xfrm>
+          <a:off x="0" y="0"/>
+          <a:ext cx="0" cy="0"/>
+          <a:chOff x="0" y="0"/>
+          <a:chExt cx="0" cy="0"/>
+        </a:xfrm>
+      </p:grpSpPr>
+      <p:sp>
+        <p:nvSpPr>
+          <p:cNvPr id="2" name="Title 1">
+            <a:extLst>
+              <a:ext uri="{FF2B5EF4-FFF2-40B4-BE49-F238E27FC236}">
+                <a16:creationId xmlns:a16="http://schemas.microsoft.com/office/drawing/2014/main" id="{AAB6200D-E3AD-570B-2EB2-386B1AED2D96}"/>
+              </a:ext>
+            </a:extLst>
+          </p:cNvPr>
+          <p:cNvSpPr>
+            <a:spLocks noGrp="1"/>
+          </p:cNvSpPr>
+          <p:nvPr>
+            <p:ph type="title"/>
+          </p:nvPr>
+        </p:nvSpPr>
+        <p:spPr>
+          <a:xfrm>
+            <a:off x="352425" y="5569804"/>
+            <a:ext cx="10515600" cy="830997"/>
+          </a:xfrm>
+          <a:noFill/>
+          <a:ln w="50800">
+            <a:noFill/>
+          </a:ln>
+        </p:spPr>
+        <p:txBody>
+          <a:bodyPr wrap="square" anchor="b">
+            <a:spAutoFit/>
+          </a:bodyPr>
+          <a:lstStyle/>
+          <a:p>
+            <a:pPr>
+              <a:lnSpc>
+                <a:spcPct val="100000"/>
+              </a:lnSpc>
+            </a:pPr>
+            <a:r>
+              <a:rPr lang="en-GB" sz="4800" b="1" spc="-150" dirty="0">
+                <a:solidFill>
+                  <a:srgbClr val="D64025"/>
+                </a:solidFill>
+                <a:latin typeface="Hanken Grotesk" pitchFamily="2" charset="77"/>
+              </a:rPr>
+              <a:t>research questions</a:t>
+            </a:r>
+          </a:p>
+        </p:txBody>
+      </p:sp>
+      <p:sp>
+        <p:nvSpPr>
+          <p:cNvPr id="3" name="TextBox 2">
+            <a:extLst>
+              <a:ext uri="{FF2B5EF4-FFF2-40B4-BE49-F238E27FC236}">
+                <a16:creationId xmlns:a16="http://schemas.microsoft.com/office/drawing/2014/main" id="{90085220-7FAF-B0E2-DBBE-C96967B8ADB1}"/>
+              </a:ext>
+            </a:extLst>
+          </p:cNvPr>
+          <p:cNvSpPr txBox="1"/>
+          <p:nvPr/>
+        </p:nvSpPr>
+        <p:spPr>
+          <a:xfrm>
+            <a:off x="6691702" y="2117229"/>
+            <a:ext cx="5147873" cy="4154984"/>
+          </a:xfrm>
+          <a:prstGeom prst="rect">
+            <a:avLst/>
+          </a:prstGeom>
+          <a:noFill/>
+        </p:spPr>
+        <p:txBody>
+          <a:bodyPr wrap="square" rtlCol="0" anchor="b">
+            <a:spAutoFit/>
+          </a:bodyPr>
+          <a:lstStyle/>
+          <a:p>
+            <a:r>
+              <a:rPr lang="en-GB" sz="2000" b="1" dirty="0">
+                <a:solidFill>
+                  <a:srgbClr val="262626"/>
+                </a:solidFill>
+                <a:latin typeface="Inter SemiBold" panose="02000503000000020004" pitchFamily="2" charset="0"/>
+                <a:ea typeface="Inter SemiBold" panose="02000503000000020004" pitchFamily="2" charset="0"/>
+              </a:rPr>
+              <a:t>HYPOTHESIS</a:t>
+            </a:r>
+          </a:p>
+          <a:p>
+            <a:endParaRPr lang="en-GB" sz="2000" dirty="0">
+              <a:solidFill>
+                <a:srgbClr val="262626"/>
+              </a:solidFill>
+              <a:latin typeface="Inter" panose="02000503000000020004" pitchFamily="2" charset="0"/>
+              <a:ea typeface="Inter" panose="02000503000000020004" pitchFamily="2" charset="0"/>
+            </a:endParaRPr>
+          </a:p>
+          <a:p>
+            <a:r>
+              <a:rPr lang="en-GB" dirty="0">
+                <a:solidFill>
+                  <a:srgbClr val="262626"/>
+                </a:solidFill>
+                <a:latin typeface="Inter" panose="02000503000000020004" pitchFamily="2" charset="0"/>
+                <a:ea typeface="Inter" panose="02000503000000020004" pitchFamily="2" charset="0"/>
+              </a:rPr>
+              <a:t>English usage has grown due to globalisation and appears more often in tech/business content.</a:t>
+            </a:r>
+          </a:p>
+          <a:p>
+            <a:endParaRPr lang="en-GB" sz="2000" dirty="0">
+              <a:solidFill>
+                <a:srgbClr val="262626"/>
+              </a:solidFill>
+              <a:latin typeface="Inter" panose="02000503000000020004" pitchFamily="2" charset="0"/>
+              <a:ea typeface="Inter" panose="02000503000000020004" pitchFamily="2" charset="0"/>
+            </a:endParaRPr>
+          </a:p>
+          <a:p>
+            <a:endParaRPr lang="en-GB" sz="2000" dirty="0">
+              <a:solidFill>
+                <a:srgbClr val="262626"/>
+              </a:solidFill>
+              <a:latin typeface="Inter" panose="02000503000000020004" pitchFamily="2" charset="0"/>
+              <a:ea typeface="Inter" panose="02000503000000020004" pitchFamily="2" charset="0"/>
+            </a:endParaRPr>
+          </a:p>
+          <a:p>
+            <a:r>
+              <a:rPr lang="en-GB" sz="2000" b="1" dirty="0">
+                <a:solidFill>
+                  <a:srgbClr val="262626"/>
+                </a:solidFill>
+                <a:latin typeface="Inter SemiBold" panose="02000503000000020004" pitchFamily="2" charset="0"/>
+                <a:ea typeface="Inter SemiBold" panose="02000503000000020004" pitchFamily="2" charset="0"/>
+              </a:rPr>
+              <a:t>RESEARCH QUESTIONS</a:t>
+            </a:r>
+          </a:p>
+          <a:p>
+            <a:endParaRPr lang="en-GB" sz="2000" dirty="0">
+              <a:solidFill>
+                <a:srgbClr val="262626"/>
+              </a:solidFill>
+              <a:latin typeface="Inter" panose="02000503000000020004" pitchFamily="2" charset="0"/>
+              <a:ea typeface="Inter" panose="02000503000000020004" pitchFamily="2" charset="0"/>
+            </a:endParaRPr>
+          </a:p>
+          <a:p>
+            <a:r>
+              <a:rPr lang="en-GB" dirty="0">
+                <a:solidFill>
+                  <a:srgbClr val="262626"/>
+                </a:solidFill>
+                <a:latin typeface="Inter" panose="02000503000000020004" pitchFamily="2" charset="0"/>
+                <a:ea typeface="Inter" panose="02000503000000020004" pitchFamily="2" charset="0"/>
+              </a:rPr>
+              <a:t>Has English loanword usage in German increased over time?</a:t>
+            </a:r>
+          </a:p>
+          <a:p>
+            <a:endParaRPr lang="en-GB" dirty="0">
+              <a:solidFill>
+                <a:srgbClr val="262626"/>
+              </a:solidFill>
+              <a:latin typeface="Inter" panose="02000503000000020004" pitchFamily="2" charset="0"/>
+              <a:ea typeface="Inter" panose="02000503000000020004" pitchFamily="2" charset="0"/>
+            </a:endParaRPr>
+          </a:p>
+          <a:p>
+            <a:r>
+              <a:rPr lang="en-GB" dirty="0">
+                <a:solidFill>
+                  <a:srgbClr val="262626"/>
+                </a:solidFill>
+                <a:latin typeface="Inter" panose="02000503000000020004" pitchFamily="2" charset="0"/>
+                <a:ea typeface="Inter" panose="02000503000000020004" pitchFamily="2" charset="0"/>
+              </a:rPr>
+              <a:t>Is there a relationship between sentiment and loanwords?</a:t>
+            </a:r>
+          </a:p>
+        </p:txBody>
+      </p:sp>
+      <p:pic>
+        <p:nvPicPr>
+          <p:cNvPr id="10" name="Graphic 9">
+            <a:extLst>
+              <a:ext uri="{FF2B5EF4-FFF2-40B4-BE49-F238E27FC236}">
+                <a16:creationId xmlns:a16="http://schemas.microsoft.com/office/drawing/2014/main" id="{0E43766F-731F-4E80-204E-A13566DA2236}"/>
+              </a:ext>
+            </a:extLst>
+          </p:cNvPr>
+          <p:cNvPicPr>
+            <a:picLocks noChangeAspect="1"/>
+          </p:cNvPicPr>
+          <p:nvPr/>
+        </p:nvPicPr>
+        <p:blipFill>
+          <a:blip r:embed="rId3">
+            <a:extLst>
+              <a:ext uri="{96DAC541-7B7A-43D3-8B79-37D633B846F1}">
+                <asvg:svgBlip xmlns:asvg="http://schemas.microsoft.com/office/drawing/2016/SVG/main" r:embed="rId4"/>
+              </a:ext>
+            </a:extLst>
+          </a:blip>
+          <a:stretch>
+            <a:fillRect/>
+          </a:stretch>
+        </p:blipFill>
+        <p:spPr>
+          <a:xfrm>
+            <a:off x="352425" y="2289721"/>
+            <a:ext cx="3810000" cy="3810000"/>
+          </a:xfrm>
+          <a:prstGeom prst="rect">
             <a:avLst/>
           </a:prstGeom>
         </p:spPr>
-        <p:style>
-          <a:lnRef idx="2">
-            <a:schemeClr val="accent1">
-              <a:shade val="15000"/>
-            </a:schemeClr>
-          </a:lnRef>
-          <a:fillRef idx="1">
-            <a:schemeClr val="accent1"/>
-          </a:fillRef>
-          <a:effectRef idx="0">
-            <a:schemeClr val="accent1"/>
-          </a:effectRef>
-          <a:fontRef idx="minor">
-            <a:schemeClr val="lt1"/>
-          </a:fontRef>
-        </p:style>
-        <p:txBody>
-          <a:bodyPr rtlCol="0" anchor="ctr"/>
-          <a:lstStyle/>
-          <a:p>
-            <a:pPr algn="ctr"/>
-            <a:r>
-              <a:rPr lang="en-GB" sz="2400" dirty="0">
-                <a:latin typeface="Mulish" pitchFamily="2" charset="77"/>
-              </a:rPr>
-              <a:t>5. ___________________</a:t>
-            </a:r>
-          </a:p>
-        </p:txBody>
-      </p:sp>
-      <p:sp>
-        <p:nvSpPr>
-          <p:cNvPr id="14" name="Rounded Rectangle 13">
-            <a:extLst>
-              <a:ext uri="{FF2B5EF4-FFF2-40B4-BE49-F238E27FC236}">
-                <a16:creationId xmlns:a16="http://schemas.microsoft.com/office/drawing/2014/main" id="{12490C21-A689-F375-4332-4B4231A97667}"/>
-              </a:ext>
-            </a:extLst>
-          </p:cNvPr>
-          <p:cNvSpPr/>
-          <p:nvPr/>
+      </p:pic>
+    </p:spTree>
+    <p:extLst>
+      <p:ext uri="{BB962C8B-B14F-4D97-AF65-F5344CB8AC3E}">
+        <p14:creationId xmlns:p14="http://schemas.microsoft.com/office/powerpoint/2010/main" val="2071208408"/>
+      </p:ext>
+    </p:extLst>
+  </p:cSld>
+  <p:clrMapOvr>
+    <a:masterClrMapping/>
+  </p:clrMapOvr>
+</p:sld>
+</file>
+
+<file path=ppt/slides/slide3.xml><?xml version="1.0" encoding="utf-8"?>
+<p:sld xmlns:a="http://schemas.openxmlformats.org/drawingml/2006/main" xmlns:r="http://schemas.openxmlformats.org/officeDocument/2006/relationships" xmlns:p="http://schemas.openxmlformats.org/presentationml/2006/main">
+  <p:cSld>
+    <p:bg>
+      <p:bgPr>
+        <a:solidFill>
+          <a:srgbClr val="EEECE8"/>
+        </a:solidFill>
+        <a:effectLst/>
+      </p:bgPr>
+    </p:bg>
+    <p:spTree>
+      <p:nvGrpSpPr>
+        <p:cNvPr id="1" name="">
+          <a:extLst>
+            <a:ext uri="{FF2B5EF4-FFF2-40B4-BE49-F238E27FC236}">
+              <a16:creationId xmlns:a16="http://schemas.microsoft.com/office/drawing/2014/main" id="{75F9518A-3462-1E6C-ABBC-365EF2388F53}"/>
+            </a:ext>
+          </a:extLst>
+        </p:cNvPr>
+        <p:cNvGrpSpPr/>
+        <p:nvPr/>
+      </p:nvGrpSpPr>
+      <p:grpSpPr>
+        <a:xfrm>
+          <a:off x="0" y="0"/>
+          <a:ext cx="0" cy="0"/>
+          <a:chOff x="0" y="0"/>
+          <a:chExt cx="0" cy="0"/>
+        </a:xfrm>
+      </p:grpSpPr>
+      <p:sp>
+        <p:nvSpPr>
+          <p:cNvPr id="2" name="Title 1">
+            <a:extLst>
+              <a:ext uri="{FF2B5EF4-FFF2-40B4-BE49-F238E27FC236}">
+                <a16:creationId xmlns:a16="http://schemas.microsoft.com/office/drawing/2014/main" id="{68AEF52B-BCF7-FE01-D885-7FD7B2E54A5C}"/>
+              </a:ext>
+            </a:extLst>
+          </p:cNvPr>
+          <p:cNvSpPr>
+            <a:spLocks noGrp="1"/>
+          </p:cNvSpPr>
+          <p:nvPr>
+            <p:ph type="title"/>
+          </p:nvPr>
         </p:nvSpPr>
         <p:spPr>
           <a:xfrm>
-            <a:off x="5596128" y="1690688"/>
-            <a:ext cx="3675888" cy="914400"/>
+            <a:off x="352425" y="5615971"/>
+            <a:ext cx="10515600" cy="784830"/>
           </a:xfrm>
-          <a:prstGeom prst="roundRect">
+          <a:noFill/>
+          <a:ln w="50800">
+            <a:noFill/>
+          </a:ln>
+        </p:spPr>
+        <p:txBody>
+          <a:bodyPr bIns="0" anchor="b">
+            <a:spAutoFit/>
+          </a:bodyPr>
+          <a:lstStyle/>
+          <a:p>
+            <a:pPr>
+              <a:lnSpc>
+                <a:spcPct val="100000"/>
+              </a:lnSpc>
+            </a:pPr>
+            <a:r>
+              <a:rPr lang="en-GB" sz="4800" b="1" spc="-150" dirty="0">
+                <a:solidFill>
+                  <a:srgbClr val="D64025"/>
+                </a:solidFill>
+                <a:latin typeface="Hanken Grotesk" pitchFamily="2" charset="77"/>
+              </a:rPr>
+              <a:t>data &amp; pipeline</a:t>
+            </a:r>
+          </a:p>
+        </p:txBody>
+      </p:sp>
+      <p:pic>
+        <p:nvPicPr>
+          <p:cNvPr id="5" name="Graphic 4">
+            <a:extLst>
+              <a:ext uri="{FF2B5EF4-FFF2-40B4-BE49-F238E27FC236}">
+                <a16:creationId xmlns:a16="http://schemas.microsoft.com/office/drawing/2014/main" id="{94238E6D-0EE5-787E-0477-D71FC198AC19}"/>
+              </a:ext>
+            </a:extLst>
+          </p:cNvPr>
+          <p:cNvPicPr>
+            <a:picLocks noChangeAspect="1"/>
+          </p:cNvPicPr>
+          <p:nvPr/>
+        </p:nvPicPr>
+        <p:blipFill>
+          <a:blip r:embed="rId3">
+            <a:extLst>
+              <a:ext uri="{96DAC541-7B7A-43D3-8B79-37D633B846F1}">
+                <asvg:svgBlip xmlns:asvg="http://schemas.microsoft.com/office/drawing/2016/SVG/main" r:embed="rId4"/>
+              </a:ext>
+            </a:extLst>
+          </a:blip>
+          <a:stretch>
+            <a:fillRect/>
+          </a:stretch>
+        </p:blipFill>
+        <p:spPr>
+          <a:xfrm>
+            <a:off x="-287936" y="2175302"/>
+            <a:ext cx="3810000" cy="3810000"/>
+          </a:xfrm>
+          <a:prstGeom prst="rect">
             <a:avLst/>
           </a:prstGeom>
         </p:spPr>
-        <p:style>
-          <a:lnRef idx="2">
-            <a:schemeClr val="accent1">
-              <a:shade val="15000"/>
-            </a:schemeClr>
-          </a:lnRef>
-          <a:fillRef idx="1">
-            <a:schemeClr val="accent1"/>
-          </a:fillRef>
-          <a:effectRef idx="0">
-            <a:schemeClr val="accent1"/>
-          </a:effectRef>
-          <a:fontRef idx="minor">
-            <a:schemeClr val="lt1"/>
-          </a:fontRef>
-        </p:style>
-        <p:txBody>
-          <a:bodyPr rtlCol="0" anchor="ctr"/>
-          <a:lstStyle/>
-          <a:p>
-            <a:pPr algn="ctr"/>
-            <a:r>
-              <a:rPr lang="en-GB" sz="2400" dirty="0">
-                <a:latin typeface="Mulish" pitchFamily="2" charset="77"/>
-              </a:rPr>
-              <a:t>4. ___________________</a:t>
-            </a:r>
-          </a:p>
-        </p:txBody>
-      </p:sp>
-      <p:sp>
-        <p:nvSpPr>
-          <p:cNvPr id="19" name="Rounded Rectangle 18">
-            <a:extLst>
-              <a:ext uri="{FF2B5EF4-FFF2-40B4-BE49-F238E27FC236}">
-                <a16:creationId xmlns:a16="http://schemas.microsoft.com/office/drawing/2014/main" id="{B36374F7-09BC-C262-10C6-6E5770DA4F57}"/>
+      </p:pic>
+      <p:sp>
+        <p:nvSpPr>
+          <p:cNvPr id="4" name="Rectangle 3">
+            <a:extLst>
+              <a:ext uri="{FF2B5EF4-FFF2-40B4-BE49-F238E27FC236}">
+                <a16:creationId xmlns:a16="http://schemas.microsoft.com/office/drawing/2014/main" id="{463EC22E-D8DA-A856-768F-5CC471D03934}"/>
               </a:ext>
             </a:extLst>
           </p:cNvPr>
@@ -10000,65 +9219,14 @@
         </p:nvSpPr>
         <p:spPr>
           <a:xfrm>
-            <a:off x="749808" y="4122992"/>
-            <a:ext cx="3675888" cy="914400"/>
+            <a:off x="4958071" y="1360379"/>
+            <a:ext cx="2672861" cy="914400"/>
           </a:xfrm>
-          <a:prstGeom prst="roundRect">
-            <a:avLst/>
-          </a:prstGeom>
-        </p:spPr>
-        <p:style>
-          <a:lnRef idx="2">
-            <a:schemeClr val="accent1">
-              <a:shade val="15000"/>
-            </a:schemeClr>
-          </a:lnRef>
-          <a:fillRef idx="1">
-            <a:schemeClr val="accent1"/>
-          </a:fillRef>
-          <a:effectRef idx="0">
-            <a:schemeClr val="accent1"/>
-          </a:effectRef>
-          <a:fontRef idx="minor">
-            <a:schemeClr val="lt1"/>
-          </a:fontRef>
-        </p:style>
-        <p:txBody>
-          <a:bodyPr rtlCol="0" anchor="ctr"/>
-          <a:lstStyle/>
-          <a:p>
-            <a:pPr algn="ctr"/>
-            <a:r>
-              <a:rPr lang="en-GB" sz="2400" dirty="0">
-                <a:latin typeface="Mulish" pitchFamily="2" charset="77"/>
-              </a:rPr>
-              <a:t>3. ___________________</a:t>
-            </a:r>
-          </a:p>
-        </p:txBody>
-      </p:sp>
-      <p:sp>
-        <p:nvSpPr>
-          <p:cNvPr id="12" name="Rounded Rectangle 11">
-            <a:extLst>
-              <a:ext uri="{FF2B5EF4-FFF2-40B4-BE49-F238E27FC236}">
-                <a16:creationId xmlns:a16="http://schemas.microsoft.com/office/drawing/2014/main" id="{894A2608-EE7E-E9BC-DEE4-AEEE23FACECF}"/>
-              </a:ext>
-            </a:extLst>
-          </p:cNvPr>
-          <p:cNvSpPr/>
-          <p:nvPr/>
-        </p:nvSpPr>
-        <p:spPr>
-          <a:xfrm>
-            <a:off x="749808" y="2906840"/>
-            <a:ext cx="3675888" cy="914400"/>
-          </a:xfrm>
-          <a:prstGeom prst="roundRect">
+          <a:prstGeom prst="rect">
             <a:avLst/>
           </a:prstGeom>
           <a:solidFill>
-            <a:srgbClr val="142273"/>
+            <a:srgbClr val="262626"/>
           </a:solidFill>
           <a:ln>
             <a:noFill/>
@@ -10086,63 +9254,59 @@
           <a:p>
             <a:pPr algn="ctr"/>
             <a:r>
-              <a:rPr lang="en-GB" sz="2400" dirty="0">
-                <a:latin typeface="Mulish" pitchFamily="2" charset="77"/>
+              <a:rPr lang="en-GB" sz="2400" dirty="0"/>
+              <a:t>&gt; 100, 000</a:t>
+            </a:r>
+          </a:p>
+        </p:txBody>
+      </p:sp>
+      <p:sp>
+        <p:nvSpPr>
+          <p:cNvPr id="6" name="TextBox 5">
+            <a:extLst>
+              <a:ext uri="{FF2B5EF4-FFF2-40B4-BE49-F238E27FC236}">
+                <a16:creationId xmlns:a16="http://schemas.microsoft.com/office/drawing/2014/main" id="{BD2670E7-B34D-8ABE-4AAB-B22E56AE9029}"/>
+              </a:ext>
+            </a:extLst>
+          </p:cNvPr>
+          <p:cNvSpPr txBox="1"/>
+          <p:nvPr/>
+        </p:nvSpPr>
+        <p:spPr>
+          <a:xfrm>
+            <a:off x="4958071" y="836414"/>
+            <a:ext cx="6303329" cy="400110"/>
+          </a:xfrm>
+          <a:prstGeom prst="rect">
+            <a:avLst/>
+          </a:prstGeom>
+          <a:noFill/>
+        </p:spPr>
+        <p:txBody>
+          <a:bodyPr wrap="none" lIns="0" rtlCol="0">
+            <a:spAutoFit/>
+          </a:bodyPr>
+          <a:lstStyle/>
+          <a:p>
+            <a:r>
+              <a:rPr lang="en-GB" sz="2000" b="1" dirty="0">
+                <a:solidFill>
+                  <a:srgbClr val="262626"/>
+                </a:solidFill>
+                <a:latin typeface="Inter SemiBold" panose="02000503000000020004" pitchFamily="2" charset="0"/>
+                <a:ea typeface="Inter SemiBold" panose="02000503000000020004" pitchFamily="2" charset="0"/>
               </a:rPr>
-              <a:t>2. ___________________</a:t>
-            </a:r>
-          </a:p>
-        </p:txBody>
-      </p:sp>
-      <p:sp>
-        <p:nvSpPr>
-          <p:cNvPr id="2" name="Title 1">
-            <a:extLst>
-              <a:ext uri="{FF2B5EF4-FFF2-40B4-BE49-F238E27FC236}">
-                <a16:creationId xmlns:a16="http://schemas.microsoft.com/office/drawing/2014/main" id="{3C690F7F-87EB-8219-D230-538385B13461}"/>
-              </a:ext>
-            </a:extLst>
-          </p:cNvPr>
-          <p:cNvSpPr>
-            <a:spLocks noGrp="1"/>
-          </p:cNvSpPr>
-          <p:nvPr>
-            <p:ph type="title"/>
-          </p:nvPr>
-        </p:nvSpPr>
-        <p:spPr>
-          <a:solidFill>
-            <a:srgbClr val="D8D0F2"/>
-          </a:solidFill>
-          <a:ln w="50800">
-            <a:solidFill>
-              <a:srgbClr val="142273"/>
-            </a:solidFill>
-          </a:ln>
-        </p:spPr>
-        <p:txBody>
-          <a:bodyPr/>
-          <a:lstStyle/>
-          <a:p>
-            <a:pPr algn="ctr"/>
-            <a:r>
-              <a:rPr lang="en-GB" b="1" dirty="0">
-                <a:solidFill>
-                  <a:srgbClr val="142273"/>
-                </a:solidFill>
-                <a:latin typeface="Space Mono" panose="02010509030202000204" pitchFamily="49" charset="77"/>
-              </a:rPr>
-              <a:t>Family Fortunes</a:t>
-            </a:r>
-          </a:p>
-        </p:txBody>
-      </p:sp>
-      <p:sp>
-        <p:nvSpPr>
-          <p:cNvPr id="4" name="Rounded Rectangle 3">
-            <a:extLst>
-              <a:ext uri="{FF2B5EF4-FFF2-40B4-BE49-F238E27FC236}">
-                <a16:creationId xmlns:a16="http://schemas.microsoft.com/office/drawing/2014/main" id="{365B14B8-FB6D-3133-7A62-40CFF95D2B33}"/>
+              <a:t>SCRAPED ARTICLES FROM BUSINESSINSIDER.DE</a:t>
+            </a:r>
+          </a:p>
+        </p:txBody>
+      </p:sp>
+      <p:sp>
+        <p:nvSpPr>
+          <p:cNvPr id="7" name="Rectangle 6">
+            <a:extLst>
+              <a:ext uri="{FF2B5EF4-FFF2-40B4-BE49-F238E27FC236}">
+                <a16:creationId xmlns:a16="http://schemas.microsoft.com/office/drawing/2014/main" id="{8ADAA841-F1A0-C60E-88E0-D3C667ED71EE}"/>
               </a:ext>
             </a:extLst>
           </p:cNvPr>
@@ -10151,14 +9315,14 @@
         </p:nvSpPr>
         <p:spPr>
           <a:xfrm>
-            <a:off x="749808" y="1690688"/>
-            <a:ext cx="3675888" cy="914400"/>
+            <a:off x="4958071" y="3994999"/>
+            <a:ext cx="1992171" cy="914400"/>
           </a:xfrm>
-          <a:prstGeom prst="roundRect">
+          <a:prstGeom prst="rect">
             <a:avLst/>
           </a:prstGeom>
           <a:solidFill>
-            <a:srgbClr val="D930AC"/>
+            <a:srgbClr val="262626"/>
           </a:solidFill>
           <a:ln>
             <a:noFill/>
@@ -10186,20 +9350,19 @@
           <a:p>
             <a:pPr algn="ctr"/>
             <a:r>
-              <a:rPr lang="en-GB" sz="2400" dirty="0">
-                <a:latin typeface="Mulish" pitchFamily="2" charset="77"/>
-              </a:rPr>
-              <a:t>1. ___________________</a:t>
-            </a:r>
-          </a:p>
-        </p:txBody>
-      </p:sp>
-      <p:sp>
-        <p:nvSpPr>
-          <p:cNvPr id="11" name="TextBox 10">
-            <a:extLst>
-              <a:ext uri="{FF2B5EF4-FFF2-40B4-BE49-F238E27FC236}">
-                <a16:creationId xmlns:a16="http://schemas.microsoft.com/office/drawing/2014/main" id="{708E8015-A613-3BF5-A492-68949425D0F5}"/>
+              <a:rPr lang="en-GB" sz="2400" dirty="0" err="1"/>
+              <a:t>spaCy</a:t>
+            </a:r>
+            <a:endParaRPr lang="en-GB" sz="2400" dirty="0"/>
+          </a:p>
+        </p:txBody>
+      </p:sp>
+      <p:sp>
+        <p:nvSpPr>
+          <p:cNvPr id="8" name="TextBox 7">
+            <a:extLst>
+              <a:ext uri="{FF2B5EF4-FFF2-40B4-BE49-F238E27FC236}">
+                <a16:creationId xmlns:a16="http://schemas.microsoft.com/office/drawing/2014/main" id="{CA691560-0E03-B17E-DBFD-E23E15779649}"/>
               </a:ext>
             </a:extLst>
           </p:cNvPr>
@@ -10208,8 +9371,8 @@
         </p:nvSpPr>
         <p:spPr>
           <a:xfrm>
-            <a:off x="866268" y="1921945"/>
-            <a:ext cx="2358338" cy="461665"/>
+            <a:off x="4958071" y="3469669"/>
+            <a:ext cx="959558" cy="400110"/>
           </a:xfrm>
           <a:prstGeom prst="rect">
             <a:avLst/>
@@ -10217,179 +9380,241 @@
           <a:noFill/>
         </p:spPr>
         <p:txBody>
-          <a:bodyPr wrap="none" rtlCol="0">
+          <a:bodyPr wrap="none" lIns="0" rtlCol="0">
             <a:spAutoFit/>
           </a:bodyPr>
           <a:lstStyle/>
           <a:p>
             <a:r>
-              <a:rPr lang="en-GB" sz="2400" b="1" dirty="0">
+              <a:rPr lang="en-GB" sz="2000" b="1" dirty="0">
                 <a:solidFill>
-                  <a:srgbClr val="F2E205"/>
+                  <a:srgbClr val="262626"/>
                 </a:solidFill>
-                <a:latin typeface="Mulish" pitchFamily="2" charset="77"/>
+                <a:latin typeface="Inter SemiBold" panose="02000503000000020004" pitchFamily="2" charset="0"/>
+                <a:ea typeface="Inter SemiBold" panose="02000503000000020004" pitchFamily="2" charset="0"/>
               </a:rPr>
-              <a:t>1. Smartphone</a:t>
-            </a:r>
-          </a:p>
-        </p:txBody>
-      </p:sp>
-      <p:sp>
-        <p:nvSpPr>
-          <p:cNvPr id="13" name="TextBox 12">
-            <a:extLst>
-              <a:ext uri="{FF2B5EF4-FFF2-40B4-BE49-F238E27FC236}">
-                <a16:creationId xmlns:a16="http://schemas.microsoft.com/office/drawing/2014/main" id="{8A0463A3-B69E-ED8E-E834-472E721DF37A}"/>
-              </a:ext>
-            </a:extLst>
-          </p:cNvPr>
-          <p:cNvSpPr txBox="1"/>
+              <a:t>TOOLS</a:t>
+            </a:r>
+          </a:p>
+        </p:txBody>
+      </p:sp>
+      <p:sp>
+        <p:nvSpPr>
+          <p:cNvPr id="9" name="Rectangle 8">
+            <a:extLst>
+              <a:ext uri="{FF2B5EF4-FFF2-40B4-BE49-F238E27FC236}">
+                <a16:creationId xmlns:a16="http://schemas.microsoft.com/office/drawing/2014/main" id="{3B5B1BC6-598E-279F-A9E2-4DB6D810E48E}"/>
+              </a:ext>
+            </a:extLst>
+          </p:cNvPr>
+          <p:cNvSpPr/>
           <p:nvPr/>
         </p:nvSpPr>
         <p:spPr>
           <a:xfrm>
-            <a:off x="868212" y="3138097"/>
-            <a:ext cx="2358338" cy="461665"/>
+            <a:off x="7239970" y="3994999"/>
+            <a:ext cx="1992171" cy="914400"/>
           </a:xfrm>
           <a:prstGeom prst="rect">
             <a:avLst/>
           </a:prstGeom>
-          <a:noFill/>
+          <a:solidFill>
+            <a:srgbClr val="262626"/>
+          </a:solidFill>
+          <a:ln>
+            <a:noFill/>
+          </a:ln>
         </p:spPr>
-        <p:txBody>
-          <a:bodyPr wrap="none" rtlCol="0">
-            <a:spAutoFit/>
-          </a:bodyPr>
+        <p:style>
+          <a:lnRef idx="2">
+            <a:schemeClr val="accent1">
+              <a:shade val="15000"/>
+            </a:schemeClr>
+          </a:lnRef>
+          <a:fillRef idx="1">
+            <a:schemeClr val="accent1"/>
+          </a:fillRef>
+          <a:effectRef idx="0">
+            <a:schemeClr val="accent1"/>
+          </a:effectRef>
+          <a:fontRef idx="minor">
+            <a:schemeClr val="lt1"/>
+          </a:fontRef>
+        </p:style>
+        <p:txBody>
+          <a:bodyPr rtlCol="0" anchor="ctr"/>
           <a:lstStyle/>
           <a:p>
-            <a:r>
-              <a:rPr lang="en-GB" sz="2400" b="1" dirty="0">
-                <a:solidFill>
-                  <a:srgbClr val="F2E205"/>
-                </a:solidFill>
-                <a:latin typeface="Mulish" pitchFamily="2" charset="77"/>
-              </a:rPr>
-              <a:t>2. Smartphone</a:t>
-            </a:r>
-          </a:p>
-        </p:txBody>
-      </p:sp>
-      <p:sp>
-        <p:nvSpPr>
-          <p:cNvPr id="15" name="TextBox 14">
-            <a:extLst>
-              <a:ext uri="{FF2B5EF4-FFF2-40B4-BE49-F238E27FC236}">
-                <a16:creationId xmlns:a16="http://schemas.microsoft.com/office/drawing/2014/main" id="{4E329785-5057-95F9-2FF7-6E10B1E83F89}"/>
-              </a:ext>
-            </a:extLst>
-          </p:cNvPr>
-          <p:cNvSpPr txBox="1"/>
+            <a:pPr algn="ctr"/>
+            <a:r>
+              <a:rPr lang="en-GB" sz="2400" dirty="0" err="1"/>
+              <a:t>langdetect</a:t>
+            </a:r>
+            <a:endParaRPr lang="en-GB" sz="2400" dirty="0"/>
+          </a:p>
+        </p:txBody>
+      </p:sp>
+      <p:sp>
+        <p:nvSpPr>
+          <p:cNvPr id="10" name="Rectangle 9">
+            <a:extLst>
+              <a:ext uri="{FF2B5EF4-FFF2-40B4-BE49-F238E27FC236}">
+                <a16:creationId xmlns:a16="http://schemas.microsoft.com/office/drawing/2014/main" id="{6C370D66-B4FB-B2D5-0A00-F31064F8FE54}"/>
+              </a:ext>
+            </a:extLst>
+          </p:cNvPr>
+          <p:cNvSpPr/>
           <p:nvPr/>
         </p:nvSpPr>
         <p:spPr>
           <a:xfrm>
-            <a:off x="5712588" y="1921945"/>
-            <a:ext cx="2358338" cy="461665"/>
+            <a:off x="9521869" y="3994999"/>
+            <a:ext cx="1992171" cy="914400"/>
           </a:xfrm>
           <a:prstGeom prst="rect">
             <a:avLst/>
           </a:prstGeom>
-          <a:noFill/>
+          <a:solidFill>
+            <a:srgbClr val="262626"/>
+          </a:solidFill>
+          <a:ln>
+            <a:noFill/>
+          </a:ln>
         </p:spPr>
-        <p:txBody>
-          <a:bodyPr wrap="none" rtlCol="0">
-            <a:spAutoFit/>
-          </a:bodyPr>
+        <p:style>
+          <a:lnRef idx="2">
+            <a:schemeClr val="accent1">
+              <a:shade val="15000"/>
+            </a:schemeClr>
+          </a:lnRef>
+          <a:fillRef idx="1">
+            <a:schemeClr val="accent1"/>
+          </a:fillRef>
+          <a:effectRef idx="0">
+            <a:schemeClr val="accent1"/>
+          </a:effectRef>
+          <a:fontRef idx="minor">
+            <a:schemeClr val="lt1"/>
+          </a:fontRef>
+        </p:style>
+        <p:txBody>
+          <a:bodyPr rtlCol="0" anchor="ctr"/>
           <a:lstStyle/>
           <a:p>
-            <a:r>
-              <a:rPr lang="en-GB" sz="2400" b="1" dirty="0">
-                <a:solidFill>
-                  <a:srgbClr val="F2E205"/>
-                </a:solidFill>
-                <a:latin typeface="Mulish" pitchFamily="2" charset="77"/>
-              </a:rPr>
-              <a:t>4. Smartphone</a:t>
-            </a:r>
-          </a:p>
-        </p:txBody>
-      </p:sp>
-      <p:sp>
-        <p:nvSpPr>
-          <p:cNvPr id="18" name="TextBox 17">
-            <a:extLst>
-              <a:ext uri="{FF2B5EF4-FFF2-40B4-BE49-F238E27FC236}">
-                <a16:creationId xmlns:a16="http://schemas.microsoft.com/office/drawing/2014/main" id="{BFF3D72E-5BCD-7186-C861-F10920E6BB24}"/>
-              </a:ext>
-            </a:extLst>
-          </p:cNvPr>
-          <p:cNvSpPr txBox="1"/>
+            <a:pPr algn="ctr"/>
+            <a:r>
+              <a:rPr lang="en-GB" sz="2400" dirty="0"/>
+              <a:t>regex</a:t>
+            </a:r>
+          </a:p>
+        </p:txBody>
+      </p:sp>
+      <p:sp>
+        <p:nvSpPr>
+          <p:cNvPr id="11" name="Rectangle 10">
+            <a:extLst>
+              <a:ext uri="{FF2B5EF4-FFF2-40B4-BE49-F238E27FC236}">
+                <a16:creationId xmlns:a16="http://schemas.microsoft.com/office/drawing/2014/main" id="{08A55EE6-7EE7-8E61-7EED-4FDBF18023E0}"/>
+              </a:ext>
+            </a:extLst>
+          </p:cNvPr>
+          <p:cNvSpPr/>
           <p:nvPr/>
         </p:nvSpPr>
         <p:spPr>
           <a:xfrm>
-            <a:off x="5717478" y="3136828"/>
-            <a:ext cx="2358338" cy="461665"/>
+            <a:off x="4958071" y="5341652"/>
+            <a:ext cx="1992171" cy="914400"/>
           </a:xfrm>
           <a:prstGeom prst="rect">
             <a:avLst/>
           </a:prstGeom>
-          <a:noFill/>
+          <a:solidFill>
+            <a:srgbClr val="262626"/>
+          </a:solidFill>
+          <a:ln>
+            <a:noFill/>
+          </a:ln>
         </p:spPr>
-        <p:txBody>
-          <a:bodyPr wrap="none" rtlCol="0">
-            <a:spAutoFit/>
-          </a:bodyPr>
+        <p:style>
+          <a:lnRef idx="2">
+            <a:schemeClr val="accent1">
+              <a:shade val="15000"/>
+            </a:schemeClr>
+          </a:lnRef>
+          <a:fillRef idx="1">
+            <a:schemeClr val="accent1"/>
+          </a:fillRef>
+          <a:effectRef idx="0">
+            <a:schemeClr val="accent1"/>
+          </a:effectRef>
+          <a:fontRef idx="minor">
+            <a:schemeClr val="lt1"/>
+          </a:fontRef>
+        </p:style>
+        <p:txBody>
+          <a:bodyPr rtlCol="0" anchor="ctr"/>
           <a:lstStyle/>
           <a:p>
-            <a:r>
-              <a:rPr lang="en-GB" sz="2400" b="1" dirty="0">
-                <a:solidFill>
-                  <a:srgbClr val="F2E205"/>
-                </a:solidFill>
-                <a:latin typeface="Mulish" pitchFamily="2" charset="77"/>
-              </a:rPr>
-              <a:t>5. Smartphone</a:t>
-            </a:r>
-          </a:p>
-        </p:txBody>
-      </p:sp>
-      <p:sp>
-        <p:nvSpPr>
-          <p:cNvPr id="20" name="TextBox 19">
-            <a:extLst>
-              <a:ext uri="{FF2B5EF4-FFF2-40B4-BE49-F238E27FC236}">
-                <a16:creationId xmlns:a16="http://schemas.microsoft.com/office/drawing/2014/main" id="{A59469A2-6DFC-6A7C-4DC2-089AB774B229}"/>
-              </a:ext>
-            </a:extLst>
-          </p:cNvPr>
-          <p:cNvSpPr txBox="1"/>
+            <a:pPr algn="ctr"/>
+            <a:r>
+              <a:rPr lang="en-GB" sz="2400" dirty="0"/>
+              <a:t>filters</a:t>
+            </a:r>
+          </a:p>
+        </p:txBody>
+      </p:sp>
+      <p:sp>
+        <p:nvSpPr>
+          <p:cNvPr id="12" name="Rectangle 11">
+            <a:extLst>
+              <a:ext uri="{FF2B5EF4-FFF2-40B4-BE49-F238E27FC236}">
+                <a16:creationId xmlns:a16="http://schemas.microsoft.com/office/drawing/2014/main" id="{9B674249-6196-9C42-6E9F-FCA1B0E243C6}"/>
+              </a:ext>
+            </a:extLst>
+          </p:cNvPr>
+          <p:cNvSpPr/>
           <p:nvPr/>
         </p:nvSpPr>
         <p:spPr>
           <a:xfrm>
-            <a:off x="868212" y="4354249"/>
-            <a:ext cx="2358338" cy="461665"/>
+            <a:off x="7237649" y="5341651"/>
+            <a:ext cx="4270737" cy="914400"/>
           </a:xfrm>
           <a:prstGeom prst="rect">
             <a:avLst/>
           </a:prstGeom>
-          <a:noFill/>
+          <a:solidFill>
+            <a:srgbClr val="262626"/>
+          </a:solidFill>
+          <a:ln>
+            <a:noFill/>
+          </a:ln>
         </p:spPr>
-        <p:txBody>
-          <a:bodyPr wrap="none" rtlCol="0">
-            <a:spAutoFit/>
-          </a:bodyPr>
+        <p:style>
+          <a:lnRef idx="2">
+            <a:schemeClr val="accent1">
+              <a:shade val="15000"/>
+            </a:schemeClr>
+          </a:lnRef>
+          <a:fillRef idx="1">
+            <a:schemeClr val="accent1"/>
+          </a:fillRef>
+          <a:effectRef idx="0">
+            <a:schemeClr val="accent1"/>
+          </a:effectRef>
+          <a:fontRef idx="minor">
+            <a:schemeClr val="lt1"/>
+          </a:fontRef>
+        </p:style>
+        <p:txBody>
+          <a:bodyPr rtlCol="0" anchor="ctr"/>
           <a:lstStyle/>
           <a:p>
-            <a:r>
-              <a:rPr lang="en-GB" sz="2400" b="1" dirty="0">
-                <a:solidFill>
-                  <a:srgbClr val="F2E205"/>
-                </a:solidFill>
-                <a:latin typeface="Mulish" pitchFamily="2" charset="77"/>
-              </a:rPr>
-              <a:t>3. Smartphone</a:t>
+            <a:pPr algn="ctr"/>
+            <a:r>
+              <a:rPr lang="en-GB" sz="2400" dirty="0"/>
+              <a:t>sentiment analysis</a:t>
             </a:r>
           </a:p>
         </p:txBody>
@@ -10397,414 +9622,36 @@
     </p:spTree>
     <p:extLst>
       <p:ext uri="{BB962C8B-B14F-4D97-AF65-F5344CB8AC3E}">
-        <p14:creationId xmlns:p14="http://schemas.microsoft.com/office/powerpoint/2010/main" val="857443938"/>
+        <p14:creationId xmlns:p14="http://schemas.microsoft.com/office/powerpoint/2010/main" val="2624875074"/>
       </p:ext>
     </p:extLst>
   </p:cSld>
   <p:clrMapOvr>
     <a:masterClrMapping/>
   </p:clrMapOvr>
-  <p:timing>
-    <p:tnLst>
-      <p:par>
-        <p:cTn id="1" dur="indefinite" restart="never" nodeType="tmRoot">
-          <p:childTnLst>
-            <p:seq concurrent="1" nextAc="seek">
-              <p:cTn id="2" dur="indefinite" nodeType="mainSeq">
-                <p:childTnLst>
-                  <p:par>
-                    <p:cTn id="3" fill="hold">
-                      <p:stCondLst>
-                        <p:cond delay="indefinite"/>
-                      </p:stCondLst>
-                      <p:childTnLst>
-                        <p:par>
-                          <p:cTn id="4" fill="hold">
-                            <p:stCondLst>
-                              <p:cond delay="0"/>
-                            </p:stCondLst>
-                            <p:childTnLst>
-                              <p:par>
-                                <p:cTn id="5" presetID="1" presetClass="entr" presetSubtype="0" fill="hold" grpId="0" nodeType="clickEffect">
-                                  <p:stCondLst>
-                                    <p:cond delay="2000"/>
-                                  </p:stCondLst>
-                                  <p:iterate type="lt">
-                                    <p:tmAbs val="500"/>
-                                  </p:iterate>
-                                  <p:childTnLst>
-                                    <p:set>
-                                      <p:cBhvr>
-                                        <p:cTn id="6" dur="1" fill="hold">
-                                          <p:stCondLst>
-                                            <p:cond delay="0"/>
-                                          </p:stCondLst>
-                                        </p:cTn>
-                                        <p:tgtEl>
-                                          <p:spTgt spid="11"/>
-                                        </p:tgtEl>
-                                        <p:attrNameLst>
-                                          <p:attrName>style.visibility</p:attrName>
-                                        </p:attrNameLst>
-                                      </p:cBhvr>
-                                      <p:to>
-                                        <p:strVal val="visible"/>
-                                      </p:to>
-                                    </p:set>
-                                  </p:childTnLst>
-                                  <p:subTnLst>
-                                    <p:audio>
-                                      <p:cMediaNode>
-                                        <p:cTn display="0" masterRel="sameClick">
-                                          <p:stCondLst>
-                                            <p:cond evt="begin" delay="0">
-                                              <p:tn val="5"/>
-                                            </p:cond>
-                                          </p:stCondLst>
-                                          <p:endCondLst>
-                                            <p:cond evt="onStopAudio" delay="0">
-                                              <p:tgtEl>
-                                                <p:sldTgt/>
-                                              </p:tgtEl>
-                                            </p:cond>
-                                          </p:endCondLst>
-                                        </p:cTn>
-                                        <p:tgtEl>
-                                          <p:sndTgt r:embed="rId3" name="applause.wav"/>
-                                        </p:tgtEl>
-                                      </p:cMediaNode>
-                                    </p:audio>
-                                  </p:subTnLst>
-                                </p:cTn>
-                              </p:par>
-                            </p:childTnLst>
-                          </p:cTn>
-                        </p:par>
-                      </p:childTnLst>
-                    </p:cTn>
-                  </p:par>
-                  <p:par>
-                    <p:cTn id="7" fill="hold">
-                      <p:stCondLst>
-                        <p:cond delay="indefinite"/>
-                      </p:stCondLst>
-                      <p:childTnLst>
-                        <p:par>
-                          <p:cTn id="8" fill="hold">
-                            <p:stCondLst>
-                              <p:cond delay="0"/>
-                            </p:stCondLst>
-                            <p:childTnLst>
-                              <p:par>
-                                <p:cTn id="9" presetID="1" presetClass="entr" presetSubtype="0" fill="hold" grpId="0" nodeType="clickEffect">
-                                  <p:stCondLst>
-                                    <p:cond delay="2000"/>
-                                  </p:stCondLst>
-                                  <p:iterate type="lt">
-                                    <p:tmAbs val="500"/>
-                                  </p:iterate>
-                                  <p:childTnLst>
-                                    <p:set>
-                                      <p:cBhvr>
-                                        <p:cTn id="10" dur="1" fill="hold">
-                                          <p:stCondLst>
-                                            <p:cond delay="0"/>
-                                          </p:stCondLst>
-                                        </p:cTn>
-                                        <p:tgtEl>
-                                          <p:spTgt spid="13"/>
-                                        </p:tgtEl>
-                                        <p:attrNameLst>
-                                          <p:attrName>style.visibility</p:attrName>
-                                        </p:attrNameLst>
-                                      </p:cBhvr>
-                                      <p:to>
-                                        <p:strVal val="visible"/>
-                                      </p:to>
-                                    </p:set>
-                                  </p:childTnLst>
-                                  <p:subTnLst>
-                                    <p:audio>
-                                      <p:cMediaNode>
-                                        <p:cTn display="0" masterRel="sameClick">
-                                          <p:stCondLst>
-                                            <p:cond evt="begin" delay="0">
-                                              <p:tn val="9"/>
-                                            </p:cond>
-                                          </p:stCondLst>
-                                          <p:endCondLst>
-                                            <p:cond evt="onStopAudio" delay="0">
-                                              <p:tgtEl>
-                                                <p:sldTgt/>
-                                              </p:tgtEl>
-                                            </p:cond>
-                                          </p:endCondLst>
-                                        </p:cTn>
-                                        <p:tgtEl>
-                                          <p:sndTgt r:embed="rId3" name="applause.wav"/>
-                                        </p:tgtEl>
-                                      </p:cMediaNode>
-                                    </p:audio>
-                                  </p:subTnLst>
-                                </p:cTn>
-                              </p:par>
-                            </p:childTnLst>
-                          </p:cTn>
-                        </p:par>
-                      </p:childTnLst>
-                    </p:cTn>
-                  </p:par>
-                  <p:par>
-                    <p:cTn id="11" fill="hold">
-                      <p:stCondLst>
-                        <p:cond delay="indefinite"/>
-                      </p:stCondLst>
-                      <p:childTnLst>
-                        <p:par>
-                          <p:cTn id="12" fill="hold">
-                            <p:stCondLst>
-                              <p:cond delay="0"/>
-                            </p:stCondLst>
-                            <p:childTnLst>
-                              <p:par>
-                                <p:cTn id="13" presetID="1" presetClass="entr" presetSubtype="0" fill="hold" grpId="0" nodeType="clickEffect">
-                                  <p:stCondLst>
-                                    <p:cond delay="2000"/>
-                                  </p:stCondLst>
-                                  <p:iterate type="lt">
-                                    <p:tmAbs val="500"/>
-                                  </p:iterate>
-                                  <p:childTnLst>
-                                    <p:set>
-                                      <p:cBhvr>
-                                        <p:cTn id="14" dur="1" fill="hold">
-                                          <p:stCondLst>
-                                            <p:cond delay="0"/>
-                                          </p:stCondLst>
-                                        </p:cTn>
-                                        <p:tgtEl>
-                                          <p:spTgt spid="20"/>
-                                        </p:tgtEl>
-                                        <p:attrNameLst>
-                                          <p:attrName>style.visibility</p:attrName>
-                                        </p:attrNameLst>
-                                      </p:cBhvr>
-                                      <p:to>
-                                        <p:strVal val="visible"/>
-                                      </p:to>
-                                    </p:set>
-                                  </p:childTnLst>
-                                  <p:subTnLst>
-                                    <p:audio>
-                                      <p:cMediaNode>
-                                        <p:cTn display="0" masterRel="sameClick">
-                                          <p:stCondLst>
-                                            <p:cond evt="begin" delay="0">
-                                              <p:tn val="13"/>
-                                            </p:cond>
-                                          </p:stCondLst>
-                                          <p:endCondLst>
-                                            <p:cond evt="onStopAudio" delay="0">
-                                              <p:tgtEl>
-                                                <p:sldTgt/>
-                                              </p:tgtEl>
-                                            </p:cond>
-                                          </p:endCondLst>
-                                        </p:cTn>
-                                        <p:tgtEl>
-                                          <p:sndTgt r:embed="rId3" name="applause.wav"/>
-                                        </p:tgtEl>
-                                      </p:cMediaNode>
-                                    </p:audio>
-                                  </p:subTnLst>
-                                </p:cTn>
-                              </p:par>
-                            </p:childTnLst>
-                          </p:cTn>
-                        </p:par>
-                      </p:childTnLst>
-                    </p:cTn>
-                  </p:par>
-                  <p:par>
-                    <p:cTn id="15" fill="hold">
-                      <p:stCondLst>
-                        <p:cond delay="indefinite"/>
-                      </p:stCondLst>
-                      <p:childTnLst>
-                        <p:par>
-                          <p:cTn id="16" fill="hold">
-                            <p:stCondLst>
-                              <p:cond delay="0"/>
-                            </p:stCondLst>
-                            <p:childTnLst>
-                              <p:par>
-                                <p:cTn id="17" presetID="1" presetClass="entr" presetSubtype="0" fill="hold" grpId="0" nodeType="clickEffect">
-                                  <p:stCondLst>
-                                    <p:cond delay="2000"/>
-                                  </p:stCondLst>
-                                  <p:iterate type="lt">
-                                    <p:tmAbs val="500"/>
-                                  </p:iterate>
-                                  <p:childTnLst>
-                                    <p:set>
-                                      <p:cBhvr>
-                                        <p:cTn id="18" dur="1" fill="hold">
-                                          <p:stCondLst>
-                                            <p:cond delay="0"/>
-                                          </p:stCondLst>
-                                        </p:cTn>
-                                        <p:tgtEl>
-                                          <p:spTgt spid="15"/>
-                                        </p:tgtEl>
-                                        <p:attrNameLst>
-                                          <p:attrName>style.visibility</p:attrName>
-                                        </p:attrNameLst>
-                                      </p:cBhvr>
-                                      <p:to>
-                                        <p:strVal val="visible"/>
-                                      </p:to>
-                                    </p:set>
-                                  </p:childTnLst>
-                                  <p:subTnLst>
-                                    <p:audio>
-                                      <p:cMediaNode>
-                                        <p:cTn display="0" masterRel="sameClick">
-                                          <p:stCondLst>
-                                            <p:cond evt="begin" delay="0">
-                                              <p:tn val="17"/>
-                                            </p:cond>
-                                          </p:stCondLst>
-                                          <p:endCondLst>
-                                            <p:cond evt="onStopAudio" delay="0">
-                                              <p:tgtEl>
-                                                <p:sldTgt/>
-                                              </p:tgtEl>
-                                            </p:cond>
-                                          </p:endCondLst>
-                                        </p:cTn>
-                                        <p:tgtEl>
-                                          <p:sndTgt r:embed="rId3" name="applause.wav"/>
-                                        </p:tgtEl>
-                                      </p:cMediaNode>
-                                    </p:audio>
-                                  </p:subTnLst>
-                                </p:cTn>
-                              </p:par>
-                            </p:childTnLst>
-                          </p:cTn>
-                        </p:par>
-                      </p:childTnLst>
-                    </p:cTn>
-                  </p:par>
-                  <p:par>
-                    <p:cTn id="19" fill="hold">
-                      <p:stCondLst>
-                        <p:cond delay="indefinite"/>
-                      </p:stCondLst>
-                      <p:childTnLst>
-                        <p:par>
-                          <p:cTn id="20" fill="hold">
-                            <p:stCondLst>
-                              <p:cond delay="0"/>
-                            </p:stCondLst>
-                            <p:childTnLst>
-                              <p:par>
-                                <p:cTn id="21" presetID="1" presetClass="entr" presetSubtype="0" fill="hold" grpId="0" nodeType="clickEffect">
-                                  <p:stCondLst>
-                                    <p:cond delay="2000"/>
-                                  </p:stCondLst>
-                                  <p:iterate type="lt">
-                                    <p:tmAbs val="500"/>
-                                  </p:iterate>
-                                  <p:childTnLst>
-                                    <p:set>
-                                      <p:cBhvr>
-                                        <p:cTn id="22" dur="1" fill="hold">
-                                          <p:stCondLst>
-                                            <p:cond delay="0"/>
-                                          </p:stCondLst>
-                                        </p:cTn>
-                                        <p:tgtEl>
-                                          <p:spTgt spid="18"/>
-                                        </p:tgtEl>
-                                        <p:attrNameLst>
-                                          <p:attrName>style.visibility</p:attrName>
-                                        </p:attrNameLst>
-                                      </p:cBhvr>
-                                      <p:to>
-                                        <p:strVal val="visible"/>
-                                      </p:to>
-                                    </p:set>
-                                  </p:childTnLst>
-                                  <p:subTnLst>
-                                    <p:audio>
-                                      <p:cMediaNode>
-                                        <p:cTn display="0" masterRel="sameClick">
-                                          <p:stCondLst>
-                                            <p:cond evt="begin" delay="0">
-                                              <p:tn val="21"/>
-                                            </p:cond>
-                                          </p:stCondLst>
-                                          <p:endCondLst>
-                                            <p:cond evt="onStopAudio" delay="0">
-                                              <p:tgtEl>
-                                                <p:sldTgt/>
-                                              </p:tgtEl>
-                                            </p:cond>
-                                          </p:endCondLst>
-                                        </p:cTn>
-                                        <p:tgtEl>
-                                          <p:sndTgt r:embed="rId3" name="applause.wav"/>
-                                        </p:tgtEl>
-                                      </p:cMediaNode>
-                                    </p:audio>
-                                  </p:subTnLst>
-                                </p:cTn>
-                              </p:par>
-                            </p:childTnLst>
-                          </p:cTn>
-                        </p:par>
-                      </p:childTnLst>
-                    </p:cTn>
-                  </p:par>
-                </p:childTnLst>
-              </p:cTn>
-              <p:prevCondLst>
-                <p:cond evt="onPrev" delay="0">
-                  <p:tgtEl>
-                    <p:sldTgt/>
-                  </p:tgtEl>
-                </p:cond>
-              </p:prevCondLst>
-              <p:nextCondLst>
-                <p:cond evt="onNext" delay="0">
-                  <p:tgtEl>
-                    <p:sldTgt/>
-                  </p:tgtEl>
-                </p:cond>
-              </p:nextCondLst>
-            </p:seq>
-          </p:childTnLst>
-        </p:cTn>
-      </p:par>
-    </p:tnLst>
-    <p:bldLst>
-      <p:bldP spid="11" grpId="0"/>
-      <p:bldP spid="13" grpId="0"/>
-      <p:bldP spid="15" grpId="0"/>
-      <p:bldP spid="18" grpId="0"/>
-      <p:bldP spid="20" grpId="0"/>
-    </p:bldLst>
-  </p:timing>
 </p:sld>
 </file>
 
-<file path=ppt/slides/slide9.xml><?xml version="1.0" encoding="utf-8"?>
+<file path=ppt/slides/slide4.xml><?xml version="1.0" encoding="utf-8"?>
 <p:sld xmlns:a="http://schemas.openxmlformats.org/drawingml/2006/main" xmlns:r="http://schemas.openxmlformats.org/officeDocument/2006/relationships" xmlns:p="http://schemas.openxmlformats.org/presentationml/2006/main">
   <p:cSld>
+    <p:bg>
+      <p:bgPr>
+        <a:solidFill>
+          <a:srgbClr val="EEECE8"/>
+        </a:solidFill>
+        <a:effectLst/>
+      </p:bgPr>
+    </p:bg>
     <p:spTree>
       <p:nvGrpSpPr>
-        <p:cNvPr id="1" name=""/>
+        <p:cNvPr id="1" name="">
+          <a:extLst>
+            <a:ext uri="{FF2B5EF4-FFF2-40B4-BE49-F238E27FC236}">
+              <a16:creationId xmlns:a16="http://schemas.microsoft.com/office/drawing/2014/main" id="{5C0FC5B7-6C8E-5D25-48C6-8043219D15AB}"/>
+            </a:ext>
+          </a:extLst>
+        </p:cNvPr>
         <p:cNvGrpSpPr/>
         <p:nvPr/>
       </p:nvGrpSpPr>
@@ -10821,7 +9668,7 @@
           <p:cNvPr id="2" name="Title 1">
             <a:extLst>
               <a:ext uri="{FF2B5EF4-FFF2-40B4-BE49-F238E27FC236}">
-                <a16:creationId xmlns:a16="http://schemas.microsoft.com/office/drawing/2014/main" id="{E9A1413B-8FF2-2E56-523C-A06060AC2DBC}"/>
+                <a16:creationId xmlns:a16="http://schemas.microsoft.com/office/drawing/2014/main" id="{B2B89F07-59BE-082B-371C-EBF20997A24F}"/>
               </a:ext>
             </a:extLst>
           </p:cNvPr>
@@ -10833,38 +9680,165 @@
           </p:nvPr>
         </p:nvSpPr>
         <p:spPr>
-          <a:solidFill>
-            <a:srgbClr val="D8D0F2"/>
-          </a:solidFill>
+          <a:xfrm>
+            <a:off x="352425" y="5615971"/>
+            <a:ext cx="10515600" cy="784830"/>
+          </a:xfrm>
+          <a:noFill/>
           <a:ln w="50800">
-            <a:solidFill>
-              <a:srgbClr val="142273"/>
-            </a:solidFill>
+            <a:noFill/>
           </a:ln>
         </p:spPr>
         <p:txBody>
-          <a:bodyPr/>
+          <a:bodyPr bIns="0" anchor="b">
+            <a:spAutoFit/>
+          </a:bodyPr>
           <a:lstStyle/>
           <a:p>
-            <a:pPr algn="ctr"/>
-            <a:r>
-              <a:rPr lang="en-GB" b="1" dirty="0">
+            <a:pPr>
+              <a:lnSpc>
+                <a:spcPct val="100000"/>
+              </a:lnSpc>
+            </a:pPr>
+            <a:r>
+              <a:rPr lang="en-GB" sz="4800" b="1" spc="-150" dirty="0">
                 <a:solidFill>
-                  <a:srgbClr val="142273"/>
+                  <a:srgbClr val="D64025"/>
                 </a:solidFill>
-                <a:latin typeface="Space Mono" panose="02010509030202000204" pitchFamily="49" charset="77"/>
+                <a:latin typeface="Hanken Grotesk" pitchFamily="2" charset="77"/>
               </a:rPr>
-              <a:t>Top Loanwords and Frequency</a:t>
-            </a:r>
-          </a:p>
-        </p:txBody>
-      </p:sp>
-      <p:sp>
-        <p:nvSpPr>
-          <p:cNvPr id="3" name="Content Placeholder 2">
-            <a:extLst>
-              <a:ext uri="{FF2B5EF4-FFF2-40B4-BE49-F238E27FC236}">
-                <a16:creationId xmlns:a16="http://schemas.microsoft.com/office/drawing/2014/main" id="{01C0B9B0-AF5A-D17E-AF89-126B077BAA9D}"/>
+              <a:t>usage</a:t>
+            </a:r>
+          </a:p>
+        </p:txBody>
+      </p:sp>
+      <p:sp>
+        <p:nvSpPr>
+          <p:cNvPr id="6" name="TextBox 5">
+            <a:extLst>
+              <a:ext uri="{FF2B5EF4-FFF2-40B4-BE49-F238E27FC236}">
+                <a16:creationId xmlns:a16="http://schemas.microsoft.com/office/drawing/2014/main" id="{AA1A069D-C211-4C3F-7A28-4E4B12D6E138}"/>
+              </a:ext>
+            </a:extLst>
+          </p:cNvPr>
+          <p:cNvSpPr txBox="1"/>
+          <p:nvPr/>
+        </p:nvSpPr>
+        <p:spPr>
+          <a:xfrm>
+            <a:off x="4958071" y="836414"/>
+            <a:ext cx="4003660" cy="400110"/>
+          </a:xfrm>
+          <a:prstGeom prst="rect">
+            <a:avLst/>
+          </a:prstGeom>
+          <a:noFill/>
+        </p:spPr>
+        <p:txBody>
+          <a:bodyPr wrap="none" lIns="0" rtlCol="0">
+            <a:spAutoFit/>
+          </a:bodyPr>
+          <a:lstStyle/>
+          <a:p>
+            <a:r>
+              <a:rPr lang="en-GB" sz="2000" b="1" dirty="0">
+                <a:solidFill>
+                  <a:srgbClr val="262626"/>
+                </a:solidFill>
+                <a:latin typeface="Inter SemiBold" panose="02000503000000020004" pitchFamily="2" charset="0"/>
+                <a:ea typeface="Inter SemiBold" panose="02000503000000020004" pitchFamily="2" charset="0"/>
+              </a:rPr>
+              <a:t>LOANWORD USAGE OVER TIME</a:t>
+            </a:r>
+          </a:p>
+        </p:txBody>
+      </p:sp>
+      <p:pic>
+        <p:nvPicPr>
+          <p:cNvPr id="13" name="Graphic 12">
+            <a:extLst>
+              <a:ext uri="{FF2B5EF4-FFF2-40B4-BE49-F238E27FC236}">
+                <a16:creationId xmlns:a16="http://schemas.microsoft.com/office/drawing/2014/main" id="{DF5923D1-9DAA-42AD-35EF-E25BEC241FC3}"/>
+              </a:ext>
+            </a:extLst>
+          </p:cNvPr>
+          <p:cNvPicPr>
+            <a:picLocks noChangeAspect="1"/>
+          </p:cNvPicPr>
+          <p:nvPr/>
+        </p:nvPicPr>
+        <p:blipFill>
+          <a:blip r:embed="rId3">
+            <a:extLst>
+              <a:ext uri="{96DAC541-7B7A-43D3-8B79-37D633B846F1}">
+                <asvg:svgBlip xmlns:asvg="http://schemas.microsoft.com/office/drawing/2016/SVG/main" r:embed="rId4"/>
+              </a:ext>
+            </a:extLst>
+          </a:blip>
+          <a:stretch>
+            <a:fillRect/>
+          </a:stretch>
+        </p:blipFill>
+        <p:spPr>
+          <a:xfrm>
+            <a:off x="-437271" y="2089999"/>
+            <a:ext cx="3810000" cy="3810000"/>
+          </a:xfrm>
+          <a:prstGeom prst="rect">
+            <a:avLst/>
+          </a:prstGeom>
+        </p:spPr>
+      </p:pic>
+    </p:spTree>
+    <p:extLst>
+      <p:ext uri="{BB962C8B-B14F-4D97-AF65-F5344CB8AC3E}">
+        <p14:creationId xmlns:p14="http://schemas.microsoft.com/office/powerpoint/2010/main" val="1073401086"/>
+      </p:ext>
+    </p:extLst>
+  </p:cSld>
+  <p:clrMapOvr>
+    <a:masterClrMapping/>
+  </p:clrMapOvr>
+</p:sld>
+</file>
+
+<file path=ppt/slides/slide5.xml><?xml version="1.0" encoding="utf-8"?>
+<p:sld xmlns:a="http://schemas.openxmlformats.org/drawingml/2006/main" xmlns:r="http://schemas.openxmlformats.org/officeDocument/2006/relationships" xmlns:p="http://schemas.openxmlformats.org/presentationml/2006/main">
+  <p:cSld>
+    <p:bg>
+      <p:bgPr>
+        <a:solidFill>
+          <a:srgbClr val="EEECE8"/>
+        </a:solidFill>
+        <a:effectLst/>
+      </p:bgPr>
+    </p:bg>
+    <p:spTree>
+      <p:nvGrpSpPr>
+        <p:cNvPr id="1" name="">
+          <a:extLst>
+            <a:ext uri="{FF2B5EF4-FFF2-40B4-BE49-F238E27FC236}">
+              <a16:creationId xmlns:a16="http://schemas.microsoft.com/office/drawing/2014/main" id="{7988F783-794C-8F04-1327-034DAE56D44F}"/>
+            </a:ext>
+          </a:extLst>
+        </p:cNvPr>
+        <p:cNvGrpSpPr/>
+        <p:nvPr/>
+      </p:nvGrpSpPr>
+      <p:grpSpPr>
+        <a:xfrm>
+          <a:off x="0" y="0"/>
+          <a:ext cx="0" cy="0"/>
+          <a:chOff x="0" y="0"/>
+          <a:chExt cx="0" cy="0"/>
+        </a:xfrm>
+      </p:grpSpPr>
+      <p:sp>
+        <p:nvSpPr>
+          <p:cNvPr id="2" name="Title 1">
+            <a:extLst>
+              <a:ext uri="{FF2B5EF4-FFF2-40B4-BE49-F238E27FC236}">
+                <a16:creationId xmlns:a16="http://schemas.microsoft.com/office/drawing/2014/main" id="{80FD1358-1C6C-BAD9-E06C-0A74842D2020}"/>
               </a:ext>
             </a:extLst>
           </p:cNvPr>
@@ -10872,20 +9846,707 @@
             <a:spLocks noGrp="1"/>
           </p:cNvSpPr>
           <p:nvPr>
-            <p:ph idx="1"/>
-          </p:nvPr>
-        </p:nvSpPr>
-        <p:spPr/>
-        <p:txBody>
-          <a:bodyPr/>
+            <p:ph type="title"/>
+          </p:nvPr>
+        </p:nvSpPr>
+        <p:spPr>
+          <a:xfrm>
+            <a:off x="352425" y="5615971"/>
+            <a:ext cx="10515600" cy="784830"/>
+          </a:xfrm>
+          <a:noFill/>
+          <a:ln w="50800">
+            <a:noFill/>
+          </a:ln>
+        </p:spPr>
+        <p:txBody>
+          <a:bodyPr bIns="0" anchor="b">
+            <a:spAutoFit/>
+          </a:bodyPr>
+          <a:lstStyle/>
+          <a:p>
+            <a:pPr>
+              <a:lnSpc>
+                <a:spcPct val="100000"/>
+              </a:lnSpc>
+            </a:pPr>
+            <a:r>
+              <a:rPr lang="en-GB" sz="4800" b="1" spc="-150" dirty="0">
+                <a:solidFill>
+                  <a:srgbClr val="D64025"/>
+                </a:solidFill>
+                <a:latin typeface="Hanken Grotesk" pitchFamily="2" charset="77"/>
+              </a:rPr>
+              <a:t>loanwords</a:t>
+            </a:r>
+          </a:p>
+        </p:txBody>
+      </p:sp>
+      <p:sp>
+        <p:nvSpPr>
+          <p:cNvPr id="6" name="TextBox 5">
+            <a:extLst>
+              <a:ext uri="{FF2B5EF4-FFF2-40B4-BE49-F238E27FC236}">
+                <a16:creationId xmlns:a16="http://schemas.microsoft.com/office/drawing/2014/main" id="{51988647-4A5B-2CE4-04AC-CD1CA67A2275}"/>
+              </a:ext>
+            </a:extLst>
+          </p:cNvPr>
+          <p:cNvSpPr txBox="1"/>
+          <p:nvPr/>
+        </p:nvSpPr>
+        <p:spPr>
+          <a:xfrm>
+            <a:off x="4958071" y="836414"/>
+            <a:ext cx="3263073" cy="400110"/>
+          </a:xfrm>
+          <a:prstGeom prst="rect">
+            <a:avLst/>
+          </a:prstGeom>
+          <a:noFill/>
+        </p:spPr>
+        <p:txBody>
+          <a:bodyPr wrap="none" lIns="0" rtlCol="0">
+            <a:spAutoFit/>
+          </a:bodyPr>
+          <a:lstStyle/>
+          <a:p>
+            <a:r>
+              <a:rPr lang="en-GB" sz="2000" b="1" dirty="0">
+                <a:solidFill>
+                  <a:srgbClr val="262626"/>
+                </a:solidFill>
+                <a:latin typeface="Inter SemiBold" panose="02000503000000020004" pitchFamily="2" charset="0"/>
+                <a:ea typeface="Inter SemiBold" panose="02000503000000020004" pitchFamily="2" charset="0"/>
+              </a:rPr>
+              <a:t>DISTRIBUTION OF USAGE</a:t>
+            </a:r>
+          </a:p>
+        </p:txBody>
+      </p:sp>
+      <p:pic>
+        <p:nvPicPr>
+          <p:cNvPr id="13" name="Graphic 12">
+            <a:extLst>
+              <a:ext uri="{FF2B5EF4-FFF2-40B4-BE49-F238E27FC236}">
+                <a16:creationId xmlns:a16="http://schemas.microsoft.com/office/drawing/2014/main" id="{6D680C77-F930-0EED-8D66-FD56B270EA19}"/>
+              </a:ext>
+            </a:extLst>
+          </p:cNvPr>
+          <p:cNvPicPr>
+            <a:picLocks noChangeAspect="1"/>
+          </p:cNvPicPr>
+          <p:nvPr/>
+        </p:nvPicPr>
+        <p:blipFill>
+          <a:blip r:embed="rId3">
+            <a:extLst>
+              <a:ext uri="{96DAC541-7B7A-43D3-8B79-37D633B846F1}">
+                <asvg:svgBlip xmlns:asvg="http://schemas.microsoft.com/office/drawing/2016/SVG/main" r:embed="rId4"/>
+              </a:ext>
+            </a:extLst>
+          </a:blip>
+          <a:stretch>
+            <a:fillRect/>
+          </a:stretch>
+        </p:blipFill>
+        <p:spPr>
+          <a:xfrm>
+            <a:off x="-437271" y="2089999"/>
+            <a:ext cx="3810000" cy="3810000"/>
+          </a:xfrm>
+          <a:prstGeom prst="rect">
+            <a:avLst/>
+          </a:prstGeom>
+        </p:spPr>
+      </p:pic>
+      <p:sp>
+        <p:nvSpPr>
+          <p:cNvPr id="3" name="TextBox 2">
+            <a:extLst>
+              <a:ext uri="{FF2B5EF4-FFF2-40B4-BE49-F238E27FC236}">
+                <a16:creationId xmlns:a16="http://schemas.microsoft.com/office/drawing/2014/main" id="{40A34556-D52A-0C85-9162-4E01F50BBEE1}"/>
+              </a:ext>
+            </a:extLst>
+          </p:cNvPr>
+          <p:cNvSpPr txBox="1"/>
+          <p:nvPr/>
+        </p:nvSpPr>
+        <p:spPr>
+          <a:xfrm>
+            <a:off x="4958071" y="1544661"/>
+            <a:ext cx="4826962" cy="2308324"/>
+          </a:xfrm>
+          <a:prstGeom prst="rect">
+            <a:avLst/>
+          </a:prstGeom>
+          <a:noFill/>
+        </p:spPr>
+        <p:txBody>
+          <a:bodyPr wrap="none" rtlCol="0">
+            <a:spAutoFit/>
+          </a:bodyPr>
           <a:lstStyle/>
           <a:p>
             <a:pPr marL="0" indent="0">
               <a:buNone/>
             </a:pPr>
             <a:r>
+              <a:rPr lang="en-GB" dirty="0">
+                <a:latin typeface="Inter Light" panose="02000503000000020004" pitchFamily="2" charset="0"/>
+                <a:ea typeface="Inter Light" panose="02000503000000020004" pitchFamily="2" charset="0"/>
+              </a:rPr>
+              <a:t>TODO: Plot #2 Histogram</a:t>
+            </a:r>
+          </a:p>
+          <a:p>
+            <a:pPr marL="0" indent="0">
+              <a:buNone/>
+            </a:pPr>
+            <a:endParaRPr lang="en-GB" dirty="0">
+              <a:latin typeface="Inter Light" panose="02000503000000020004" pitchFamily="2" charset="0"/>
+              <a:ea typeface="Inter Light" panose="02000503000000020004" pitchFamily="2" charset="0"/>
+            </a:endParaRPr>
+          </a:p>
+          <a:p>
+            <a:pPr marL="0" indent="0">
+              <a:buNone/>
+            </a:pPr>
+            <a:r>
+              <a:rPr lang="en-GB" dirty="0">
+                <a:latin typeface="Inter Light" panose="02000503000000020004" pitchFamily="2" charset="0"/>
+                <a:ea typeface="Inter Light" panose="02000503000000020004" pitchFamily="2" charset="0"/>
+              </a:rPr>
+              <a:t>How common are “English-heavy” articles?</a:t>
+            </a:r>
+          </a:p>
+          <a:p>
+            <a:pPr marL="0" indent="0">
+              <a:buNone/>
+            </a:pPr>
+            <a:endParaRPr lang="en-GB" dirty="0">
+              <a:latin typeface="Inter Light" panose="02000503000000020004" pitchFamily="2" charset="0"/>
+              <a:ea typeface="Inter Light" panose="02000503000000020004" pitchFamily="2" charset="0"/>
+            </a:endParaRPr>
+          </a:p>
+          <a:p>
+            <a:pPr marL="0" indent="0">
+              <a:buNone/>
+            </a:pPr>
+            <a:r>
+              <a:rPr lang="en-GB" dirty="0">
+                <a:latin typeface="Inter Light" panose="02000503000000020004" pitchFamily="2" charset="0"/>
+                <a:ea typeface="Inter Light" panose="02000503000000020004" pitchFamily="2" charset="0"/>
+              </a:rPr>
+              <a:t>Stat Highlights:</a:t>
+            </a:r>
+          </a:p>
+          <a:p>
+            <a:r>
+              <a:rPr lang="en-GB" dirty="0">
+                <a:latin typeface="Inter Light" panose="02000503000000020004" pitchFamily="2" charset="0"/>
+                <a:ea typeface="Inter Light" panose="02000503000000020004" pitchFamily="2" charset="0"/>
+              </a:rPr>
+              <a:t>Long tail: most articles have &lt;1% density</a:t>
+            </a:r>
+          </a:p>
+          <a:p>
+            <a:r>
+              <a:rPr lang="en-GB" dirty="0">
+                <a:latin typeface="Inter Light" panose="02000503000000020004" pitchFamily="2" charset="0"/>
+                <a:ea typeface="Inter Light" panose="02000503000000020004" pitchFamily="2" charset="0"/>
+              </a:rPr>
+              <a:t>A minority are dense with English terms</a:t>
+            </a:r>
+          </a:p>
+          <a:p>
+            <a:endParaRPr lang="en-GB" dirty="0">
+              <a:latin typeface="Inter Light" panose="02000503000000020004" pitchFamily="2" charset="0"/>
+              <a:ea typeface="Inter Light" panose="02000503000000020004" pitchFamily="2" charset="0"/>
+            </a:endParaRPr>
+          </a:p>
+        </p:txBody>
+      </p:sp>
+    </p:spTree>
+    <p:extLst>
+      <p:ext uri="{BB962C8B-B14F-4D97-AF65-F5344CB8AC3E}">
+        <p14:creationId xmlns:p14="http://schemas.microsoft.com/office/powerpoint/2010/main" val="513976903"/>
+      </p:ext>
+    </p:extLst>
+  </p:cSld>
+  <p:clrMapOvr>
+    <a:masterClrMapping/>
+  </p:clrMapOvr>
+</p:sld>
+</file>
+
+<file path=ppt/slides/slide6.xml><?xml version="1.0" encoding="utf-8"?>
+<p:sld xmlns:a="http://schemas.openxmlformats.org/drawingml/2006/main" xmlns:r="http://schemas.openxmlformats.org/officeDocument/2006/relationships" xmlns:p="http://schemas.openxmlformats.org/presentationml/2006/main">
+  <p:cSld>
+    <p:bg>
+      <p:bgPr>
+        <a:solidFill>
+          <a:srgbClr val="EEECE8"/>
+        </a:solidFill>
+        <a:effectLst/>
+      </p:bgPr>
+    </p:bg>
+    <p:spTree>
+      <p:nvGrpSpPr>
+        <p:cNvPr id="1" name="">
+          <a:extLst>
+            <a:ext uri="{FF2B5EF4-FFF2-40B4-BE49-F238E27FC236}">
+              <a16:creationId xmlns:a16="http://schemas.microsoft.com/office/drawing/2014/main" id="{1C79D22A-7D11-14FE-5CB3-58898A116BCA}"/>
+            </a:ext>
+          </a:extLst>
+        </p:cNvPr>
+        <p:cNvGrpSpPr/>
+        <p:nvPr/>
+      </p:nvGrpSpPr>
+      <p:grpSpPr>
+        <a:xfrm>
+          <a:off x="0" y="0"/>
+          <a:ext cx="0" cy="0"/>
+          <a:chOff x="0" y="0"/>
+          <a:chExt cx="0" cy="0"/>
+        </a:xfrm>
+      </p:grpSpPr>
+      <p:sp>
+        <p:nvSpPr>
+          <p:cNvPr id="2" name="Title 1">
+            <a:extLst>
+              <a:ext uri="{FF2B5EF4-FFF2-40B4-BE49-F238E27FC236}">
+                <a16:creationId xmlns:a16="http://schemas.microsoft.com/office/drawing/2014/main" id="{08457956-C373-59AF-5D6D-E725E7323B5F}"/>
+              </a:ext>
+            </a:extLst>
+          </p:cNvPr>
+          <p:cNvSpPr>
+            <a:spLocks noGrp="1"/>
+          </p:cNvSpPr>
+          <p:nvPr>
+            <p:ph type="title"/>
+          </p:nvPr>
+        </p:nvSpPr>
+        <p:spPr>
+          <a:xfrm>
+            <a:off x="352425" y="5615971"/>
+            <a:ext cx="10515600" cy="784830"/>
+          </a:xfrm>
+          <a:noFill/>
+          <a:ln w="50800">
+            <a:noFill/>
+          </a:ln>
+        </p:spPr>
+        <p:txBody>
+          <a:bodyPr bIns="0" anchor="b">
+            <a:spAutoFit/>
+          </a:bodyPr>
+          <a:lstStyle/>
+          <a:p>
+            <a:pPr>
+              <a:lnSpc>
+                <a:spcPct val="100000"/>
+              </a:lnSpc>
+            </a:pPr>
+            <a:r>
+              <a:rPr lang="en-GB" sz="4800" b="1" spc="-150" dirty="0">
+                <a:solidFill>
+                  <a:srgbClr val="D64025"/>
+                </a:solidFill>
+                <a:latin typeface="Hanken Grotesk" pitchFamily="2" charset="77"/>
+              </a:rPr>
+              <a:t>distribution</a:t>
+            </a:r>
+          </a:p>
+        </p:txBody>
+      </p:sp>
+      <p:sp>
+        <p:nvSpPr>
+          <p:cNvPr id="6" name="TextBox 5">
+            <a:extLst>
+              <a:ext uri="{FF2B5EF4-FFF2-40B4-BE49-F238E27FC236}">
+                <a16:creationId xmlns:a16="http://schemas.microsoft.com/office/drawing/2014/main" id="{A5C6812B-8231-1B94-2B2B-5F5F91E3701D}"/>
+              </a:ext>
+            </a:extLst>
+          </p:cNvPr>
+          <p:cNvSpPr txBox="1"/>
+          <p:nvPr/>
+        </p:nvSpPr>
+        <p:spPr>
+          <a:xfrm>
+            <a:off x="4958071" y="836414"/>
+            <a:ext cx="4840428" cy="400110"/>
+          </a:xfrm>
+          <a:prstGeom prst="rect">
+            <a:avLst/>
+          </a:prstGeom>
+          <a:noFill/>
+        </p:spPr>
+        <p:txBody>
+          <a:bodyPr wrap="none" lIns="0" rtlCol="0">
+            <a:spAutoFit/>
+          </a:bodyPr>
+          <a:lstStyle/>
+          <a:p>
+            <a:r>
+              <a:rPr lang="en-GB" sz="2000" b="1" dirty="0">
+                <a:solidFill>
+                  <a:srgbClr val="262626"/>
+                </a:solidFill>
+                <a:latin typeface="Inter SemiBold" panose="02000503000000020004" pitchFamily="2" charset="0"/>
+                <a:ea typeface="Inter SemiBold" panose="02000503000000020004" pitchFamily="2" charset="0"/>
+              </a:rPr>
+              <a:t>LOANWORD DISTRIBUTION OF USAGE</a:t>
+            </a:r>
+          </a:p>
+        </p:txBody>
+      </p:sp>
+      <p:pic>
+        <p:nvPicPr>
+          <p:cNvPr id="13" name="Graphic 12">
+            <a:extLst>
+              <a:ext uri="{FF2B5EF4-FFF2-40B4-BE49-F238E27FC236}">
+                <a16:creationId xmlns:a16="http://schemas.microsoft.com/office/drawing/2014/main" id="{AFF3D849-D1E6-B7C5-DDB9-BD7A1C13C0C2}"/>
+              </a:ext>
+            </a:extLst>
+          </p:cNvPr>
+          <p:cNvPicPr>
+            <a:picLocks noChangeAspect="1"/>
+          </p:cNvPicPr>
+          <p:nvPr/>
+        </p:nvPicPr>
+        <p:blipFill>
+          <a:blip r:embed="rId3">
+            <a:extLst>
+              <a:ext uri="{96DAC541-7B7A-43D3-8B79-37D633B846F1}">
+                <asvg:svgBlip xmlns:asvg="http://schemas.microsoft.com/office/drawing/2016/SVG/main" r:embed="rId4"/>
+              </a:ext>
+            </a:extLst>
+          </a:blip>
+          <a:stretch>
+            <a:fillRect/>
+          </a:stretch>
+        </p:blipFill>
+        <p:spPr>
+          <a:xfrm>
+            <a:off x="-437271" y="2089999"/>
+            <a:ext cx="3810000" cy="3810000"/>
+          </a:xfrm>
+          <a:prstGeom prst="rect">
+            <a:avLst/>
+          </a:prstGeom>
+        </p:spPr>
+      </p:pic>
+      <p:sp>
+        <p:nvSpPr>
+          <p:cNvPr id="3" name="TextBox 2">
+            <a:extLst>
+              <a:ext uri="{FF2B5EF4-FFF2-40B4-BE49-F238E27FC236}">
+                <a16:creationId xmlns:a16="http://schemas.microsoft.com/office/drawing/2014/main" id="{A691DF72-7A29-97CC-446F-B8406F0E095A}"/>
+              </a:ext>
+            </a:extLst>
+          </p:cNvPr>
+          <p:cNvSpPr txBox="1"/>
+          <p:nvPr/>
+        </p:nvSpPr>
+        <p:spPr>
+          <a:xfrm>
+            <a:off x="4958071" y="1544661"/>
+            <a:ext cx="4826962" cy="2308324"/>
+          </a:xfrm>
+          <a:prstGeom prst="rect">
+            <a:avLst/>
+          </a:prstGeom>
+          <a:noFill/>
+        </p:spPr>
+        <p:txBody>
+          <a:bodyPr wrap="none" rtlCol="0">
+            <a:spAutoFit/>
+          </a:bodyPr>
+          <a:lstStyle/>
+          <a:p>
+            <a:pPr marL="0" indent="0">
+              <a:buNone/>
+            </a:pPr>
+            <a:r>
+              <a:rPr lang="en-GB" dirty="0">
+                <a:latin typeface="Inter Light" panose="02000503000000020004" pitchFamily="2" charset="0"/>
+                <a:ea typeface="Inter Light" panose="02000503000000020004" pitchFamily="2" charset="0"/>
+              </a:rPr>
+              <a:t>TODO: Plot #2 Histogram</a:t>
+            </a:r>
+          </a:p>
+          <a:p>
+            <a:pPr marL="0" indent="0">
+              <a:buNone/>
+            </a:pPr>
+            <a:endParaRPr lang="en-GB" dirty="0">
+              <a:latin typeface="Inter Light" panose="02000503000000020004" pitchFamily="2" charset="0"/>
+              <a:ea typeface="Inter Light" panose="02000503000000020004" pitchFamily="2" charset="0"/>
+            </a:endParaRPr>
+          </a:p>
+          <a:p>
+            <a:pPr marL="0" indent="0">
+              <a:buNone/>
+            </a:pPr>
+            <a:r>
+              <a:rPr lang="en-GB" dirty="0">
+                <a:latin typeface="Inter Light" panose="02000503000000020004" pitchFamily="2" charset="0"/>
+                <a:ea typeface="Inter Light" panose="02000503000000020004" pitchFamily="2" charset="0"/>
+              </a:rPr>
+              <a:t>How common are “English-heavy” articles?</a:t>
+            </a:r>
+          </a:p>
+          <a:p>
+            <a:pPr marL="0" indent="0">
+              <a:buNone/>
+            </a:pPr>
+            <a:endParaRPr lang="en-GB" dirty="0">
+              <a:latin typeface="Inter Light" panose="02000503000000020004" pitchFamily="2" charset="0"/>
+              <a:ea typeface="Inter Light" panose="02000503000000020004" pitchFamily="2" charset="0"/>
+            </a:endParaRPr>
+          </a:p>
+          <a:p>
+            <a:pPr marL="0" indent="0">
+              <a:buNone/>
+            </a:pPr>
+            <a:r>
+              <a:rPr lang="en-GB" dirty="0">
+                <a:latin typeface="Inter Light" panose="02000503000000020004" pitchFamily="2" charset="0"/>
+                <a:ea typeface="Inter Light" panose="02000503000000020004" pitchFamily="2" charset="0"/>
+              </a:rPr>
+              <a:t>Stat Highlights:</a:t>
+            </a:r>
+          </a:p>
+          <a:p>
+            <a:r>
+              <a:rPr lang="en-GB" dirty="0">
+                <a:latin typeface="Inter Light" panose="02000503000000020004" pitchFamily="2" charset="0"/>
+                <a:ea typeface="Inter Light" panose="02000503000000020004" pitchFamily="2" charset="0"/>
+              </a:rPr>
+              <a:t>Long tail: most articles have &lt;1% density</a:t>
+            </a:r>
+          </a:p>
+          <a:p>
+            <a:r>
+              <a:rPr lang="en-GB" dirty="0">
+                <a:latin typeface="Inter Light" panose="02000503000000020004" pitchFamily="2" charset="0"/>
+                <a:ea typeface="Inter Light" panose="02000503000000020004" pitchFamily="2" charset="0"/>
+              </a:rPr>
+              <a:t>A minority are dense with English terms</a:t>
+            </a:r>
+          </a:p>
+          <a:p>
+            <a:endParaRPr lang="en-GB" dirty="0">
+              <a:latin typeface="Inter Light" panose="02000503000000020004" pitchFamily="2" charset="0"/>
+              <a:ea typeface="Inter Light" panose="02000503000000020004" pitchFamily="2" charset="0"/>
+            </a:endParaRPr>
+          </a:p>
+        </p:txBody>
+      </p:sp>
+    </p:spTree>
+    <p:extLst>
+      <p:ext uri="{BB962C8B-B14F-4D97-AF65-F5344CB8AC3E}">
+        <p14:creationId xmlns:p14="http://schemas.microsoft.com/office/powerpoint/2010/main" val="67630008"/>
+      </p:ext>
+    </p:extLst>
+  </p:cSld>
+  <p:clrMapOvr>
+    <a:masterClrMapping/>
+  </p:clrMapOvr>
+</p:sld>
+</file>
+
+<file path=ppt/slides/slide7.xml><?xml version="1.0" encoding="utf-8"?>
+<p:sld xmlns:a="http://schemas.openxmlformats.org/drawingml/2006/main" xmlns:r="http://schemas.openxmlformats.org/officeDocument/2006/relationships" xmlns:p="http://schemas.openxmlformats.org/presentationml/2006/main">
+  <p:cSld>
+    <p:bg>
+      <p:bgPr>
+        <a:solidFill>
+          <a:srgbClr val="EEECE8"/>
+        </a:solidFill>
+        <a:effectLst/>
+      </p:bgPr>
+    </p:bg>
+    <p:spTree>
+      <p:nvGrpSpPr>
+        <p:cNvPr id="1" name="">
+          <a:extLst>
+            <a:ext uri="{FF2B5EF4-FFF2-40B4-BE49-F238E27FC236}">
+              <a16:creationId xmlns:a16="http://schemas.microsoft.com/office/drawing/2014/main" id="{146E6CED-9434-7E65-8E31-902F1808441B}"/>
+            </a:ext>
+          </a:extLst>
+        </p:cNvPr>
+        <p:cNvGrpSpPr/>
+        <p:nvPr/>
+      </p:nvGrpSpPr>
+      <p:grpSpPr>
+        <a:xfrm>
+          <a:off x="0" y="0"/>
+          <a:ext cx="0" cy="0"/>
+          <a:chOff x="0" y="0"/>
+          <a:chExt cx="0" cy="0"/>
+        </a:xfrm>
+      </p:grpSpPr>
+      <p:sp>
+        <p:nvSpPr>
+          <p:cNvPr id="2" name="Title 1">
+            <a:extLst>
+              <a:ext uri="{FF2B5EF4-FFF2-40B4-BE49-F238E27FC236}">
+                <a16:creationId xmlns:a16="http://schemas.microsoft.com/office/drawing/2014/main" id="{ACEF40FE-5068-142E-1974-1FC39F298893}"/>
+              </a:ext>
+            </a:extLst>
+          </p:cNvPr>
+          <p:cNvSpPr>
+            <a:spLocks noGrp="1"/>
+          </p:cNvSpPr>
+          <p:nvPr>
+            <p:ph type="title"/>
+          </p:nvPr>
+        </p:nvSpPr>
+        <p:spPr>
+          <a:xfrm>
+            <a:off x="352425" y="5615971"/>
+            <a:ext cx="10515600" cy="784830"/>
+          </a:xfrm>
+          <a:noFill/>
+          <a:ln w="50800">
+            <a:noFill/>
+          </a:ln>
+        </p:spPr>
+        <p:txBody>
+          <a:bodyPr bIns="0" anchor="b">
+            <a:spAutoFit/>
+          </a:bodyPr>
+          <a:lstStyle/>
+          <a:p>
+            <a:pPr>
+              <a:lnSpc>
+                <a:spcPct val="100000"/>
+              </a:lnSpc>
+            </a:pPr>
+            <a:r>
+              <a:rPr lang="en-GB" sz="4800" b="1" spc="-150" dirty="0">
+                <a:solidFill>
+                  <a:srgbClr val="D64025"/>
+                </a:solidFill>
+                <a:latin typeface="Hanken Grotesk" pitchFamily="2" charset="77"/>
+              </a:rPr>
+              <a:t>sentiment</a:t>
+            </a:r>
+          </a:p>
+        </p:txBody>
+      </p:sp>
+      <p:sp>
+        <p:nvSpPr>
+          <p:cNvPr id="6" name="TextBox 5">
+            <a:extLst>
+              <a:ext uri="{FF2B5EF4-FFF2-40B4-BE49-F238E27FC236}">
+                <a16:creationId xmlns:a16="http://schemas.microsoft.com/office/drawing/2014/main" id="{4FED7FC7-65AA-37D9-A879-1E1054A2F242}"/>
+              </a:ext>
+            </a:extLst>
+          </p:cNvPr>
+          <p:cNvSpPr txBox="1"/>
+          <p:nvPr/>
+        </p:nvSpPr>
+        <p:spPr>
+          <a:xfrm>
+            <a:off x="4958071" y="836414"/>
+            <a:ext cx="4840428" cy="400110"/>
+          </a:xfrm>
+          <a:prstGeom prst="rect">
+            <a:avLst/>
+          </a:prstGeom>
+          <a:noFill/>
+        </p:spPr>
+        <p:txBody>
+          <a:bodyPr wrap="none" lIns="0" rtlCol="0">
+            <a:spAutoFit/>
+          </a:bodyPr>
+          <a:lstStyle/>
+          <a:p>
+            <a:r>
+              <a:rPr lang="en-GB" sz="2000" b="1" dirty="0">
+                <a:solidFill>
+                  <a:srgbClr val="262626"/>
+                </a:solidFill>
+                <a:latin typeface="Inter SemiBold" panose="02000503000000020004" pitchFamily="2" charset="0"/>
+                <a:ea typeface="Inter SemiBold" panose="02000503000000020004" pitchFamily="2" charset="0"/>
+              </a:rPr>
+              <a:t>LOANWORD DISTRIBUTION OF USAGE</a:t>
+            </a:r>
+          </a:p>
+        </p:txBody>
+      </p:sp>
+      <p:pic>
+        <p:nvPicPr>
+          <p:cNvPr id="13" name="Graphic 12">
+            <a:extLst>
+              <a:ext uri="{FF2B5EF4-FFF2-40B4-BE49-F238E27FC236}">
+                <a16:creationId xmlns:a16="http://schemas.microsoft.com/office/drawing/2014/main" id="{105E863D-4AAB-05A3-1654-32FFF2D19D99}"/>
+              </a:ext>
+            </a:extLst>
+          </p:cNvPr>
+          <p:cNvPicPr>
+            <a:picLocks noChangeAspect="1"/>
+          </p:cNvPicPr>
+          <p:nvPr/>
+        </p:nvPicPr>
+        <p:blipFill>
+          <a:blip r:embed="rId3">
+            <a:extLst>
+              <a:ext uri="{96DAC541-7B7A-43D3-8B79-37D633B846F1}">
+                <asvg:svgBlip xmlns:asvg="http://schemas.microsoft.com/office/drawing/2016/SVG/main" r:embed="rId4"/>
+              </a:ext>
+            </a:extLst>
+          </a:blip>
+          <a:stretch>
+            <a:fillRect/>
+          </a:stretch>
+        </p:blipFill>
+        <p:spPr>
+          <a:xfrm>
+            <a:off x="-437271" y="2089999"/>
+            <a:ext cx="3810000" cy="3810000"/>
+          </a:xfrm>
+          <a:prstGeom prst="rect">
+            <a:avLst/>
+          </a:prstGeom>
+        </p:spPr>
+      </p:pic>
+      <p:sp>
+        <p:nvSpPr>
+          <p:cNvPr id="3" name="TextBox 2">
+            <a:extLst>
+              <a:ext uri="{FF2B5EF4-FFF2-40B4-BE49-F238E27FC236}">
+                <a16:creationId xmlns:a16="http://schemas.microsoft.com/office/drawing/2014/main" id="{5E832127-681C-6854-4536-D70ABA336C7D}"/>
+              </a:ext>
+            </a:extLst>
+          </p:cNvPr>
+          <p:cNvSpPr txBox="1"/>
+          <p:nvPr/>
+        </p:nvSpPr>
+        <p:spPr>
+          <a:xfrm>
+            <a:off x="4958071" y="1544661"/>
+            <a:ext cx="6252481" cy="923330"/>
+          </a:xfrm>
+          <a:prstGeom prst="rect">
+            <a:avLst/>
+          </a:prstGeom>
+          <a:noFill/>
+        </p:spPr>
+        <p:txBody>
+          <a:bodyPr wrap="none" rtlCol="0">
+            <a:spAutoFit/>
+          </a:bodyPr>
+          <a:lstStyle/>
+          <a:p>
+            <a:pPr marL="0" indent="0">
+              <a:buNone/>
+            </a:pPr>
+            <a:r>
               <a:rPr lang="en-GB" dirty="0"/>
-              <a:t>TODO: Plot #5 Bar chart</a:t>
+              <a:t>TODO: Plot #4 Boxplot of loanword density by sentiment label</a:t>
             </a:r>
           </a:p>
           <a:p>
@@ -10899,8 +10560,671 @@
               <a:buNone/>
             </a:pPr>
             <a:r>
+              <a:rPr lang="en-GB" i="1" dirty="0"/>
+              <a:t>Does the use of English loanwords align with positive tone?</a:t>
+            </a:r>
+          </a:p>
+        </p:txBody>
+      </p:sp>
+    </p:spTree>
+    <p:extLst>
+      <p:ext uri="{BB962C8B-B14F-4D97-AF65-F5344CB8AC3E}">
+        <p14:creationId xmlns:p14="http://schemas.microsoft.com/office/powerpoint/2010/main" val="1493367940"/>
+      </p:ext>
+    </p:extLst>
+  </p:cSld>
+  <p:clrMapOvr>
+    <a:masterClrMapping/>
+  </p:clrMapOvr>
+</p:sld>
+</file>
+
+<file path=ppt/slides/slide8.xml><?xml version="1.0" encoding="utf-8"?>
+<p:sld xmlns:a="http://schemas.openxmlformats.org/drawingml/2006/main" xmlns:r="http://schemas.openxmlformats.org/officeDocument/2006/relationships" xmlns:p="http://schemas.openxmlformats.org/presentationml/2006/main">
+  <p:cSld>
+    <p:bg>
+      <p:bgPr>
+        <a:solidFill>
+          <a:srgbClr val="EEECE8"/>
+        </a:solidFill>
+        <a:effectLst/>
+      </p:bgPr>
+    </p:bg>
+    <p:spTree>
+      <p:nvGrpSpPr>
+        <p:cNvPr id="1" name="">
+          <a:extLst>
+            <a:ext uri="{FF2B5EF4-FFF2-40B4-BE49-F238E27FC236}">
+              <a16:creationId xmlns:a16="http://schemas.microsoft.com/office/drawing/2014/main" id="{F6F31E17-7CE8-F9D8-4B32-8A286014966E}"/>
+            </a:ext>
+          </a:extLst>
+        </p:cNvPr>
+        <p:cNvGrpSpPr/>
+        <p:nvPr/>
+      </p:nvGrpSpPr>
+      <p:grpSpPr>
+        <a:xfrm>
+          <a:off x="0" y="0"/>
+          <a:ext cx="0" cy="0"/>
+          <a:chOff x="0" y="0"/>
+          <a:chExt cx="0" cy="0"/>
+        </a:xfrm>
+      </p:grpSpPr>
+      <p:sp>
+        <p:nvSpPr>
+          <p:cNvPr id="2" name="Title 1">
+            <a:extLst>
+              <a:ext uri="{FF2B5EF4-FFF2-40B4-BE49-F238E27FC236}">
+                <a16:creationId xmlns:a16="http://schemas.microsoft.com/office/drawing/2014/main" id="{341294E7-9498-4E3E-0FCB-97870EB39563}"/>
+              </a:ext>
+            </a:extLst>
+          </p:cNvPr>
+          <p:cNvSpPr>
+            <a:spLocks noGrp="1"/>
+          </p:cNvSpPr>
+          <p:nvPr>
+            <p:ph type="title"/>
+          </p:nvPr>
+        </p:nvSpPr>
+        <p:spPr>
+          <a:xfrm>
+            <a:off x="352425" y="5615971"/>
+            <a:ext cx="10515600" cy="784830"/>
+          </a:xfrm>
+          <a:noFill/>
+          <a:ln w="50800">
+            <a:noFill/>
+          </a:ln>
+        </p:spPr>
+        <p:txBody>
+          <a:bodyPr bIns="0" anchor="b">
+            <a:spAutoFit/>
+          </a:bodyPr>
+          <a:lstStyle/>
+          <a:p>
+            <a:pPr>
+              <a:lnSpc>
+                <a:spcPct val="100000"/>
+              </a:lnSpc>
+            </a:pPr>
+            <a:r>
+              <a:rPr lang="en-GB" sz="4800" b="1" spc="-150" dirty="0">
+                <a:solidFill>
+                  <a:srgbClr val="D64025"/>
+                </a:solidFill>
+                <a:latin typeface="Hanken Grotesk" pitchFamily="2" charset="77"/>
+              </a:rPr>
+              <a:t>guess the word</a:t>
+            </a:r>
+          </a:p>
+        </p:txBody>
+      </p:sp>
+      <p:pic>
+        <p:nvPicPr>
+          <p:cNvPr id="5" name="Graphic 4">
+            <a:extLst>
+              <a:ext uri="{FF2B5EF4-FFF2-40B4-BE49-F238E27FC236}">
+                <a16:creationId xmlns:a16="http://schemas.microsoft.com/office/drawing/2014/main" id="{F0F28CE3-AF30-E9A5-A6A9-16113A522DEB}"/>
+              </a:ext>
+            </a:extLst>
+          </p:cNvPr>
+          <p:cNvPicPr>
+            <a:picLocks noChangeAspect="1"/>
+          </p:cNvPicPr>
+          <p:nvPr/>
+        </p:nvPicPr>
+        <p:blipFill>
+          <a:blip r:embed="rId3">
+            <a:extLst>
+              <a:ext uri="{96DAC541-7B7A-43D3-8B79-37D633B846F1}">
+                <asvg:svgBlip xmlns:asvg="http://schemas.microsoft.com/office/drawing/2016/SVG/main" r:embed="rId4"/>
+              </a:ext>
+            </a:extLst>
+          </a:blip>
+          <a:stretch>
+            <a:fillRect/>
+          </a:stretch>
+        </p:blipFill>
+        <p:spPr>
+          <a:xfrm>
+            <a:off x="-287936" y="2175302"/>
+            <a:ext cx="3810000" cy="3810000"/>
+          </a:xfrm>
+          <a:prstGeom prst="rect">
+            <a:avLst/>
+          </a:prstGeom>
+        </p:spPr>
+      </p:pic>
+      <p:sp>
+        <p:nvSpPr>
+          <p:cNvPr id="6" name="TextBox 5">
+            <a:extLst>
+              <a:ext uri="{FF2B5EF4-FFF2-40B4-BE49-F238E27FC236}">
+                <a16:creationId xmlns:a16="http://schemas.microsoft.com/office/drawing/2014/main" id="{264FECF1-1A5C-5FA1-AED9-F89FB6EEB494}"/>
+              </a:ext>
+            </a:extLst>
+          </p:cNvPr>
+          <p:cNvSpPr txBox="1"/>
+          <p:nvPr/>
+        </p:nvSpPr>
+        <p:spPr>
+          <a:xfrm>
+            <a:off x="4969636" y="587267"/>
+            <a:ext cx="3941144" cy="400110"/>
+          </a:xfrm>
+          <a:prstGeom prst="rect">
+            <a:avLst/>
+          </a:prstGeom>
+          <a:noFill/>
+        </p:spPr>
+        <p:txBody>
+          <a:bodyPr wrap="none" lIns="0" rtlCol="0">
+            <a:spAutoFit/>
+          </a:bodyPr>
+          <a:lstStyle/>
+          <a:p>
+            <a:r>
+              <a:rPr lang="en-GB" sz="2000" b="1" i="1" dirty="0">
+                <a:solidFill>
+                  <a:srgbClr val="262626"/>
+                </a:solidFill>
+                <a:latin typeface="Inter SemiBold" panose="02000503000000020004" pitchFamily="2" charset="0"/>
+                <a:ea typeface="Inter SemiBold" panose="02000503000000020004" pitchFamily="2" charset="0"/>
+              </a:rPr>
+              <a:t>FAMILY FORTUNES </a:t>
+            </a:r>
+            <a:r>
+              <a:rPr lang="en-GB" sz="2000" b="1" dirty="0">
+                <a:solidFill>
+                  <a:srgbClr val="262626"/>
+                </a:solidFill>
+                <a:latin typeface="Inter SemiBold" panose="02000503000000020004" pitchFamily="2" charset="0"/>
+                <a:ea typeface="Inter SemiBold" panose="02000503000000020004" pitchFamily="2" charset="0"/>
+              </a:rPr>
+              <a:t>MINI GAME</a:t>
+            </a:r>
+          </a:p>
+        </p:txBody>
+      </p:sp>
+      <p:sp>
+        <p:nvSpPr>
+          <p:cNvPr id="12" name="Rectangle 11">
+            <a:extLst>
+              <a:ext uri="{FF2B5EF4-FFF2-40B4-BE49-F238E27FC236}">
+                <a16:creationId xmlns:a16="http://schemas.microsoft.com/office/drawing/2014/main" id="{579E3AD5-67E5-8515-1A39-FE85094DBF6B}"/>
+              </a:ext>
+            </a:extLst>
+          </p:cNvPr>
+          <p:cNvSpPr/>
+          <p:nvPr/>
+        </p:nvSpPr>
+        <p:spPr>
+          <a:xfrm>
+            <a:off x="4969636" y="1181686"/>
+            <a:ext cx="6819090" cy="914400"/>
+          </a:xfrm>
+          <a:prstGeom prst="rect">
+            <a:avLst/>
+          </a:prstGeom>
+          <a:solidFill>
+            <a:srgbClr val="262626"/>
+          </a:solidFill>
+          <a:ln>
+            <a:noFill/>
+          </a:ln>
+        </p:spPr>
+        <p:style>
+          <a:lnRef idx="2">
+            <a:schemeClr val="accent1">
+              <a:shade val="15000"/>
+            </a:schemeClr>
+          </a:lnRef>
+          <a:fillRef idx="1">
+            <a:schemeClr val="accent1"/>
+          </a:fillRef>
+          <a:effectRef idx="0">
+            <a:schemeClr val="accent1"/>
+          </a:effectRef>
+          <a:fontRef idx="minor">
+            <a:schemeClr val="lt1"/>
+          </a:fontRef>
+        </p:style>
+        <p:txBody>
+          <a:bodyPr rtlCol="0" anchor="ctr"/>
+          <a:lstStyle/>
+          <a:p>
+            <a:pPr algn="ctr"/>
+            <a:r>
+              <a:rPr lang="en-GB" sz="2400" dirty="0"/>
+              <a:t>placeholder</a:t>
+            </a:r>
+          </a:p>
+        </p:txBody>
+      </p:sp>
+      <p:sp>
+        <p:nvSpPr>
+          <p:cNvPr id="3" name="Rectangle 2">
+            <a:extLst>
+              <a:ext uri="{FF2B5EF4-FFF2-40B4-BE49-F238E27FC236}">
+                <a16:creationId xmlns:a16="http://schemas.microsoft.com/office/drawing/2014/main" id="{56856A62-FD22-E1F6-2741-005ADD32C75E}"/>
+              </a:ext>
+            </a:extLst>
+          </p:cNvPr>
+          <p:cNvSpPr/>
+          <p:nvPr/>
+        </p:nvSpPr>
+        <p:spPr>
+          <a:xfrm>
+            <a:off x="4969636" y="2264899"/>
+            <a:ext cx="6819090" cy="914400"/>
+          </a:xfrm>
+          <a:prstGeom prst="rect">
+            <a:avLst/>
+          </a:prstGeom>
+          <a:solidFill>
+            <a:srgbClr val="262626"/>
+          </a:solidFill>
+          <a:ln>
+            <a:noFill/>
+          </a:ln>
+        </p:spPr>
+        <p:style>
+          <a:lnRef idx="2">
+            <a:schemeClr val="accent1">
+              <a:shade val="15000"/>
+            </a:schemeClr>
+          </a:lnRef>
+          <a:fillRef idx="1">
+            <a:schemeClr val="accent1"/>
+          </a:fillRef>
+          <a:effectRef idx="0">
+            <a:schemeClr val="accent1"/>
+          </a:effectRef>
+          <a:fontRef idx="minor">
+            <a:schemeClr val="lt1"/>
+          </a:fontRef>
+        </p:style>
+        <p:txBody>
+          <a:bodyPr rtlCol="0" anchor="ctr"/>
+          <a:lstStyle/>
+          <a:p>
+            <a:pPr algn="ctr"/>
+            <a:r>
+              <a:rPr lang="en-GB" sz="2400" dirty="0"/>
+              <a:t>placeholder</a:t>
+            </a:r>
+          </a:p>
+        </p:txBody>
+      </p:sp>
+      <p:sp>
+        <p:nvSpPr>
+          <p:cNvPr id="13" name="Rectangle 12">
+            <a:extLst>
+              <a:ext uri="{FF2B5EF4-FFF2-40B4-BE49-F238E27FC236}">
+                <a16:creationId xmlns:a16="http://schemas.microsoft.com/office/drawing/2014/main" id="{C7411B2C-B52C-C653-E00E-0ADF93859F2A}"/>
+              </a:ext>
+            </a:extLst>
+          </p:cNvPr>
+          <p:cNvSpPr/>
+          <p:nvPr/>
+        </p:nvSpPr>
+        <p:spPr>
+          <a:xfrm>
+            <a:off x="4969636" y="3334044"/>
+            <a:ext cx="6819090" cy="914400"/>
+          </a:xfrm>
+          <a:prstGeom prst="rect">
+            <a:avLst/>
+          </a:prstGeom>
+          <a:solidFill>
+            <a:srgbClr val="262626"/>
+          </a:solidFill>
+          <a:ln>
+            <a:noFill/>
+          </a:ln>
+        </p:spPr>
+        <p:style>
+          <a:lnRef idx="2">
+            <a:schemeClr val="accent1">
+              <a:shade val="15000"/>
+            </a:schemeClr>
+          </a:lnRef>
+          <a:fillRef idx="1">
+            <a:schemeClr val="accent1"/>
+          </a:fillRef>
+          <a:effectRef idx="0">
+            <a:schemeClr val="accent1"/>
+          </a:effectRef>
+          <a:fontRef idx="minor">
+            <a:schemeClr val="lt1"/>
+          </a:fontRef>
+        </p:style>
+        <p:txBody>
+          <a:bodyPr rtlCol="0" anchor="ctr"/>
+          <a:lstStyle/>
+          <a:p>
+            <a:pPr algn="ctr"/>
+            <a:r>
+              <a:rPr lang="en-GB" sz="2400" dirty="0"/>
+              <a:t>placeholder</a:t>
+            </a:r>
+          </a:p>
+        </p:txBody>
+      </p:sp>
+      <p:sp>
+        <p:nvSpPr>
+          <p:cNvPr id="14" name="Rectangle 13">
+            <a:extLst>
+              <a:ext uri="{FF2B5EF4-FFF2-40B4-BE49-F238E27FC236}">
+                <a16:creationId xmlns:a16="http://schemas.microsoft.com/office/drawing/2014/main" id="{68B1C59E-A7B3-1ED9-6945-09F4D2FB94CE}"/>
+              </a:ext>
+            </a:extLst>
+          </p:cNvPr>
+          <p:cNvSpPr/>
+          <p:nvPr/>
+        </p:nvSpPr>
+        <p:spPr>
+          <a:xfrm>
+            <a:off x="4969636" y="4431324"/>
+            <a:ext cx="6819090" cy="914400"/>
+          </a:xfrm>
+          <a:prstGeom prst="rect">
+            <a:avLst/>
+          </a:prstGeom>
+          <a:solidFill>
+            <a:srgbClr val="262626"/>
+          </a:solidFill>
+          <a:ln>
+            <a:noFill/>
+          </a:ln>
+        </p:spPr>
+        <p:style>
+          <a:lnRef idx="2">
+            <a:schemeClr val="accent1">
+              <a:shade val="15000"/>
+            </a:schemeClr>
+          </a:lnRef>
+          <a:fillRef idx="1">
+            <a:schemeClr val="accent1"/>
+          </a:fillRef>
+          <a:effectRef idx="0">
+            <a:schemeClr val="accent1"/>
+          </a:effectRef>
+          <a:fontRef idx="minor">
+            <a:schemeClr val="lt1"/>
+          </a:fontRef>
+        </p:style>
+        <p:txBody>
+          <a:bodyPr rtlCol="0" anchor="ctr"/>
+          <a:lstStyle/>
+          <a:p>
+            <a:pPr algn="ctr"/>
+            <a:r>
+              <a:rPr lang="en-GB" sz="2400" dirty="0"/>
+              <a:t>placeholder</a:t>
+            </a:r>
+          </a:p>
+        </p:txBody>
+      </p:sp>
+      <p:sp>
+        <p:nvSpPr>
+          <p:cNvPr id="15" name="Rectangle 14">
+            <a:extLst>
+              <a:ext uri="{FF2B5EF4-FFF2-40B4-BE49-F238E27FC236}">
+                <a16:creationId xmlns:a16="http://schemas.microsoft.com/office/drawing/2014/main" id="{C99D21C1-9180-AC23-4B9A-1DD84E57621B}"/>
+              </a:ext>
+            </a:extLst>
+          </p:cNvPr>
+          <p:cNvSpPr/>
+          <p:nvPr/>
+        </p:nvSpPr>
+        <p:spPr>
+          <a:xfrm>
+            <a:off x="4969636" y="5486401"/>
+            <a:ext cx="6819090" cy="914400"/>
+          </a:xfrm>
+          <a:prstGeom prst="rect">
+            <a:avLst/>
+          </a:prstGeom>
+          <a:solidFill>
+            <a:srgbClr val="262626"/>
+          </a:solidFill>
+          <a:ln>
+            <a:noFill/>
+          </a:ln>
+        </p:spPr>
+        <p:style>
+          <a:lnRef idx="2">
+            <a:schemeClr val="accent1">
+              <a:shade val="15000"/>
+            </a:schemeClr>
+          </a:lnRef>
+          <a:fillRef idx="1">
+            <a:schemeClr val="accent1"/>
+          </a:fillRef>
+          <a:effectRef idx="0">
+            <a:schemeClr val="accent1"/>
+          </a:effectRef>
+          <a:fontRef idx="minor">
+            <a:schemeClr val="lt1"/>
+          </a:fontRef>
+        </p:style>
+        <p:txBody>
+          <a:bodyPr rtlCol="0" anchor="ctr"/>
+          <a:lstStyle/>
+          <a:p>
+            <a:pPr algn="ctr"/>
+            <a:r>
+              <a:rPr lang="en-GB" sz="2400" dirty="0"/>
+              <a:t>placeholder</a:t>
+            </a:r>
+          </a:p>
+        </p:txBody>
+      </p:sp>
+    </p:spTree>
+    <p:extLst>
+      <p:ext uri="{BB962C8B-B14F-4D97-AF65-F5344CB8AC3E}">
+        <p14:creationId xmlns:p14="http://schemas.microsoft.com/office/powerpoint/2010/main" val="3803946757"/>
+      </p:ext>
+    </p:extLst>
+  </p:cSld>
+  <p:clrMapOvr>
+    <a:masterClrMapping/>
+  </p:clrMapOvr>
+</p:sld>
+</file>
+
+<file path=ppt/slides/slide9.xml><?xml version="1.0" encoding="utf-8"?>
+<p:sld xmlns:a="http://schemas.openxmlformats.org/drawingml/2006/main" xmlns:r="http://schemas.openxmlformats.org/officeDocument/2006/relationships" xmlns:p="http://schemas.openxmlformats.org/presentationml/2006/main">
+  <p:cSld>
+    <p:bg>
+      <p:bgPr>
+        <a:solidFill>
+          <a:srgbClr val="EEECE8"/>
+        </a:solidFill>
+        <a:effectLst/>
+      </p:bgPr>
+    </p:bg>
+    <p:spTree>
+      <p:nvGrpSpPr>
+        <p:cNvPr id="1" name="">
+          <a:extLst>
+            <a:ext uri="{FF2B5EF4-FFF2-40B4-BE49-F238E27FC236}">
+              <a16:creationId xmlns:a16="http://schemas.microsoft.com/office/drawing/2014/main" id="{93D31CF1-7A26-7423-A7AD-56177FFFD15B}"/>
+            </a:ext>
+          </a:extLst>
+        </p:cNvPr>
+        <p:cNvGrpSpPr/>
+        <p:nvPr/>
+      </p:nvGrpSpPr>
+      <p:grpSpPr>
+        <a:xfrm>
+          <a:off x="0" y="0"/>
+          <a:ext cx="0" cy="0"/>
+          <a:chOff x="0" y="0"/>
+          <a:chExt cx="0" cy="0"/>
+        </a:xfrm>
+      </p:grpSpPr>
+      <p:sp>
+        <p:nvSpPr>
+          <p:cNvPr id="2" name="Title 1">
+            <a:extLst>
+              <a:ext uri="{FF2B5EF4-FFF2-40B4-BE49-F238E27FC236}">
+                <a16:creationId xmlns:a16="http://schemas.microsoft.com/office/drawing/2014/main" id="{9E8FE4D1-0BC3-131E-28A4-4DCB146BA67B}"/>
+              </a:ext>
+            </a:extLst>
+          </p:cNvPr>
+          <p:cNvSpPr>
+            <a:spLocks noGrp="1"/>
+          </p:cNvSpPr>
+          <p:nvPr>
+            <p:ph type="title"/>
+          </p:nvPr>
+        </p:nvSpPr>
+        <p:spPr>
+          <a:xfrm>
+            <a:off x="352425" y="5615971"/>
+            <a:ext cx="10515600" cy="784830"/>
+          </a:xfrm>
+          <a:noFill/>
+          <a:ln w="50800">
+            <a:noFill/>
+          </a:ln>
+        </p:spPr>
+        <p:txBody>
+          <a:bodyPr bIns="0" anchor="b">
+            <a:spAutoFit/>
+          </a:bodyPr>
+          <a:lstStyle/>
+          <a:p>
+            <a:pPr>
+              <a:lnSpc>
+                <a:spcPct val="100000"/>
+              </a:lnSpc>
+            </a:pPr>
+            <a:r>
+              <a:rPr lang="en-GB" sz="4800" b="1" spc="-150" dirty="0">
+                <a:solidFill>
+                  <a:srgbClr val="D64025"/>
+                </a:solidFill>
+                <a:latin typeface="Hanken Grotesk" pitchFamily="2" charset="77"/>
+              </a:rPr>
+              <a:t>frequency</a:t>
+            </a:r>
+          </a:p>
+        </p:txBody>
+      </p:sp>
+      <p:sp>
+        <p:nvSpPr>
+          <p:cNvPr id="6" name="TextBox 5">
+            <a:extLst>
+              <a:ext uri="{FF2B5EF4-FFF2-40B4-BE49-F238E27FC236}">
+                <a16:creationId xmlns:a16="http://schemas.microsoft.com/office/drawing/2014/main" id="{CD8C2532-8DEA-9382-DC99-73836EC58F6D}"/>
+              </a:ext>
+            </a:extLst>
+          </p:cNvPr>
+          <p:cNvSpPr txBox="1"/>
+          <p:nvPr/>
+        </p:nvSpPr>
+        <p:spPr>
+          <a:xfrm>
+            <a:off x="4958071" y="836414"/>
+            <a:ext cx="4620817" cy="400110"/>
+          </a:xfrm>
+          <a:prstGeom prst="rect">
+            <a:avLst/>
+          </a:prstGeom>
+          <a:noFill/>
+        </p:spPr>
+        <p:txBody>
+          <a:bodyPr wrap="none" lIns="0" rtlCol="0">
+            <a:spAutoFit/>
+          </a:bodyPr>
+          <a:lstStyle/>
+          <a:p>
+            <a:r>
+              <a:rPr lang="en-GB" sz="2000" b="1" dirty="0">
+                <a:solidFill>
+                  <a:srgbClr val="262626"/>
+                </a:solidFill>
+                <a:latin typeface="Inter SemiBold" panose="02000503000000020004" pitchFamily="2" charset="0"/>
+                <a:ea typeface="Inter SemiBold" panose="02000503000000020004" pitchFamily="2" charset="0"/>
+              </a:rPr>
+              <a:t>TOP LOANWORDS AND FREQUENCY</a:t>
+            </a:r>
+          </a:p>
+        </p:txBody>
+      </p:sp>
+      <p:pic>
+        <p:nvPicPr>
+          <p:cNvPr id="13" name="Graphic 12">
+            <a:extLst>
+              <a:ext uri="{FF2B5EF4-FFF2-40B4-BE49-F238E27FC236}">
+                <a16:creationId xmlns:a16="http://schemas.microsoft.com/office/drawing/2014/main" id="{AD86AD44-BA68-B184-EF6C-586F057853A6}"/>
+              </a:ext>
+            </a:extLst>
+          </p:cNvPr>
+          <p:cNvPicPr>
+            <a:picLocks noChangeAspect="1"/>
+          </p:cNvPicPr>
+          <p:nvPr/>
+        </p:nvPicPr>
+        <p:blipFill>
+          <a:blip r:embed="rId3">
+            <a:extLst>
+              <a:ext uri="{96DAC541-7B7A-43D3-8B79-37D633B846F1}">
+                <asvg:svgBlip xmlns:asvg="http://schemas.microsoft.com/office/drawing/2016/SVG/main" r:embed="rId4"/>
+              </a:ext>
+            </a:extLst>
+          </a:blip>
+          <a:stretch>
+            <a:fillRect/>
+          </a:stretch>
+        </p:blipFill>
+        <p:spPr>
+          <a:xfrm>
+            <a:off x="-437271" y="2089999"/>
+            <a:ext cx="3810000" cy="3810000"/>
+          </a:xfrm>
+          <a:prstGeom prst="rect">
+            <a:avLst/>
+          </a:prstGeom>
+        </p:spPr>
+      </p:pic>
+      <p:sp>
+        <p:nvSpPr>
+          <p:cNvPr id="3" name="TextBox 2">
+            <a:extLst>
+              <a:ext uri="{FF2B5EF4-FFF2-40B4-BE49-F238E27FC236}">
+                <a16:creationId xmlns:a16="http://schemas.microsoft.com/office/drawing/2014/main" id="{E0095DAB-3A92-B515-5BFD-DC82870A55A5}"/>
+              </a:ext>
+            </a:extLst>
+          </p:cNvPr>
+          <p:cNvSpPr txBox="1"/>
+          <p:nvPr/>
+        </p:nvSpPr>
+        <p:spPr>
+          <a:xfrm>
+            <a:off x="4958071" y="1544661"/>
+            <a:ext cx="4913461" cy="923330"/>
+          </a:xfrm>
+          <a:prstGeom prst="rect">
+            <a:avLst/>
+          </a:prstGeom>
+          <a:noFill/>
+        </p:spPr>
+        <p:txBody>
+          <a:bodyPr wrap="none" rtlCol="0">
+            <a:spAutoFit/>
+          </a:bodyPr>
+          <a:lstStyle/>
+          <a:p>
+            <a:pPr marL="0" indent="0">
+              <a:buNone/>
+            </a:pPr>
+            <a:r>
               <a:rPr lang="en-GB" dirty="0"/>
-              <a:t>What are the most common English loanwords?</a:t>
+              <a:t>TODO: Plot #5 Bar chart</a:t>
             </a:r>
           </a:p>
           <a:p>
@@ -10909,12 +11233,21 @@
             </a:pPr>
             <a:endParaRPr lang="en-GB" dirty="0"/>
           </a:p>
+          <a:p>
+            <a:pPr marL="0" indent="0">
+              <a:buNone/>
+            </a:pPr>
+            <a:r>
+              <a:rPr lang="en-GB" dirty="0"/>
+              <a:t>What are the most common English loanwords?</a:t>
+            </a:r>
+          </a:p>
         </p:txBody>
       </p:sp>
     </p:spTree>
     <p:extLst>
       <p:ext uri="{BB962C8B-B14F-4D97-AF65-F5344CB8AC3E}">
-        <p14:creationId xmlns:p14="http://schemas.microsoft.com/office/powerpoint/2010/main" val="1414495489"/>
+        <p14:creationId xmlns:p14="http://schemas.microsoft.com/office/powerpoint/2010/main" val="3621941013"/>
       </p:ext>
     </p:extLst>
   </p:cSld>

--- a/DA_Final_Presentation.pptx
+++ b/DA_Final_Presentation.pptx
@@ -5,22 +5,21 @@
     <p:sldMasterId id="2147483648" r:id="rId1"/>
   </p:sldMasterIdLst>
   <p:notesMasterIdLst>
-    <p:notesMasterId r:id="rId15"/>
+    <p:notesMasterId r:id="rId14"/>
   </p:notesMasterIdLst>
   <p:sldIdLst>
     <p:sldId id="256" r:id="rId2"/>
     <p:sldId id="257" r:id="rId3"/>
     <p:sldId id="272" r:id="rId4"/>
     <p:sldId id="273" r:id="rId5"/>
-    <p:sldId id="274" r:id="rId6"/>
-    <p:sldId id="275" r:id="rId7"/>
+    <p:sldId id="280" r:id="rId6"/>
+    <p:sldId id="274" r:id="rId7"/>
     <p:sldId id="276" r:id="rId8"/>
-    <p:sldId id="277" r:id="rId9"/>
+    <p:sldId id="279" r:id="rId9"/>
     <p:sldId id="278" r:id="rId10"/>
-    <p:sldId id="271" r:id="rId11"/>
-    <p:sldId id="268" r:id="rId12"/>
-    <p:sldId id="265" r:id="rId13"/>
-    <p:sldId id="270" r:id="rId14"/>
+    <p:sldId id="275" r:id="rId11"/>
+    <p:sldId id="271" r:id="rId12"/>
+    <p:sldId id="277" r:id="rId13"/>
   </p:sldIdLst>
   <p:sldSz cx="12192000" cy="6858000"/>
   <p:notesSz cx="6858000" cy="9144000"/>
@@ -121,7 +120,18 @@
   </p:defaultTextStyle>
   <p:extLst>
     <p:ext uri="{EFAFB233-063F-42B5-8137-9DF3F51BA10A}">
-      <p15:sldGuideLst xmlns:p15="http://schemas.microsoft.com/office/powerpoint/2012/main"/>
+      <p15:sldGuideLst xmlns:p15="http://schemas.microsoft.com/office/powerpoint/2012/main">
+        <p15:guide id="1" orient="horz" pos="799" userDrawn="1">
+          <p15:clr>
+            <a:srgbClr val="A4A3A4"/>
+          </p15:clr>
+        </p15:guide>
+        <p15:guide id="2" pos="2366" userDrawn="1">
+          <p15:clr>
+            <a:srgbClr val="A4A3A4"/>
+          </p15:clr>
+        </p15:guide>
+      </p15:sldGuideLst>
     </p:ext>
     <p:ext uri="{2D200454-40CA-4A62-9FC3-DE9A4176ACB9}">
       <p15:notesGuideLst xmlns:p15="http://schemas.microsoft.com/office/powerpoint/2012/main"/>
@@ -525,6 +535,84 @@
           <a:p>
             <a:r>
               <a:rPr lang="en-GB" dirty="0"/>
+              <a:t>Hi everyone, I’m Sirinya and today I want to take you on a personal and linguistic journey. </a:t>
+            </a:r>
+          </a:p>
+          <a:p>
+            <a:endParaRPr lang="en-GB" dirty="0"/>
+          </a:p>
+          <a:p>
+            <a:r>
+              <a:rPr lang="en-GB" dirty="0"/>
+              <a:t>As someone learning standard German while working in tech (?) I’ve started noticing some fascinating overlaps.</a:t>
+            </a:r>
+          </a:p>
+          <a:p>
+            <a:endParaRPr lang="en-GB" dirty="0"/>
+          </a:p>
+          <a:p>
+            <a:r>
+              <a:rPr lang="en-GB" dirty="0"/>
+              <a:t>For instance, in interviews, I often hear people say “APIs” instead of ”</a:t>
+            </a:r>
+            <a:r>
+              <a:rPr lang="en-GB" dirty="0" err="1"/>
+              <a:t>Schnittstelle</a:t>
+            </a:r>
+            <a:r>
+              <a:rPr lang="en-GB" dirty="0"/>
+              <a:t>” or use “</a:t>
+            </a:r>
+            <a:r>
+              <a:rPr lang="en-GB" dirty="0" err="1"/>
+              <a:t>downloaden</a:t>
+            </a:r>
+            <a:r>
+              <a:rPr lang="en-GB" dirty="0"/>
+              <a:t>” rather than “</a:t>
+            </a:r>
+            <a:r>
+              <a:rPr lang="en-GB" dirty="0" err="1"/>
+              <a:t>herunterladen</a:t>
+            </a:r>
+            <a:r>
+              <a:rPr lang="en-GB" dirty="0"/>
+              <a:t>”.</a:t>
+            </a:r>
+          </a:p>
+          <a:p>
+            <a:endParaRPr lang="en-GB" dirty="0"/>
+          </a:p>
+          <a:p>
+            <a:r>
+              <a:rPr lang="en-GB" dirty="0"/>
+              <a:t>That got me to wondering – how common is this in the media? How much English is creating into German? Is this a glitch – or is this part of a bigger trend?</a:t>
+            </a:r>
+          </a:p>
+          <a:p>
+            <a:endParaRPr lang="en-GB" dirty="0"/>
+          </a:p>
+          <a:p>
+            <a:r>
+              <a:rPr lang="en-GB" dirty="0"/>
+              <a:t>And what does it say about identify, aspiration and global influence in language?</a:t>
+            </a:r>
+          </a:p>
+          <a:p>
+            <a:endParaRPr lang="en-GB" dirty="0"/>
+          </a:p>
+          <a:p>
+            <a:r>
+              <a:rPr lang="en-GB" dirty="0"/>
+              <a:t>(1 min)</a:t>
+            </a:r>
+          </a:p>
+          <a:p>
+            <a:endParaRPr lang="en-GB" dirty="0"/>
+          </a:p>
+          <a:p>
+            <a:r>
+              <a:rPr lang="en-GB" dirty="0"/>
               <a:t>Today I’ll be sharing a data-driven exploration of how English has influenced the German language, specifically through what often termed as </a:t>
             </a:r>
             <a:r>
@@ -561,10 +649,115 @@
             </a:r>
           </a:p>
           <a:p>
+            <a:pPr marL="171450" indent="-171450">
+              <a:buFontTx/>
+              <a:buChar char="-"/>
+            </a:pPr>
             <a:r>
               <a:rPr lang="en-GB" dirty="0"/>
-              <a:t>- What this tells us about culture, tone and identity in the media</a:t>
-            </a:r>
+              <a:t>What this tells us about culture, tone and identity in the media</a:t>
+            </a:r>
+          </a:p>
+          <a:p>
+            <a:pPr marL="171450" indent="-171450">
+              <a:buFontTx/>
+              <a:buChar char="-"/>
+            </a:pPr>
+            <a:endParaRPr lang="en-GB" dirty="0"/>
+          </a:p>
+          <a:p>
+            <a:pPr marL="171450" indent="-171450">
+              <a:buFontTx/>
+              <a:buChar char="-"/>
+            </a:pPr>
+            <a:endParaRPr lang="en-GB" dirty="0"/>
+          </a:p>
+          <a:p>
+            <a:pPr>
+              <a:buNone/>
+            </a:pPr>
+            <a:r>
+              <a:rPr lang="en-GB" dirty="0"/>
+              <a:t>100k+ German articles (a massive dataset)</a:t>
+            </a:r>
+          </a:p>
+          <a:p>
+            <a:pPr>
+              <a:buNone/>
+            </a:pPr>
+            <a:r>
+              <a:rPr lang="en-GB" dirty="0"/>
+              <a:t>Custom loanword detection (</a:t>
+            </a:r>
+            <a:r>
+              <a:rPr lang="en-GB" dirty="0" err="1"/>
+              <a:t>spaCy</a:t>
+            </a:r>
+            <a:r>
+              <a:rPr lang="en-GB" dirty="0"/>
+              <a:t>, regex, </a:t>
+            </a:r>
+            <a:r>
+              <a:rPr lang="en-GB" dirty="0" err="1"/>
+              <a:t>langdetect</a:t>
+            </a:r>
+            <a:r>
+              <a:rPr lang="en-GB" dirty="0"/>
+              <a:t>)</a:t>
+            </a:r>
+          </a:p>
+          <a:p>
+            <a:pPr>
+              <a:buNone/>
+            </a:pPr>
+            <a:r>
+              <a:rPr lang="en-GB" dirty="0"/>
+              <a:t>Sentiment analysis (using BERT)</a:t>
+            </a:r>
+          </a:p>
+          <a:p>
+            <a:pPr>
+              <a:buNone/>
+            </a:pPr>
+            <a:r>
+              <a:rPr lang="en-CH" dirty="0"/>
+              <a:t>Y</a:t>
+            </a:r>
+            <a:r>
+              <a:rPr lang="en-GB" dirty="0"/>
+              <a:t>early trends, domain insights, and correlations</a:t>
+            </a:r>
+          </a:p>
+          <a:p>
+            <a:pPr>
+              <a:buNone/>
+            </a:pPr>
+            <a:r>
+              <a:rPr lang="en-GB" dirty="0"/>
+              <a:t>Filtering, cleaning, and text analysis pipelines</a:t>
+            </a:r>
+          </a:p>
+          <a:p>
+            <a:pPr>
+              <a:buNone/>
+            </a:pPr>
+            <a:r>
+              <a:rPr lang="en-GB" dirty="0"/>
+              <a:t>Top word lists and interactivity (e.g., Family Fortunes slide!)</a:t>
+            </a:r>
+          </a:p>
+          <a:p>
+            <a:r>
+              <a:rPr lang="en-GB" dirty="0"/>
+              <a:t>Confidence intervals + statistical framing</a:t>
+            </a:r>
+          </a:p>
+          <a:p>
+            <a:pPr marL="171450" indent="-171450">
+              <a:buFontTx/>
+              <a:buChar char="-"/>
+            </a:pPr>
+            <a:endParaRPr lang="en-GB" dirty="0"/>
           </a:p>
         </p:txBody>
       </p:sp>
@@ -609,7 +802,13 @@
   <p:cSld>
     <p:spTree>
       <p:nvGrpSpPr>
-        <p:cNvPr id="1" name=""/>
+        <p:cNvPr id="1" name="">
+          <a:extLst>
+            <a:ext uri="{FF2B5EF4-FFF2-40B4-BE49-F238E27FC236}">
+              <a16:creationId xmlns:a16="http://schemas.microsoft.com/office/drawing/2014/main" id="{7ABA1102-52DB-C800-CAF5-4B84130CC30D}"/>
+            </a:ext>
+          </a:extLst>
+        </p:cNvPr>
         <p:cNvGrpSpPr/>
         <p:nvPr/>
       </p:nvGrpSpPr>
@@ -623,7 +822,13 @@
       </p:grpSpPr>
       <p:sp>
         <p:nvSpPr>
-          <p:cNvPr id="2" name="Slide Image Placeholder 1"/>
+          <p:cNvPr id="2" name="Slide Image Placeholder 1">
+            <a:extLst>
+              <a:ext uri="{FF2B5EF4-FFF2-40B4-BE49-F238E27FC236}">
+                <a16:creationId xmlns:a16="http://schemas.microsoft.com/office/drawing/2014/main" id="{F855FDAC-D429-E073-C390-9D8B3C05277F}"/>
+              </a:ext>
+            </a:extLst>
+          </p:cNvPr>
           <p:cNvSpPr>
             <a:spLocks noGrp="1" noRot="1" noChangeAspect="1"/>
           </p:cNvSpPr>
@@ -635,7 +840,13 @@
       </p:sp>
       <p:sp>
         <p:nvSpPr>
-          <p:cNvPr id="3" name="Notes Placeholder 2"/>
+          <p:cNvPr id="3" name="Notes Placeholder 2">
+            <a:extLst>
+              <a:ext uri="{FF2B5EF4-FFF2-40B4-BE49-F238E27FC236}">
+                <a16:creationId xmlns:a16="http://schemas.microsoft.com/office/drawing/2014/main" id="{6AF3BD1C-F950-62C0-B52E-1E57A70DA95F}"/>
+              </a:ext>
+            </a:extLst>
+          </p:cNvPr>
           <p:cNvSpPr>
             <a:spLocks noGrp="1"/>
           </p:cNvSpPr>
@@ -648,106 +859,19 @@
           <a:bodyPr/>
           <a:lstStyle/>
           <a:p>
-            <a:r>
-              <a:rPr lang="en-GB" dirty="0"/>
-              <a:t>To wrap up:</a:t>
-            </a:r>
-          </a:p>
-          <a:p>
-            <a:endParaRPr lang="en-GB" dirty="0"/>
-          </a:p>
-          <a:p>
-            <a:r>
-              <a:rPr lang="en-GB" dirty="0"/>
-              <a:t>English loanwords are rising in German news – especially in tech, business, and positive-tone content. </a:t>
-            </a:r>
-          </a:p>
-          <a:p>
-            <a:endParaRPr lang="en-GB" dirty="0"/>
-          </a:p>
-          <a:p>
-            <a:r>
-              <a:rPr lang="en-GB" dirty="0"/>
-              <a:t>This suggests a shift not just in language but in identity and branding.</a:t>
-            </a:r>
-          </a:p>
-          <a:p>
-            <a:endParaRPr lang="en-GB" dirty="0"/>
-          </a:p>
-          <a:p>
-            <a:r>
-              <a:rPr lang="en-GB" dirty="0"/>
-              <a:t>I used both quantitative and qualitative methods to show how deep this goes.</a:t>
-            </a:r>
-          </a:p>
-          <a:p>
-            <a:endParaRPr lang="en-GB" dirty="0"/>
-          </a:p>
-          <a:p>
-            <a:r>
-              <a:rPr lang="en-GB" dirty="0"/>
-              <a:t>Importantly we used statistical tools like the 95% confidence internal to ensure our findings.</a:t>
-            </a:r>
-          </a:p>
-          <a:p>
-            <a:endParaRPr lang="en-GB" dirty="0"/>
-          </a:p>
-          <a:p>
-            <a:r>
-              <a:rPr lang="en-GB" dirty="0"/>
-              <a:t>Like the growth in loanword density – are robust and meaningful not just random.</a:t>
-            </a:r>
-          </a:p>
-          <a:p>
-            <a:endParaRPr lang="en-GB" dirty="0"/>
-          </a:p>
-          <a:p>
-            <a:r>
-              <a:rPr lang="en-GB" dirty="0"/>
-              <a:t>In the future, adding more sites and modelling adoption trends could deepen even further</a:t>
-            </a:r>
-          </a:p>
-          <a:p>
-            <a:endParaRPr lang="en-GB" dirty="0"/>
-          </a:p>
-          <a:p>
-            <a:r>
-              <a:rPr lang="en-GB" dirty="0"/>
-              <a:t>Next steps:</a:t>
-            </a:r>
-          </a:p>
-          <a:p>
-            <a:endParaRPr lang="en-GB" dirty="0"/>
-          </a:p>
-          <a:p>
-            <a:r>
-              <a:rPr lang="en-GB" dirty="0"/>
-              <a:t>Add more sources (e.g. Reddit, tech blogs, news).</a:t>
-            </a:r>
-          </a:p>
-          <a:p>
-            <a:endParaRPr lang="en-GB" dirty="0"/>
-          </a:p>
-          <a:p>
-            <a:r>
-              <a:rPr lang="en-GB" dirty="0"/>
-              <a:t>Model prediction: can we forecast loanword adoption?</a:t>
-            </a:r>
-          </a:p>
-          <a:p>
-            <a:endParaRPr lang="en-GB" dirty="0"/>
-          </a:p>
-          <a:p>
-            <a:r>
-              <a:rPr lang="en-GB" dirty="0"/>
-              <a:t>Thank you</a:t>
-            </a:r>
+            <a:endParaRPr lang="en-GB" sz="3200" dirty="0"/>
           </a:p>
         </p:txBody>
       </p:sp>
       <p:sp>
         <p:nvSpPr>
-          <p:cNvPr id="4" name="Slide Number Placeholder 3"/>
+          <p:cNvPr id="4" name="Slide Number Placeholder 3">
+            <a:extLst>
+              <a:ext uri="{FF2B5EF4-FFF2-40B4-BE49-F238E27FC236}">
+                <a16:creationId xmlns:a16="http://schemas.microsoft.com/office/drawing/2014/main" id="{BAD0AB66-D5C9-18C4-89DA-707F8C10D25B}"/>
+              </a:ext>
+            </a:extLst>
+          </p:cNvPr>
           <p:cNvSpPr>
             <a:spLocks noGrp="1"/>
           </p:cNvSpPr>
@@ -771,7 +895,7 @@
     </p:spTree>
     <p:extLst>
       <p:ext uri="{BB962C8B-B14F-4D97-AF65-F5344CB8AC3E}">
-        <p14:creationId xmlns:p14="http://schemas.microsoft.com/office/powerpoint/2010/main" val="62052570"/>
+        <p14:creationId xmlns:p14="http://schemas.microsoft.com/office/powerpoint/2010/main" val="986264182"/>
       </p:ext>
     </p:extLst>
   </p:cSld>
@@ -827,7 +951,7 @@
           <a:p>
             <a:r>
               <a:rPr lang="en-GB" dirty="0"/>
-              <a:t>Here, I compared average loanword density by article domain. </a:t>
+              <a:t>To wrap up:</a:t>
             </a:r>
           </a:p>
           <a:p>
@@ -836,7 +960,7 @@
           <a:p>
             <a:r>
               <a:rPr lang="en-GB" dirty="0"/>
-              <a:t>As expected, Business and Tech articles used more English than Politics or Lifestyle.</a:t>
+              <a:t>English loanwords are rising in German news – especially in tech, business, and positive-tone content. </a:t>
             </a:r>
           </a:p>
           <a:p>
@@ -845,7 +969,7 @@
           <a:p>
             <a:r>
               <a:rPr lang="en-GB" dirty="0"/>
-              <a:t>This aligns with global branding and tech influence.</a:t>
+              <a:t>This suggests a shift not just in language but in identity and branding.</a:t>
             </a:r>
           </a:p>
           <a:p>
@@ -854,7 +978,7 @@
           <a:p>
             <a:r>
               <a:rPr lang="en-GB" dirty="0"/>
-              <a:t>And helps show where English is embedded in the content most.</a:t>
+              <a:t>I used both quantitative and qualitative methods to show how deep this goes.</a:t>
             </a:r>
           </a:p>
           <a:p>
@@ -863,14 +987,71 @@
           <a:p>
             <a:r>
               <a:rPr lang="en-GB" dirty="0"/>
-              <a:t>Insight: Business articles show consistently higher loanword usage compared to other topic areas.</a:t>
+              <a:t>Importantly we used statistical tools like the 95% confidence internal to ensure our findings.</a:t>
             </a:r>
           </a:p>
           <a:p>
             <a:endParaRPr lang="en-GB" dirty="0"/>
           </a:p>
           <a:p>
+            <a:r>
+              <a:rPr lang="en-GB" dirty="0"/>
+              <a:t>Like the growth in loanword density – are robust and meaningful not just random.</a:t>
+            </a:r>
+          </a:p>
+          <a:p>
             <a:endParaRPr lang="en-GB" dirty="0"/>
+          </a:p>
+          <a:p>
+            <a:r>
+              <a:rPr lang="en-GB" dirty="0"/>
+              <a:t>In the future, adding more sites and modelling adoption trends could deepen even further</a:t>
+            </a:r>
+          </a:p>
+          <a:p>
+            <a:endParaRPr lang="en-GB" dirty="0"/>
+          </a:p>
+          <a:p>
+            <a:r>
+              <a:rPr lang="en-GB" dirty="0"/>
+              <a:t>As a learner, this has helped me see how language evolves – and how English and German aren’t rivals but collaborators</a:t>
+            </a:r>
+          </a:p>
+          <a:p>
+            <a:endParaRPr lang="en-GB" dirty="0"/>
+          </a:p>
+          <a:p>
+            <a:r>
+              <a:rPr lang="en-GB" dirty="0"/>
+              <a:t>Next steps:</a:t>
+            </a:r>
+          </a:p>
+          <a:p>
+            <a:endParaRPr lang="en-GB" dirty="0"/>
+          </a:p>
+          <a:p>
+            <a:r>
+              <a:rPr lang="en-GB" dirty="0"/>
+              <a:t>Add more sources (e.g. Reddit, tech blogs, news).</a:t>
+            </a:r>
+          </a:p>
+          <a:p>
+            <a:endParaRPr lang="en-GB" dirty="0"/>
+          </a:p>
+          <a:p>
+            <a:r>
+              <a:rPr lang="en-GB" dirty="0"/>
+              <a:t>Model prediction: can we forecast loanword adoption?</a:t>
+            </a:r>
+          </a:p>
+          <a:p>
+            <a:endParaRPr lang="en-GB" dirty="0"/>
+          </a:p>
+          <a:p>
+            <a:r>
+              <a:rPr lang="en-GB" dirty="0"/>
+              <a:t>Thank you</a:t>
+            </a:r>
           </a:p>
         </p:txBody>
       </p:sp>
@@ -900,7 +1081,7 @@
     </p:spTree>
     <p:extLst>
       <p:ext uri="{BB962C8B-B14F-4D97-AF65-F5344CB8AC3E}">
-        <p14:creationId xmlns:p14="http://schemas.microsoft.com/office/powerpoint/2010/main" val="3909109280"/>
+        <p14:creationId xmlns:p14="http://schemas.microsoft.com/office/powerpoint/2010/main" val="62052570"/>
       </p:ext>
     </p:extLst>
   </p:cSld>
@@ -915,7 +1096,13 @@
   <p:cSld>
     <p:spTree>
       <p:nvGrpSpPr>
-        <p:cNvPr id="1" name=""/>
+        <p:cNvPr id="1" name="">
+          <a:extLst>
+            <a:ext uri="{FF2B5EF4-FFF2-40B4-BE49-F238E27FC236}">
+              <a16:creationId xmlns:a16="http://schemas.microsoft.com/office/drawing/2014/main" id="{3527F2D1-AD52-6072-F8B3-47BB9146C5FE}"/>
+            </a:ext>
+          </a:extLst>
+        </p:cNvPr>
         <p:cNvGrpSpPr/>
         <p:nvPr/>
       </p:nvGrpSpPr>
@@ -929,7 +1116,13 @@
       </p:grpSpPr>
       <p:sp>
         <p:nvSpPr>
-          <p:cNvPr id="2" name="Slide Image Placeholder 1"/>
+          <p:cNvPr id="2" name="Slide Image Placeholder 1">
+            <a:extLst>
+              <a:ext uri="{FF2B5EF4-FFF2-40B4-BE49-F238E27FC236}">
+                <a16:creationId xmlns:a16="http://schemas.microsoft.com/office/drawing/2014/main" id="{20F8C00A-BB76-FAE5-CB01-E46E9E3BB45B}"/>
+              </a:ext>
+            </a:extLst>
+          </p:cNvPr>
           <p:cNvSpPr>
             <a:spLocks noGrp="1" noRot="1" noChangeAspect="1"/>
           </p:cNvSpPr>
@@ -941,7 +1134,13 @@
       </p:sp>
       <p:sp>
         <p:nvSpPr>
-          <p:cNvPr id="3" name="Notes Placeholder 2"/>
+          <p:cNvPr id="3" name="Notes Placeholder 2">
+            <a:extLst>
+              <a:ext uri="{FF2B5EF4-FFF2-40B4-BE49-F238E27FC236}">
+                <a16:creationId xmlns:a16="http://schemas.microsoft.com/office/drawing/2014/main" id="{31764FFF-8843-043F-B1E5-B3BE4A601C77}"/>
+              </a:ext>
+            </a:extLst>
+          </p:cNvPr>
           <p:cNvSpPr>
             <a:spLocks noGrp="1"/>
           </p:cNvSpPr>
@@ -959,15 +1158,7 @@
             </a:pPr>
             <a:r>
               <a:rPr lang="en-GB" b="0" dirty="0"/>
-              <a:t>I also asked an LLM to label tone and explain </a:t>
-            </a:r>
-            <a:r>
-              <a:rPr lang="en-GB" b="0" dirty="0" err="1"/>
-              <a:t>whiy</a:t>
-            </a:r>
-            <a:r>
-              <a:rPr lang="en-GB" b="0" dirty="0"/>
-              <a:t> English is used. </a:t>
+              <a:t>Before I show you the top 10 words from the data. Lets have a quick game. </a:t>
             </a:r>
           </a:p>
           <a:p>
@@ -982,7 +1173,7 @@
             </a:pPr>
             <a:r>
               <a:rPr lang="en-GB" b="0" dirty="0"/>
-              <a:t>Many words like “Startup” or “Smartphone” reflect aspiration, modernity or trendiness.</a:t>
+              <a:t>Can you guess the top 5 most common English words in German articles?</a:t>
             </a:r>
           </a:p>
           <a:p>
@@ -997,7 +1188,7 @@
             </a:pPr>
             <a:r>
               <a:rPr lang="en-GB" b="0" dirty="0"/>
-              <a:t>Most articles were formal in tone – which reinforces the idea that English adds perceived authority or professionalism.</a:t>
+              <a:t>Let’s play a quick game of Family Fortunes. Based on the articles scraped from Business Insider, what do you think were the top 5 most common English loanwords?</a:t>
             </a:r>
           </a:p>
           <a:p>
@@ -1012,7 +1203,7 @@
             </a:pPr>
             <a:r>
               <a:rPr lang="en-GB" b="1" dirty="0"/>
-              <a:t>Slide 8: Qualitative Insights (LLM)</a:t>
+              <a:t>Slide 7: Audience Round – Guess the Top 5</a:t>
             </a:r>
           </a:p>
           <a:p>
@@ -1021,7 +1212,21 @@
             </a:pPr>
             <a:r>
               <a:rPr lang="en-GB" b="1" dirty="0"/>
-              <a:t>But Why Are These Words Used?</a:t>
+              <a:t>Interactive Moment: What Are the Most Common English Words?</a:t>
+            </a:r>
+            <a:endParaRPr lang="en-GB" dirty="0"/>
+          </a:p>
+          <a:p>
+            <a:pPr>
+              <a:buNone/>
+            </a:pPr>
+            <a:r>
+              <a:rPr lang="en-CH" dirty="0"/>
+              <a:t>🧠 </a:t>
+            </a:r>
+            <a:r>
+              <a:rPr lang="en-GB" i="1" dirty="0"/>
+              <a:t>Mini Game: 'Family Fortunes' Style</a:t>
             </a:r>
             <a:endParaRPr lang="en-GB" dirty="0"/>
           </a:p>
@@ -1032,7 +1237,50 @@
             </a:pPr>
             <a:r>
               <a:rPr lang="en-GB" dirty="0"/>
-              <a:t>LLM response: English signals modernity, tech-savviness, and trendiness.</a:t>
+              <a:t>Invite the audience to guess the top 5 most frequent English loanwords in the dataset</a:t>
+            </a:r>
+          </a:p>
+          <a:p>
+            <a:pPr>
+              <a:buNone/>
+            </a:pPr>
+            <a:r>
+              <a:rPr lang="en-CH" dirty="0"/>
+              <a:t>🖼️ </a:t>
+            </a:r>
+            <a:r>
+              <a:rPr lang="en-GB" dirty="0"/>
+              <a:t>Visual Game Board:</a:t>
+            </a:r>
+          </a:p>
+          <a:p>
+            <a:pPr>
+              <a:buNone/>
+            </a:pPr>
+            <a:r>
+              <a:rPr lang="en-GB" dirty="0"/>
+              <a:t>1. __________ 2. __________ 3. __________ 4. __________ 5. __________</a:t>
+            </a:r>
+            <a:r>
+              <a:rPr lang="en-CH" dirty="0"/>
+              <a:t>🎙️ </a:t>
+            </a:r>
+            <a:r>
+              <a:rPr lang="en-GB" dirty="0"/>
+              <a:t>Prompt: “Let’s play a quick game! Based on 30,000+ German articles scraped from Business Insider, what do you think were the top 5 most common English loanwords?”</a:t>
+            </a:r>
+          </a:p>
+          <a:p>
+            <a:pPr>
+              <a:buNone/>
+            </a:pPr>
+            <a:r>
+              <a:rPr lang="en-CH" dirty="0"/>
+              <a:t>📣 </a:t>
+            </a:r>
+            <a:r>
+              <a:rPr lang="en-GB" dirty="0"/>
+              <a:t>As they guess:</a:t>
             </a:r>
           </a:p>
           <a:p>
@@ -1042,7 +1290,7 @@
             </a:pPr>
             <a:r>
               <a:rPr lang="en-GB" dirty="0"/>
-              <a:t>Example: "Performance", "Startup", "Smartphone" used for aspirational tone</a:t>
+              <a:t>Fill in correct answers one by one</a:t>
             </a:r>
           </a:p>
           <a:p>
@@ -1052,17 +1300,30 @@
             </a:pPr>
             <a:r>
               <a:rPr lang="en-GB" dirty="0"/>
-              <a:t>Tone classification: ~80% formal, 20% informal in sample</a:t>
-            </a:r>
-          </a:p>
-          <a:p>
-            <a:r>
-              <a:rPr lang="en-GB" i="1" dirty="0"/>
-              <a:t>Extra</a:t>
+              <a:t>Reveal the full list</a:t>
+            </a:r>
+          </a:p>
+          <a:p>
+            <a:pPr>
+              <a:buNone/>
+            </a:pPr>
+            <a:r>
+              <a:rPr lang="en-CH" dirty="0"/>
+              <a:t>📊 </a:t>
             </a:r>
             <a:r>
               <a:rPr lang="en-GB" dirty="0"/>
-              <a:t>: LLM also generated summaries + contextual reasoning for loanword use.</a:t>
+              <a:t>Then transition to: A bar chart of actual top 10 loanwords (frequency-based)</a:t>
+            </a:r>
+          </a:p>
+          <a:p>
+            <a:r>
+              <a:rPr lang="en-CH" dirty="0"/>
+              <a:t>🎯 </a:t>
+            </a:r>
+            <a:r>
+              <a:rPr lang="en-GB" dirty="0"/>
+              <a:t>This interactive moment will build energy and make your findings more memorable.</a:t>
             </a:r>
           </a:p>
           <a:p>
@@ -1072,7 +1333,13 @@
       </p:sp>
       <p:sp>
         <p:nvSpPr>
-          <p:cNvPr id="4" name="Slide Number Placeholder 3"/>
+          <p:cNvPr id="4" name="Slide Number Placeholder 3">
+            <a:extLst>
+              <a:ext uri="{FF2B5EF4-FFF2-40B4-BE49-F238E27FC236}">
+                <a16:creationId xmlns:a16="http://schemas.microsoft.com/office/drawing/2014/main" id="{3CE720EA-3B95-5B29-CF4C-799571206A0C}"/>
+              </a:ext>
+            </a:extLst>
+          </p:cNvPr>
           <p:cNvSpPr>
             <a:spLocks noGrp="1"/>
           </p:cNvSpPr>
@@ -1096,130 +1363,7 @@
     </p:spTree>
     <p:extLst>
       <p:ext uri="{BB962C8B-B14F-4D97-AF65-F5344CB8AC3E}">
-        <p14:creationId xmlns:p14="http://schemas.microsoft.com/office/powerpoint/2010/main" val="3113088859"/>
-      </p:ext>
-    </p:extLst>
-  </p:cSld>
-  <p:clrMapOvr>
-    <a:masterClrMapping/>
-  </p:clrMapOvr>
-</p:notes>
-</file>
-
-<file path=ppt/notesSlides/notesSlide13.xml><?xml version="1.0" encoding="utf-8"?>
-<p:notes xmlns:a="http://schemas.openxmlformats.org/drawingml/2006/main" xmlns:r="http://schemas.openxmlformats.org/officeDocument/2006/relationships" xmlns:p="http://schemas.openxmlformats.org/presentationml/2006/main">
-  <p:cSld>
-    <p:spTree>
-      <p:nvGrpSpPr>
-        <p:cNvPr id="1" name=""/>
-        <p:cNvGrpSpPr/>
-        <p:nvPr/>
-      </p:nvGrpSpPr>
-      <p:grpSpPr>
-        <a:xfrm>
-          <a:off x="0" y="0"/>
-          <a:ext cx="0" cy="0"/>
-          <a:chOff x="0" y="0"/>
-          <a:chExt cx="0" cy="0"/>
-        </a:xfrm>
-      </p:grpSpPr>
-      <p:sp>
-        <p:nvSpPr>
-          <p:cNvPr id="2" name="Slide Image Placeholder 1"/>
-          <p:cNvSpPr>
-            <a:spLocks noGrp="1" noRot="1" noChangeAspect="1"/>
-          </p:cNvSpPr>
-          <p:nvPr>
-            <p:ph type="sldImg"/>
-          </p:nvPr>
-        </p:nvSpPr>
-        <p:spPr/>
-      </p:sp>
-      <p:sp>
-        <p:nvSpPr>
-          <p:cNvPr id="3" name="Notes Placeholder 2"/>
-          <p:cNvSpPr>
-            <a:spLocks noGrp="1"/>
-          </p:cNvSpPr>
-          <p:nvPr>
-            <p:ph type="body" idx="1"/>
-          </p:nvPr>
-        </p:nvSpPr>
-        <p:spPr/>
-        <p:txBody>
-          <a:bodyPr/>
-          <a:lstStyle/>
-          <a:p>
-            <a:r>
-              <a:rPr lang="en-GB" dirty="0"/>
-              <a:t>This brings us to a bolder idea – maybe English isn’t just accidental.</a:t>
-            </a:r>
-          </a:p>
-          <a:p>
-            <a:endParaRPr lang="en-GB" dirty="0"/>
-          </a:p>
-          <a:p>
-            <a:r>
-              <a:rPr lang="en-GB" dirty="0"/>
-              <a:t>Maybe it’s used deliberately as a branding tool.</a:t>
-            </a:r>
-          </a:p>
-          <a:p>
-            <a:endParaRPr lang="en-GB" dirty="0"/>
-          </a:p>
-          <a:p>
-            <a:r>
-              <a:rPr lang="en-GB" dirty="0"/>
-              <a:t>My data supports this: English words appear more in formal, business-focused and positive content.</a:t>
-            </a:r>
-          </a:p>
-          <a:p>
-            <a:endParaRPr lang="en-GB" dirty="0"/>
-          </a:p>
-          <a:p>
-            <a:r>
-              <a:rPr lang="en-GB" dirty="0"/>
-              <a:t>It’s not random – it’s strategic.</a:t>
-            </a:r>
-          </a:p>
-          <a:p>
-            <a:endParaRPr lang="en-GB" dirty="0"/>
-          </a:p>
-          <a:p>
-            <a:r>
-              <a:rPr lang="en-GB" dirty="0"/>
-              <a:t>Interpretation: English words aren’t just filler – they’re signals of professionalism, ambition and global alignment.</a:t>
-            </a:r>
-          </a:p>
-        </p:txBody>
-      </p:sp>
-      <p:sp>
-        <p:nvSpPr>
-          <p:cNvPr id="4" name="Slide Number Placeholder 3"/>
-          <p:cNvSpPr>
-            <a:spLocks noGrp="1"/>
-          </p:cNvSpPr>
-          <p:nvPr>
-            <p:ph type="sldNum" sz="quarter" idx="5"/>
-          </p:nvPr>
-        </p:nvSpPr>
-        <p:spPr/>
-        <p:txBody>
-          <a:bodyPr/>
-          <a:lstStyle/>
-          <a:p>
-            <a:fld id="{606917B7-F4B5-AB46-80C1-BC4475229642}" type="slidenum">
-              <a:rPr lang="en-GB" smtClean="0"/>
-              <a:t>13</a:t>
-            </a:fld>
-            <a:endParaRPr lang="en-GB"/>
-          </a:p>
-        </p:txBody>
-      </p:sp>
-    </p:spTree>
-    <p:extLst>
-      <p:ext uri="{BB962C8B-B14F-4D97-AF65-F5344CB8AC3E}">
-        <p14:creationId xmlns:p14="http://schemas.microsoft.com/office/powerpoint/2010/main" val="3073255599"/>
+        <p14:creationId xmlns:p14="http://schemas.microsoft.com/office/powerpoint/2010/main" val="3649055021"/>
       </p:ext>
     </p:extLst>
   </p:cSld>
@@ -1272,6 +1416,403 @@
         <p:txBody>
           <a:bodyPr/>
           <a:lstStyle/>
+          <a:p>
+            <a:pPr marL="0" indent="0">
+              <a:buNone/>
+            </a:pPr>
+            <a:r>
+              <a:rPr lang="en-GB" sz="1200" dirty="0">
+                <a:solidFill>
+                  <a:srgbClr val="142273"/>
+                </a:solidFill>
+                <a:latin typeface="Mulish" pitchFamily="2" charset="77"/>
+              </a:rPr>
+              <a:t>A loanword is a word borrowed from one language and used in another, often unchanged, like in English we have Zeitgeist (spirit of the time/culture mood), Doppelgänger (lookalike).</a:t>
+            </a:r>
+          </a:p>
+          <a:p>
+            <a:pPr marL="0" indent="0">
+              <a:buNone/>
+            </a:pPr>
+            <a:endParaRPr lang="en-GB" sz="1200" dirty="0">
+              <a:solidFill>
+                <a:srgbClr val="142273"/>
+              </a:solidFill>
+              <a:latin typeface="Mulish" pitchFamily="2" charset="77"/>
+            </a:endParaRPr>
+          </a:p>
+          <a:p>
+            <a:pPr marL="0" indent="0">
+              <a:buNone/>
+            </a:pPr>
+            <a:r>
+              <a:rPr lang="en-GB" sz="1200" dirty="0" err="1">
+                <a:solidFill>
+                  <a:srgbClr val="142273"/>
+                </a:solidFill>
+                <a:latin typeface="Mulish" pitchFamily="2" charset="77"/>
+              </a:rPr>
+              <a:t>Denglisch</a:t>
+            </a:r>
+            <a:r>
+              <a:rPr lang="en-GB" sz="1200" dirty="0">
+                <a:solidFill>
+                  <a:srgbClr val="142273"/>
+                </a:solidFill>
+                <a:latin typeface="Mulish" pitchFamily="2" charset="77"/>
+              </a:rPr>
+              <a:t> is what happens when German absorbs English words.</a:t>
+            </a:r>
+          </a:p>
+          <a:p>
+            <a:pPr marL="0" indent="0">
+              <a:buNone/>
+            </a:pPr>
+            <a:endParaRPr lang="en-GB" sz="1200" dirty="0">
+              <a:solidFill>
+                <a:srgbClr val="142273"/>
+              </a:solidFill>
+              <a:latin typeface="Mulish" pitchFamily="2" charset="77"/>
+            </a:endParaRPr>
+          </a:p>
+          <a:p>
+            <a:pPr marL="0" indent="0">
+              <a:buNone/>
+            </a:pPr>
+            <a:r>
+              <a:rPr lang="en-GB" sz="1200" dirty="0">
+                <a:solidFill>
+                  <a:srgbClr val="142273"/>
+                </a:solidFill>
+                <a:latin typeface="Mulish" pitchFamily="2" charset="77"/>
+              </a:rPr>
+              <a:t>These aren’t just technical questions – they reflect real-life experiences. </a:t>
+            </a:r>
+          </a:p>
+          <a:p>
+            <a:pPr marL="0" indent="0">
+              <a:buNone/>
+            </a:pPr>
+            <a:endParaRPr lang="en-GB" sz="1200" dirty="0">
+              <a:solidFill>
+                <a:srgbClr val="142273"/>
+              </a:solidFill>
+              <a:latin typeface="Mulish" pitchFamily="2" charset="77"/>
+            </a:endParaRPr>
+          </a:p>
+          <a:p>
+            <a:pPr marL="0" indent="0">
+              <a:buNone/>
+            </a:pPr>
+            <a:r>
+              <a:rPr lang="en-GB" sz="1200" dirty="0">
+                <a:solidFill>
+                  <a:srgbClr val="142273"/>
+                </a:solidFill>
+                <a:latin typeface="Mulish" pitchFamily="2" charset="77"/>
+              </a:rPr>
+              <a:t>These questions helped me investigate a hunch: That English might be used not just randomly, but strategically. </a:t>
+            </a:r>
+          </a:p>
+          <a:p>
+            <a:pPr marL="0" indent="0">
+              <a:buNone/>
+            </a:pPr>
+            <a:endParaRPr lang="en-GB" sz="1200" dirty="0">
+              <a:solidFill>
+                <a:srgbClr val="142273"/>
+              </a:solidFill>
+              <a:latin typeface="Mulish" pitchFamily="2" charset="77"/>
+            </a:endParaRPr>
+          </a:p>
+          <a:p>
+            <a:pPr marL="0" indent="0">
+              <a:buNone/>
+            </a:pPr>
+            <a:r>
+              <a:rPr lang="en-GB" sz="1200" dirty="0">
+                <a:solidFill>
+                  <a:srgbClr val="142273"/>
+                </a:solidFill>
+                <a:latin typeface="Mulish" pitchFamily="2" charset="77"/>
+              </a:rPr>
+              <a:t>Especially when media wants to sound “modern”, “global”, or “successful”.</a:t>
+            </a:r>
+          </a:p>
+          <a:p>
+            <a:pPr marL="0" indent="0">
+              <a:buNone/>
+            </a:pPr>
+            <a:endParaRPr lang="en-GB" sz="1200" dirty="0">
+              <a:solidFill>
+                <a:srgbClr val="142273"/>
+              </a:solidFill>
+              <a:latin typeface="Mulish" pitchFamily="2" charset="77"/>
+            </a:endParaRPr>
+          </a:p>
+          <a:p>
+            <a:pPr marL="0" indent="0">
+              <a:buNone/>
+            </a:pPr>
+            <a:r>
+              <a:rPr lang="en-GB" sz="1200" dirty="0">
+                <a:solidFill>
+                  <a:srgbClr val="142273"/>
+                </a:solidFill>
+                <a:latin typeface="Mulish" pitchFamily="2" charset="77"/>
+              </a:rPr>
+              <a:t>Is English seen as more modern or aspirational?</a:t>
+            </a:r>
+          </a:p>
+          <a:p>
+            <a:pPr marL="0" indent="0">
+              <a:buNone/>
+            </a:pPr>
+            <a:endParaRPr lang="en-GB" sz="1200" dirty="0">
+              <a:solidFill>
+                <a:srgbClr val="142273"/>
+              </a:solidFill>
+              <a:latin typeface="Mulish" pitchFamily="2" charset="77"/>
+            </a:endParaRPr>
+          </a:p>
+          <a:p>
+            <a:pPr marL="0" indent="0">
+              <a:buNone/>
+            </a:pPr>
+            <a:r>
+              <a:rPr lang="en-GB" sz="1200" dirty="0">
+                <a:solidFill>
+                  <a:srgbClr val="142273"/>
+                </a:solidFill>
+                <a:latin typeface="Mulish" pitchFamily="2" charset="77"/>
+              </a:rPr>
+              <a:t>Why use “Startup” over “</a:t>
+            </a:r>
+            <a:r>
+              <a:rPr lang="en-GB" sz="1200" dirty="0" err="1">
+                <a:solidFill>
+                  <a:srgbClr val="142273"/>
+                </a:solidFill>
+                <a:latin typeface="Mulish" pitchFamily="2" charset="77"/>
+              </a:rPr>
+              <a:t>Jungunternehmen</a:t>
+            </a:r>
+            <a:r>
+              <a:rPr lang="en-GB" sz="1200" dirty="0">
+                <a:solidFill>
+                  <a:srgbClr val="142273"/>
+                </a:solidFill>
+                <a:latin typeface="Mulish" pitchFamily="2" charset="77"/>
+              </a:rPr>
+              <a:t>”?</a:t>
+            </a:r>
+          </a:p>
+          <a:p>
+            <a:pPr marL="0" indent="0">
+              <a:buNone/>
+            </a:pPr>
+            <a:endParaRPr lang="en-GB" sz="1200" dirty="0">
+              <a:solidFill>
+                <a:srgbClr val="142273"/>
+              </a:solidFill>
+              <a:latin typeface="Mulish" pitchFamily="2" charset="77"/>
+            </a:endParaRPr>
+          </a:p>
+          <a:p>
+            <a:pPr marL="0" indent="0">
+              <a:buNone/>
+            </a:pPr>
+            <a:r>
+              <a:rPr lang="en-GB" sz="1200" dirty="0">
+                <a:solidFill>
+                  <a:srgbClr val="142273"/>
+                </a:solidFill>
+                <a:latin typeface="Mulish" pitchFamily="2" charset="77"/>
+              </a:rPr>
+              <a:t>That’s what we’re here to unpack.</a:t>
+            </a:r>
+          </a:p>
+          <a:p>
+            <a:endParaRPr lang="en-GB" sz="1200" dirty="0">
+              <a:solidFill>
+                <a:srgbClr val="142273"/>
+              </a:solidFill>
+              <a:latin typeface="Mulish" pitchFamily="2" charset="77"/>
+            </a:endParaRPr>
+          </a:p>
+          <a:p>
+            <a:r>
+              <a:rPr lang="en-GB" sz="1200" dirty="0">
+                <a:solidFill>
+                  <a:srgbClr val="142273"/>
+                </a:solidFill>
+                <a:latin typeface="Mulish" pitchFamily="2" charset="77"/>
+              </a:rPr>
+              <a:t>(45 secs)</a:t>
+            </a:r>
+          </a:p>
+          <a:p>
+            <a:endParaRPr lang="en-GB" sz="1200" dirty="0">
+              <a:solidFill>
+                <a:srgbClr val="142273"/>
+              </a:solidFill>
+              <a:latin typeface="Mulish" pitchFamily="2" charset="77"/>
+            </a:endParaRPr>
+          </a:p>
+          <a:p>
+            <a:endParaRPr lang="en-GB" sz="1200" dirty="0">
+              <a:solidFill>
+                <a:srgbClr val="142273"/>
+              </a:solidFill>
+              <a:latin typeface="Mulish" pitchFamily="2" charset="77"/>
+            </a:endParaRPr>
+          </a:p>
+          <a:p>
+            <a:r>
+              <a:rPr lang="en-GB" sz="1200" dirty="0">
+                <a:solidFill>
+                  <a:srgbClr val="142273"/>
+                </a:solidFill>
+                <a:latin typeface="Mulish" pitchFamily="2" charset="77"/>
+              </a:rPr>
+              <a:t>I explored two key questions:</a:t>
+            </a:r>
+          </a:p>
+          <a:p>
+            <a:endParaRPr lang="en-GB" sz="1200" dirty="0">
+              <a:solidFill>
+                <a:srgbClr val="142273"/>
+              </a:solidFill>
+              <a:latin typeface="Mulish" pitchFamily="2" charset="77"/>
+            </a:endParaRPr>
+          </a:p>
+          <a:p>
+            <a:pPr marL="228600" indent="-228600">
+              <a:buAutoNum type="arabicPeriod"/>
+            </a:pPr>
+            <a:r>
+              <a:rPr lang="en-GB" sz="1200" dirty="0">
+                <a:solidFill>
+                  <a:srgbClr val="142273"/>
+                </a:solidFill>
+                <a:latin typeface="Mulish" pitchFamily="2" charset="77"/>
+              </a:rPr>
+              <a:t>Has English loanword usage in German increased over time?</a:t>
+            </a:r>
+          </a:p>
+          <a:p>
+            <a:pPr marL="228600" indent="-228600">
+              <a:buAutoNum type="arabicPeriod"/>
+            </a:pPr>
+            <a:r>
+              <a:rPr lang="en-GB" sz="1200" dirty="0">
+                <a:solidFill>
+                  <a:srgbClr val="142273"/>
+                </a:solidFill>
+                <a:latin typeface="Mulish" pitchFamily="2" charset="77"/>
+              </a:rPr>
+              <a:t>Is there a relationship between sentiment and the presence of English loanwords?</a:t>
+            </a:r>
+          </a:p>
+          <a:p>
+            <a:pPr marL="228600" indent="-228600">
+              <a:buAutoNum type="arabicPeriod"/>
+            </a:pPr>
+            <a:endParaRPr lang="en-GB" sz="1200" dirty="0">
+              <a:solidFill>
+                <a:srgbClr val="142273"/>
+              </a:solidFill>
+              <a:latin typeface="Mulish" pitchFamily="2" charset="77"/>
+            </a:endParaRPr>
+          </a:p>
+          <a:p>
+            <a:pPr marL="0" indent="0">
+              <a:buNone/>
+            </a:pPr>
+            <a:endParaRPr lang="en-GB" sz="1200" dirty="0">
+              <a:solidFill>
+                <a:srgbClr val="142273"/>
+              </a:solidFill>
+              <a:latin typeface="Mulish" pitchFamily="2" charset="77"/>
+            </a:endParaRPr>
+          </a:p>
+          <a:p>
+            <a:pPr marL="0" indent="0">
+              <a:buNone/>
+            </a:pPr>
+            <a:r>
+              <a:rPr lang="en-GB" sz="1200" dirty="0">
+                <a:solidFill>
+                  <a:srgbClr val="142273"/>
+                </a:solidFill>
+                <a:latin typeface="Mulish" pitchFamily="2" charset="77"/>
+              </a:rPr>
+              <a:t>Thesis:</a:t>
+            </a:r>
+            <a:br>
+              <a:rPr lang="en-GB" sz="1200" dirty="0">
+                <a:solidFill>
+                  <a:srgbClr val="142273"/>
+                </a:solidFill>
+                <a:latin typeface="Mulish" pitchFamily="2" charset="77"/>
+              </a:rPr>
+            </a:br>
+            <a:br>
+              <a:rPr lang="en-GB" sz="1200" dirty="0">
+                <a:solidFill>
+                  <a:srgbClr val="142273"/>
+                </a:solidFill>
+                <a:latin typeface="Mulish" pitchFamily="2" charset="77"/>
+              </a:rPr>
+            </a:br>
+            <a:r>
+              <a:rPr lang="en-GB" sz="1200" dirty="0">
+                <a:solidFill>
+                  <a:srgbClr val="142273"/>
+                </a:solidFill>
+                <a:latin typeface="Mulish" pitchFamily="2" charset="77"/>
+              </a:rPr>
+              <a:t>English usage in German media is rising and seems to be tied to aspiration, branding and professionalism.</a:t>
+            </a:r>
+          </a:p>
+          <a:p>
+            <a:pPr marL="0" indent="0">
+              <a:buNone/>
+            </a:pPr>
+            <a:endParaRPr lang="en-GB" sz="1200" dirty="0">
+              <a:solidFill>
+                <a:srgbClr val="142273"/>
+              </a:solidFill>
+              <a:latin typeface="Mulish" pitchFamily="2" charset="77"/>
+            </a:endParaRPr>
+          </a:p>
+          <a:p>
+            <a:pPr marL="0" indent="0">
+              <a:buNone/>
+            </a:pPr>
+            <a:endParaRPr lang="en-GB" sz="1200" dirty="0">
+              <a:solidFill>
+                <a:srgbClr val="142273"/>
+              </a:solidFill>
+              <a:latin typeface="Mulish" pitchFamily="2" charset="77"/>
+            </a:endParaRPr>
+          </a:p>
+          <a:p>
+            <a:endParaRPr lang="en-GB" sz="1200" dirty="0">
+              <a:solidFill>
+                <a:srgbClr val="142273"/>
+              </a:solidFill>
+              <a:latin typeface="Mulish" pitchFamily="2" charset="77"/>
+            </a:endParaRPr>
+          </a:p>
+          <a:p>
+            <a:endParaRPr lang="en-GB" sz="1200" dirty="0">
+              <a:solidFill>
+                <a:srgbClr val="142273"/>
+              </a:solidFill>
+              <a:latin typeface="Mulish" pitchFamily="2" charset="77"/>
+            </a:endParaRPr>
+          </a:p>
           <a:p>
             <a:r>
               <a:rPr lang="en-GB" sz="1200" dirty="0">
@@ -1505,7 +2046,7 @@
                 </a:solidFill>
                 <a:latin typeface="Mulish" pitchFamily="2" charset="77"/>
               </a:rPr>
-              <a:t>I used one primary source, Business Insider Germany.</a:t>
+              <a:t>I picked Business Insider German because its tone is modern, tech-forward and aspirational.</a:t>
             </a:r>
           </a:p>
           <a:p>
@@ -1524,7 +2065,25 @@
                 </a:solidFill>
                 <a:latin typeface="Mulish" pitchFamily="2" charset="77"/>
               </a:rPr>
-              <a:t>I created a pipeline to detect English loanwords inside German articles.</a:t>
+              <a:t>It’s a great case study because it targets business readers, tech-</a:t>
+            </a:r>
+            <a:r>
+              <a:rPr lang="en-GB" sz="1200" dirty="0" err="1">
+                <a:solidFill>
+                  <a:srgbClr val="142273"/>
+                </a:solidFill>
+                <a:latin typeface="Mulish" pitchFamily="2" charset="77"/>
+              </a:rPr>
+              <a:t>savy</a:t>
+            </a:r>
+            <a:r>
+              <a:rPr lang="en-GB" sz="1200" dirty="0">
+                <a:solidFill>
+                  <a:srgbClr val="142273"/>
+                </a:solidFill>
+                <a:latin typeface="Mulish" pitchFamily="2" charset="77"/>
+              </a:rPr>
+              <a:t> users and aspirational professionals, exactly where we might expect English to sneak in.</a:t>
             </a:r>
           </a:p>
           <a:p>
@@ -1543,7 +2102,7 @@
                 </a:solidFill>
                 <a:latin typeface="Mulish" pitchFamily="2" charset="77"/>
               </a:rPr>
-              <a:t>I also calculated statistics like word count and density.</a:t>
+              <a:t>The pipeline let me filter for true linguistic mixing – not just noise like “footer” or “cookie”.</a:t>
             </a:r>
           </a:p>
           <a:p>
@@ -1562,7 +2121,26 @@
                 </a:solidFill>
                 <a:latin typeface="Mulish" pitchFamily="2" charset="77"/>
               </a:rPr>
-              <a:t>And ran sentiment models on each article.</a:t>
+              <a:t>The result: a structured dataset with tone, year and English word density per article.</a:t>
+            </a:r>
+          </a:p>
+          <a:p>
+            <a:endParaRPr lang="en-GB" sz="1200" dirty="0">
+              <a:solidFill>
+                <a:srgbClr val="142273"/>
+              </a:solidFill>
+              <a:latin typeface="Mulish" pitchFamily="2" charset="77"/>
+            </a:endParaRPr>
+          </a:p>
+          <a:p>
+            <a:r>
+              <a:rPr lang="en-GB" sz="1200" dirty="0">
+                <a:solidFill>
+                  <a:srgbClr val="142273"/>
+                </a:solidFill>
+                <a:latin typeface="Mulish" pitchFamily="2" charset="77"/>
+              </a:rPr>
+              <a:t>(1 min)</a:t>
             </a:r>
             <a:endParaRPr lang="en-GB" dirty="0"/>
           </a:p>
@@ -1673,113 +2251,178 @@
           <a:lstStyle/>
           <a:p>
             <a:r>
-              <a:rPr lang="en-GB" sz="3200" b="1" dirty="0">
+              <a:rPr lang="en-GB" sz="3200" b="0" dirty="0">
                 <a:latin typeface="Space Mono" panose="02010509030202000204" pitchFamily="49" charset="77"/>
               </a:rPr>
-              <a:t>Key Finding # 1: Loanword usage has increased since 2015 / Usage is increasing</a:t>
-            </a:r>
-          </a:p>
-          <a:p>
-            <a:endParaRPr lang="en-GB" dirty="0"/>
-          </a:p>
-          <a:p>
-            <a:r>
-              <a:rPr lang="en-GB" dirty="0"/>
-              <a:t>The first chart shows the average loanword density over time, from 2016 to 2024. </a:t>
-            </a:r>
-          </a:p>
-          <a:p>
-            <a:endParaRPr lang="en-GB" dirty="0"/>
-          </a:p>
-          <a:p>
-            <a:r>
-              <a:rPr lang="en-GB" dirty="0"/>
-              <a:t>As you can see, there’s a noticeable increase, particularly over 2020.</a:t>
-            </a:r>
-          </a:p>
-          <a:p>
-            <a:endParaRPr lang="en-GB" dirty="0"/>
-          </a:p>
-          <a:p>
-            <a:r>
-              <a:rPr lang="en-GB" dirty="0"/>
-              <a:t>This supports the idea that </a:t>
-            </a:r>
-            <a:r>
-              <a:rPr lang="en-GB" dirty="0" err="1"/>
+              <a:t>We see a fascinating decline in the density of English loanwords starting in 2011. It drops sharply through 2016, then flattens. This may reflect changing editorial values, shifting cultural tone, or even the impact of world events. From 2020 onward, English words seem to stabilize in usage – possible signalling that these words are no longer “foreign” but part of the everyday vocabulary in German business reporting.</a:t>
+            </a:r>
+          </a:p>
+          <a:p>
+            <a:endParaRPr lang="en-GB" sz="3200" b="0" dirty="0">
+              <a:latin typeface="Space Mono" panose="02010509030202000204" pitchFamily="49" charset="77"/>
+            </a:endParaRPr>
+          </a:p>
+          <a:p>
+            <a:r>
+              <a:rPr lang="en-GB" sz="3200" b="0" dirty="0">
+                <a:latin typeface="Space Mono" panose="02010509030202000204" pitchFamily="49" charset="77"/>
+              </a:rPr>
+              <a:t>This chart shows how English density changed over time. </a:t>
+            </a:r>
+          </a:p>
+          <a:p>
+            <a:endParaRPr lang="en-GB" sz="3200" b="0" dirty="0">
+              <a:latin typeface="Space Mono" panose="02010509030202000204" pitchFamily="49" charset="77"/>
+            </a:endParaRPr>
+          </a:p>
+          <a:p>
+            <a:r>
+              <a:rPr lang="en-GB" sz="3200" b="0" dirty="0">
+                <a:latin typeface="Space Mono" panose="02010509030202000204" pitchFamily="49" charset="77"/>
+              </a:rPr>
+              <a:t>Since 2015 we see a steady trend – a 10% increase in the average use of English words per article.</a:t>
+            </a:r>
+          </a:p>
+          <a:p>
+            <a:endParaRPr lang="en-GB" sz="3200" b="0" dirty="0">
+              <a:latin typeface="Space Mono" panose="02010509030202000204" pitchFamily="49" charset="77"/>
+            </a:endParaRPr>
+          </a:p>
+          <a:p>
+            <a:r>
+              <a:rPr lang="en-GB" sz="3200" b="0" dirty="0">
+                <a:latin typeface="Space Mono" panose="02010509030202000204" pitchFamily="49" charset="77"/>
+              </a:rPr>
+              <a:t>(45 secs)</a:t>
+            </a:r>
+          </a:p>
+          <a:p>
+            <a:endParaRPr lang="en-GB" sz="3200" b="0" dirty="0">
+              <a:latin typeface="Space Mono" panose="02010509030202000204" pitchFamily="49" charset="77"/>
+            </a:endParaRPr>
+          </a:p>
+          <a:p>
+            <a:endParaRPr lang="en-GB" sz="3200" b="0" dirty="0">
+              <a:latin typeface="Space Mono" panose="02010509030202000204" pitchFamily="49" charset="77"/>
+            </a:endParaRPr>
+          </a:p>
+          <a:p>
+            <a:endParaRPr lang="en-GB" sz="3200" b="0" dirty="0">
+              <a:latin typeface="Space Mono" panose="02010509030202000204" pitchFamily="49" charset="77"/>
+            </a:endParaRPr>
+          </a:p>
+          <a:p>
+            <a:r>
+              <a:rPr lang="en-GB" sz="3200" b="0" dirty="0">
+                <a:latin typeface="Space Mono" panose="02010509030202000204" pitchFamily="49" charset="77"/>
+              </a:rPr>
+              <a:t>Possible interpretations:</a:t>
+            </a:r>
+          </a:p>
+          <a:p>
+            <a:endParaRPr lang="en-GB" sz="3200" b="0" dirty="0">
+              <a:latin typeface="Space Mono" panose="02010509030202000204" pitchFamily="49" charset="77"/>
+            </a:endParaRPr>
+          </a:p>
+          <a:p>
+            <a:r>
+              <a:rPr lang="en-GB" sz="3200" b="0" dirty="0">
+                <a:latin typeface="Space Mono" panose="02010509030202000204" pitchFamily="49" charset="77"/>
+              </a:rPr>
+              <a:t>Cultural Shifts:</a:t>
+            </a:r>
+          </a:p>
+          <a:p>
+            <a:endParaRPr lang="en-GB" sz="3200" b="0" dirty="0">
+              <a:latin typeface="Space Mono" panose="02010509030202000204" pitchFamily="49" charset="77"/>
+            </a:endParaRPr>
+          </a:p>
+          <a:p>
+            <a:r>
+              <a:rPr lang="en-GB" sz="3200" b="0" dirty="0">
+                <a:latin typeface="Space Mono" panose="02010509030202000204" pitchFamily="49" charset="77"/>
+              </a:rPr>
+              <a:t>Initial drop 2011 - 2016 may reflect a broader effort in journalism or politics to preserve linguistic identity – or react against the saturation of </a:t>
+            </a:r>
+            <a:r>
+              <a:rPr lang="en-GB" sz="3200" b="0" dirty="0" err="1">
+                <a:latin typeface="Space Mono" panose="02010509030202000204" pitchFamily="49" charset="77"/>
+              </a:rPr>
               <a:t>Denglish</a:t>
             </a:r>
             <a:r>
-              <a:rPr lang="en-GB" dirty="0"/>
-              <a:t> is becoming more common, possibly accelerated by globalisation, tech growth, possibly even pandemic-era remote work and global digital culture.</a:t>
-            </a:r>
-          </a:p>
-          <a:p>
-            <a:endParaRPr lang="en-GB" dirty="0"/>
-          </a:p>
-          <a:p>
-            <a:r>
-              <a:rPr lang="en-GB" dirty="0"/>
-              <a:t>The shaded area around the line represents the 95% confidence interval meaning we’re 95% confident the true average for each year lies within that range. </a:t>
-            </a:r>
-          </a:p>
-          <a:p>
-            <a:endParaRPr lang="en-GB" dirty="0"/>
-          </a:p>
-          <a:p>
-            <a:r>
-              <a:rPr lang="en-GB" dirty="0"/>
-              <a:t>This helps show the trend we see is statistically meaningful and not just due to chance</a:t>
-            </a:r>
-          </a:p>
-          <a:p>
-            <a:endParaRPr lang="en-GB" dirty="0"/>
-          </a:p>
-          <a:p>
-            <a:r>
-              <a:rPr lang="en-GB" b="1" dirty="0"/>
-              <a:t>Insight</a:t>
-            </a:r>
-            <a:r>
-              <a:rPr lang="en-GB" dirty="0"/>
-              <a:t>: Since 2017, English loanword density has steadily risen, especially in post-2020 articles</a:t>
-            </a:r>
-          </a:p>
-          <a:p>
-            <a:endParaRPr lang="en-GB" dirty="0"/>
-          </a:p>
-          <a:p>
-            <a:r>
-              <a:rPr lang="en-GB" dirty="0"/>
-              <a:t>Visualisation: Line chart with shaded 95% confidence interval</a:t>
-            </a:r>
-          </a:p>
-          <a:p>
-            <a:endParaRPr lang="en-GB" dirty="0"/>
-          </a:p>
-          <a:p>
-            <a:r>
-              <a:rPr lang="en-GB" dirty="0"/>
-              <a:t>Interestingly, we see a rise in English loanword usage through 2019 and early 2020, possibly linked to globalisation and digital trends.</a:t>
-            </a:r>
-          </a:p>
-          <a:p>
-            <a:endParaRPr lang="en-GB" dirty="0"/>
-          </a:p>
-          <a:p>
-            <a:r>
-              <a:rPr lang="en-GB" dirty="0"/>
-              <a:t>But from 2021 onwards, there’s a decline. </a:t>
-            </a:r>
-          </a:p>
-          <a:p>
-            <a:endParaRPr lang="en-GB" dirty="0"/>
-          </a:p>
-          <a:p>
-            <a:r>
-              <a:rPr lang="en-GB" dirty="0"/>
-              <a:t>This may reflect a shift in media tone during the pandemic or editorial moves towards clarity and native language.</a:t>
-            </a:r>
+              <a:rPr lang="en-GB" sz="3200" b="0" dirty="0">
+                <a:latin typeface="Space Mono" panose="02010509030202000204" pitchFamily="49" charset="77"/>
+              </a:rPr>
+              <a:t>.</a:t>
+            </a:r>
+          </a:p>
+          <a:p>
+            <a:endParaRPr lang="en-GB" sz="3200" b="0" dirty="0">
+              <a:latin typeface="Space Mono" panose="02010509030202000204" pitchFamily="49" charset="77"/>
+            </a:endParaRPr>
+          </a:p>
+          <a:p>
+            <a:r>
+              <a:rPr lang="en-GB" sz="3200" b="0" dirty="0">
+                <a:latin typeface="Space Mono" panose="02010509030202000204" pitchFamily="49" charset="77"/>
+              </a:rPr>
+              <a:t>Economic / Domain Influence</a:t>
+            </a:r>
+          </a:p>
+          <a:p>
+            <a:endParaRPr lang="en-GB" sz="3200" b="0" dirty="0">
+              <a:latin typeface="Space Mono" panose="02010509030202000204" pitchFamily="49" charset="77"/>
+            </a:endParaRPr>
+          </a:p>
+          <a:p>
+            <a:r>
+              <a:rPr lang="en-GB" sz="3200" b="0" dirty="0" err="1">
+                <a:latin typeface="Space Mono" panose="02010509030202000204" pitchFamily="49" charset="77"/>
+              </a:rPr>
+              <a:t>BusinessInsider.de</a:t>
+            </a:r>
+            <a:r>
+              <a:rPr lang="en-GB" sz="3200" b="0" dirty="0">
+                <a:latin typeface="Space Mono" panose="02010509030202000204" pitchFamily="49" charset="77"/>
+              </a:rPr>
+              <a:t> covers tech / business – which tend to use loanwords.</a:t>
+            </a:r>
+          </a:p>
+          <a:p>
+            <a:r>
+              <a:rPr lang="en-GB" sz="3200" b="0" dirty="0">
+                <a:latin typeface="Space Mono" panose="02010509030202000204" pitchFamily="49" charset="77"/>
+              </a:rPr>
+              <a:t>The steadiness post 2020 may reflect normalisation of terms rather than trendiness.</a:t>
+            </a:r>
+          </a:p>
+          <a:p>
+            <a:endParaRPr lang="en-GB" sz="3200" b="0" dirty="0">
+              <a:latin typeface="Space Mono" panose="02010509030202000204" pitchFamily="49" charset="77"/>
+            </a:endParaRPr>
+          </a:p>
+          <a:p>
+            <a:r>
+              <a:rPr lang="en-GB" sz="3200" b="0" dirty="0">
+                <a:latin typeface="Space Mono" panose="02010509030202000204" pitchFamily="49" charset="77"/>
+              </a:rPr>
+              <a:t>COVID-19 Impact</a:t>
+            </a:r>
+          </a:p>
+          <a:p>
+            <a:endParaRPr lang="en-GB" sz="3200" b="0" dirty="0">
+              <a:latin typeface="Space Mono" panose="02010509030202000204" pitchFamily="49" charset="77"/>
+            </a:endParaRPr>
+          </a:p>
+          <a:p>
+            <a:r>
+              <a:rPr lang="en-GB" sz="3200" b="0" dirty="0">
+                <a:latin typeface="Space Mono" panose="02010509030202000204" pitchFamily="49" charset="77"/>
+              </a:rPr>
+              <a:t>2020’s dip could reflect language simplification and clarity in journalism during crisis reporting fewer brand / marketing terms.</a:t>
+            </a:r>
+            <a:endParaRPr lang="en-GB" b="0" dirty="0"/>
           </a:p>
         </p:txBody>
       </p:sp>
@@ -1826,6 +2469,190 @@
 </file>
 
 <file path=ppt/notesSlides/notesSlide5.xml><?xml version="1.0" encoding="utf-8"?>
+<p:notes xmlns:a="http://schemas.openxmlformats.org/drawingml/2006/main" xmlns:r="http://schemas.openxmlformats.org/officeDocument/2006/relationships" xmlns:p="http://schemas.openxmlformats.org/presentationml/2006/main">
+  <p:cSld>
+    <p:spTree>
+      <p:nvGrpSpPr>
+        <p:cNvPr id="1" name="">
+          <a:extLst>
+            <a:ext uri="{FF2B5EF4-FFF2-40B4-BE49-F238E27FC236}">
+              <a16:creationId xmlns:a16="http://schemas.microsoft.com/office/drawing/2014/main" id="{88C61A9F-EE23-2AE6-8F38-55AB9C7F023E}"/>
+            </a:ext>
+          </a:extLst>
+        </p:cNvPr>
+        <p:cNvGrpSpPr/>
+        <p:nvPr/>
+      </p:nvGrpSpPr>
+      <p:grpSpPr>
+        <a:xfrm>
+          <a:off x="0" y="0"/>
+          <a:ext cx="0" cy="0"/>
+          <a:chOff x="0" y="0"/>
+          <a:chExt cx="0" cy="0"/>
+        </a:xfrm>
+      </p:grpSpPr>
+      <p:sp>
+        <p:nvSpPr>
+          <p:cNvPr id="2" name="Slide Image Placeholder 1">
+            <a:extLst>
+              <a:ext uri="{FF2B5EF4-FFF2-40B4-BE49-F238E27FC236}">
+                <a16:creationId xmlns:a16="http://schemas.microsoft.com/office/drawing/2014/main" id="{141D71E6-CD46-F44B-0927-D6AA59FA197E}"/>
+              </a:ext>
+            </a:extLst>
+          </p:cNvPr>
+          <p:cNvSpPr>
+            <a:spLocks noGrp="1" noRot="1" noChangeAspect="1"/>
+          </p:cNvSpPr>
+          <p:nvPr>
+            <p:ph type="sldImg"/>
+          </p:nvPr>
+        </p:nvSpPr>
+        <p:spPr/>
+      </p:sp>
+      <p:sp>
+        <p:nvSpPr>
+          <p:cNvPr id="3" name="Notes Placeholder 2">
+            <a:extLst>
+              <a:ext uri="{FF2B5EF4-FFF2-40B4-BE49-F238E27FC236}">
+                <a16:creationId xmlns:a16="http://schemas.microsoft.com/office/drawing/2014/main" id="{0E18FE3A-F28A-A64B-3FC5-51AEC3DCA09F}"/>
+              </a:ext>
+            </a:extLst>
+          </p:cNvPr>
+          <p:cNvSpPr>
+            <a:spLocks noGrp="1"/>
+          </p:cNvSpPr>
+          <p:nvPr>
+            <p:ph type="body" idx="1"/>
+          </p:nvPr>
+        </p:nvSpPr>
+        <p:spPr/>
+        <p:txBody>
+          <a:bodyPr/>
+          <a:lstStyle/>
+          <a:p>
+            <a:r>
+              <a:rPr lang="en-GB" sz="3200" b="0" dirty="0">
+                <a:latin typeface="Space Mono" panose="02010509030202000204" pitchFamily="49" charset="77"/>
+              </a:rPr>
+              <a:t>The shaded area shows a 95% confidence interval, which means we can be quite sure this trend isn’t just random noise.</a:t>
+            </a:r>
+          </a:p>
+          <a:p>
+            <a:endParaRPr lang="en-GB" sz="3200" b="0" dirty="0">
+              <a:latin typeface="Space Mono" panose="02010509030202000204" pitchFamily="49" charset="77"/>
+            </a:endParaRPr>
+          </a:p>
+          <a:p>
+            <a:r>
+              <a:rPr lang="en-GB" sz="3200" b="0" dirty="0">
+                <a:latin typeface="Space Mono" panose="02010509030202000204" pitchFamily="49" charset="77"/>
+              </a:rPr>
+              <a:t>The bars shaded area and from the previous slide, that’s the number of articles per year. More articles means tighter statistical confidence, which supports the reliability of this upward trend.</a:t>
+            </a:r>
+          </a:p>
+          <a:p>
+            <a:endParaRPr lang="en-GB" sz="3200" b="0" dirty="0">
+              <a:latin typeface="Space Mono" panose="02010509030202000204" pitchFamily="49" charset="77"/>
+            </a:endParaRPr>
+          </a:p>
+          <a:p>
+            <a:r>
+              <a:rPr lang="en-GB" sz="3200" b="0" dirty="0">
+                <a:latin typeface="Space Mono" panose="02010509030202000204" pitchFamily="49" charset="77"/>
+              </a:rPr>
+              <a:t>(45 secs)</a:t>
+            </a:r>
+          </a:p>
+          <a:p>
+            <a:endParaRPr lang="en-GB" sz="3200" b="0" dirty="0">
+              <a:latin typeface="Space Mono" panose="02010509030202000204" pitchFamily="49" charset="77"/>
+            </a:endParaRPr>
+          </a:p>
+          <a:p>
+            <a:endParaRPr lang="en-GB" sz="3200" b="0" dirty="0">
+              <a:latin typeface="Space Mono" panose="02010509030202000204" pitchFamily="49" charset="77"/>
+            </a:endParaRPr>
+          </a:p>
+          <a:p>
+            <a:r>
+              <a:rPr lang="en-GB" sz="3200" b="0" dirty="0">
+                <a:latin typeface="Space Mono" panose="02010509030202000204" pitchFamily="49" charset="77"/>
+              </a:rPr>
+              <a:t>Plot: Line chart + 95% confidence interval (2011 – 2025)</a:t>
+            </a:r>
+          </a:p>
+          <a:p>
+            <a:endParaRPr lang="en-GB" sz="3200" b="0" dirty="0">
+              <a:latin typeface="Space Mono" panose="02010509030202000204" pitchFamily="49" charset="77"/>
+            </a:endParaRPr>
+          </a:p>
+          <a:p>
+            <a:r>
+              <a:rPr lang="en-GB" sz="3200" b="0" dirty="0">
+                <a:latin typeface="Space Mono" panose="02010509030202000204" pitchFamily="49" charset="77"/>
+              </a:rPr>
+              <a:t>Insight:</a:t>
+            </a:r>
+          </a:p>
+          <a:p>
+            <a:endParaRPr lang="en-GB" sz="3200" b="0" dirty="0">
+              <a:latin typeface="Space Mono" panose="02010509030202000204" pitchFamily="49" charset="77"/>
+            </a:endParaRPr>
+          </a:p>
+          <a:p>
+            <a:r>
+              <a:rPr lang="en-GB" sz="3200" b="0" dirty="0">
+                <a:latin typeface="Space Mono" panose="02010509030202000204" pitchFamily="49" charset="77"/>
+              </a:rPr>
+              <a:t>Loanword density has nearly doubled since </a:t>
+            </a:r>
+            <a:endParaRPr lang="en-GB" b="0" dirty="0"/>
+          </a:p>
+        </p:txBody>
+      </p:sp>
+      <p:sp>
+        <p:nvSpPr>
+          <p:cNvPr id="4" name="Slide Number Placeholder 3">
+            <a:extLst>
+              <a:ext uri="{FF2B5EF4-FFF2-40B4-BE49-F238E27FC236}">
+                <a16:creationId xmlns:a16="http://schemas.microsoft.com/office/drawing/2014/main" id="{797D57AB-A7A2-EB56-BBAA-D2E5CCB8CF33}"/>
+              </a:ext>
+            </a:extLst>
+          </p:cNvPr>
+          <p:cNvSpPr>
+            <a:spLocks noGrp="1"/>
+          </p:cNvSpPr>
+          <p:nvPr>
+            <p:ph type="sldNum" sz="quarter" idx="5"/>
+          </p:nvPr>
+        </p:nvSpPr>
+        <p:spPr/>
+        <p:txBody>
+          <a:bodyPr/>
+          <a:lstStyle/>
+          <a:p>
+            <a:fld id="{606917B7-F4B5-AB46-80C1-BC4475229642}" type="slidenum">
+              <a:rPr lang="en-GB" smtClean="0"/>
+              <a:t>5</a:t>
+            </a:fld>
+            <a:endParaRPr lang="en-GB"/>
+          </a:p>
+        </p:txBody>
+      </p:sp>
+    </p:spTree>
+    <p:extLst>
+      <p:ext uri="{BB962C8B-B14F-4D97-AF65-F5344CB8AC3E}">
+        <p14:creationId xmlns:p14="http://schemas.microsoft.com/office/powerpoint/2010/main" val="3920046764"/>
+      </p:ext>
+    </p:extLst>
+  </p:cSld>
+  <p:clrMapOvr>
+    <a:masterClrMapping/>
+  </p:clrMapOvr>
+</p:notes>
+</file>
+
+<file path=ppt/notesSlides/notesSlide6.xml><?xml version="1.0" encoding="utf-8"?>
 <p:notes xmlns:a="http://schemas.openxmlformats.org/drawingml/2006/main" xmlns:r="http://schemas.openxmlformats.org/officeDocument/2006/relationships" xmlns:p="http://schemas.openxmlformats.org/presentationml/2006/main">
   <p:cSld>
     <p:spTree>
@@ -1889,7 +2716,7 @@
           <a:p>
             <a:r>
               <a:rPr lang="en-GB" sz="3200" dirty="0"/>
-              <a:t>This histogram (plot #2) shows the spread of the loanword usage across all articles. </a:t>
+              <a:t>Insight: Most articles use &lt; 20% English, but some do go much higher.</a:t>
             </a:r>
           </a:p>
           <a:p>
@@ -1898,7 +2725,15 @@
           <a:p>
             <a:r>
               <a:rPr lang="en-GB" sz="3200" dirty="0"/>
-              <a:t>Most articles use very few English words, but there a long tail of articles that use a lot, which suggests that certain types of content lean heavily into English. </a:t>
+              <a:t>This histogram shows how </a:t>
+            </a:r>
+            <a:r>
+              <a:rPr lang="en-GB" sz="3200" dirty="0" err="1"/>
+              <a:t>Denglischy</a:t>
+            </a:r>
+            <a:r>
+              <a:rPr lang="en-GB" sz="3200" dirty="0"/>
+              <a:t> these articles are. Most of them have a little English under 20% of the words.</a:t>
             </a:r>
           </a:p>
           <a:p>
@@ -1907,7 +2742,7 @@
           <a:p>
             <a:r>
               <a:rPr lang="en-GB" sz="3200" dirty="0"/>
-              <a:t>And we will explore this further in later slides.</a:t>
+              <a:t>But there is a long tail – articles that are very English heavy. Often in tech business or start up content.</a:t>
             </a:r>
           </a:p>
           <a:p>
@@ -1916,7 +2751,7 @@
           <a:p>
             <a:r>
               <a:rPr lang="en-GB" sz="3200" dirty="0"/>
-              <a:t>Insight: While most articles use few loanwords, a notable number are highly English influenced. </a:t>
+              <a:t>This histogram shows how loanword usage is distributed across all the articles.</a:t>
             </a:r>
           </a:p>
           <a:p>
@@ -1925,7 +2760,120 @@
           <a:p>
             <a:r>
               <a:rPr lang="en-GB" sz="3200" dirty="0"/>
-              <a:t>Visualisation: Histogram of loanword density across all articles</a:t>
+              <a:t>You can see that most articles fall into the lower density range, between 0 – 20%. That means English words are present – but they’re sprinkled into otherwise German content.</a:t>
+            </a:r>
+          </a:p>
+          <a:p>
+            <a:endParaRPr lang="en-GB" sz="3200" dirty="0"/>
+          </a:p>
+          <a:p>
+            <a:r>
+              <a:rPr lang="en-GB" sz="3200" dirty="0"/>
+              <a:t>As we move right along the X-axis, loanword usage drops sharply. Very few articles go beyond 40% - these are likely exceptions, such as tech or startup-related pieces.</a:t>
+            </a:r>
+          </a:p>
+          <a:p>
+            <a:endParaRPr lang="en-GB" sz="3200" dirty="0"/>
+          </a:p>
+          <a:p>
+            <a:r>
+              <a:rPr lang="en-GB" sz="3200" dirty="0"/>
+              <a:t>This suggest that while </a:t>
+            </a:r>
+            <a:r>
+              <a:rPr lang="en-GB" sz="3200" dirty="0" err="1"/>
+              <a:t>Denglisch</a:t>
+            </a:r>
+            <a:r>
+              <a:rPr lang="en-GB" sz="3200" dirty="0"/>
+              <a:t> is visible, it not overwhelming, it’s used strategically, perhaps to sound modern, international or trendy, but not to replace German entirely.</a:t>
+            </a:r>
+          </a:p>
+          <a:p>
+            <a:endParaRPr lang="en-GB" sz="3200" dirty="0"/>
+          </a:p>
+          <a:p>
+            <a:r>
+              <a:rPr lang="en-GB" sz="3200" dirty="0"/>
+              <a:t>This histogram of loanword density reveals how English loanwords are distributed across all the scraped German-language articles.</a:t>
+            </a:r>
+          </a:p>
+          <a:p>
+            <a:endParaRPr lang="en-GB" sz="3200" dirty="0"/>
+          </a:p>
+          <a:p>
+            <a:r>
+              <a:rPr lang="en-GB" sz="3200" dirty="0"/>
+              <a:t>Key Observations:</a:t>
+            </a:r>
+          </a:p>
+          <a:p>
+            <a:endParaRPr lang="en-GB" sz="3200" dirty="0"/>
+          </a:p>
+          <a:p>
+            <a:r>
+              <a:rPr lang="en-GB" sz="3200" dirty="0"/>
+              <a:t>1. Most articles have low loanword density.</a:t>
+            </a:r>
+          </a:p>
+          <a:p>
+            <a:endParaRPr lang="en-GB" sz="3200" dirty="0"/>
+          </a:p>
+          <a:p>
+            <a:r>
+              <a:rPr lang="en-GB" sz="3200" dirty="0"/>
+              <a:t>The majority of articles fall between 0.0 and 0.2, meaning less than 20% of their words are English loanwords.</a:t>
+            </a:r>
+          </a:p>
+          <a:p>
+            <a:r>
+              <a:rPr lang="en-GB" sz="3200" dirty="0"/>
+              <a:t>This suggests that German dominates and English is used sparingly in most content.</a:t>
+            </a:r>
+          </a:p>
+          <a:p>
+            <a:endParaRPr lang="en-GB" sz="3200" dirty="0"/>
+          </a:p>
+          <a:p>
+            <a:r>
+              <a:rPr lang="en-GB" sz="3200" dirty="0"/>
+              <a:t>2. Sharp drop after 0.2.</a:t>
+            </a:r>
+          </a:p>
+          <a:p>
+            <a:endParaRPr lang="en-GB" sz="3200" dirty="0"/>
+          </a:p>
+          <a:p>
+            <a:r>
+              <a:rPr lang="en-GB" sz="3200" dirty="0"/>
+              <a:t>There’s a steep decline in the number of articles with density beyond 0.2</a:t>
+            </a:r>
+          </a:p>
+          <a:p>
+            <a:endParaRPr lang="en-GB" sz="3200" dirty="0"/>
+          </a:p>
+          <a:p>
+            <a:r>
+              <a:rPr lang="en-GB" sz="3200" dirty="0"/>
+              <a:t>Only a small number of articles contain higher proportions of English loanwords.</a:t>
+            </a:r>
+          </a:p>
+          <a:p>
+            <a:endParaRPr lang="en-GB" sz="3200" dirty="0"/>
+          </a:p>
+          <a:p>
+            <a:r>
+              <a:rPr lang="en-GB" sz="3200" dirty="0"/>
+              <a:t>3. Outliers beyond 0.4</a:t>
+            </a:r>
+          </a:p>
+          <a:p>
+            <a:endParaRPr lang="en-GB" sz="3200" dirty="0"/>
+          </a:p>
+          <a:p>
+            <a:r>
+              <a:rPr lang="en-GB" sz="3200" dirty="0"/>
+              <a:t>A tiny fraction of articles have loanword density above 0.4 -  these are likely heavily influenced by English (e.g. product review, tech/start-up lingo, social media-heavy articles)</a:t>
             </a:r>
           </a:p>
         </p:txBody>
@@ -1953,7 +2901,7 @@
           <a:p>
             <a:fld id="{606917B7-F4B5-AB46-80C1-BC4475229642}" type="slidenum">
               <a:rPr lang="en-GB" smtClean="0"/>
-              <a:t>5</a:t>
+              <a:t>6</a:t>
             </a:fld>
             <a:endParaRPr lang="en-GB"/>
           </a:p>
@@ -1963,153 +2911,6 @@
     <p:extLst>
       <p:ext uri="{BB962C8B-B14F-4D97-AF65-F5344CB8AC3E}">
         <p14:creationId xmlns:p14="http://schemas.microsoft.com/office/powerpoint/2010/main" val="3505303645"/>
-      </p:ext>
-    </p:extLst>
-  </p:cSld>
-  <p:clrMapOvr>
-    <a:masterClrMapping/>
-  </p:clrMapOvr>
-</p:notes>
-</file>
-
-<file path=ppt/notesSlides/notesSlide6.xml><?xml version="1.0" encoding="utf-8"?>
-<p:notes xmlns:a="http://schemas.openxmlformats.org/drawingml/2006/main" xmlns:r="http://schemas.openxmlformats.org/officeDocument/2006/relationships" xmlns:p="http://schemas.openxmlformats.org/presentationml/2006/main">
-  <p:cSld>
-    <p:spTree>
-      <p:nvGrpSpPr>
-        <p:cNvPr id="1" name="">
-          <a:extLst>
-            <a:ext uri="{FF2B5EF4-FFF2-40B4-BE49-F238E27FC236}">
-              <a16:creationId xmlns:a16="http://schemas.microsoft.com/office/drawing/2014/main" id="{7ABA1102-52DB-C800-CAF5-4B84130CC30D}"/>
-            </a:ext>
-          </a:extLst>
-        </p:cNvPr>
-        <p:cNvGrpSpPr/>
-        <p:nvPr/>
-      </p:nvGrpSpPr>
-      <p:grpSpPr>
-        <a:xfrm>
-          <a:off x="0" y="0"/>
-          <a:ext cx="0" cy="0"/>
-          <a:chOff x="0" y="0"/>
-          <a:chExt cx="0" cy="0"/>
-        </a:xfrm>
-      </p:grpSpPr>
-      <p:sp>
-        <p:nvSpPr>
-          <p:cNvPr id="2" name="Slide Image Placeholder 1">
-            <a:extLst>
-              <a:ext uri="{FF2B5EF4-FFF2-40B4-BE49-F238E27FC236}">
-                <a16:creationId xmlns:a16="http://schemas.microsoft.com/office/drawing/2014/main" id="{F855FDAC-D429-E073-C390-9D8B3C05277F}"/>
-              </a:ext>
-            </a:extLst>
-          </p:cNvPr>
-          <p:cNvSpPr>
-            <a:spLocks noGrp="1" noRot="1" noChangeAspect="1"/>
-          </p:cNvSpPr>
-          <p:nvPr>
-            <p:ph type="sldImg"/>
-          </p:nvPr>
-        </p:nvSpPr>
-        <p:spPr/>
-      </p:sp>
-      <p:sp>
-        <p:nvSpPr>
-          <p:cNvPr id="3" name="Notes Placeholder 2">
-            <a:extLst>
-              <a:ext uri="{FF2B5EF4-FFF2-40B4-BE49-F238E27FC236}">
-                <a16:creationId xmlns:a16="http://schemas.microsoft.com/office/drawing/2014/main" id="{6AF3BD1C-F950-62C0-B52E-1E57A70DA95F}"/>
-              </a:ext>
-            </a:extLst>
-          </p:cNvPr>
-          <p:cNvSpPr>
-            <a:spLocks noGrp="1"/>
-          </p:cNvSpPr>
-          <p:nvPr>
-            <p:ph type="body" idx="1"/>
-          </p:nvPr>
-        </p:nvSpPr>
-        <p:spPr/>
-        <p:txBody>
-          <a:bodyPr/>
-          <a:lstStyle/>
-          <a:p>
-            <a:r>
-              <a:rPr lang="en-GB" sz="3200" dirty="0"/>
-              <a:t>This histogram (plot #2) shows the spread of the loanword usage across all articles. </a:t>
-            </a:r>
-          </a:p>
-          <a:p>
-            <a:endParaRPr lang="en-GB" sz="3200" dirty="0"/>
-          </a:p>
-          <a:p>
-            <a:r>
-              <a:rPr lang="en-GB" sz="3200" dirty="0"/>
-              <a:t>Most articles use very few English words, but there a long tail of articles that use a lot, which suggests that certain types of content lean heavily into English. </a:t>
-            </a:r>
-          </a:p>
-          <a:p>
-            <a:endParaRPr lang="en-GB" sz="3200" dirty="0"/>
-          </a:p>
-          <a:p>
-            <a:r>
-              <a:rPr lang="en-GB" sz="3200" dirty="0"/>
-              <a:t>And we will explore this further in later slides.</a:t>
-            </a:r>
-          </a:p>
-          <a:p>
-            <a:endParaRPr lang="en-GB" sz="3200" dirty="0"/>
-          </a:p>
-          <a:p>
-            <a:r>
-              <a:rPr lang="en-GB" sz="3200" dirty="0"/>
-              <a:t>Insight: While most articles use few loanwords, a notable number are highly English influenced. </a:t>
-            </a:r>
-          </a:p>
-          <a:p>
-            <a:endParaRPr lang="en-GB" sz="3200" dirty="0"/>
-          </a:p>
-          <a:p>
-            <a:r>
-              <a:rPr lang="en-GB" sz="3200" dirty="0"/>
-              <a:t>Visualisation: Histogram of loanword density across all articles</a:t>
-            </a:r>
-          </a:p>
-        </p:txBody>
-      </p:sp>
-      <p:sp>
-        <p:nvSpPr>
-          <p:cNvPr id="4" name="Slide Number Placeholder 3">
-            <a:extLst>
-              <a:ext uri="{FF2B5EF4-FFF2-40B4-BE49-F238E27FC236}">
-                <a16:creationId xmlns:a16="http://schemas.microsoft.com/office/drawing/2014/main" id="{BAD0AB66-D5C9-18C4-89DA-707F8C10D25B}"/>
-              </a:ext>
-            </a:extLst>
-          </p:cNvPr>
-          <p:cNvSpPr>
-            <a:spLocks noGrp="1"/>
-          </p:cNvSpPr>
-          <p:nvPr>
-            <p:ph type="sldNum" sz="quarter" idx="5"/>
-          </p:nvPr>
-        </p:nvSpPr>
-        <p:spPr/>
-        <p:txBody>
-          <a:bodyPr/>
-          <a:lstStyle/>
-          <a:p>
-            <a:fld id="{606917B7-F4B5-AB46-80C1-BC4475229642}" type="slidenum">
-              <a:rPr lang="en-GB" smtClean="0"/>
-              <a:t>6</a:t>
-            </a:fld>
-            <a:endParaRPr lang="en-GB"/>
-          </a:p>
-        </p:txBody>
-      </p:sp>
-    </p:spTree>
-    <p:extLst>
-      <p:ext uri="{BB962C8B-B14F-4D97-AF65-F5344CB8AC3E}">
-        <p14:creationId xmlns:p14="http://schemas.microsoft.com/office/powerpoint/2010/main" val="986264182"/>
       </p:ext>
     </p:extLst>
   </p:cSld>
@@ -2183,7 +2984,7 @@
           <a:p>
             <a:r>
               <a:rPr lang="en-GB" sz="3200" dirty="0"/>
-              <a:t>Insight: English appears more in upbeat, aspirational articles – possible signalling positivity.</a:t>
+              <a:t>Here’s something unexpected – this chart shows that articles with a negative tone tend to use more English loanwords than neutral or positive ones. </a:t>
             </a:r>
           </a:p>
           <a:p>
@@ -2192,7 +2993,7 @@
           <a:p>
             <a:r>
               <a:rPr lang="en-GB" sz="3200" dirty="0"/>
-              <a:t>Visualisation: Boxplot of loanword density by sentiment label.</a:t>
+              <a:t>Why might that be? One theory is that negative stories often involve global tech, finance or scandal – topics where English dominates. This data breaches, “whistleblowing”, “shutdowns”, “crashes”.</a:t>
             </a:r>
           </a:p>
           <a:p>
@@ -2201,7 +3002,7 @@
           <a:p>
             <a:r>
               <a:rPr lang="en-GB" sz="3200" dirty="0"/>
-              <a:t>In this boxplot, articles with higher English loanword density tend to show more positive sentiment. </a:t>
+              <a:t>By contrast, positive stories may be more personal or local – less jargon-heavy and more natively German in tone. </a:t>
             </a:r>
           </a:p>
           <a:p>
@@ -2210,7 +3011,7 @@
           <a:p>
             <a:r>
               <a:rPr lang="en-GB" sz="3200" dirty="0"/>
-              <a:t>In fact, there’s a modest positive correlation here – meaning the more English loanwords an article uses, the more likely its overall tone is upbeat or aspirational.</a:t>
+              <a:t>It raises a question: is English being used not just for global alignment but also for delivering bad news with a “cooler-tone”?</a:t>
             </a:r>
           </a:p>
           <a:p>
@@ -2219,7 +3020,7 @@
           <a:p>
             <a:r>
               <a:rPr lang="en-GB" sz="3200" dirty="0"/>
-              <a:t>This might reflect how English words are used in German media not just for clarity, but to signal ambition, trendiness, or international relevance.</a:t>
+              <a:t>Hook:</a:t>
             </a:r>
           </a:p>
           <a:p>
@@ -2228,16 +3029,58 @@
           <a:p>
             <a:r>
               <a:rPr lang="en-GB" sz="3200" dirty="0"/>
-              <a:t>Think of terms like “Startup” or “Performance”. They carry energy and modernity. </a:t>
+              <a:t>Does English make bad news sound more serious – or more detached?</a:t>
             </a:r>
           </a:p>
           <a:p>
             <a:endParaRPr lang="en-GB" sz="3200" dirty="0"/>
           </a:p>
           <a:p>
+            <a:endParaRPr lang="en-GB" sz="3200" dirty="0"/>
+          </a:p>
+          <a:p>
+            <a:endParaRPr lang="en-GB" sz="3200" dirty="0"/>
+          </a:p>
+          <a:p>
             <a:r>
               <a:rPr lang="en-GB" sz="3200" dirty="0"/>
-              <a:t>When you read these kinds of words in a German, Spanish, French article, what feeling do they evoke?</a:t>
+              <a:t>Interpretation:</a:t>
+            </a:r>
+          </a:p>
+          <a:p>
+            <a:endParaRPr lang="en-GB" sz="3200" dirty="0"/>
+          </a:p>
+          <a:p>
+            <a:r>
+              <a:rPr lang="en-GB" sz="3200" dirty="0"/>
+              <a:t>This chart shows the average loanword density (i.e. how many English words appear per article) grouped by sentiment.</a:t>
+            </a:r>
+          </a:p>
+          <a:p>
+            <a:endParaRPr lang="en-GB" sz="3200" dirty="0"/>
+          </a:p>
+          <a:p>
+            <a:r>
+              <a:rPr lang="en-GB" sz="3200" dirty="0"/>
+              <a:t>Negative articles have the highest average loanword usage</a:t>
+            </a:r>
+          </a:p>
+          <a:p>
+            <a:endParaRPr lang="en-GB" sz="3200" dirty="0"/>
+          </a:p>
+          <a:p>
+            <a:r>
+              <a:rPr lang="en-GB" sz="3200" dirty="0"/>
+              <a:t>Neutral articles sit in the middle</a:t>
+            </a:r>
+          </a:p>
+          <a:p>
+            <a:endParaRPr lang="en-GB" sz="3200" dirty="0"/>
+          </a:p>
+          <a:p>
+            <a:r>
+              <a:rPr lang="en-GB" sz="3200" dirty="0"/>
+              <a:t>Positive articles use the fewest English loanwords on average</a:t>
             </a:r>
           </a:p>
         </p:txBody>
@@ -2292,7 +3135,7 @@
         <p:cNvPr id="1" name="">
           <a:extLst>
             <a:ext uri="{FF2B5EF4-FFF2-40B4-BE49-F238E27FC236}">
-              <a16:creationId xmlns:a16="http://schemas.microsoft.com/office/drawing/2014/main" id="{3527F2D1-AD52-6072-F8B3-47BB9146C5FE}"/>
+              <a16:creationId xmlns:a16="http://schemas.microsoft.com/office/drawing/2014/main" id="{C0D22455-1E61-7DF2-8B2B-DB8D63CEA901}"/>
             </a:ext>
           </a:extLst>
         </p:cNvPr>
@@ -2312,7 +3155,7 @@
           <p:cNvPr id="2" name="Slide Image Placeholder 1">
             <a:extLst>
               <a:ext uri="{FF2B5EF4-FFF2-40B4-BE49-F238E27FC236}">
-                <a16:creationId xmlns:a16="http://schemas.microsoft.com/office/drawing/2014/main" id="{20F8C00A-BB76-FAE5-CB01-E46E9E3BB45B}"/>
+                <a16:creationId xmlns:a16="http://schemas.microsoft.com/office/drawing/2014/main" id="{179A1F39-596D-CDE8-8B65-6B1CB28F525E}"/>
               </a:ext>
             </a:extLst>
           </p:cNvPr>
@@ -2330,7 +3173,7 @@
           <p:cNvPr id="3" name="Notes Placeholder 2">
             <a:extLst>
               <a:ext uri="{FF2B5EF4-FFF2-40B4-BE49-F238E27FC236}">
-                <a16:creationId xmlns:a16="http://schemas.microsoft.com/office/drawing/2014/main" id="{31764FFF-8843-043F-B1E5-B3BE4A601C77}"/>
+                <a16:creationId xmlns:a16="http://schemas.microsoft.com/office/drawing/2014/main" id="{26C3F125-8B63-3E24-EECF-1059A04F824A}"/>
               </a:ext>
             </a:extLst>
           </p:cNvPr>
@@ -2350,78 +3193,152 @@
               <a:buNone/>
             </a:pPr>
             <a:r>
-              <a:rPr lang="en-GB" b="0" dirty="0"/>
-              <a:t>Before I show you the top 10 words from the data. Lets have a quick game. </a:t>
+              <a:rPr lang="en-GB" sz="4400" dirty="0"/>
+              <a:t>Here, we’re looking at how loanword usage varies by sentiment over time.</a:t>
             </a:r>
           </a:p>
           <a:p>
             <a:pPr>
               <a:buNone/>
             </a:pPr>
-            <a:endParaRPr lang="en-GB" b="0" dirty="0"/>
+            <a:endParaRPr lang="en-GB" sz="4400" dirty="0"/>
           </a:p>
           <a:p>
             <a:pPr>
               <a:buNone/>
             </a:pPr>
             <a:r>
-              <a:rPr lang="en-GB" b="0" dirty="0"/>
-              <a:t>Can you guess the top 5 most common English words in German articles?</a:t>
+              <a:rPr lang="en-GB" sz="4400" dirty="0"/>
+              <a:t>You can see that English loanwords were more common across the board a decade ago, but have dropped across all types.</a:t>
             </a:r>
           </a:p>
           <a:p>
             <a:pPr>
               <a:buNone/>
             </a:pPr>
-            <a:endParaRPr lang="en-GB" b="0" dirty="0"/>
+            <a:endParaRPr lang="en-GB" sz="4400" dirty="0"/>
           </a:p>
           <a:p>
             <a:pPr>
               <a:buNone/>
             </a:pPr>
             <a:r>
-              <a:rPr lang="en-GB" b="0" dirty="0"/>
-              <a:t>Let’s play a quick game of Family Fortunes. Based on the articles scraped from Business Insider, what do you think were the top 5 most common English loanwords?</a:t>
+              <a:rPr lang="en-GB" sz="4400" dirty="0"/>
+              <a:t>Interestingly, negative sentiment articles consistently use more English than positive or neutral ones – which could reflect a certain critical framing, especially around global or tech-related issues.</a:t>
             </a:r>
           </a:p>
           <a:p>
             <a:pPr>
               <a:buNone/>
             </a:pPr>
-            <a:endParaRPr lang="en-GB" b="1" dirty="0"/>
+            <a:endParaRPr lang="en-GB" sz="4400" dirty="0"/>
           </a:p>
           <a:p>
             <a:pPr>
               <a:buNone/>
             </a:pPr>
             <a:r>
-              <a:rPr lang="en-GB" b="1" dirty="0"/>
-              <a:t>Slide 7: Audience Round – Guess the Top 5</a:t>
+              <a:rPr lang="en-GB" sz="4400" dirty="0"/>
+              <a:t>Positive sentiment articles use the least English – suggesting perhaps a return to more traditional or domestic language when the tone is optimistic.</a:t>
             </a:r>
           </a:p>
           <a:p>
             <a:pPr>
               <a:buNone/>
             </a:pPr>
-            <a:r>
-              <a:rPr lang="en-GB" b="1" dirty="0"/>
-              <a:t>Interactive Moment: What Are the Most Common English Words?</a:t>
-            </a:r>
-            <a:endParaRPr lang="en-GB" dirty="0"/>
+            <a:endParaRPr lang="en-GB" sz="4400" dirty="0"/>
           </a:p>
           <a:p>
             <a:pPr>
               <a:buNone/>
             </a:pPr>
             <a:r>
-              <a:rPr lang="en-CH" dirty="0"/>
-              <a:t>🧠 </a:t>
-            </a:r>
-            <a:r>
-              <a:rPr lang="en-GB" i="1" dirty="0"/>
-              <a:t>Mini Game: 'Family Fortunes' Style</a:t>
-            </a:r>
-            <a:endParaRPr lang="en-GB" dirty="0"/>
+              <a:rPr lang="en-GB" sz="4400" dirty="0"/>
+              <a:t>This widening gap shows that loanwords aren’t just sprinkled randomly. They may play a role in how emotion or tone is conveyed.</a:t>
+            </a:r>
+          </a:p>
+          <a:p>
+            <a:pPr>
+              <a:buNone/>
+            </a:pPr>
+            <a:endParaRPr lang="en-GB" sz="4400" dirty="0"/>
+          </a:p>
+          <a:p>
+            <a:pPr>
+              <a:buNone/>
+            </a:pPr>
+            <a:endParaRPr lang="en-GB" sz="4400" dirty="0"/>
+          </a:p>
+          <a:p>
+            <a:pPr>
+              <a:buNone/>
+            </a:pPr>
+            <a:r>
+              <a:rPr lang="en-GB" sz="4400" dirty="0"/>
+              <a:t>----</a:t>
+            </a:r>
+          </a:p>
+          <a:p>
+            <a:pPr>
+              <a:buNone/>
+            </a:pPr>
+            <a:endParaRPr lang="en-GB" sz="4400" dirty="0"/>
+          </a:p>
+          <a:p>
+            <a:pPr>
+              <a:buNone/>
+            </a:pPr>
+            <a:r>
+              <a:rPr lang="en-GB" sz="6000" dirty="0"/>
+              <a:t>Here, we’re looking at how loanword usage varies by </a:t>
+            </a:r>
+            <a:r>
+              <a:rPr lang="en-GB" sz="6000" b="1" dirty="0"/>
+              <a:t>sentiment over time.</a:t>
+            </a:r>
+            <a:endParaRPr lang="en-GB" sz="6000" dirty="0"/>
+          </a:p>
+          <a:p>
+            <a:pPr>
+              <a:buNone/>
+            </a:pPr>
+            <a:r>
+              <a:rPr lang="en-GB" sz="6000" dirty="0"/>
+              <a:t>You can see that English loanwords were </a:t>
+            </a:r>
+            <a:r>
+              <a:rPr lang="en-GB" sz="6000" b="1" dirty="0"/>
+              <a:t>more common across the board</a:t>
+            </a:r>
+            <a:r>
+              <a:rPr lang="en-GB" sz="6000" dirty="0"/>
+              <a:t> around a decade ago, especially between 2011–2016. But since then, </a:t>
+            </a:r>
+            <a:r>
+              <a:rPr lang="en-GB" sz="6000" b="1" dirty="0"/>
+              <a:t>loanword usage has declined</a:t>
+            </a:r>
+            <a:r>
+              <a:rPr lang="en-GB" sz="6000" dirty="0"/>
+              <a:t> — this could reflect changes in editorial style, reader preferences, or a broader media shift.</a:t>
+            </a:r>
+          </a:p>
+          <a:p>
+            <a:pPr>
+              <a:buNone/>
+            </a:pPr>
+            <a:r>
+              <a:rPr lang="en-GB" sz="6000" dirty="0"/>
+              <a:t>Now notice the </a:t>
+            </a:r>
+            <a:r>
+              <a:rPr lang="en-GB" sz="6000" b="1" dirty="0"/>
+              <a:t>difference by sentiment</a:t>
+            </a:r>
+            <a:r>
+              <a:rPr lang="en-GB" sz="6000" dirty="0"/>
+              <a:t>:</a:t>
+            </a:r>
           </a:p>
           <a:p>
             <a:pPr>
@@ -2429,51 +3346,20 @@
               <a:buChar char="•"/>
             </a:pPr>
             <a:r>
-              <a:rPr lang="en-GB" dirty="0"/>
-              <a:t>Invite the audience to guess the top 5 most frequent English loanwords in the dataset</a:t>
-            </a:r>
-          </a:p>
-          <a:p>
-            <a:pPr>
-              <a:buNone/>
-            </a:pPr>
-            <a:r>
-              <a:rPr lang="en-CH" dirty="0"/>
-              <a:t>🖼️ </a:t>
-            </a:r>
-            <a:r>
-              <a:rPr lang="en-GB" dirty="0"/>
-              <a:t>Visual Game Board:</a:t>
-            </a:r>
-          </a:p>
-          <a:p>
-            <a:pPr>
-              <a:buNone/>
-            </a:pPr>
-            <a:r>
-              <a:rPr lang="en-GB" dirty="0"/>
-              <a:t>1. __________ 2. __________ 3. __________ 4. __________ 5. __________</a:t>
-            </a:r>
-            <a:r>
-              <a:rPr lang="en-CH" dirty="0"/>
-              <a:t>🎙️ </a:t>
-            </a:r>
-            <a:r>
-              <a:rPr lang="en-GB" dirty="0"/>
-              <a:t>Prompt: “Let’s play a quick game! Based on 30,000+ German articles scraped from Business Insider, what do you think were the top 5 most common English loanwords?”</a:t>
-            </a:r>
-          </a:p>
-          <a:p>
-            <a:pPr>
-              <a:buNone/>
-            </a:pPr>
-            <a:r>
-              <a:rPr lang="en-CH" dirty="0"/>
-              <a:t>📣 </a:t>
-            </a:r>
-            <a:r>
-              <a:rPr lang="en-GB" dirty="0"/>
-              <a:t>As they guess:</a:t>
+              <a:rPr lang="en-GB" sz="6000" b="1" dirty="0"/>
+              <a:t>Negative articles</a:t>
+            </a:r>
+            <a:r>
+              <a:rPr lang="en-GB" sz="6000" dirty="0"/>
+              <a:t> consistently use </a:t>
+            </a:r>
+            <a:r>
+              <a:rPr lang="en-GB" sz="6000" b="1" dirty="0"/>
+              <a:t>more English</a:t>
+            </a:r>
+            <a:r>
+              <a:rPr lang="en-GB" sz="6000" dirty="0"/>
+              <a:t> than positive or neutral ones.</a:t>
             </a:r>
           </a:p>
           <a:p>
@@ -2482,45 +3368,328 @@
               <a:buChar char="•"/>
             </a:pPr>
             <a:r>
-              <a:rPr lang="en-GB" dirty="0"/>
-              <a:t>Fill in correct answers one by one</a:t>
+              <a:rPr lang="en-GB" sz="6000" b="1" dirty="0"/>
+              <a:t>Positive articles</a:t>
+            </a:r>
+            <a:r>
+              <a:rPr lang="en-GB" sz="6000" dirty="0"/>
+              <a:t>, on the other hand, tend to use </a:t>
+            </a:r>
+            <a:r>
+              <a:rPr lang="en-GB" sz="6000" b="1" dirty="0"/>
+              <a:t>less English</a:t>
+            </a:r>
+            <a:r>
+              <a:rPr lang="en-GB" sz="6000" dirty="0"/>
+              <a:t> — maybe when the tone is optimistic, writers lean into native German to express pride or tradition.</a:t>
             </a:r>
           </a:p>
           <a:p>
             <a:pPr>
-              <a:buFont typeface="Arial" panose="020B0604020202020204" pitchFamily="34" charset="0"/>
-              <a:buChar char="•"/>
+              <a:buNone/>
             </a:pPr>
             <a:r>
-              <a:rPr lang="en-GB" dirty="0"/>
-              <a:t>Reveal the full list</a:t>
+              <a:rPr lang="en-GB" sz="6000" dirty="0"/>
+              <a:t>And the </a:t>
+            </a:r>
+            <a:r>
+              <a:rPr lang="en-GB" sz="6000" b="1" dirty="0"/>
+              <a:t>gap is growing</a:t>
+            </a:r>
+            <a:r>
+              <a:rPr lang="en-GB" sz="6000" dirty="0"/>
+              <a:t>. By 2025, that distance between positive and negative sentiment loanword usage is even wider than it was in 2011.</a:t>
+            </a:r>
+          </a:p>
+          <a:p>
+            <a:r>
+              <a:rPr lang="en-GB" sz="6000" dirty="0"/>
+              <a:t>So this suggests that English words aren’t just sprinkled randomly — they may serve a function in how </a:t>
+            </a:r>
+            <a:r>
+              <a:rPr lang="en-GB" sz="6000" b="1" dirty="0"/>
+              <a:t>emotion, criticism, or aspiration</a:t>
+            </a:r>
+            <a:r>
+              <a:rPr lang="en-GB" sz="6000" dirty="0"/>
+              <a:t> is framed in the media.</a:t>
             </a:r>
           </a:p>
           <a:p>
             <a:pPr>
               <a:buNone/>
             </a:pPr>
-            <a:r>
-              <a:rPr lang="en-CH" dirty="0"/>
-              <a:t>📊 </a:t>
-            </a:r>
-            <a:r>
-              <a:rPr lang="en-GB" dirty="0"/>
-              <a:t>Then transition to: A bar chart of actual top 10 loanwords (frequency-based)</a:t>
-            </a:r>
-          </a:p>
-          <a:p>
-            <a:r>
-              <a:rPr lang="en-CH" dirty="0"/>
-              <a:t>🎯 </a:t>
-            </a:r>
-            <a:r>
-              <a:rPr lang="en-GB" dirty="0"/>
-              <a:t>This interactive moment will build energy and make your findings more memorable.</a:t>
-            </a:r>
-          </a:p>
-          <a:p>
-            <a:endParaRPr lang="en-GB" dirty="0"/>
+            <a:endParaRPr lang="en-GB" sz="4400" dirty="0"/>
+          </a:p>
+          <a:p>
+            <a:pPr>
+              <a:buNone/>
+            </a:pPr>
+            <a:endParaRPr lang="en-GB" sz="4400" dirty="0"/>
+          </a:p>
+          <a:p>
+            <a:pPr>
+              <a:buNone/>
+            </a:pPr>
+            <a:r>
+              <a:rPr lang="en-GB" sz="4400" dirty="0"/>
+              <a:t>----</a:t>
+            </a:r>
+          </a:p>
+          <a:p>
+            <a:pPr>
+              <a:buNone/>
+            </a:pPr>
+            <a:endParaRPr lang="en-GB" sz="4400" dirty="0"/>
+          </a:p>
+          <a:p>
+            <a:pPr>
+              <a:buNone/>
+            </a:pPr>
+            <a:endParaRPr lang="en-GB" sz="4400" dirty="0"/>
+          </a:p>
+          <a:p>
+            <a:pPr>
+              <a:buNone/>
+            </a:pPr>
+            <a:r>
+              <a:rPr lang="en-GB" sz="4400" dirty="0"/>
+              <a:t>This is a multi-line time series, where:</a:t>
+            </a:r>
+          </a:p>
+          <a:p>
+            <a:pPr>
+              <a:buNone/>
+            </a:pPr>
+            <a:endParaRPr lang="en-GB" sz="4400" dirty="0"/>
+          </a:p>
+          <a:p>
+            <a:pPr>
+              <a:buNone/>
+            </a:pPr>
+            <a:r>
+              <a:rPr lang="en-GB" sz="4400" dirty="0"/>
+              <a:t>Each line show how loanword usage (measured by density) has changed over time for articles with that sentiment type.</a:t>
+            </a:r>
+          </a:p>
+          <a:p>
+            <a:pPr>
+              <a:buNone/>
+            </a:pPr>
+            <a:endParaRPr lang="en-GB" sz="4400" dirty="0"/>
+          </a:p>
+          <a:p>
+            <a:pPr>
+              <a:buNone/>
+            </a:pPr>
+            <a:r>
+              <a:rPr lang="en-GB" sz="4400" dirty="0"/>
+              <a:t>Key Insights:</a:t>
+            </a:r>
+          </a:p>
+          <a:p>
+            <a:pPr>
+              <a:buNone/>
+            </a:pPr>
+            <a:endParaRPr lang="en-GB" sz="4400" dirty="0"/>
+          </a:p>
+          <a:p>
+            <a:pPr>
+              <a:buNone/>
+            </a:pPr>
+            <a:r>
+              <a:rPr lang="en-GB" sz="4400" dirty="0"/>
+              <a:t>All Sentiments Decline Over Time</a:t>
+            </a:r>
+          </a:p>
+          <a:p>
+            <a:pPr>
+              <a:buNone/>
+            </a:pPr>
+            <a:endParaRPr lang="en-GB" sz="4400" dirty="0"/>
+          </a:p>
+          <a:p>
+            <a:pPr marL="571500" indent="-571500">
+              <a:buFontTx/>
+              <a:buChar char="-"/>
+            </a:pPr>
+            <a:r>
+              <a:rPr lang="en-GB" sz="4400" dirty="0"/>
+              <a:t>Between 2011 and 2016 loanword density for all sentiments are higher</a:t>
+            </a:r>
+          </a:p>
+          <a:p>
+            <a:pPr marL="571500" indent="-571500">
+              <a:buFontTx/>
+              <a:buChar char="-"/>
+            </a:pPr>
+            <a:r>
+              <a:rPr lang="en-GB" sz="4400" dirty="0"/>
+              <a:t>After 2016 there’s a noticeable drop across all three sentiment categories</a:t>
+            </a:r>
+          </a:p>
+          <a:p>
+            <a:pPr marL="571500" indent="-571500">
+              <a:buFontTx/>
+              <a:buChar char="-"/>
+            </a:pPr>
+            <a:r>
+              <a:rPr lang="en-GB" sz="4400" dirty="0"/>
+              <a:t>This might suggest a stylistic or change in editorial policy – possibly a response to public feedback or media regulations (speculation)</a:t>
+            </a:r>
+          </a:p>
+          <a:p>
+            <a:pPr marL="571500" indent="-571500">
+              <a:buFontTx/>
+              <a:buChar char="-"/>
+            </a:pPr>
+            <a:endParaRPr lang="en-GB" sz="4400" dirty="0"/>
+          </a:p>
+          <a:p>
+            <a:pPr marL="571500" indent="-571500">
+              <a:buFontTx/>
+              <a:buChar char="-"/>
+            </a:pPr>
+            <a:endParaRPr lang="en-GB" sz="4400" dirty="0"/>
+          </a:p>
+          <a:p>
+            <a:pPr marL="0" indent="0">
+              <a:buFontTx/>
+              <a:buNone/>
+            </a:pPr>
+            <a:r>
+              <a:rPr lang="en-GB" sz="4400" dirty="0"/>
+              <a:t>Negative Articles Use More English</a:t>
+            </a:r>
+          </a:p>
+          <a:p>
+            <a:pPr marL="0" indent="0">
+              <a:buFontTx/>
+              <a:buNone/>
+            </a:pPr>
+            <a:endParaRPr lang="en-GB" sz="4400" dirty="0"/>
+          </a:p>
+          <a:p>
+            <a:pPr marL="571500" indent="-571500">
+              <a:buFontTx/>
+              <a:buChar char="-"/>
+            </a:pPr>
+            <a:r>
+              <a:rPr lang="en-GB" sz="4400" dirty="0"/>
+              <a:t>Negative sentiment articles consistently show higher loanword density than neutral or positive ones</a:t>
+            </a:r>
+          </a:p>
+          <a:p>
+            <a:pPr marL="571500" indent="-571500">
+              <a:buFontTx/>
+              <a:buChar char="-"/>
+            </a:pPr>
+            <a:r>
+              <a:rPr lang="en-GB" sz="4400" dirty="0"/>
+              <a:t>This might suggest that English terms are used in critical or problem-based reporting - such as coverage of tech scandals, policy issues etc</a:t>
+            </a:r>
+          </a:p>
+          <a:p>
+            <a:pPr marL="571500" indent="-571500">
+              <a:buFontTx/>
+              <a:buChar char="-"/>
+            </a:pPr>
+            <a:endParaRPr lang="en-GB" sz="4400" dirty="0"/>
+          </a:p>
+          <a:p>
+            <a:pPr marL="0" indent="0">
+              <a:buFontTx/>
+              <a:buNone/>
+            </a:pPr>
+            <a:endParaRPr lang="en-GB" sz="4400" dirty="0"/>
+          </a:p>
+          <a:p>
+            <a:pPr marL="0" indent="0">
+              <a:buFontTx/>
+              <a:buNone/>
+            </a:pPr>
+            <a:r>
+              <a:rPr lang="en-GB" sz="4400" dirty="0"/>
+              <a:t>Positive Articles Use Less English</a:t>
+            </a:r>
+          </a:p>
+          <a:p>
+            <a:pPr marL="0" indent="0">
+              <a:buFontTx/>
+              <a:buNone/>
+            </a:pPr>
+            <a:endParaRPr lang="en-GB" sz="4400" dirty="0"/>
+          </a:p>
+          <a:p>
+            <a:pPr marL="571500" indent="-571500">
+              <a:buFontTx/>
+              <a:buChar char="-"/>
+            </a:pPr>
+            <a:r>
+              <a:rPr lang="en-GB" sz="4400" dirty="0"/>
+              <a:t>Positive sentiment articles consistently have the lowest loanword density</a:t>
+            </a:r>
+          </a:p>
+          <a:p>
+            <a:pPr marL="571500" indent="-571500">
+              <a:buFontTx/>
+              <a:buChar char="-"/>
+            </a:pPr>
+            <a:r>
+              <a:rPr lang="en-GB" sz="4400" dirty="0"/>
+              <a:t>Possible interpretation: native (standard) German is preferred when describing national pride, heritage or optimistic topics</a:t>
+            </a:r>
+          </a:p>
+          <a:p>
+            <a:pPr marL="571500" indent="-571500">
+              <a:buFontTx/>
+              <a:buChar char="-"/>
+            </a:pPr>
+            <a:endParaRPr lang="en-GB" sz="4400" dirty="0"/>
+          </a:p>
+          <a:p>
+            <a:pPr marL="571500" indent="-571500">
+              <a:buFontTx/>
+              <a:buChar char="-"/>
+            </a:pPr>
+            <a:endParaRPr lang="en-GB" sz="4400" dirty="0"/>
+          </a:p>
+          <a:p>
+            <a:pPr marL="0" indent="0">
+              <a:buFontTx/>
+              <a:buNone/>
+            </a:pPr>
+            <a:r>
+              <a:rPr lang="en-GB" sz="4400" dirty="0"/>
+              <a:t>The Gap is Growing</a:t>
+            </a:r>
+          </a:p>
+          <a:p>
+            <a:pPr marL="0" indent="0">
+              <a:buFontTx/>
+              <a:buNone/>
+            </a:pPr>
+            <a:endParaRPr lang="en-GB" sz="4400" dirty="0"/>
+          </a:p>
+          <a:p>
+            <a:pPr marL="571500" indent="-571500">
+              <a:buFontTx/>
+              <a:buChar char="-"/>
+            </a:pPr>
+            <a:r>
+              <a:rPr lang="en-GB" sz="4400" dirty="0"/>
+              <a:t>By 2025, the gap between positive vs. negative sentiment loanword usage is larger than it was in 2011</a:t>
+            </a:r>
+          </a:p>
+          <a:p>
+            <a:pPr marL="571500" indent="-571500">
+              <a:buFontTx/>
+              <a:buChar char="-"/>
+            </a:pPr>
+            <a:r>
+              <a:rPr lang="en-GB" sz="4400" dirty="0"/>
+              <a:t>Suggests increasing polarisation in the way English is deployed in emotional framing</a:t>
+            </a:r>
           </a:p>
         </p:txBody>
       </p:sp>
@@ -2529,7 +3698,7 @@
           <p:cNvPr id="4" name="Slide Number Placeholder 3">
             <a:extLst>
               <a:ext uri="{FF2B5EF4-FFF2-40B4-BE49-F238E27FC236}">
-                <a16:creationId xmlns:a16="http://schemas.microsoft.com/office/drawing/2014/main" id="{3CE720EA-3B95-5B29-CF4C-799571206A0C}"/>
+                <a16:creationId xmlns:a16="http://schemas.microsoft.com/office/drawing/2014/main" id="{0991E6E7-A8A2-0B18-BD11-B7EF24AA7BF1}"/>
               </a:ext>
             </a:extLst>
           </p:cNvPr>
@@ -2556,7 +3725,7 @@
     </p:spTree>
     <p:extLst>
       <p:ext uri="{BB962C8B-B14F-4D97-AF65-F5344CB8AC3E}">
-        <p14:creationId xmlns:p14="http://schemas.microsoft.com/office/powerpoint/2010/main" val="3649055021"/>
+        <p14:creationId xmlns:p14="http://schemas.microsoft.com/office/powerpoint/2010/main" val="3942628960"/>
       </p:ext>
     </p:extLst>
   </p:cSld>
@@ -2630,7 +3799,7 @@
           <a:p>
             <a:r>
               <a:rPr lang="en-GB" sz="3200" dirty="0"/>
-              <a:t>Insight: Many words come from business, tech and HR culture – showing domains / topic of influence.</a:t>
+              <a:t>Let’s take a look at which English loanwords show up most often.</a:t>
             </a:r>
           </a:p>
           <a:p>
@@ -2639,7 +3808,127 @@
           <a:p>
             <a:r>
               <a:rPr lang="en-GB" sz="3200" dirty="0"/>
-              <a:t>Visualisation: Horizontal bar chart of top 10 loanwords by frequency</a:t>
+              <a:t>Unsurprisingly, we see business and tech language dominate – terms like team, platform, software and investor.</a:t>
+            </a:r>
+          </a:p>
+          <a:p>
+            <a:endParaRPr lang="en-GB" sz="3200" dirty="0"/>
+          </a:p>
+          <a:p>
+            <a:r>
+              <a:rPr lang="en-GB" sz="3200" dirty="0"/>
+              <a:t>At the very top is whistleblowing, which has no perfect German equivalent and is often use din political or investigative reporting.</a:t>
+            </a:r>
+          </a:p>
+          <a:p>
+            <a:endParaRPr lang="en-GB" sz="3200" dirty="0"/>
+          </a:p>
+          <a:p>
+            <a:r>
+              <a:rPr lang="en-GB" sz="3200" dirty="0"/>
+              <a:t>You’ll notice proper nouns like York, wall or Christian – these reflect English names or concepts that don’t get translated.</a:t>
+            </a:r>
+          </a:p>
+          <a:p>
+            <a:endParaRPr lang="en-GB" sz="3200" dirty="0"/>
+          </a:p>
+          <a:p>
+            <a:r>
+              <a:rPr lang="en-GB" sz="3200" dirty="0"/>
+              <a:t>This chart helps us see how </a:t>
+            </a:r>
+            <a:r>
+              <a:rPr lang="en-GB" sz="3200" dirty="0" err="1"/>
+              <a:t>Denglisch</a:t>
+            </a:r>
+            <a:r>
+              <a:rPr lang="en-GB" sz="3200" dirty="0"/>
+              <a:t> is not random – it tends to cluster around specific themes: business, tech, international news and cultural references. </a:t>
+            </a:r>
+          </a:p>
+          <a:p>
+            <a:endParaRPr lang="en-GB" sz="3200" dirty="0"/>
+          </a:p>
+          <a:p>
+            <a:endParaRPr lang="en-GB" sz="3200" dirty="0"/>
+          </a:p>
+          <a:p>
+            <a:endParaRPr lang="en-GB" sz="3200" dirty="0"/>
+          </a:p>
+          <a:p>
+            <a:r>
+              <a:rPr lang="en-GB" sz="3200" dirty="0"/>
+              <a:t>This is a horizonal bar chat showing the top English (or English-like) words used in German articles from </a:t>
+            </a:r>
+            <a:r>
+              <a:rPr lang="en-GB" sz="3200" dirty="0" err="1"/>
+              <a:t>businessinsider.de</a:t>
+            </a:r>
+            <a:r>
+              <a:rPr lang="en-GB" sz="3200" dirty="0"/>
+              <a:t>. The longer the bar, the more often the word appeared in the dataset.</a:t>
+            </a:r>
+          </a:p>
+          <a:p>
+            <a:endParaRPr lang="en-GB" sz="3200" dirty="0"/>
+          </a:p>
+          <a:p>
+            <a:r>
+              <a:rPr lang="en-GB" sz="3200" dirty="0"/>
+              <a:t>Key Observations:</a:t>
+            </a:r>
+          </a:p>
+          <a:p>
+            <a:endParaRPr lang="en-GB" sz="3200" dirty="0"/>
+          </a:p>
+          <a:p>
+            <a:r>
+              <a:rPr lang="en-GB" sz="3200" dirty="0"/>
+              <a:t>“whistleblowing” is by far the most frequent – likely due to its niche untranslatable nature in German media.</a:t>
+            </a:r>
+          </a:p>
+          <a:p>
+            <a:endParaRPr lang="en-GB" sz="3200" dirty="0"/>
+          </a:p>
+          <a:p>
+            <a:r>
+              <a:rPr lang="en-GB" sz="3200" dirty="0"/>
+              <a:t>Words like “team”, “software”, ”platform” and investor are extremely common in tech, business and corporate contexts.</a:t>
+            </a:r>
+          </a:p>
+          <a:p>
+            <a:endParaRPr lang="en-GB" sz="3200" dirty="0"/>
+          </a:p>
+          <a:p>
+            <a:r>
+              <a:rPr lang="en-GB" sz="3200" dirty="0"/>
+              <a:t>Some entries like “York”, “wall” may stem from proper nouns like New York or Wall Street</a:t>
+            </a:r>
+          </a:p>
+          <a:p>
+            <a:endParaRPr lang="en-GB" sz="3200" dirty="0"/>
+          </a:p>
+          <a:p>
+            <a:r>
+              <a:rPr lang="en-GB" sz="3200" dirty="0"/>
+              <a:t>Terms like “smartphone” and “university” reflect modern global concepts where the English term is either more familiar or more stylish.</a:t>
+            </a:r>
+          </a:p>
+          <a:p>
+            <a:endParaRPr lang="en-GB" sz="3200" dirty="0"/>
+          </a:p>
+          <a:p>
+            <a:r>
+              <a:rPr lang="en-GB" sz="3200" dirty="0"/>
+              <a:t>There are terms such as “Christian” and “</a:t>
+            </a:r>
+            <a:r>
+              <a:rPr lang="en-GB" sz="3200" dirty="0" err="1"/>
+              <a:t>hilft</a:t>
+            </a:r>
+            <a:r>
+              <a:rPr lang="en-GB" sz="3200" dirty="0"/>
+              <a:t>” which are false positives and aren’t true loanwords. </a:t>
             </a:r>
           </a:p>
         </p:txBody>
@@ -7882,6 +9171,224 @@
     <p:bg>
       <p:bgPr>
         <a:solidFill>
+          <a:srgbClr val="EEECE8"/>
+        </a:solidFill>
+        <a:effectLst/>
+      </p:bgPr>
+    </p:bg>
+    <p:spTree>
+      <p:nvGrpSpPr>
+        <p:cNvPr id="1" name="">
+          <a:extLst>
+            <a:ext uri="{FF2B5EF4-FFF2-40B4-BE49-F238E27FC236}">
+              <a16:creationId xmlns:a16="http://schemas.microsoft.com/office/drawing/2014/main" id="{1C79D22A-7D11-14FE-5CB3-58898A116BCA}"/>
+            </a:ext>
+          </a:extLst>
+        </p:cNvPr>
+        <p:cNvGrpSpPr/>
+        <p:nvPr/>
+      </p:nvGrpSpPr>
+      <p:grpSpPr>
+        <a:xfrm>
+          <a:off x="0" y="0"/>
+          <a:ext cx="0" cy="0"/>
+          <a:chOff x="0" y="0"/>
+          <a:chExt cx="0" cy="0"/>
+        </a:xfrm>
+      </p:grpSpPr>
+      <p:sp>
+        <p:nvSpPr>
+          <p:cNvPr id="2" name="Title 1">
+            <a:extLst>
+              <a:ext uri="{FF2B5EF4-FFF2-40B4-BE49-F238E27FC236}">
+                <a16:creationId xmlns:a16="http://schemas.microsoft.com/office/drawing/2014/main" id="{08457956-C373-59AF-5D6D-E725E7323B5F}"/>
+              </a:ext>
+            </a:extLst>
+          </p:cNvPr>
+          <p:cNvSpPr>
+            <a:spLocks noGrp="1"/>
+          </p:cNvSpPr>
+          <p:nvPr>
+            <p:ph type="title"/>
+          </p:nvPr>
+        </p:nvSpPr>
+        <p:spPr>
+          <a:xfrm>
+            <a:off x="352425" y="5182107"/>
+            <a:ext cx="3403600" cy="1523494"/>
+          </a:xfrm>
+          <a:noFill/>
+          <a:ln w="50800">
+            <a:noFill/>
+          </a:ln>
+        </p:spPr>
+        <p:txBody>
+          <a:bodyPr wrap="square" lIns="0" bIns="0" anchor="b">
+            <a:spAutoFit/>
+          </a:bodyPr>
+          <a:lstStyle/>
+          <a:p>
+            <a:pPr>
+              <a:lnSpc>
+                <a:spcPct val="100000"/>
+              </a:lnSpc>
+            </a:pPr>
+            <a:r>
+              <a:rPr lang="en-GB" sz="4800" b="1" spc="-150" dirty="0">
+                <a:solidFill>
+                  <a:srgbClr val="D64025"/>
+                </a:solidFill>
+                <a:latin typeface="Hanken Grotesk" pitchFamily="2" charset="77"/>
+              </a:rPr>
+              <a:t>forecasting future usage</a:t>
+            </a:r>
+          </a:p>
+        </p:txBody>
+      </p:sp>
+      <p:pic>
+        <p:nvPicPr>
+          <p:cNvPr id="5" name="Graphic 4">
+            <a:extLst>
+              <a:ext uri="{FF2B5EF4-FFF2-40B4-BE49-F238E27FC236}">
+                <a16:creationId xmlns:a16="http://schemas.microsoft.com/office/drawing/2014/main" id="{88C7A5AA-A39E-BD2A-0DCA-FA88EAEABA80}"/>
+              </a:ext>
+            </a:extLst>
+          </p:cNvPr>
+          <p:cNvPicPr>
+            <a:picLocks noChangeAspect="1"/>
+          </p:cNvPicPr>
+          <p:nvPr/>
+        </p:nvPicPr>
+        <p:blipFill>
+          <a:blip r:embed="rId3">
+            <a:extLst>
+              <a:ext uri="{96DAC541-7B7A-43D3-8B79-37D633B846F1}">
+                <asvg:svgBlip xmlns:asvg="http://schemas.microsoft.com/office/drawing/2016/SVG/main" r:embed="rId4"/>
+              </a:ext>
+            </a:extLst>
+          </a:blip>
+          <a:stretch>
+            <a:fillRect/>
+          </a:stretch>
+        </p:blipFill>
+        <p:spPr>
+          <a:xfrm>
+            <a:off x="352425" y="2354200"/>
+            <a:ext cx="2546895" cy="2827907"/>
+          </a:xfrm>
+          <a:prstGeom prst="rect">
+            <a:avLst/>
+          </a:prstGeom>
+        </p:spPr>
+      </p:pic>
+      <p:pic>
+        <p:nvPicPr>
+          <p:cNvPr id="10" name="Picture 9" descr="A graph with red lines and dots&#10;&#10;AI-generated content may be incorrect.">
+            <a:extLst>
+              <a:ext uri="{FF2B5EF4-FFF2-40B4-BE49-F238E27FC236}">
+                <a16:creationId xmlns:a16="http://schemas.microsoft.com/office/drawing/2014/main" id="{8DC95B8F-AE97-FC06-4F9D-9B22FAE65524}"/>
+              </a:ext>
+            </a:extLst>
+          </p:cNvPr>
+          <p:cNvPicPr>
+            <a:picLocks noChangeAspect="1"/>
+          </p:cNvPicPr>
+          <p:nvPr/>
+        </p:nvPicPr>
+        <p:blipFill>
+          <a:blip r:embed="rId5"/>
+          <a:stretch>
+            <a:fillRect/>
+          </a:stretch>
+        </p:blipFill>
+        <p:spPr>
+          <a:xfrm>
+            <a:off x="3756025" y="1092848"/>
+            <a:ext cx="7772400" cy="5628627"/>
+          </a:xfrm>
+          <a:prstGeom prst="rect">
+            <a:avLst/>
+          </a:prstGeom>
+        </p:spPr>
+      </p:pic>
+      <p:sp>
+        <p:nvSpPr>
+          <p:cNvPr id="11" name="TextBox 10">
+            <a:extLst>
+              <a:ext uri="{FF2B5EF4-FFF2-40B4-BE49-F238E27FC236}">
+                <a16:creationId xmlns:a16="http://schemas.microsoft.com/office/drawing/2014/main" id="{B645D8D6-0001-A94A-6A82-35AD3DD907E5}"/>
+              </a:ext>
+            </a:extLst>
+          </p:cNvPr>
+          <p:cNvSpPr txBox="1"/>
+          <p:nvPr/>
+        </p:nvSpPr>
+        <p:spPr>
+          <a:xfrm>
+            <a:off x="3663259" y="152399"/>
+            <a:ext cx="8343211" cy="707886"/>
+          </a:xfrm>
+          <a:prstGeom prst="rect">
+            <a:avLst/>
+          </a:prstGeom>
+          <a:noFill/>
+        </p:spPr>
+        <p:txBody>
+          <a:bodyPr wrap="square">
+            <a:spAutoFit/>
+          </a:bodyPr>
+          <a:lstStyle/>
+          <a:p>
+            <a:r>
+              <a:rPr lang="en-GB" sz="2000" b="1" dirty="0">
+                <a:latin typeface="Inter Light" panose="02000503000000020004" pitchFamily="2" charset="0"/>
+                <a:ea typeface="Inter Light" panose="02000503000000020004" pitchFamily="2" charset="0"/>
+              </a:rPr>
+              <a:t>Loanword usage is set to rise. </a:t>
+            </a:r>
+            <a:r>
+              <a:rPr lang="en-GB" sz="2000" dirty="0">
+                <a:latin typeface="Inter Light" panose="02000503000000020004" pitchFamily="2" charset="0"/>
+                <a:ea typeface="Inter Light" panose="02000503000000020004" pitchFamily="2" charset="0"/>
+              </a:rPr>
+              <a:t>It suggests English is </a:t>
+            </a:r>
+            <a:r>
+              <a:rPr lang="en-GB" sz="2000" b="1" dirty="0">
+                <a:latin typeface="Inter Light" panose="02000503000000020004" pitchFamily="2" charset="0"/>
+                <a:ea typeface="Inter Light" panose="02000503000000020004" pitchFamily="2" charset="0"/>
+              </a:rPr>
+              <a:t>becoming embedded</a:t>
+            </a:r>
+            <a:r>
+              <a:rPr lang="en-GB" sz="2000" dirty="0">
+                <a:latin typeface="Inter Light" panose="02000503000000020004" pitchFamily="2" charset="0"/>
+                <a:ea typeface="Inter Light" panose="02000503000000020004" pitchFamily="2" charset="0"/>
+              </a:rPr>
+              <a:t>, not just trendy.</a:t>
+            </a:r>
+          </a:p>
+        </p:txBody>
+      </p:sp>
+    </p:spTree>
+    <p:extLst>
+      <p:ext uri="{BB962C8B-B14F-4D97-AF65-F5344CB8AC3E}">
+        <p14:creationId xmlns:p14="http://schemas.microsoft.com/office/powerpoint/2010/main" val="67630008"/>
+      </p:ext>
+    </p:extLst>
+  </p:cSld>
+  <p:clrMapOvr>
+    <a:masterClrMapping/>
+  </p:clrMapOvr>
+</p:sld>
+</file>
+
+<file path=ppt/slides/slide11.xml><?xml version="1.0" encoding="utf-8"?>
+<p:sld xmlns:a="http://schemas.openxmlformats.org/drawingml/2006/main" xmlns:r="http://schemas.openxmlformats.org/officeDocument/2006/relationships" xmlns:p="http://schemas.openxmlformats.org/presentationml/2006/main">
+  <p:cSld>
+    <p:bg>
+      <p:bgPr>
+        <a:solidFill>
           <a:srgbClr val="D64025"/>
         </a:solidFill>
         <a:effectLst/>
@@ -7969,11 +9476,11 @@
         <p:spPr>
           <a:xfrm>
             <a:off x="402102" y="4456283"/>
-            <a:ext cx="10515600" cy="1990288"/>
+            <a:ext cx="11034524" cy="1990288"/>
           </a:xfrm>
         </p:spPr>
         <p:txBody>
-          <a:bodyPr>
+          <a:bodyPr wrap="square">
             <a:spAutoFit/>
           </a:bodyPr>
           <a:lstStyle/>
@@ -7989,7 +9496,7 @@
                 <a:latin typeface="Inter Thin" panose="02000503000000020004" pitchFamily="2" charset="0"/>
                 <a:ea typeface="Inter Thin" panose="02000503000000020004" pitchFamily="2" charset="0"/>
               </a:rPr>
-              <a:t>Impact</a:t>
+              <a:t>Insight</a:t>
             </a:r>
             <a:r>
               <a:rPr lang="en-GB" sz="2000" dirty="0">
@@ -8024,7 +9531,7 @@
                 <a:latin typeface="Inter Thin" panose="02000503000000020004" pitchFamily="2" charset="0"/>
                 <a:ea typeface="Inter Thin" panose="02000503000000020004" pitchFamily="2" charset="0"/>
               </a:rPr>
-              <a:t>Usage</a:t>
+              <a:t>Trend</a:t>
             </a:r>
             <a:r>
               <a:rPr lang="en-GB" sz="2000" dirty="0">
@@ -8037,6 +9544,16 @@
               <a:t>: </a:t>
             </a:r>
             <a:r>
+              <a:rPr lang="en-GB" sz="2000" b="1" dirty="0" err="1">
+                <a:solidFill>
+                  <a:srgbClr val="EEECE8"/>
+                </a:solidFill>
+                <a:latin typeface="Inter SemiBold" panose="02000503000000020004" pitchFamily="2" charset="0"/>
+                <a:ea typeface="Inter SemiBold" panose="02000503000000020004" pitchFamily="2" charset="0"/>
+              </a:rPr>
+              <a:t>Denglisch</a:t>
+            </a:r>
+            <a:r>
               <a:rPr lang="en-GB" sz="2000" b="1" dirty="0">
                 <a:solidFill>
                   <a:srgbClr val="EEECE8"/>
@@ -8044,7 +9561,7 @@
                 <a:latin typeface="Inter SemiBold" panose="02000503000000020004" pitchFamily="2" charset="0"/>
                 <a:ea typeface="Inter SemiBold" panose="02000503000000020004" pitchFamily="2" charset="0"/>
               </a:rPr>
-              <a:t>Rising in globalised sectors</a:t>
+              <a:t> is steadily rising in German media</a:t>
             </a:r>
           </a:p>
           <a:p>
@@ -8094,7 +9611,7 @@
                 <a:latin typeface="Inter Thin" panose="02000503000000020004" pitchFamily="2" charset="0"/>
                 <a:ea typeface="Inter Thin" panose="02000503000000020004" pitchFamily="2" charset="0"/>
               </a:rPr>
-              <a:t>Trends</a:t>
+              <a:t>Emotional framing</a:t>
             </a:r>
             <a:r>
               <a:rPr lang="en-GB" sz="2000" dirty="0">
@@ -8209,7 +9726,7 @@
         </p:blipFill>
         <p:spPr>
           <a:xfrm flipH="1">
-            <a:off x="8607568" y="648768"/>
+            <a:off x="7746177" y="-702350"/>
             <a:ext cx="5877569" cy="6208133"/>
           </a:xfrm>
           <a:prstGeom prst="rect">
@@ -8221,306 +9738,6 @@
     <p:extLst>
       <p:ext uri="{BB962C8B-B14F-4D97-AF65-F5344CB8AC3E}">
         <p14:creationId xmlns:p14="http://schemas.microsoft.com/office/powerpoint/2010/main" val="2790777144"/>
-      </p:ext>
-    </p:extLst>
-  </p:cSld>
-  <p:clrMapOvr>
-    <a:masterClrMapping/>
-  </p:clrMapOvr>
-</p:sld>
-</file>
-
-<file path=ppt/slides/slide11.xml><?xml version="1.0" encoding="utf-8"?>
-<p:sld xmlns:a="http://schemas.openxmlformats.org/drawingml/2006/main" xmlns:r="http://schemas.openxmlformats.org/officeDocument/2006/relationships" xmlns:p="http://schemas.openxmlformats.org/presentationml/2006/main">
-  <p:cSld>
-    <p:bg>
-      <p:bgPr>
-        <a:solidFill>
-          <a:srgbClr val="EEECE8"/>
-        </a:solidFill>
-        <a:effectLst/>
-      </p:bgPr>
-    </p:bg>
-    <p:spTree>
-      <p:nvGrpSpPr>
-        <p:cNvPr id="1" name=""/>
-        <p:cNvGrpSpPr/>
-        <p:nvPr/>
-      </p:nvGrpSpPr>
-      <p:grpSpPr>
-        <a:xfrm>
-          <a:off x="0" y="0"/>
-          <a:ext cx="0" cy="0"/>
-          <a:chOff x="0" y="0"/>
-          <a:chExt cx="0" cy="0"/>
-        </a:xfrm>
-      </p:grpSpPr>
-      <p:sp>
-        <p:nvSpPr>
-          <p:cNvPr id="2" name="Title 1">
-            <a:extLst>
-              <a:ext uri="{FF2B5EF4-FFF2-40B4-BE49-F238E27FC236}">
-                <a16:creationId xmlns:a16="http://schemas.microsoft.com/office/drawing/2014/main" id="{D5938D3B-FDAE-3319-0ADF-DCFAE3C68286}"/>
-              </a:ext>
-            </a:extLst>
-          </p:cNvPr>
-          <p:cNvSpPr>
-            <a:spLocks noGrp="1"/>
-          </p:cNvSpPr>
-          <p:nvPr>
-            <p:ph type="title"/>
-          </p:nvPr>
-        </p:nvSpPr>
-        <p:spPr>
-          <a:xfrm>
-            <a:off x="838200" y="365125"/>
-            <a:ext cx="10515600" cy="954000"/>
-          </a:xfrm>
-          <a:solidFill>
-            <a:srgbClr val="D8D0F2"/>
-          </a:solidFill>
-          <a:ln w="50800">
-            <a:solidFill>
-              <a:srgbClr val="142273"/>
-            </a:solidFill>
-          </a:ln>
-        </p:spPr>
-        <p:txBody>
-          <a:bodyPr/>
-          <a:lstStyle/>
-          <a:p>
-            <a:pPr algn="ctr">
-              <a:lnSpc>
-                <a:spcPct val="100000"/>
-              </a:lnSpc>
-            </a:pPr>
-            <a:r>
-              <a:rPr lang="en-GB" b="1" dirty="0">
-                <a:solidFill>
-                  <a:srgbClr val="142273"/>
-                </a:solidFill>
-                <a:latin typeface="Space Mono" panose="02010509030202000204" pitchFamily="49" charset="77"/>
-              </a:rPr>
-              <a:t>Domains (sector) &amp; Loanwords</a:t>
-            </a:r>
-          </a:p>
-        </p:txBody>
-      </p:sp>
-      <p:sp>
-        <p:nvSpPr>
-          <p:cNvPr id="3" name="Content Placeholder 2">
-            <a:extLst>
-              <a:ext uri="{FF2B5EF4-FFF2-40B4-BE49-F238E27FC236}">
-                <a16:creationId xmlns:a16="http://schemas.microsoft.com/office/drawing/2014/main" id="{4BE910DD-CE40-37F2-7BAD-D453B6E9DC83}"/>
-              </a:ext>
-            </a:extLst>
-          </p:cNvPr>
-          <p:cNvSpPr>
-            <a:spLocks noGrp="1"/>
-          </p:cNvSpPr>
-          <p:nvPr>
-            <p:ph idx="1"/>
-          </p:nvPr>
-        </p:nvSpPr>
-        <p:spPr/>
-        <p:txBody>
-          <a:bodyPr/>
-          <a:lstStyle/>
-          <a:p>
-            <a:pPr marL="0" indent="0">
-              <a:buNone/>
-            </a:pPr>
-            <a:r>
-              <a:rPr lang="en-GB" dirty="0">
-                <a:latin typeface="Mulish" pitchFamily="2" charset="77"/>
-              </a:rPr>
-              <a:t>TODO: Plot #3 Boxplot Loanword density by domain (limited to </a:t>
-            </a:r>
-            <a:r>
-              <a:rPr lang="en-GB" dirty="0" err="1">
-                <a:latin typeface="Mulish" pitchFamily="2" charset="77"/>
-              </a:rPr>
-              <a:t>businessinsider.de</a:t>
-            </a:r>
-            <a:r>
-              <a:rPr lang="en-GB" dirty="0">
-                <a:latin typeface="Mulish" pitchFamily="2" charset="77"/>
-              </a:rPr>
-              <a:t>) so using topic (LLM)</a:t>
-            </a:r>
-          </a:p>
-        </p:txBody>
-      </p:sp>
-      <p:sp>
-        <p:nvSpPr>
-          <p:cNvPr id="4" name="Rounded Rectangle 3">
-            <a:extLst>
-              <a:ext uri="{FF2B5EF4-FFF2-40B4-BE49-F238E27FC236}">
-                <a16:creationId xmlns:a16="http://schemas.microsoft.com/office/drawing/2014/main" id="{AC87326B-8E73-0460-8774-210632F457B5}"/>
-              </a:ext>
-            </a:extLst>
-          </p:cNvPr>
-          <p:cNvSpPr/>
-          <p:nvPr/>
-        </p:nvSpPr>
-        <p:spPr>
-          <a:xfrm>
-            <a:off x="3571539" y="3141234"/>
-            <a:ext cx="4894730" cy="1710466"/>
-          </a:xfrm>
-          <a:prstGeom prst="roundRect">
-            <a:avLst/>
-          </a:prstGeom>
-          <a:solidFill>
-            <a:srgbClr val="D8D0F2"/>
-          </a:solidFill>
-          <a:ln w="50800">
-            <a:solidFill>
-              <a:srgbClr val="142273"/>
-            </a:solidFill>
-          </a:ln>
-        </p:spPr>
-        <p:style>
-          <a:lnRef idx="2">
-            <a:schemeClr val="accent1">
-              <a:shade val="15000"/>
-            </a:schemeClr>
-          </a:lnRef>
-          <a:fillRef idx="1">
-            <a:schemeClr val="accent1"/>
-          </a:fillRef>
-          <a:effectRef idx="0">
-            <a:schemeClr val="accent1"/>
-          </a:effectRef>
-          <a:fontRef idx="minor">
-            <a:schemeClr val="lt1"/>
-          </a:fontRef>
-        </p:style>
-        <p:txBody>
-          <a:bodyPr rtlCol="0" anchor="ctr"/>
-          <a:lstStyle/>
-          <a:p>
-            <a:r>
-              <a:rPr lang="en-GB" b="1" dirty="0">
-                <a:solidFill>
-                  <a:srgbClr val="142273"/>
-                </a:solidFill>
-                <a:latin typeface="Mulish" pitchFamily="2" charset="77"/>
-              </a:rPr>
-              <a:t>Stat Highlights:</a:t>
-            </a:r>
-          </a:p>
-          <a:p>
-            <a:r>
-              <a:rPr lang="en-GB" b="1" dirty="0">
-                <a:solidFill>
-                  <a:srgbClr val="142273"/>
-                </a:solidFill>
-                <a:latin typeface="Mulish" pitchFamily="2" charset="77"/>
-              </a:rPr>
-              <a:t>Business</a:t>
-            </a:r>
-            <a:r>
-              <a:rPr lang="en-GB" dirty="0">
-                <a:solidFill>
-                  <a:srgbClr val="142273"/>
-                </a:solidFill>
-                <a:latin typeface="Mulish" pitchFamily="2" charset="77"/>
-              </a:rPr>
-              <a:t> mean: </a:t>
-            </a:r>
-            <a:r>
-              <a:rPr lang="en-GB" b="1" dirty="0">
-                <a:solidFill>
-                  <a:srgbClr val="142273"/>
-                </a:solidFill>
-                <a:latin typeface="Mulish" pitchFamily="2" charset="77"/>
-              </a:rPr>
-              <a:t>0.0081</a:t>
-            </a:r>
-            <a:r>
-              <a:rPr lang="en-GB" dirty="0">
-                <a:solidFill>
-                  <a:srgbClr val="142273"/>
-                </a:solidFill>
-                <a:latin typeface="Mulish" pitchFamily="2" charset="77"/>
-              </a:rPr>
-              <a:t> (std. dev: 0.0029)</a:t>
-            </a:r>
-          </a:p>
-          <a:p>
-            <a:r>
-              <a:rPr lang="en-GB" b="1" dirty="0">
-                <a:solidFill>
-                  <a:srgbClr val="142273"/>
-                </a:solidFill>
-                <a:latin typeface="Mulish" pitchFamily="2" charset="77"/>
-              </a:rPr>
-              <a:t>Lifestyle</a:t>
-            </a:r>
-            <a:r>
-              <a:rPr lang="en-GB" dirty="0">
-                <a:solidFill>
-                  <a:srgbClr val="142273"/>
-                </a:solidFill>
-                <a:latin typeface="Mulish" pitchFamily="2" charset="77"/>
-              </a:rPr>
-              <a:t> mean: </a:t>
-            </a:r>
-            <a:r>
-              <a:rPr lang="en-GB" b="1" dirty="0">
-                <a:solidFill>
-                  <a:srgbClr val="142273"/>
-                </a:solidFill>
-                <a:latin typeface="Mulish" pitchFamily="2" charset="77"/>
-              </a:rPr>
-              <a:t>0.0064</a:t>
-            </a:r>
-          </a:p>
-          <a:p>
-            <a:r>
-              <a:rPr lang="en-GB" b="1" dirty="0">
-                <a:solidFill>
-                  <a:srgbClr val="142273"/>
-                </a:solidFill>
-                <a:latin typeface="Mulish" pitchFamily="2" charset="77"/>
-              </a:rPr>
-              <a:t>Politics</a:t>
-            </a:r>
-            <a:r>
-              <a:rPr lang="en-GB" dirty="0">
-                <a:solidFill>
-                  <a:srgbClr val="142273"/>
-                </a:solidFill>
-                <a:latin typeface="Mulish" pitchFamily="2" charset="77"/>
-              </a:rPr>
-              <a:t> mean: </a:t>
-            </a:r>
-            <a:r>
-              <a:rPr lang="en-GB" b="1" dirty="0">
-                <a:solidFill>
-                  <a:srgbClr val="142273"/>
-                </a:solidFill>
-                <a:latin typeface="Mulish" pitchFamily="2" charset="77"/>
-              </a:rPr>
-              <a:t>0.0021</a:t>
-            </a:r>
-            <a:r>
-              <a:rPr lang="en-GB" dirty="0">
-                <a:solidFill>
-                  <a:srgbClr val="142273"/>
-                </a:solidFill>
-                <a:latin typeface="Mulish" pitchFamily="2" charset="77"/>
-              </a:rPr>
-              <a:t> (narrow IQR)</a:t>
-            </a:r>
-          </a:p>
-        </p:txBody>
-      </p:sp>
-    </p:spTree>
-    <p:extLst>
-      <p:ext uri="{BB962C8B-B14F-4D97-AF65-F5344CB8AC3E}">
-        <p14:creationId xmlns:p14="http://schemas.microsoft.com/office/powerpoint/2010/main" val="2923883874"/>
       </p:ext>
     </p:extLst>
   </p:cSld>
@@ -8543,7 +9760,13 @@
     </p:bg>
     <p:spTree>
       <p:nvGrpSpPr>
-        <p:cNvPr id="1" name=""/>
+        <p:cNvPr id="1" name="">
+          <a:extLst>
+            <a:ext uri="{FF2B5EF4-FFF2-40B4-BE49-F238E27FC236}">
+              <a16:creationId xmlns:a16="http://schemas.microsoft.com/office/drawing/2014/main" id="{F6F31E17-7CE8-F9D8-4B32-8A286014966E}"/>
+            </a:ext>
+          </a:extLst>
+        </p:cNvPr>
         <p:cNvGrpSpPr/>
         <p:nvPr/>
       </p:nvGrpSpPr>
@@ -8560,7 +9783,7 @@
           <p:cNvPr id="2" name="Title 1">
             <a:extLst>
               <a:ext uri="{FF2B5EF4-FFF2-40B4-BE49-F238E27FC236}">
-                <a16:creationId xmlns:a16="http://schemas.microsoft.com/office/drawing/2014/main" id="{BD4B6237-4A2B-4CC9-C3BA-999AA1DE25A1}"/>
+                <a16:creationId xmlns:a16="http://schemas.microsoft.com/office/drawing/2014/main" id="{341294E7-9498-4E3E-0FCB-97870EB39563}"/>
               </a:ext>
             </a:extLst>
           </p:cNvPr>
@@ -8573,111 +9796,395 @@
         </p:nvSpPr>
         <p:spPr>
           <a:xfrm>
-            <a:off x="838200" y="365125"/>
-            <a:ext cx="10515600" cy="954000"/>
+            <a:off x="352425" y="5615971"/>
+            <a:ext cx="10515600" cy="784830"/>
           </a:xfrm>
-          <a:solidFill>
-            <a:srgbClr val="D8D0F2"/>
-          </a:solidFill>
+          <a:noFill/>
           <a:ln w="50800">
-            <a:solidFill>
-              <a:srgbClr val="142273"/>
-            </a:solidFill>
+            <a:noFill/>
           </a:ln>
         </p:spPr>
         <p:txBody>
-          <a:bodyPr/>
+          <a:bodyPr bIns="0" anchor="b">
+            <a:spAutoFit/>
+          </a:bodyPr>
           <a:lstStyle/>
           <a:p>
-            <a:pPr algn="ctr">
+            <a:pPr>
               <a:lnSpc>
                 <a:spcPct val="100000"/>
               </a:lnSpc>
             </a:pPr>
             <a:r>
-              <a:rPr lang="en-GB" b="1" dirty="0">
+              <a:rPr lang="en-GB" sz="4800" b="1" spc="-150" dirty="0">
                 <a:solidFill>
-                  <a:srgbClr val="142273"/>
+                  <a:srgbClr val="D64025"/>
                 </a:solidFill>
-                <a:latin typeface="Space Mono" panose="02010509030202000204" pitchFamily="49" charset="77"/>
+                <a:latin typeface="Hanken Grotesk" pitchFamily="2" charset="77"/>
               </a:rPr>
-              <a:t>Qualitative Insights (LLM)</a:t>
+              <a:t>guess the word</a:t>
             </a:r>
           </a:p>
         </p:txBody>
       </p:sp>
-      <p:sp>
-        <p:nvSpPr>
-          <p:cNvPr id="3" name="Content Placeholder 2">
-            <a:extLst>
-              <a:ext uri="{FF2B5EF4-FFF2-40B4-BE49-F238E27FC236}">
-                <a16:creationId xmlns:a16="http://schemas.microsoft.com/office/drawing/2014/main" id="{84A8438B-7CD1-6DFB-BA7F-1EA7225C5F45}"/>
-              </a:ext>
-            </a:extLst>
-          </p:cNvPr>
-          <p:cNvSpPr>
-            <a:spLocks noGrp="1"/>
-          </p:cNvSpPr>
-          <p:nvPr>
-            <p:ph idx="1"/>
-          </p:nvPr>
-        </p:nvSpPr>
-        <p:spPr/>
+      <p:pic>
+        <p:nvPicPr>
+          <p:cNvPr id="5" name="Graphic 4">
+            <a:extLst>
+              <a:ext uri="{FF2B5EF4-FFF2-40B4-BE49-F238E27FC236}">
+                <a16:creationId xmlns:a16="http://schemas.microsoft.com/office/drawing/2014/main" id="{F0F28CE3-AF30-E9A5-A6A9-16113A522DEB}"/>
+              </a:ext>
+            </a:extLst>
+          </p:cNvPr>
+          <p:cNvPicPr>
+            <a:picLocks noChangeAspect="1"/>
+          </p:cNvPicPr>
+          <p:nvPr/>
+        </p:nvPicPr>
+        <p:blipFill>
+          <a:blip r:embed="rId3">
+            <a:extLst>
+              <a:ext uri="{96DAC541-7B7A-43D3-8B79-37D633B846F1}">
+                <asvg:svgBlip xmlns:asvg="http://schemas.microsoft.com/office/drawing/2016/SVG/main" r:embed="rId4"/>
+              </a:ext>
+            </a:extLst>
+          </a:blip>
+          <a:stretch>
+            <a:fillRect/>
+          </a:stretch>
+        </p:blipFill>
+        <p:spPr>
+          <a:xfrm>
+            <a:off x="-287936" y="2175302"/>
+            <a:ext cx="3810000" cy="3810000"/>
+          </a:xfrm>
+          <a:prstGeom prst="rect">
+            <a:avLst/>
+          </a:prstGeom>
+        </p:spPr>
+      </p:pic>
+      <p:sp>
+        <p:nvSpPr>
+          <p:cNvPr id="6" name="TextBox 5">
+            <a:extLst>
+              <a:ext uri="{FF2B5EF4-FFF2-40B4-BE49-F238E27FC236}">
+                <a16:creationId xmlns:a16="http://schemas.microsoft.com/office/drawing/2014/main" id="{264FECF1-1A5C-5FA1-AED9-F89FB6EEB494}"/>
+              </a:ext>
+            </a:extLst>
+          </p:cNvPr>
+          <p:cNvSpPr txBox="1"/>
+          <p:nvPr/>
+        </p:nvSpPr>
+        <p:spPr>
+          <a:xfrm>
+            <a:off x="4969636" y="587267"/>
+            <a:ext cx="3941144" cy="400110"/>
+          </a:xfrm>
+          <a:prstGeom prst="rect">
+            <a:avLst/>
+          </a:prstGeom>
+          <a:noFill/>
+        </p:spPr>
         <p:txBody>
-          <a:bodyPr/>
+          <a:bodyPr wrap="none" lIns="0" rtlCol="0">
+            <a:spAutoFit/>
+          </a:bodyPr>
           <a:lstStyle/>
           <a:p>
-            <a:pPr marL="0" indent="0">
-              <a:buNone/>
-            </a:pPr>
-            <a:r>
-              <a:rPr lang="en-GB" dirty="0"/>
-              <a:t>Why Are These Words Used?</a:t>
-            </a:r>
-          </a:p>
-          <a:p>
-            <a:pPr marL="0" indent="0">
-              <a:buNone/>
-            </a:pPr>
-            <a:endParaRPr lang="en-GB" dirty="0"/>
-          </a:p>
-          <a:p>
-            <a:pPr marL="0" indent="0">
-              <a:buNone/>
-            </a:pPr>
-            <a:r>
-              <a:rPr lang="en-GB" dirty="0"/>
-              <a:t>LLM Response: modernity, tech-savviness, trendiness</a:t>
-            </a:r>
-          </a:p>
-          <a:p>
-            <a:pPr marL="0" indent="0">
-              <a:buNone/>
-            </a:pPr>
-            <a:endParaRPr lang="en-GB" dirty="0"/>
-          </a:p>
-          <a:p>
-            <a:pPr marL="0" indent="0">
-              <a:buNone/>
-            </a:pPr>
-            <a:r>
-              <a:rPr lang="en-GB" dirty="0"/>
-              <a:t>Aspirational tone</a:t>
-            </a:r>
-          </a:p>
-          <a:p>
-            <a:pPr marL="0" indent="0">
-              <a:buNone/>
-            </a:pPr>
-            <a:endParaRPr lang="en-GB" dirty="0"/>
-          </a:p>
-          <a:p>
-            <a:pPr marL="0" indent="0">
-              <a:buNone/>
-            </a:pPr>
-            <a:r>
-              <a:rPr lang="en-GB" dirty="0"/>
-              <a:t>Tone classification: ~80% formal, 20% informal in sample</a:t>
+            <a:r>
+              <a:rPr lang="en-GB" sz="2000" b="1" i="1" dirty="0">
+                <a:solidFill>
+                  <a:srgbClr val="262626"/>
+                </a:solidFill>
+                <a:latin typeface="Inter SemiBold" panose="02000503000000020004" pitchFamily="2" charset="0"/>
+                <a:ea typeface="Inter SemiBold" panose="02000503000000020004" pitchFamily="2" charset="0"/>
+              </a:rPr>
+              <a:t>FAMILY FORTUNES </a:t>
+            </a:r>
+            <a:r>
+              <a:rPr lang="en-GB" sz="2000" b="1" dirty="0">
+                <a:solidFill>
+                  <a:srgbClr val="262626"/>
+                </a:solidFill>
+                <a:latin typeface="Inter SemiBold" panose="02000503000000020004" pitchFamily="2" charset="0"/>
+                <a:ea typeface="Inter SemiBold" panose="02000503000000020004" pitchFamily="2" charset="0"/>
+              </a:rPr>
+              <a:t>MINI GAME</a:t>
+            </a:r>
+          </a:p>
+        </p:txBody>
+      </p:sp>
+      <p:sp>
+        <p:nvSpPr>
+          <p:cNvPr id="12" name="Rectangle 11">
+            <a:extLst>
+              <a:ext uri="{FF2B5EF4-FFF2-40B4-BE49-F238E27FC236}">
+                <a16:creationId xmlns:a16="http://schemas.microsoft.com/office/drawing/2014/main" id="{579E3AD5-67E5-8515-1A39-FE85094DBF6B}"/>
+              </a:ext>
+            </a:extLst>
+          </p:cNvPr>
+          <p:cNvSpPr/>
+          <p:nvPr/>
+        </p:nvSpPr>
+        <p:spPr>
+          <a:xfrm>
+            <a:off x="4969636" y="1181686"/>
+            <a:ext cx="6819090" cy="914400"/>
+          </a:xfrm>
+          <a:prstGeom prst="rect">
+            <a:avLst/>
+          </a:prstGeom>
+          <a:solidFill>
+            <a:srgbClr val="262626"/>
+          </a:solidFill>
+          <a:ln>
+            <a:noFill/>
+          </a:ln>
+        </p:spPr>
+        <p:style>
+          <a:lnRef idx="2">
+            <a:schemeClr val="accent1">
+              <a:shade val="15000"/>
+            </a:schemeClr>
+          </a:lnRef>
+          <a:fillRef idx="1">
+            <a:schemeClr val="accent1"/>
+          </a:fillRef>
+          <a:effectRef idx="0">
+            <a:schemeClr val="accent1"/>
+          </a:effectRef>
+          <a:fontRef idx="minor">
+            <a:schemeClr val="lt1"/>
+          </a:fontRef>
+        </p:style>
+        <p:txBody>
+          <a:bodyPr rtlCol="0" anchor="ctr"/>
+          <a:lstStyle/>
+          <a:p>
+            <a:pPr algn="ctr"/>
+            <a:r>
+              <a:rPr lang="en-GB" sz="2400" dirty="0"/>
+              <a:t>placeholder</a:t>
+            </a:r>
+          </a:p>
+        </p:txBody>
+      </p:sp>
+      <p:sp>
+        <p:nvSpPr>
+          <p:cNvPr id="3" name="Rectangle 2">
+            <a:extLst>
+              <a:ext uri="{FF2B5EF4-FFF2-40B4-BE49-F238E27FC236}">
+                <a16:creationId xmlns:a16="http://schemas.microsoft.com/office/drawing/2014/main" id="{56856A62-FD22-E1F6-2741-005ADD32C75E}"/>
+              </a:ext>
+            </a:extLst>
+          </p:cNvPr>
+          <p:cNvSpPr/>
+          <p:nvPr/>
+        </p:nvSpPr>
+        <p:spPr>
+          <a:xfrm>
+            <a:off x="4969636" y="2264899"/>
+            <a:ext cx="6819090" cy="914400"/>
+          </a:xfrm>
+          <a:prstGeom prst="rect">
+            <a:avLst/>
+          </a:prstGeom>
+          <a:solidFill>
+            <a:srgbClr val="262626"/>
+          </a:solidFill>
+          <a:ln>
+            <a:noFill/>
+          </a:ln>
+        </p:spPr>
+        <p:style>
+          <a:lnRef idx="2">
+            <a:schemeClr val="accent1">
+              <a:shade val="15000"/>
+            </a:schemeClr>
+          </a:lnRef>
+          <a:fillRef idx="1">
+            <a:schemeClr val="accent1"/>
+          </a:fillRef>
+          <a:effectRef idx="0">
+            <a:schemeClr val="accent1"/>
+          </a:effectRef>
+          <a:fontRef idx="minor">
+            <a:schemeClr val="lt1"/>
+          </a:fontRef>
+        </p:style>
+        <p:txBody>
+          <a:bodyPr rtlCol="0" anchor="ctr"/>
+          <a:lstStyle/>
+          <a:p>
+            <a:pPr algn="ctr"/>
+            <a:r>
+              <a:rPr lang="en-GB" sz="2400" dirty="0"/>
+              <a:t>placeholder</a:t>
+            </a:r>
+          </a:p>
+        </p:txBody>
+      </p:sp>
+      <p:sp>
+        <p:nvSpPr>
+          <p:cNvPr id="13" name="Rectangle 12">
+            <a:extLst>
+              <a:ext uri="{FF2B5EF4-FFF2-40B4-BE49-F238E27FC236}">
+                <a16:creationId xmlns:a16="http://schemas.microsoft.com/office/drawing/2014/main" id="{C7411B2C-B52C-C653-E00E-0ADF93859F2A}"/>
+              </a:ext>
+            </a:extLst>
+          </p:cNvPr>
+          <p:cNvSpPr/>
+          <p:nvPr/>
+        </p:nvSpPr>
+        <p:spPr>
+          <a:xfrm>
+            <a:off x="4969636" y="3334044"/>
+            <a:ext cx="6819090" cy="914400"/>
+          </a:xfrm>
+          <a:prstGeom prst="rect">
+            <a:avLst/>
+          </a:prstGeom>
+          <a:solidFill>
+            <a:srgbClr val="262626"/>
+          </a:solidFill>
+          <a:ln>
+            <a:noFill/>
+          </a:ln>
+        </p:spPr>
+        <p:style>
+          <a:lnRef idx="2">
+            <a:schemeClr val="accent1">
+              <a:shade val="15000"/>
+            </a:schemeClr>
+          </a:lnRef>
+          <a:fillRef idx="1">
+            <a:schemeClr val="accent1"/>
+          </a:fillRef>
+          <a:effectRef idx="0">
+            <a:schemeClr val="accent1"/>
+          </a:effectRef>
+          <a:fontRef idx="minor">
+            <a:schemeClr val="lt1"/>
+          </a:fontRef>
+        </p:style>
+        <p:txBody>
+          <a:bodyPr rtlCol="0" anchor="ctr"/>
+          <a:lstStyle/>
+          <a:p>
+            <a:pPr algn="ctr"/>
+            <a:r>
+              <a:rPr lang="en-GB" sz="2400" dirty="0"/>
+              <a:t>placeholder</a:t>
+            </a:r>
+          </a:p>
+        </p:txBody>
+      </p:sp>
+      <p:sp>
+        <p:nvSpPr>
+          <p:cNvPr id="14" name="Rectangle 13">
+            <a:extLst>
+              <a:ext uri="{FF2B5EF4-FFF2-40B4-BE49-F238E27FC236}">
+                <a16:creationId xmlns:a16="http://schemas.microsoft.com/office/drawing/2014/main" id="{68B1C59E-A7B3-1ED9-6945-09F4D2FB94CE}"/>
+              </a:ext>
+            </a:extLst>
+          </p:cNvPr>
+          <p:cNvSpPr/>
+          <p:nvPr/>
+        </p:nvSpPr>
+        <p:spPr>
+          <a:xfrm>
+            <a:off x="4969636" y="4431324"/>
+            <a:ext cx="6819090" cy="914400"/>
+          </a:xfrm>
+          <a:prstGeom prst="rect">
+            <a:avLst/>
+          </a:prstGeom>
+          <a:solidFill>
+            <a:srgbClr val="262626"/>
+          </a:solidFill>
+          <a:ln>
+            <a:noFill/>
+          </a:ln>
+        </p:spPr>
+        <p:style>
+          <a:lnRef idx="2">
+            <a:schemeClr val="accent1">
+              <a:shade val="15000"/>
+            </a:schemeClr>
+          </a:lnRef>
+          <a:fillRef idx="1">
+            <a:schemeClr val="accent1"/>
+          </a:fillRef>
+          <a:effectRef idx="0">
+            <a:schemeClr val="accent1"/>
+          </a:effectRef>
+          <a:fontRef idx="minor">
+            <a:schemeClr val="lt1"/>
+          </a:fontRef>
+        </p:style>
+        <p:txBody>
+          <a:bodyPr rtlCol="0" anchor="ctr"/>
+          <a:lstStyle/>
+          <a:p>
+            <a:pPr algn="ctr"/>
+            <a:r>
+              <a:rPr lang="en-GB" sz="2400" dirty="0"/>
+              <a:t>placeholder</a:t>
+            </a:r>
+          </a:p>
+        </p:txBody>
+      </p:sp>
+      <p:sp>
+        <p:nvSpPr>
+          <p:cNvPr id="15" name="Rectangle 14">
+            <a:extLst>
+              <a:ext uri="{FF2B5EF4-FFF2-40B4-BE49-F238E27FC236}">
+                <a16:creationId xmlns:a16="http://schemas.microsoft.com/office/drawing/2014/main" id="{C99D21C1-9180-AC23-4B9A-1DD84E57621B}"/>
+              </a:ext>
+            </a:extLst>
+          </p:cNvPr>
+          <p:cNvSpPr/>
+          <p:nvPr/>
+        </p:nvSpPr>
+        <p:spPr>
+          <a:xfrm>
+            <a:off x="4969636" y="5486401"/>
+            <a:ext cx="6819090" cy="914400"/>
+          </a:xfrm>
+          <a:prstGeom prst="rect">
+            <a:avLst/>
+          </a:prstGeom>
+          <a:solidFill>
+            <a:srgbClr val="262626"/>
+          </a:solidFill>
+          <a:ln>
+            <a:noFill/>
+          </a:ln>
+        </p:spPr>
+        <p:style>
+          <a:lnRef idx="2">
+            <a:schemeClr val="accent1">
+              <a:shade val="15000"/>
+            </a:schemeClr>
+          </a:lnRef>
+          <a:fillRef idx="1">
+            <a:schemeClr val="accent1"/>
+          </a:fillRef>
+          <a:effectRef idx="0">
+            <a:schemeClr val="accent1"/>
+          </a:effectRef>
+          <a:fontRef idx="minor">
+            <a:schemeClr val="lt1"/>
+          </a:fontRef>
+        </p:style>
+        <p:txBody>
+          <a:bodyPr rtlCol="0" anchor="ctr"/>
+          <a:lstStyle/>
+          <a:p>
+            <a:pPr algn="ctr"/>
+            <a:r>
+              <a:rPr lang="en-GB" sz="2400" dirty="0"/>
+              <a:t>placeholder</a:t>
             </a:r>
           </a:p>
         </p:txBody>
@@ -8685,144 +10192,7 @@
     </p:spTree>
     <p:extLst>
       <p:ext uri="{BB962C8B-B14F-4D97-AF65-F5344CB8AC3E}">
-        <p14:creationId xmlns:p14="http://schemas.microsoft.com/office/powerpoint/2010/main" val="2786154911"/>
-      </p:ext>
-    </p:extLst>
-  </p:cSld>
-  <p:clrMapOvr>
-    <a:masterClrMapping/>
-  </p:clrMapOvr>
-</p:sld>
-</file>
-
-<file path=ppt/slides/slide13.xml><?xml version="1.0" encoding="utf-8"?>
-<p:sld xmlns:a="http://schemas.openxmlformats.org/drawingml/2006/main" xmlns:r="http://schemas.openxmlformats.org/officeDocument/2006/relationships" xmlns:p="http://schemas.openxmlformats.org/presentationml/2006/main">
-  <p:cSld>
-    <p:bg>
-      <p:bgPr>
-        <a:solidFill>
-          <a:srgbClr val="EEECE8"/>
-        </a:solidFill>
-        <a:effectLst/>
-      </p:bgPr>
-    </p:bg>
-    <p:spTree>
-      <p:nvGrpSpPr>
-        <p:cNvPr id="1" name=""/>
-        <p:cNvGrpSpPr/>
-        <p:nvPr/>
-      </p:nvGrpSpPr>
-      <p:grpSpPr>
-        <a:xfrm>
-          <a:off x="0" y="0"/>
-          <a:ext cx="0" cy="0"/>
-          <a:chOff x="0" y="0"/>
-          <a:chExt cx="0" cy="0"/>
-        </a:xfrm>
-      </p:grpSpPr>
-      <p:sp>
-        <p:nvSpPr>
-          <p:cNvPr id="2" name="Title 1">
-            <a:extLst>
-              <a:ext uri="{FF2B5EF4-FFF2-40B4-BE49-F238E27FC236}">
-                <a16:creationId xmlns:a16="http://schemas.microsoft.com/office/drawing/2014/main" id="{CD39575E-5DCA-B55C-5A5D-4043D3AACE1D}"/>
-              </a:ext>
-            </a:extLst>
-          </p:cNvPr>
-          <p:cNvSpPr>
-            <a:spLocks noGrp="1"/>
-          </p:cNvSpPr>
-          <p:nvPr>
-            <p:ph type="title"/>
-          </p:nvPr>
-        </p:nvSpPr>
-        <p:spPr>
-          <a:solidFill>
-            <a:srgbClr val="D8D0F2"/>
-          </a:solidFill>
-          <a:ln w="50800">
-            <a:solidFill>
-              <a:srgbClr val="142273"/>
-            </a:solidFill>
-          </a:ln>
-        </p:spPr>
-        <p:txBody>
-          <a:bodyPr>
-            <a:normAutofit fontScale="90000"/>
-          </a:bodyPr>
-          <a:lstStyle/>
-          <a:p>
-            <a:pPr algn="ctr">
-              <a:lnSpc>
-                <a:spcPct val="100000"/>
-              </a:lnSpc>
-            </a:pPr>
-            <a:r>
-              <a:rPr lang="en-GB" b="1" dirty="0">
-                <a:solidFill>
-                  <a:srgbClr val="142273"/>
-                </a:solidFill>
-                <a:latin typeface="Space Mono" panose="02010509030202000204" pitchFamily="49" charset="77"/>
-              </a:rPr>
-              <a:t>Branding, Aspiration &amp; </a:t>
-            </a:r>
-            <a:br>
-              <a:rPr lang="en-GB" b="1" dirty="0">
-                <a:solidFill>
-                  <a:srgbClr val="142273"/>
-                </a:solidFill>
-                <a:latin typeface="Space Mono" panose="02010509030202000204" pitchFamily="49" charset="77"/>
-              </a:rPr>
-            </a:br>
-            <a:r>
-              <a:rPr lang="en-GB" b="1" dirty="0">
-                <a:solidFill>
-                  <a:srgbClr val="142273"/>
-                </a:solidFill>
-                <a:latin typeface="Space Mono" panose="02010509030202000204" pitchFamily="49" charset="77"/>
-              </a:rPr>
-              <a:t>Global Alignment</a:t>
-            </a:r>
-          </a:p>
-        </p:txBody>
-      </p:sp>
-      <p:sp>
-        <p:nvSpPr>
-          <p:cNvPr id="3" name="Content Placeholder 2">
-            <a:extLst>
-              <a:ext uri="{FF2B5EF4-FFF2-40B4-BE49-F238E27FC236}">
-                <a16:creationId xmlns:a16="http://schemas.microsoft.com/office/drawing/2014/main" id="{B210C2C8-D07F-E703-FC3F-05F8BCE9EB0A}"/>
-              </a:ext>
-            </a:extLst>
-          </p:cNvPr>
-          <p:cNvSpPr>
-            <a:spLocks noGrp="1"/>
-          </p:cNvSpPr>
-          <p:nvPr>
-            <p:ph idx="1"/>
-          </p:nvPr>
-        </p:nvSpPr>
-        <p:spPr/>
-        <p:txBody>
-          <a:bodyPr/>
-          <a:lstStyle/>
-          <a:p>
-            <a:pPr marL="0" indent="0">
-              <a:buNone/>
-            </a:pPr>
-            <a:r>
-              <a:rPr lang="en-GB" dirty="0">
-                <a:latin typeface="Mulish" pitchFamily="2" charset="77"/>
-              </a:rPr>
-              <a:t>Is Denglish a linguistic tool for branding and aspiration?</a:t>
-            </a:r>
-          </a:p>
-        </p:txBody>
-      </p:sp>
-    </p:spTree>
-    <p:extLst>
-      <p:ext uri="{BB962C8B-B14F-4D97-AF65-F5344CB8AC3E}">
-        <p14:creationId xmlns:p14="http://schemas.microsoft.com/office/powerpoint/2010/main" val="2730758770"/>
+        <p14:creationId xmlns:p14="http://schemas.microsoft.com/office/powerpoint/2010/main" val="3803946757"/>
       </p:ext>
     </p:extLst>
   </p:cSld>
@@ -8920,8 +10290,8 @@
         </p:nvSpPr>
         <p:spPr>
           <a:xfrm>
-            <a:off x="6691702" y="2117229"/>
-            <a:ext cx="5147873" cy="4154984"/>
+            <a:off x="6691702" y="2394228"/>
+            <a:ext cx="5147873" cy="3877985"/>
           </a:xfrm>
           <a:prstGeom prst="rect">
             <a:avLst/>
@@ -8963,7 +10333,7 @@
                 <a:latin typeface="Inter" panose="02000503000000020004" pitchFamily="2" charset="0"/>
                 <a:ea typeface="Inter" panose="02000503000000020004" pitchFamily="2" charset="0"/>
               </a:rPr>
-              <a:t>English usage has grown due to globalisation and appears more often in tech/business content.</a:t>
+              <a:t>English is used more in positive, aspirational or professional contexts.</a:t>
             </a:r>
           </a:p>
           <a:p>
@@ -9619,6 +10989,61 @@
           </a:p>
         </p:txBody>
       </p:sp>
+      <p:sp>
+        <p:nvSpPr>
+          <p:cNvPr id="13" name="Rectangle 12">
+            <a:extLst>
+              <a:ext uri="{FF2B5EF4-FFF2-40B4-BE49-F238E27FC236}">
+                <a16:creationId xmlns:a16="http://schemas.microsoft.com/office/drawing/2014/main" id="{169781B6-B165-160A-78C3-10161D4AB260}"/>
+              </a:ext>
+            </a:extLst>
+          </p:cNvPr>
+          <p:cNvSpPr/>
+          <p:nvPr/>
+        </p:nvSpPr>
+        <p:spPr>
+          <a:xfrm>
+            <a:off x="7845093" y="1360379"/>
+            <a:ext cx="2672861" cy="914400"/>
+          </a:xfrm>
+          <a:prstGeom prst="rect">
+            <a:avLst/>
+          </a:prstGeom>
+          <a:solidFill>
+            <a:srgbClr val="262626"/>
+          </a:solidFill>
+          <a:ln>
+            <a:noFill/>
+          </a:ln>
+        </p:spPr>
+        <p:style>
+          <a:lnRef idx="2">
+            <a:schemeClr val="accent1">
+              <a:shade val="15000"/>
+            </a:schemeClr>
+          </a:lnRef>
+          <a:fillRef idx="1">
+            <a:schemeClr val="accent1"/>
+          </a:fillRef>
+          <a:effectRef idx="0">
+            <a:schemeClr val="accent1"/>
+          </a:effectRef>
+          <a:fontRef idx="minor">
+            <a:schemeClr val="lt1"/>
+          </a:fontRef>
+        </p:style>
+        <p:txBody>
+          <a:bodyPr rtlCol="0" anchor="ctr"/>
+          <a:lstStyle/>
+          <a:p>
+            <a:pPr algn="ctr"/>
+            <a:r>
+              <a:rPr lang="en-GB" sz="2400" dirty="0"/>
+              <a:t>2011 - 2025</a:t>
+            </a:r>
+          </a:p>
+        </p:txBody>
+      </p:sp>
     </p:spTree>
     <p:extLst>
       <p:ext uri="{BB962C8B-B14F-4D97-AF65-F5344CB8AC3E}">
@@ -9681,8 +11106,8 @@
         </p:nvSpPr>
         <p:spPr>
           <a:xfrm>
-            <a:off x="352425" y="5615971"/>
-            <a:ext cx="10515600" cy="784830"/>
+            <a:off x="352425" y="4323309"/>
+            <a:ext cx="3403600" cy="2077492"/>
           </a:xfrm>
           <a:noFill/>
           <a:ln w="50800">
@@ -9690,7 +11115,7 @@
           </a:ln>
         </p:spPr>
         <p:txBody>
-          <a:bodyPr bIns="0" anchor="b">
+          <a:bodyPr wrap="square" lIns="0" bIns="0" anchor="b">
             <a:spAutoFit/>
           </a:bodyPr>
           <a:lstStyle/>
@@ -9701,23 +11126,89 @@
               </a:lnSpc>
             </a:pPr>
             <a:r>
-              <a:rPr lang="en-GB" sz="4800" b="1" spc="-150" dirty="0">
+              <a:rPr lang="en-GB" b="1" spc="-150" dirty="0">
                 <a:solidFill>
                   <a:srgbClr val="D64025"/>
                 </a:solidFill>
                 <a:latin typeface="Hanken Grotesk" pitchFamily="2" charset="77"/>
               </a:rPr>
-              <a:t>usage</a:t>
+              <a:t>loanword usage over time</a:t>
             </a:r>
           </a:p>
         </p:txBody>
       </p:sp>
-      <p:sp>
-        <p:nvSpPr>
-          <p:cNvPr id="6" name="TextBox 5">
-            <a:extLst>
-              <a:ext uri="{FF2B5EF4-FFF2-40B4-BE49-F238E27FC236}">
-                <a16:creationId xmlns:a16="http://schemas.microsoft.com/office/drawing/2014/main" id="{AA1A069D-C211-4C3F-7A28-4E4B12D6E138}"/>
+      <p:pic>
+        <p:nvPicPr>
+          <p:cNvPr id="23" name="Graphic 22">
+            <a:extLst>
+              <a:ext uri="{FF2B5EF4-FFF2-40B4-BE49-F238E27FC236}">
+                <a16:creationId xmlns:a16="http://schemas.microsoft.com/office/drawing/2014/main" id="{9F23BF73-33FF-61E8-6E43-8120913CED05}"/>
+              </a:ext>
+            </a:extLst>
+          </p:cNvPr>
+          <p:cNvPicPr>
+            <a:picLocks noChangeAspect="1"/>
+          </p:cNvPicPr>
+          <p:nvPr/>
+        </p:nvPicPr>
+        <p:blipFill>
+          <a:blip r:embed="rId3">
+            <a:extLst>
+              <a:ext uri="{96DAC541-7B7A-43D3-8B79-37D633B846F1}">
+                <asvg:svgBlip xmlns:asvg="http://schemas.microsoft.com/office/drawing/2016/SVG/main" r:embed="rId4"/>
+              </a:ext>
+            </a:extLst>
+          </a:blip>
+          <a:stretch>
+            <a:fillRect/>
+          </a:stretch>
+        </p:blipFill>
+        <p:spPr>
+          <a:xfrm>
+            <a:off x="352425" y="2245817"/>
+            <a:ext cx="2338752" cy="2077492"/>
+          </a:xfrm>
+          <a:prstGeom prst="rect">
+            <a:avLst/>
+          </a:prstGeom>
+        </p:spPr>
+      </p:pic>
+      <p:pic>
+        <p:nvPicPr>
+          <p:cNvPr id="31" name="Picture 30" descr="A graph with a red line going up&#10;&#10;AI-generated content may be incorrect.">
+            <a:extLst>
+              <a:ext uri="{FF2B5EF4-FFF2-40B4-BE49-F238E27FC236}">
+                <a16:creationId xmlns:a16="http://schemas.microsoft.com/office/drawing/2014/main" id="{BFBEC630-99EF-C9C7-0987-F1FB42BE9CAE}"/>
+              </a:ext>
+            </a:extLst>
+          </p:cNvPr>
+          <p:cNvPicPr>
+            <a:picLocks noChangeAspect="1"/>
+          </p:cNvPicPr>
+          <p:nvPr/>
+        </p:nvPicPr>
+        <p:blipFill>
+          <a:blip r:embed="rId5"/>
+          <a:stretch>
+            <a:fillRect/>
+          </a:stretch>
+        </p:blipFill>
+        <p:spPr>
+          <a:xfrm>
+            <a:off x="3756025" y="788048"/>
+            <a:ext cx="7772400" cy="5628627"/>
+          </a:xfrm>
+          <a:prstGeom prst="rect">
+            <a:avLst/>
+          </a:prstGeom>
+        </p:spPr>
+      </p:pic>
+      <p:sp>
+        <p:nvSpPr>
+          <p:cNvPr id="32" name="TextBox 31">
+            <a:extLst>
+              <a:ext uri="{FF2B5EF4-FFF2-40B4-BE49-F238E27FC236}">
+                <a16:creationId xmlns:a16="http://schemas.microsoft.com/office/drawing/2014/main" id="{0144AC0A-E489-9C84-C7EE-0357AE6905EA}"/>
               </a:ext>
             </a:extLst>
           </p:cNvPr>
@@ -9726,8 +11217,8 @@
         </p:nvSpPr>
         <p:spPr>
           <a:xfrm>
-            <a:off x="4958071" y="836414"/>
-            <a:ext cx="4003660" cy="400110"/>
+            <a:off x="3756025" y="257144"/>
+            <a:ext cx="7073603" cy="400110"/>
           </a:xfrm>
           <a:prstGeom prst="rect">
             <a:avLst/>
@@ -9741,54 +11232,27 @@
           <a:lstStyle/>
           <a:p>
             <a:r>
-              <a:rPr lang="en-GB" sz="2000" b="1" dirty="0">
-                <a:solidFill>
-                  <a:srgbClr val="262626"/>
-                </a:solidFill>
-                <a:latin typeface="Inter SemiBold" panose="02000503000000020004" pitchFamily="2" charset="0"/>
-                <a:ea typeface="Inter SemiBold" panose="02000503000000020004" pitchFamily="2" charset="0"/>
-              </a:rPr>
-              <a:t>LOANWORD USAGE OVER TIME</a:t>
-            </a:r>
+              <a:rPr lang="en-GB" sz="2000" dirty="0"/>
+              <a:t>LOANWORD USAGE </a:t>
+            </a:r>
+            <a:r>
+              <a:rPr lang="en-GB" sz="2000" b="1" dirty="0"/>
+              <a:t>INCREASED BY ~10%</a:t>
+            </a:r>
+            <a:r>
+              <a:rPr lang="en-GB" sz="2000" dirty="0"/>
+              <a:t> FROM 2015 TO 2022</a:t>
+            </a:r>
+            <a:endParaRPr lang="en-GB" sz="2000" dirty="0">
+              <a:solidFill>
+                <a:srgbClr val="262626"/>
+              </a:solidFill>
+              <a:latin typeface="Inter Light" panose="02000503000000020004" pitchFamily="2" charset="0"/>
+              <a:ea typeface="Inter Light" panose="02000503000000020004" pitchFamily="2" charset="0"/>
+            </a:endParaRPr>
           </a:p>
         </p:txBody>
       </p:sp>
-      <p:pic>
-        <p:nvPicPr>
-          <p:cNvPr id="13" name="Graphic 12">
-            <a:extLst>
-              <a:ext uri="{FF2B5EF4-FFF2-40B4-BE49-F238E27FC236}">
-                <a16:creationId xmlns:a16="http://schemas.microsoft.com/office/drawing/2014/main" id="{DF5923D1-9DAA-42AD-35EF-E25BEC241FC3}"/>
-              </a:ext>
-            </a:extLst>
-          </p:cNvPr>
-          <p:cNvPicPr>
-            <a:picLocks noChangeAspect="1"/>
-          </p:cNvPicPr>
-          <p:nvPr/>
-        </p:nvPicPr>
-        <p:blipFill>
-          <a:blip r:embed="rId3">
-            <a:extLst>
-              <a:ext uri="{96DAC541-7B7A-43D3-8B79-37D633B846F1}">
-                <asvg:svgBlip xmlns:asvg="http://schemas.microsoft.com/office/drawing/2016/SVG/main" r:embed="rId4"/>
-              </a:ext>
-            </a:extLst>
-          </a:blip>
-          <a:stretch>
-            <a:fillRect/>
-          </a:stretch>
-        </p:blipFill>
-        <p:spPr>
-          <a:xfrm>
-            <a:off x="-437271" y="2089999"/>
-            <a:ext cx="3810000" cy="3810000"/>
-          </a:xfrm>
-          <a:prstGeom prst="rect">
-            <a:avLst/>
-          </a:prstGeom>
-        </p:spPr>
-      </p:pic>
     </p:spTree>
     <p:extLst>
       <p:ext uri="{BB962C8B-B14F-4D97-AF65-F5344CB8AC3E}">
@@ -9803,6 +11267,224 @@
 </file>
 
 <file path=ppt/slides/slide5.xml><?xml version="1.0" encoding="utf-8"?>
+<p:sld xmlns:a="http://schemas.openxmlformats.org/drawingml/2006/main" xmlns:r="http://schemas.openxmlformats.org/officeDocument/2006/relationships" xmlns:p="http://schemas.openxmlformats.org/presentationml/2006/main">
+  <p:cSld>
+    <p:bg>
+      <p:bgPr>
+        <a:solidFill>
+          <a:srgbClr val="EEECE8"/>
+        </a:solidFill>
+        <a:effectLst/>
+      </p:bgPr>
+    </p:bg>
+    <p:spTree>
+      <p:nvGrpSpPr>
+        <p:cNvPr id="1" name="">
+          <a:extLst>
+            <a:ext uri="{FF2B5EF4-FFF2-40B4-BE49-F238E27FC236}">
+              <a16:creationId xmlns:a16="http://schemas.microsoft.com/office/drawing/2014/main" id="{29CFC111-B8C5-1EE0-AE15-97D1F9AB3D5C}"/>
+            </a:ext>
+          </a:extLst>
+        </p:cNvPr>
+        <p:cNvGrpSpPr/>
+        <p:nvPr/>
+      </p:nvGrpSpPr>
+      <p:grpSpPr>
+        <a:xfrm>
+          <a:off x="0" y="0"/>
+          <a:ext cx="0" cy="0"/>
+          <a:chOff x="0" y="0"/>
+          <a:chExt cx="0" cy="0"/>
+        </a:xfrm>
+      </p:grpSpPr>
+      <p:sp>
+        <p:nvSpPr>
+          <p:cNvPr id="2" name="Title 1">
+            <a:extLst>
+              <a:ext uri="{FF2B5EF4-FFF2-40B4-BE49-F238E27FC236}">
+                <a16:creationId xmlns:a16="http://schemas.microsoft.com/office/drawing/2014/main" id="{5A4F0703-DF67-526C-A6B5-77950CB50587}"/>
+              </a:ext>
+            </a:extLst>
+          </p:cNvPr>
+          <p:cNvSpPr>
+            <a:spLocks noGrp="1"/>
+          </p:cNvSpPr>
+          <p:nvPr>
+            <p:ph type="title"/>
+          </p:nvPr>
+        </p:nvSpPr>
+        <p:spPr>
+          <a:xfrm>
+            <a:off x="352425" y="5000418"/>
+            <a:ext cx="3403600" cy="1400383"/>
+          </a:xfrm>
+          <a:noFill/>
+          <a:ln w="50800">
+            <a:noFill/>
+          </a:ln>
+        </p:spPr>
+        <p:txBody>
+          <a:bodyPr wrap="square" lIns="0" bIns="0" anchor="b">
+            <a:spAutoFit/>
+          </a:bodyPr>
+          <a:lstStyle/>
+          <a:p>
+            <a:pPr>
+              <a:lnSpc>
+                <a:spcPct val="100000"/>
+              </a:lnSpc>
+            </a:pPr>
+            <a:r>
+              <a:rPr lang="en-GB" b="1" spc="-150" dirty="0">
+                <a:solidFill>
+                  <a:srgbClr val="D64025"/>
+                </a:solidFill>
+                <a:latin typeface="Hanken Grotesk" pitchFamily="2" charset="77"/>
+              </a:rPr>
+              <a:t>+ confidence interval</a:t>
+            </a:r>
+          </a:p>
+        </p:txBody>
+      </p:sp>
+      <p:pic>
+        <p:nvPicPr>
+          <p:cNvPr id="23" name="Graphic 22">
+            <a:extLst>
+              <a:ext uri="{FF2B5EF4-FFF2-40B4-BE49-F238E27FC236}">
+                <a16:creationId xmlns:a16="http://schemas.microsoft.com/office/drawing/2014/main" id="{22660AAC-E005-5C52-1376-C1447E593550}"/>
+              </a:ext>
+            </a:extLst>
+          </p:cNvPr>
+          <p:cNvPicPr>
+            <a:picLocks noChangeAspect="1"/>
+          </p:cNvPicPr>
+          <p:nvPr/>
+        </p:nvPicPr>
+        <p:blipFill>
+          <a:blip r:embed="rId3">
+            <a:extLst>
+              <a:ext uri="{96DAC541-7B7A-43D3-8B79-37D633B846F1}">
+                <asvg:svgBlip xmlns:asvg="http://schemas.microsoft.com/office/drawing/2016/SVG/main" r:embed="rId4"/>
+              </a:ext>
+            </a:extLst>
+          </a:blip>
+          <a:stretch>
+            <a:fillRect/>
+          </a:stretch>
+        </p:blipFill>
+        <p:spPr>
+          <a:xfrm>
+            <a:off x="352425" y="2922926"/>
+            <a:ext cx="2338752" cy="2077492"/>
+          </a:xfrm>
+          <a:prstGeom prst="rect">
+            <a:avLst/>
+          </a:prstGeom>
+        </p:spPr>
+      </p:pic>
+      <p:pic>
+        <p:nvPicPr>
+          <p:cNvPr id="9" name="Picture 8" descr="A graph showing the growth of a number of data&#10;&#10;AI-generated content may be incorrect.">
+            <a:extLst>
+              <a:ext uri="{FF2B5EF4-FFF2-40B4-BE49-F238E27FC236}">
+                <a16:creationId xmlns:a16="http://schemas.microsoft.com/office/drawing/2014/main" id="{17861DBD-5A1A-A414-0893-AF50FC534894}"/>
+              </a:ext>
+            </a:extLst>
+          </p:cNvPr>
+          <p:cNvPicPr>
+            <a:picLocks noChangeAspect="1"/>
+          </p:cNvPicPr>
+          <p:nvPr/>
+        </p:nvPicPr>
+        <p:blipFill>
+          <a:blip r:embed="rId5"/>
+          <a:stretch>
+            <a:fillRect/>
+          </a:stretch>
+        </p:blipFill>
+        <p:spPr>
+          <a:xfrm>
+            <a:off x="3756025" y="788048"/>
+            <a:ext cx="7772400" cy="5628627"/>
+          </a:xfrm>
+          <a:prstGeom prst="rect">
+            <a:avLst/>
+          </a:prstGeom>
+        </p:spPr>
+      </p:pic>
+      <p:sp>
+        <p:nvSpPr>
+          <p:cNvPr id="10" name="TextBox 9">
+            <a:extLst>
+              <a:ext uri="{FF2B5EF4-FFF2-40B4-BE49-F238E27FC236}">
+                <a16:creationId xmlns:a16="http://schemas.microsoft.com/office/drawing/2014/main" id="{0511DD75-A29C-2798-B29D-15B3E97D5234}"/>
+              </a:ext>
+            </a:extLst>
+          </p:cNvPr>
+          <p:cNvSpPr txBox="1"/>
+          <p:nvPr/>
+        </p:nvSpPr>
+        <p:spPr>
+          <a:xfrm>
+            <a:off x="3756025" y="257144"/>
+            <a:ext cx="7323480" cy="400110"/>
+          </a:xfrm>
+          <a:prstGeom prst="rect">
+            <a:avLst/>
+          </a:prstGeom>
+          <a:noFill/>
+        </p:spPr>
+        <p:txBody>
+          <a:bodyPr wrap="none" lIns="0" rtlCol="0">
+            <a:spAutoFit/>
+          </a:bodyPr>
+          <a:lstStyle/>
+          <a:p>
+            <a:r>
+              <a:rPr lang="en-GB" sz="2000" dirty="0">
+                <a:latin typeface="Inter Light" panose="02000503000000020004" pitchFamily="2" charset="0"/>
+                <a:ea typeface="Inter Light" panose="02000503000000020004" pitchFamily="2" charset="0"/>
+              </a:rPr>
+              <a:t>The </a:t>
+            </a:r>
+            <a:r>
+              <a:rPr lang="en-GB" sz="2000" b="1" dirty="0">
+                <a:latin typeface="Inter Light" panose="02000503000000020004" pitchFamily="2" charset="0"/>
+                <a:ea typeface="Inter Light" panose="02000503000000020004" pitchFamily="2" charset="0"/>
+              </a:rPr>
+              <a:t>confidence interval</a:t>
+            </a:r>
+            <a:r>
+              <a:rPr lang="en-GB" sz="2000" dirty="0">
+                <a:latin typeface="Inter Light" panose="02000503000000020004" pitchFamily="2" charset="0"/>
+                <a:ea typeface="Inter Light" panose="02000503000000020004" pitchFamily="2" charset="0"/>
+              </a:rPr>
+              <a:t> shows this is statistically significant</a:t>
+            </a:r>
+            <a:endParaRPr lang="en-GB" sz="2000" dirty="0">
+              <a:solidFill>
+                <a:srgbClr val="262626"/>
+              </a:solidFill>
+              <a:latin typeface="Inter Light" panose="02000503000000020004" pitchFamily="2" charset="0"/>
+              <a:ea typeface="Inter Light" panose="02000503000000020004" pitchFamily="2" charset="0"/>
+            </a:endParaRPr>
+          </a:p>
+        </p:txBody>
+      </p:sp>
+    </p:spTree>
+    <p:extLst>
+      <p:ext uri="{BB962C8B-B14F-4D97-AF65-F5344CB8AC3E}">
+        <p14:creationId xmlns:p14="http://schemas.microsoft.com/office/powerpoint/2010/main" val="804953256"/>
+      </p:ext>
+    </p:extLst>
+  </p:cSld>
+  <p:clrMapOvr>
+    <a:masterClrMapping/>
+  </p:clrMapOvr>
+</p:sld>
+</file>
+
+<file path=ppt/slides/slide6.xml><?xml version="1.0" encoding="utf-8"?>
 <p:sld xmlns:a="http://schemas.openxmlformats.org/drawingml/2006/main" xmlns:r="http://schemas.openxmlformats.org/officeDocument/2006/relationships" xmlns:p="http://schemas.openxmlformats.org/presentationml/2006/main">
   <p:cSld>
     <p:bg>
@@ -9851,8 +11533,8 @@
         </p:nvSpPr>
         <p:spPr>
           <a:xfrm>
-            <a:off x="352425" y="5615971"/>
-            <a:ext cx="10515600" cy="784830"/>
+            <a:off x="352425" y="3873600"/>
+            <a:ext cx="3409560" cy="2262158"/>
           </a:xfrm>
           <a:noFill/>
           <a:ln w="50800">
@@ -9860,7 +11542,7 @@
           </a:ln>
         </p:spPr>
         <p:txBody>
-          <a:bodyPr bIns="0" anchor="b">
+          <a:bodyPr wrap="square" lIns="0" bIns="0" anchor="b">
             <a:spAutoFit/>
           </a:bodyPr>
           <a:lstStyle/>
@@ -9877,17 +11559,83 @@
                 </a:solidFill>
                 <a:latin typeface="Hanken Grotesk" pitchFamily="2" charset="77"/>
               </a:rPr>
-              <a:t>loanwords</a:t>
+              <a:t>distribution of loanwords</a:t>
             </a:r>
           </a:p>
         </p:txBody>
       </p:sp>
-      <p:sp>
-        <p:nvSpPr>
-          <p:cNvPr id="6" name="TextBox 5">
-            <a:extLst>
-              <a:ext uri="{FF2B5EF4-FFF2-40B4-BE49-F238E27FC236}">
-                <a16:creationId xmlns:a16="http://schemas.microsoft.com/office/drawing/2014/main" id="{51988647-4A5B-2CE4-04AC-CD1CA67A2275}"/>
+      <p:pic>
+        <p:nvPicPr>
+          <p:cNvPr id="10" name="Picture 9">
+            <a:extLst>
+              <a:ext uri="{FF2B5EF4-FFF2-40B4-BE49-F238E27FC236}">
+                <a16:creationId xmlns:a16="http://schemas.microsoft.com/office/drawing/2014/main" id="{19202E59-5E26-2D8B-E3E0-0EBC4C1ED065}"/>
+              </a:ext>
+            </a:extLst>
+          </p:cNvPr>
+          <p:cNvPicPr>
+            <a:picLocks noChangeAspect="1"/>
+          </p:cNvPicPr>
+          <p:nvPr/>
+        </p:nvPicPr>
+        <p:blipFill>
+          <a:blip r:embed="rId3"/>
+          <a:stretch>
+            <a:fillRect/>
+          </a:stretch>
+        </p:blipFill>
+        <p:spPr>
+          <a:xfrm>
+            <a:off x="3761985" y="1213809"/>
+            <a:ext cx="7772400" cy="4921949"/>
+          </a:xfrm>
+          <a:prstGeom prst="rect">
+            <a:avLst/>
+          </a:prstGeom>
+        </p:spPr>
+      </p:pic>
+      <p:pic>
+        <p:nvPicPr>
+          <p:cNvPr id="12" name="Graphic 11">
+            <a:extLst>
+              <a:ext uri="{FF2B5EF4-FFF2-40B4-BE49-F238E27FC236}">
+                <a16:creationId xmlns:a16="http://schemas.microsoft.com/office/drawing/2014/main" id="{F84F469C-8FCE-DAED-CB1A-06D45E98DCEC}"/>
+              </a:ext>
+            </a:extLst>
+          </p:cNvPr>
+          <p:cNvPicPr>
+            <a:picLocks noChangeAspect="1"/>
+          </p:cNvPicPr>
+          <p:nvPr/>
+        </p:nvPicPr>
+        <p:blipFill>
+          <a:blip r:embed="rId4">
+            <a:extLst>
+              <a:ext uri="{96DAC541-7B7A-43D3-8B79-37D633B846F1}">
+                <asvg:svgBlip xmlns:asvg="http://schemas.microsoft.com/office/drawing/2016/SVG/main" r:embed="rId5"/>
+              </a:ext>
+            </a:extLst>
+          </a:blip>
+          <a:stretch>
+            <a:fillRect/>
+          </a:stretch>
+        </p:blipFill>
+        <p:spPr>
+          <a:xfrm>
+            <a:off x="352425" y="2664924"/>
+            <a:ext cx="2941270" cy="998066"/>
+          </a:xfrm>
+          <a:prstGeom prst="rect">
+            <a:avLst/>
+          </a:prstGeom>
+        </p:spPr>
+      </p:pic>
+      <p:sp>
+        <p:nvSpPr>
+          <p:cNvPr id="14" name="TextBox 13">
+            <a:extLst>
+              <a:ext uri="{FF2B5EF4-FFF2-40B4-BE49-F238E27FC236}">
+                <a16:creationId xmlns:a16="http://schemas.microsoft.com/office/drawing/2014/main" id="{EAF90F76-8C4F-E42B-B725-DC79ACF4A8E3}"/>
               </a:ext>
             </a:extLst>
           </p:cNvPr>
@@ -9896,8 +11644,8 @@
         </p:nvSpPr>
         <p:spPr>
           <a:xfrm>
-            <a:off x="4958071" y="836414"/>
-            <a:ext cx="3263073" cy="400110"/>
+            <a:off x="3756025" y="603260"/>
+            <a:ext cx="7089441" cy="400110"/>
           </a:xfrm>
           <a:prstGeom prst="rect">
             <a:avLst/>
@@ -9911,155 +11659,44 @@
           <a:lstStyle/>
           <a:p>
             <a:r>
-              <a:rPr lang="en-GB" sz="2000" b="1" dirty="0">
-                <a:solidFill>
-                  <a:srgbClr val="262626"/>
-                </a:solidFill>
-                <a:latin typeface="Inter SemiBold" panose="02000503000000020004" pitchFamily="2" charset="0"/>
-                <a:ea typeface="Inter SemiBold" panose="02000503000000020004" pitchFamily="2" charset="0"/>
-              </a:rPr>
-              <a:t>DISTRIBUTION OF USAGE</a:t>
-            </a:r>
-          </a:p>
-        </p:txBody>
-      </p:sp>
-      <p:pic>
-        <p:nvPicPr>
-          <p:cNvPr id="13" name="Graphic 12">
-            <a:extLst>
-              <a:ext uri="{FF2B5EF4-FFF2-40B4-BE49-F238E27FC236}">
-                <a16:creationId xmlns:a16="http://schemas.microsoft.com/office/drawing/2014/main" id="{6D680C77-F930-0EED-8D66-FD56B270EA19}"/>
-              </a:ext>
-            </a:extLst>
-          </p:cNvPr>
-          <p:cNvPicPr>
-            <a:picLocks noChangeAspect="1"/>
-          </p:cNvPicPr>
-          <p:nvPr/>
-        </p:nvPicPr>
-        <p:blipFill>
-          <a:blip r:embed="rId3">
-            <a:extLst>
-              <a:ext uri="{96DAC541-7B7A-43D3-8B79-37D633B846F1}">
-                <asvg:svgBlip xmlns:asvg="http://schemas.microsoft.com/office/drawing/2016/SVG/main" r:embed="rId4"/>
-              </a:ext>
-            </a:extLst>
-          </a:blip>
-          <a:stretch>
-            <a:fillRect/>
-          </a:stretch>
-        </p:blipFill>
-        <p:spPr>
-          <a:xfrm>
-            <a:off x="-437271" y="2089999"/>
-            <a:ext cx="3810000" cy="3810000"/>
-          </a:xfrm>
-          <a:prstGeom prst="rect">
-            <a:avLst/>
-          </a:prstGeom>
-        </p:spPr>
-      </p:pic>
-      <p:sp>
-        <p:nvSpPr>
-          <p:cNvPr id="3" name="TextBox 2">
-            <a:extLst>
-              <a:ext uri="{FF2B5EF4-FFF2-40B4-BE49-F238E27FC236}">
-                <a16:creationId xmlns:a16="http://schemas.microsoft.com/office/drawing/2014/main" id="{40A34556-D52A-0C85-9162-4E01F50BBEE1}"/>
-              </a:ext>
-            </a:extLst>
-          </p:cNvPr>
-          <p:cNvSpPr txBox="1"/>
-          <p:nvPr/>
-        </p:nvSpPr>
-        <p:spPr>
-          <a:xfrm>
-            <a:off x="4958071" y="1544661"/>
-            <a:ext cx="4826962" cy="2308324"/>
-          </a:xfrm>
-          <a:prstGeom prst="rect">
-            <a:avLst/>
-          </a:prstGeom>
-          <a:noFill/>
-        </p:spPr>
-        <p:txBody>
-          <a:bodyPr wrap="none" rtlCol="0">
-            <a:spAutoFit/>
-          </a:bodyPr>
-          <a:lstStyle/>
-          <a:p>
-            <a:pPr marL="0" indent="0">
-              <a:buNone/>
-            </a:pPr>
-            <a:r>
-              <a:rPr lang="en-GB" dirty="0">
+              <a:rPr lang="en-GB" sz="2000" dirty="0">
                 <a:latin typeface="Inter Light" panose="02000503000000020004" pitchFamily="2" charset="0"/>
                 <a:ea typeface="Inter Light" panose="02000503000000020004" pitchFamily="2" charset="0"/>
               </a:rPr>
-              <a:t>TODO: Plot #2 Histogram</a:t>
-            </a:r>
-          </a:p>
-          <a:p>
-            <a:pPr marL="0" indent="0">
-              <a:buNone/>
-            </a:pPr>
-            <a:endParaRPr lang="en-GB" dirty="0">
-              <a:latin typeface="Inter Light" panose="02000503000000020004" pitchFamily="2" charset="0"/>
-              <a:ea typeface="Inter Light" panose="02000503000000020004" pitchFamily="2" charset="0"/>
-            </a:endParaRPr>
-          </a:p>
-          <a:p>
-            <a:pPr marL="0" indent="0">
-              <a:buNone/>
-            </a:pPr>
-            <a:r>
-              <a:rPr lang="en-GB" dirty="0">
+              <a:t>Most German articles use </a:t>
+            </a:r>
+            <a:r>
+              <a:rPr lang="en-GB" sz="2000" b="1" dirty="0">
                 <a:latin typeface="Inter Light" panose="02000503000000020004" pitchFamily="2" charset="0"/>
                 <a:ea typeface="Inter Light" panose="02000503000000020004" pitchFamily="2" charset="0"/>
               </a:rPr>
-              <a:t>How common are “English-heavy” articles?</a:t>
-            </a:r>
-          </a:p>
-          <a:p>
-            <a:pPr marL="0" indent="0">
-              <a:buNone/>
-            </a:pPr>
-            <a:endParaRPr lang="en-GB" dirty="0">
-              <a:latin typeface="Inter Light" panose="02000503000000020004" pitchFamily="2" charset="0"/>
-              <a:ea typeface="Inter Light" panose="02000503000000020004" pitchFamily="2" charset="0"/>
-            </a:endParaRPr>
-          </a:p>
-          <a:p>
-            <a:pPr marL="0" indent="0">
-              <a:buNone/>
-            </a:pPr>
-            <a:r>
-              <a:rPr lang="en-GB" dirty="0">
+              <a:t>low</a:t>
+            </a:r>
+            <a:r>
+              <a:rPr lang="en-GB" sz="2000" dirty="0">
                 <a:latin typeface="Inter Light" panose="02000503000000020004" pitchFamily="2" charset="0"/>
                 <a:ea typeface="Inter Light" panose="02000503000000020004" pitchFamily="2" charset="0"/>
               </a:rPr>
-              <a:t>Stat Highlights:</a:t>
-            </a:r>
-          </a:p>
-          <a:p>
-            <a:r>
-              <a:rPr lang="en-GB" dirty="0">
+              <a:t> to </a:t>
+            </a:r>
+            <a:r>
+              <a:rPr lang="en-GB" sz="2000" b="1" dirty="0">
                 <a:latin typeface="Inter Light" panose="02000503000000020004" pitchFamily="2" charset="0"/>
                 <a:ea typeface="Inter Light" panose="02000503000000020004" pitchFamily="2" charset="0"/>
               </a:rPr>
-              <a:t>Long tail: most articles have &lt;1% density</a:t>
-            </a:r>
-          </a:p>
-          <a:p>
-            <a:r>
-              <a:rPr lang="en-GB" dirty="0">
+              <a:t>moderate</a:t>
+            </a:r>
+            <a:r>
+              <a:rPr lang="en-GB" sz="2000" dirty="0">
                 <a:latin typeface="Inter Light" panose="02000503000000020004" pitchFamily="2" charset="0"/>
                 <a:ea typeface="Inter Light" panose="02000503000000020004" pitchFamily="2" charset="0"/>
               </a:rPr>
-              <a:t>A minority are dense with English terms</a:t>
-            </a:r>
-          </a:p>
-          <a:p>
-            <a:endParaRPr lang="en-GB" dirty="0">
+              <a:t> English density</a:t>
+            </a:r>
+            <a:endParaRPr lang="en-GB" sz="2000" dirty="0">
+              <a:solidFill>
+                <a:srgbClr val="262626"/>
+              </a:solidFill>
               <a:latin typeface="Inter Light" panose="02000503000000020004" pitchFamily="2" charset="0"/>
               <a:ea typeface="Inter Light" panose="02000503000000020004" pitchFamily="2" charset="0"/>
             </a:endParaRPr>
@@ -10070,283 +11707,6 @@
     <p:extLst>
       <p:ext uri="{BB962C8B-B14F-4D97-AF65-F5344CB8AC3E}">
         <p14:creationId xmlns:p14="http://schemas.microsoft.com/office/powerpoint/2010/main" val="513976903"/>
-      </p:ext>
-    </p:extLst>
-  </p:cSld>
-  <p:clrMapOvr>
-    <a:masterClrMapping/>
-  </p:clrMapOvr>
-</p:sld>
-</file>
-
-<file path=ppt/slides/slide6.xml><?xml version="1.0" encoding="utf-8"?>
-<p:sld xmlns:a="http://schemas.openxmlformats.org/drawingml/2006/main" xmlns:r="http://schemas.openxmlformats.org/officeDocument/2006/relationships" xmlns:p="http://schemas.openxmlformats.org/presentationml/2006/main">
-  <p:cSld>
-    <p:bg>
-      <p:bgPr>
-        <a:solidFill>
-          <a:srgbClr val="EEECE8"/>
-        </a:solidFill>
-        <a:effectLst/>
-      </p:bgPr>
-    </p:bg>
-    <p:spTree>
-      <p:nvGrpSpPr>
-        <p:cNvPr id="1" name="">
-          <a:extLst>
-            <a:ext uri="{FF2B5EF4-FFF2-40B4-BE49-F238E27FC236}">
-              <a16:creationId xmlns:a16="http://schemas.microsoft.com/office/drawing/2014/main" id="{1C79D22A-7D11-14FE-5CB3-58898A116BCA}"/>
-            </a:ext>
-          </a:extLst>
-        </p:cNvPr>
-        <p:cNvGrpSpPr/>
-        <p:nvPr/>
-      </p:nvGrpSpPr>
-      <p:grpSpPr>
-        <a:xfrm>
-          <a:off x="0" y="0"/>
-          <a:ext cx="0" cy="0"/>
-          <a:chOff x="0" y="0"/>
-          <a:chExt cx="0" cy="0"/>
-        </a:xfrm>
-      </p:grpSpPr>
-      <p:sp>
-        <p:nvSpPr>
-          <p:cNvPr id="2" name="Title 1">
-            <a:extLst>
-              <a:ext uri="{FF2B5EF4-FFF2-40B4-BE49-F238E27FC236}">
-                <a16:creationId xmlns:a16="http://schemas.microsoft.com/office/drawing/2014/main" id="{08457956-C373-59AF-5D6D-E725E7323B5F}"/>
-              </a:ext>
-            </a:extLst>
-          </p:cNvPr>
-          <p:cNvSpPr>
-            <a:spLocks noGrp="1"/>
-          </p:cNvSpPr>
-          <p:nvPr>
-            <p:ph type="title"/>
-          </p:nvPr>
-        </p:nvSpPr>
-        <p:spPr>
-          <a:xfrm>
-            <a:off x="352425" y="5615971"/>
-            <a:ext cx="10515600" cy="784830"/>
-          </a:xfrm>
-          <a:noFill/>
-          <a:ln w="50800">
-            <a:noFill/>
-          </a:ln>
-        </p:spPr>
-        <p:txBody>
-          <a:bodyPr bIns="0" anchor="b">
-            <a:spAutoFit/>
-          </a:bodyPr>
-          <a:lstStyle/>
-          <a:p>
-            <a:pPr>
-              <a:lnSpc>
-                <a:spcPct val="100000"/>
-              </a:lnSpc>
-            </a:pPr>
-            <a:r>
-              <a:rPr lang="en-GB" sz="4800" b="1" spc="-150" dirty="0">
-                <a:solidFill>
-                  <a:srgbClr val="D64025"/>
-                </a:solidFill>
-                <a:latin typeface="Hanken Grotesk" pitchFamily="2" charset="77"/>
-              </a:rPr>
-              <a:t>distribution</a:t>
-            </a:r>
-          </a:p>
-        </p:txBody>
-      </p:sp>
-      <p:sp>
-        <p:nvSpPr>
-          <p:cNvPr id="6" name="TextBox 5">
-            <a:extLst>
-              <a:ext uri="{FF2B5EF4-FFF2-40B4-BE49-F238E27FC236}">
-                <a16:creationId xmlns:a16="http://schemas.microsoft.com/office/drawing/2014/main" id="{A5C6812B-8231-1B94-2B2B-5F5F91E3701D}"/>
-              </a:ext>
-            </a:extLst>
-          </p:cNvPr>
-          <p:cNvSpPr txBox="1"/>
-          <p:nvPr/>
-        </p:nvSpPr>
-        <p:spPr>
-          <a:xfrm>
-            <a:off x="4958071" y="836414"/>
-            <a:ext cx="4840428" cy="400110"/>
-          </a:xfrm>
-          <a:prstGeom prst="rect">
-            <a:avLst/>
-          </a:prstGeom>
-          <a:noFill/>
-        </p:spPr>
-        <p:txBody>
-          <a:bodyPr wrap="none" lIns="0" rtlCol="0">
-            <a:spAutoFit/>
-          </a:bodyPr>
-          <a:lstStyle/>
-          <a:p>
-            <a:r>
-              <a:rPr lang="en-GB" sz="2000" b="1" dirty="0">
-                <a:solidFill>
-                  <a:srgbClr val="262626"/>
-                </a:solidFill>
-                <a:latin typeface="Inter SemiBold" panose="02000503000000020004" pitchFamily="2" charset="0"/>
-                <a:ea typeface="Inter SemiBold" panose="02000503000000020004" pitchFamily="2" charset="0"/>
-              </a:rPr>
-              <a:t>LOANWORD DISTRIBUTION OF USAGE</a:t>
-            </a:r>
-          </a:p>
-        </p:txBody>
-      </p:sp>
-      <p:pic>
-        <p:nvPicPr>
-          <p:cNvPr id="13" name="Graphic 12">
-            <a:extLst>
-              <a:ext uri="{FF2B5EF4-FFF2-40B4-BE49-F238E27FC236}">
-                <a16:creationId xmlns:a16="http://schemas.microsoft.com/office/drawing/2014/main" id="{AFF3D849-D1E6-B7C5-DDB9-BD7A1C13C0C2}"/>
-              </a:ext>
-            </a:extLst>
-          </p:cNvPr>
-          <p:cNvPicPr>
-            <a:picLocks noChangeAspect="1"/>
-          </p:cNvPicPr>
-          <p:nvPr/>
-        </p:nvPicPr>
-        <p:blipFill>
-          <a:blip r:embed="rId3">
-            <a:extLst>
-              <a:ext uri="{96DAC541-7B7A-43D3-8B79-37D633B846F1}">
-                <asvg:svgBlip xmlns:asvg="http://schemas.microsoft.com/office/drawing/2016/SVG/main" r:embed="rId4"/>
-              </a:ext>
-            </a:extLst>
-          </a:blip>
-          <a:stretch>
-            <a:fillRect/>
-          </a:stretch>
-        </p:blipFill>
-        <p:spPr>
-          <a:xfrm>
-            <a:off x="-437271" y="2089999"/>
-            <a:ext cx="3810000" cy="3810000"/>
-          </a:xfrm>
-          <a:prstGeom prst="rect">
-            <a:avLst/>
-          </a:prstGeom>
-        </p:spPr>
-      </p:pic>
-      <p:sp>
-        <p:nvSpPr>
-          <p:cNvPr id="3" name="TextBox 2">
-            <a:extLst>
-              <a:ext uri="{FF2B5EF4-FFF2-40B4-BE49-F238E27FC236}">
-                <a16:creationId xmlns:a16="http://schemas.microsoft.com/office/drawing/2014/main" id="{A691DF72-7A29-97CC-446F-B8406F0E095A}"/>
-              </a:ext>
-            </a:extLst>
-          </p:cNvPr>
-          <p:cNvSpPr txBox="1"/>
-          <p:nvPr/>
-        </p:nvSpPr>
-        <p:spPr>
-          <a:xfrm>
-            <a:off x="4958071" y="1544661"/>
-            <a:ext cx="4826962" cy="2308324"/>
-          </a:xfrm>
-          <a:prstGeom prst="rect">
-            <a:avLst/>
-          </a:prstGeom>
-          <a:noFill/>
-        </p:spPr>
-        <p:txBody>
-          <a:bodyPr wrap="none" rtlCol="0">
-            <a:spAutoFit/>
-          </a:bodyPr>
-          <a:lstStyle/>
-          <a:p>
-            <a:pPr marL="0" indent="0">
-              <a:buNone/>
-            </a:pPr>
-            <a:r>
-              <a:rPr lang="en-GB" dirty="0">
-                <a:latin typeface="Inter Light" panose="02000503000000020004" pitchFamily="2" charset="0"/>
-                <a:ea typeface="Inter Light" panose="02000503000000020004" pitchFamily="2" charset="0"/>
-              </a:rPr>
-              <a:t>TODO: Plot #2 Histogram</a:t>
-            </a:r>
-          </a:p>
-          <a:p>
-            <a:pPr marL="0" indent="0">
-              <a:buNone/>
-            </a:pPr>
-            <a:endParaRPr lang="en-GB" dirty="0">
-              <a:latin typeface="Inter Light" panose="02000503000000020004" pitchFamily="2" charset="0"/>
-              <a:ea typeface="Inter Light" panose="02000503000000020004" pitchFamily="2" charset="0"/>
-            </a:endParaRPr>
-          </a:p>
-          <a:p>
-            <a:pPr marL="0" indent="0">
-              <a:buNone/>
-            </a:pPr>
-            <a:r>
-              <a:rPr lang="en-GB" dirty="0">
-                <a:latin typeface="Inter Light" panose="02000503000000020004" pitchFamily="2" charset="0"/>
-                <a:ea typeface="Inter Light" panose="02000503000000020004" pitchFamily="2" charset="0"/>
-              </a:rPr>
-              <a:t>How common are “English-heavy” articles?</a:t>
-            </a:r>
-          </a:p>
-          <a:p>
-            <a:pPr marL="0" indent="0">
-              <a:buNone/>
-            </a:pPr>
-            <a:endParaRPr lang="en-GB" dirty="0">
-              <a:latin typeface="Inter Light" panose="02000503000000020004" pitchFamily="2" charset="0"/>
-              <a:ea typeface="Inter Light" panose="02000503000000020004" pitchFamily="2" charset="0"/>
-            </a:endParaRPr>
-          </a:p>
-          <a:p>
-            <a:pPr marL="0" indent="0">
-              <a:buNone/>
-            </a:pPr>
-            <a:r>
-              <a:rPr lang="en-GB" dirty="0">
-                <a:latin typeface="Inter Light" panose="02000503000000020004" pitchFamily="2" charset="0"/>
-                <a:ea typeface="Inter Light" panose="02000503000000020004" pitchFamily="2" charset="0"/>
-              </a:rPr>
-              <a:t>Stat Highlights:</a:t>
-            </a:r>
-          </a:p>
-          <a:p>
-            <a:r>
-              <a:rPr lang="en-GB" dirty="0">
-                <a:latin typeface="Inter Light" panose="02000503000000020004" pitchFamily="2" charset="0"/>
-                <a:ea typeface="Inter Light" panose="02000503000000020004" pitchFamily="2" charset="0"/>
-              </a:rPr>
-              <a:t>Long tail: most articles have &lt;1% density</a:t>
-            </a:r>
-          </a:p>
-          <a:p>
-            <a:r>
-              <a:rPr lang="en-GB" dirty="0">
-                <a:latin typeface="Inter Light" panose="02000503000000020004" pitchFamily="2" charset="0"/>
-                <a:ea typeface="Inter Light" panose="02000503000000020004" pitchFamily="2" charset="0"/>
-              </a:rPr>
-              <a:t>A minority are dense with English terms</a:t>
-            </a:r>
-          </a:p>
-          <a:p>
-            <a:endParaRPr lang="en-GB" dirty="0">
-              <a:latin typeface="Inter Light" panose="02000503000000020004" pitchFamily="2" charset="0"/>
-              <a:ea typeface="Inter Light" panose="02000503000000020004" pitchFamily="2" charset="0"/>
-            </a:endParaRPr>
-          </a:p>
-        </p:txBody>
-      </p:sp>
-    </p:spTree>
-    <p:extLst>
-      <p:ext uri="{BB962C8B-B14F-4D97-AF65-F5344CB8AC3E}">
-        <p14:creationId xmlns:p14="http://schemas.microsoft.com/office/powerpoint/2010/main" val="67630008"/>
       </p:ext>
     </p:extLst>
   </p:cSld>
@@ -10405,8 +11765,8 @@
         </p:nvSpPr>
         <p:spPr>
           <a:xfrm>
-            <a:off x="352425" y="5615971"/>
-            <a:ext cx="10515600" cy="784830"/>
+            <a:off x="352425" y="5407594"/>
+            <a:ext cx="3076575" cy="784830"/>
           </a:xfrm>
           <a:noFill/>
           <a:ln w="50800">
@@ -10414,7 +11774,7 @@
           </a:ln>
         </p:spPr>
         <p:txBody>
-          <a:bodyPr bIns="0" anchor="b">
+          <a:bodyPr wrap="square" lIns="0" bIns="0" anchor="b">
             <a:spAutoFit/>
           </a:bodyPr>
           <a:lstStyle/>
@@ -10450,8 +11810,8 @@
         </p:nvSpPr>
         <p:spPr>
           <a:xfrm>
-            <a:off x="4958071" y="836414"/>
-            <a:ext cx="4840428" cy="400110"/>
+            <a:off x="3756025" y="629764"/>
+            <a:ext cx="6387326" cy="400110"/>
           </a:xfrm>
           <a:prstGeom prst="rect">
             <a:avLst/>
@@ -10466,23 +11826,34 @@
           <a:p>
             <a:r>
               <a:rPr lang="en-GB" sz="2000" b="1" dirty="0">
-                <a:solidFill>
-                  <a:srgbClr val="262626"/>
-                </a:solidFill>
-                <a:latin typeface="Inter SemiBold" panose="02000503000000020004" pitchFamily="2" charset="0"/>
-                <a:ea typeface="Inter SemiBold" panose="02000503000000020004" pitchFamily="2" charset="0"/>
+                <a:latin typeface="Inter Light" panose="02000503000000020004" pitchFamily="2" charset="0"/>
+                <a:ea typeface="Inter Light" panose="02000503000000020004" pitchFamily="2" charset="0"/>
               </a:rPr>
-              <a:t>LOANWORD DISTRIBUTION OF USAGE</a:t>
-            </a:r>
+              <a:t>Negative</a:t>
+            </a:r>
+            <a:r>
+              <a:rPr lang="en-GB" sz="2000" dirty="0">
+                <a:latin typeface="Inter Light" panose="02000503000000020004" pitchFamily="2" charset="0"/>
+                <a:ea typeface="Inter Light" panose="02000503000000020004" pitchFamily="2" charset="0"/>
+              </a:rPr>
+              <a:t> sentiment articles still use the most English</a:t>
+            </a:r>
+            <a:endParaRPr lang="en-GB" sz="2000" dirty="0">
+              <a:solidFill>
+                <a:srgbClr val="262626"/>
+              </a:solidFill>
+              <a:latin typeface="Inter Light" panose="02000503000000020004" pitchFamily="2" charset="0"/>
+              <a:ea typeface="Inter Light" panose="02000503000000020004" pitchFamily="2" charset="0"/>
+            </a:endParaRPr>
           </a:p>
         </p:txBody>
       </p:sp>
       <p:pic>
         <p:nvPicPr>
-          <p:cNvPr id="13" name="Graphic 12">
-            <a:extLst>
-              <a:ext uri="{FF2B5EF4-FFF2-40B4-BE49-F238E27FC236}">
-                <a16:creationId xmlns:a16="http://schemas.microsoft.com/office/drawing/2014/main" id="{105E863D-4AAB-05A3-1654-32FFF2D19D99}"/>
+          <p:cNvPr id="8" name="Graphic 7">
+            <a:extLst>
+              <a:ext uri="{FF2B5EF4-FFF2-40B4-BE49-F238E27FC236}">
+                <a16:creationId xmlns:a16="http://schemas.microsoft.com/office/drawing/2014/main" id="{A5E24873-57D5-89D0-9D24-1FB28FB10C38}"/>
               </a:ext>
             </a:extLst>
           </p:cNvPr>
@@ -10505,67 +11876,44 @@
         </p:blipFill>
         <p:spPr>
           <a:xfrm>
-            <a:off x="-437271" y="2089999"/>
-            <a:ext cx="3810000" cy="3810000"/>
+            <a:off x="352425" y="2754881"/>
+            <a:ext cx="2806049" cy="2652713"/>
           </a:xfrm>
           <a:prstGeom prst="rect">
             <a:avLst/>
           </a:prstGeom>
         </p:spPr>
       </p:pic>
-      <p:sp>
-        <p:nvSpPr>
-          <p:cNvPr id="3" name="TextBox 2">
-            <a:extLst>
-              <a:ext uri="{FF2B5EF4-FFF2-40B4-BE49-F238E27FC236}">
-                <a16:creationId xmlns:a16="http://schemas.microsoft.com/office/drawing/2014/main" id="{5E832127-681C-6854-4536-D70ABA336C7D}"/>
-              </a:ext>
-            </a:extLst>
-          </p:cNvPr>
-          <p:cNvSpPr txBox="1"/>
+      <p:pic>
+        <p:nvPicPr>
+          <p:cNvPr id="10" name="Picture 9" descr="A screenshot of a graph&#10;&#10;AI-generated content may be incorrect.">
+            <a:extLst>
+              <a:ext uri="{FF2B5EF4-FFF2-40B4-BE49-F238E27FC236}">
+                <a16:creationId xmlns:a16="http://schemas.microsoft.com/office/drawing/2014/main" id="{3C6000D9-43DF-CC8F-9783-169BEC4D153E}"/>
+              </a:ext>
+            </a:extLst>
+          </p:cNvPr>
+          <p:cNvPicPr>
+            <a:picLocks noChangeAspect="1"/>
+          </p:cNvPicPr>
           <p:nvPr/>
-        </p:nvSpPr>
+        </p:nvPicPr>
+        <p:blipFill>
+          <a:blip r:embed="rId5"/>
+          <a:stretch>
+            <a:fillRect/>
+          </a:stretch>
+        </p:blipFill>
         <p:spPr>
           <a:xfrm>
-            <a:off x="4958071" y="1544661"/>
-            <a:ext cx="6252481" cy="923330"/>
+            <a:off x="3793655" y="1256187"/>
+            <a:ext cx="7772400" cy="4921949"/>
           </a:xfrm>
           <a:prstGeom prst="rect">
             <a:avLst/>
           </a:prstGeom>
-          <a:noFill/>
         </p:spPr>
-        <p:txBody>
-          <a:bodyPr wrap="none" rtlCol="0">
-            <a:spAutoFit/>
-          </a:bodyPr>
-          <a:lstStyle/>
-          <a:p>
-            <a:pPr marL="0" indent="0">
-              <a:buNone/>
-            </a:pPr>
-            <a:r>
-              <a:rPr lang="en-GB" dirty="0"/>
-              <a:t>TODO: Plot #4 Boxplot of loanword density by sentiment label</a:t>
-            </a:r>
-          </a:p>
-          <a:p>
-            <a:pPr marL="0" indent="0">
-              <a:buNone/>
-            </a:pPr>
-            <a:endParaRPr lang="en-GB" dirty="0"/>
-          </a:p>
-          <a:p>
-            <a:pPr marL="0" indent="0">
-              <a:buNone/>
-            </a:pPr>
-            <a:r>
-              <a:rPr lang="en-GB" i="1" dirty="0"/>
-              <a:t>Does the use of English loanwords align with positive tone?</a:t>
-            </a:r>
-          </a:p>
-        </p:txBody>
-      </p:sp>
+      </p:pic>
     </p:spTree>
     <p:extLst>
       <p:ext uri="{BB962C8B-B14F-4D97-AF65-F5344CB8AC3E}">
@@ -10595,7 +11943,7 @@
         <p:cNvPr id="1" name="">
           <a:extLst>
             <a:ext uri="{FF2B5EF4-FFF2-40B4-BE49-F238E27FC236}">
-              <a16:creationId xmlns:a16="http://schemas.microsoft.com/office/drawing/2014/main" id="{F6F31E17-7CE8-F9D8-4B32-8A286014966E}"/>
+              <a16:creationId xmlns:a16="http://schemas.microsoft.com/office/drawing/2014/main" id="{4241525C-964B-ADFC-6DFF-7BC3836E4F5B}"/>
             </a:ext>
           </a:extLst>
         </p:cNvPr>
@@ -10615,7 +11963,7 @@
           <p:cNvPr id="2" name="Title 1">
             <a:extLst>
               <a:ext uri="{FF2B5EF4-FFF2-40B4-BE49-F238E27FC236}">
-                <a16:creationId xmlns:a16="http://schemas.microsoft.com/office/drawing/2014/main" id="{341294E7-9498-4E3E-0FCB-97870EB39563}"/>
+                <a16:creationId xmlns:a16="http://schemas.microsoft.com/office/drawing/2014/main" id="{DCABC033-A3A9-8B37-466A-A3749F3A0CBE}"/>
               </a:ext>
             </a:extLst>
           </p:cNvPr>
@@ -10628,7 +11976,7 @@
         </p:nvSpPr>
         <p:spPr>
           <a:xfrm>
-            <a:off x="352425" y="5615971"/>
+            <a:off x="352425" y="5350927"/>
             <a:ext cx="10515600" cy="784830"/>
           </a:xfrm>
           <a:noFill/>
@@ -10654,17 +12002,17 @@
                 </a:solidFill>
                 <a:latin typeface="Hanken Grotesk" pitchFamily="2" charset="77"/>
               </a:rPr>
-              <a:t>guess the word</a:t>
+              <a:t>sentiment</a:t>
             </a:r>
           </a:p>
         </p:txBody>
       </p:sp>
       <p:pic>
         <p:nvPicPr>
-          <p:cNvPr id="5" name="Graphic 4">
-            <a:extLst>
-              <a:ext uri="{FF2B5EF4-FFF2-40B4-BE49-F238E27FC236}">
-                <a16:creationId xmlns:a16="http://schemas.microsoft.com/office/drawing/2014/main" id="{F0F28CE3-AF30-E9A5-A6A9-16113A522DEB}"/>
+          <p:cNvPr id="8" name="Picture 7" descr="A graph of different colored lines&#10;&#10;AI-generated content may be incorrect.">
+            <a:extLst>
+              <a:ext uri="{FF2B5EF4-FFF2-40B4-BE49-F238E27FC236}">
+                <a16:creationId xmlns:a16="http://schemas.microsoft.com/office/drawing/2014/main" id="{54112B13-FDC3-5C36-8394-88D809FB9F5B}"/>
               </a:ext>
             </a:extLst>
           </p:cNvPr>
@@ -10674,10 +12022,40 @@
           <p:nvPr/>
         </p:nvPicPr>
         <p:blipFill>
-          <a:blip r:embed="rId3">
+          <a:blip r:embed="rId3"/>
+          <a:stretch>
+            <a:fillRect/>
+          </a:stretch>
+        </p:blipFill>
+        <p:spPr>
+          <a:xfrm>
+            <a:off x="3756025" y="1213808"/>
+            <a:ext cx="7772400" cy="4921949"/>
+          </a:xfrm>
+          <a:prstGeom prst="rect">
+            <a:avLst/>
+          </a:prstGeom>
+        </p:spPr>
+      </p:pic>
+      <p:pic>
+        <p:nvPicPr>
+          <p:cNvPr id="10" name="Graphic 9">
+            <a:extLst>
+              <a:ext uri="{FF2B5EF4-FFF2-40B4-BE49-F238E27FC236}">
+                <a16:creationId xmlns:a16="http://schemas.microsoft.com/office/drawing/2014/main" id="{2B65C807-FD6E-2896-1DE6-B3B62C4C4323}"/>
+              </a:ext>
+            </a:extLst>
+          </p:cNvPr>
+          <p:cNvPicPr>
+            <a:picLocks noChangeAspect="1"/>
+          </p:cNvPicPr>
+          <p:nvPr/>
+        </p:nvPicPr>
+        <p:blipFill>
+          <a:blip r:embed="rId4">
             <a:extLst>
               <a:ext uri="{96DAC541-7B7A-43D3-8B79-37D633B846F1}">
-                <asvg:svgBlip xmlns:asvg="http://schemas.microsoft.com/office/drawing/2016/SVG/main" r:embed="rId4"/>
+                <asvg:svgBlip xmlns:asvg="http://schemas.microsoft.com/office/drawing/2016/SVG/main" r:embed="rId5"/>
               </a:ext>
             </a:extLst>
           </a:blip>
@@ -10687,8 +12065,8 @@
         </p:blipFill>
         <p:spPr>
           <a:xfrm>
-            <a:off x="-287936" y="2175302"/>
-            <a:ext cx="3810000" cy="3810000"/>
+            <a:off x="352426" y="2363373"/>
+            <a:ext cx="3176588" cy="2987554"/>
           </a:xfrm>
           <a:prstGeom prst="rect">
             <a:avLst/>
@@ -10697,10 +12075,10 @@
       </p:pic>
       <p:sp>
         <p:nvSpPr>
-          <p:cNvPr id="6" name="TextBox 5">
-            <a:extLst>
-              <a:ext uri="{FF2B5EF4-FFF2-40B4-BE49-F238E27FC236}">
-                <a16:creationId xmlns:a16="http://schemas.microsoft.com/office/drawing/2014/main" id="{264FECF1-1A5C-5FA1-AED9-F89FB6EEB494}"/>
+          <p:cNvPr id="12" name="TextBox 11">
+            <a:extLst>
+              <a:ext uri="{FF2B5EF4-FFF2-40B4-BE49-F238E27FC236}">
+                <a16:creationId xmlns:a16="http://schemas.microsoft.com/office/drawing/2014/main" id="{6BD4E974-7BF6-68A7-E3E4-46DCC156F877}"/>
               </a:ext>
             </a:extLst>
           </p:cNvPr>
@@ -10709,8 +12087,8 @@
         </p:nvSpPr>
         <p:spPr>
           <a:xfrm>
-            <a:off x="4969636" y="587267"/>
-            <a:ext cx="3941144" cy="400110"/>
+            <a:off x="3756025" y="634037"/>
+            <a:ext cx="7481818" cy="400110"/>
           </a:xfrm>
           <a:prstGeom prst="rect">
             <a:avLst/>
@@ -10718,305 +12096,31 @@
           <a:noFill/>
         </p:spPr>
         <p:txBody>
-          <a:bodyPr wrap="none" lIns="0" rtlCol="0">
+          <a:bodyPr wrap="square">
             <a:spAutoFit/>
           </a:bodyPr>
           <a:lstStyle/>
           <a:p>
             <a:r>
-              <a:rPr lang="en-GB" sz="2000" b="1" i="1" dirty="0">
-                <a:solidFill>
-                  <a:srgbClr val="262626"/>
-                </a:solidFill>
-                <a:latin typeface="Inter SemiBold" panose="02000503000000020004" pitchFamily="2" charset="0"/>
-                <a:ea typeface="Inter SemiBold" panose="02000503000000020004" pitchFamily="2" charset="0"/>
+              <a:rPr lang="en-GB" sz="2000" dirty="0">
+                <a:latin typeface="Inter Light" panose="02000503000000020004" pitchFamily="2" charset="0"/>
+                <a:ea typeface="Inter Light" panose="02000503000000020004" pitchFamily="2" charset="0"/>
               </a:rPr>
-              <a:t>FAMILY FORTUNES </a:t>
+              <a:t>The gap is </a:t>
             </a:r>
             <a:r>
               <a:rPr lang="en-GB" sz="2000" b="1" dirty="0">
-                <a:solidFill>
-                  <a:srgbClr val="262626"/>
-                </a:solidFill>
-                <a:latin typeface="Inter SemiBold" panose="02000503000000020004" pitchFamily="2" charset="0"/>
-                <a:ea typeface="Inter SemiBold" panose="02000503000000020004" pitchFamily="2" charset="0"/>
+                <a:latin typeface="Inter Light" panose="02000503000000020004" pitchFamily="2" charset="0"/>
+                <a:ea typeface="Inter Light" panose="02000503000000020004" pitchFamily="2" charset="0"/>
               </a:rPr>
-              <a:t>MINI GAME</a:t>
-            </a:r>
-          </a:p>
-        </p:txBody>
-      </p:sp>
-      <p:sp>
-        <p:nvSpPr>
-          <p:cNvPr id="12" name="Rectangle 11">
-            <a:extLst>
-              <a:ext uri="{FF2B5EF4-FFF2-40B4-BE49-F238E27FC236}">
-                <a16:creationId xmlns:a16="http://schemas.microsoft.com/office/drawing/2014/main" id="{579E3AD5-67E5-8515-1A39-FE85094DBF6B}"/>
-              </a:ext>
-            </a:extLst>
-          </p:cNvPr>
-          <p:cNvSpPr/>
-          <p:nvPr/>
-        </p:nvSpPr>
-        <p:spPr>
-          <a:xfrm>
-            <a:off x="4969636" y="1181686"/>
-            <a:ext cx="6819090" cy="914400"/>
-          </a:xfrm>
-          <a:prstGeom prst="rect">
-            <a:avLst/>
-          </a:prstGeom>
-          <a:solidFill>
-            <a:srgbClr val="262626"/>
-          </a:solidFill>
-          <a:ln>
-            <a:noFill/>
-          </a:ln>
-        </p:spPr>
-        <p:style>
-          <a:lnRef idx="2">
-            <a:schemeClr val="accent1">
-              <a:shade val="15000"/>
-            </a:schemeClr>
-          </a:lnRef>
-          <a:fillRef idx="1">
-            <a:schemeClr val="accent1"/>
-          </a:fillRef>
-          <a:effectRef idx="0">
-            <a:schemeClr val="accent1"/>
-          </a:effectRef>
-          <a:fontRef idx="minor">
-            <a:schemeClr val="lt1"/>
-          </a:fontRef>
-        </p:style>
-        <p:txBody>
-          <a:bodyPr rtlCol="0" anchor="ctr"/>
-          <a:lstStyle/>
-          <a:p>
-            <a:pPr algn="ctr"/>
-            <a:r>
-              <a:rPr lang="en-GB" sz="2400" dirty="0"/>
-              <a:t>placeholder</a:t>
-            </a:r>
-          </a:p>
-        </p:txBody>
-      </p:sp>
-      <p:sp>
-        <p:nvSpPr>
-          <p:cNvPr id="3" name="Rectangle 2">
-            <a:extLst>
-              <a:ext uri="{FF2B5EF4-FFF2-40B4-BE49-F238E27FC236}">
-                <a16:creationId xmlns:a16="http://schemas.microsoft.com/office/drawing/2014/main" id="{56856A62-FD22-E1F6-2741-005ADD32C75E}"/>
-              </a:ext>
-            </a:extLst>
-          </p:cNvPr>
-          <p:cNvSpPr/>
-          <p:nvPr/>
-        </p:nvSpPr>
-        <p:spPr>
-          <a:xfrm>
-            <a:off x="4969636" y="2264899"/>
-            <a:ext cx="6819090" cy="914400"/>
-          </a:xfrm>
-          <a:prstGeom prst="rect">
-            <a:avLst/>
-          </a:prstGeom>
-          <a:solidFill>
-            <a:srgbClr val="262626"/>
-          </a:solidFill>
-          <a:ln>
-            <a:noFill/>
-          </a:ln>
-        </p:spPr>
-        <p:style>
-          <a:lnRef idx="2">
-            <a:schemeClr val="accent1">
-              <a:shade val="15000"/>
-            </a:schemeClr>
-          </a:lnRef>
-          <a:fillRef idx="1">
-            <a:schemeClr val="accent1"/>
-          </a:fillRef>
-          <a:effectRef idx="0">
-            <a:schemeClr val="accent1"/>
-          </a:effectRef>
-          <a:fontRef idx="minor">
-            <a:schemeClr val="lt1"/>
-          </a:fontRef>
-        </p:style>
-        <p:txBody>
-          <a:bodyPr rtlCol="0" anchor="ctr"/>
-          <a:lstStyle/>
-          <a:p>
-            <a:pPr algn="ctr"/>
-            <a:r>
-              <a:rPr lang="en-GB" sz="2400" dirty="0"/>
-              <a:t>placeholder</a:t>
-            </a:r>
-          </a:p>
-        </p:txBody>
-      </p:sp>
-      <p:sp>
-        <p:nvSpPr>
-          <p:cNvPr id="13" name="Rectangle 12">
-            <a:extLst>
-              <a:ext uri="{FF2B5EF4-FFF2-40B4-BE49-F238E27FC236}">
-                <a16:creationId xmlns:a16="http://schemas.microsoft.com/office/drawing/2014/main" id="{C7411B2C-B52C-C653-E00E-0ADF93859F2A}"/>
-              </a:ext>
-            </a:extLst>
-          </p:cNvPr>
-          <p:cNvSpPr/>
-          <p:nvPr/>
-        </p:nvSpPr>
-        <p:spPr>
-          <a:xfrm>
-            <a:off x="4969636" y="3334044"/>
-            <a:ext cx="6819090" cy="914400"/>
-          </a:xfrm>
-          <a:prstGeom prst="rect">
-            <a:avLst/>
-          </a:prstGeom>
-          <a:solidFill>
-            <a:srgbClr val="262626"/>
-          </a:solidFill>
-          <a:ln>
-            <a:noFill/>
-          </a:ln>
-        </p:spPr>
-        <p:style>
-          <a:lnRef idx="2">
-            <a:schemeClr val="accent1">
-              <a:shade val="15000"/>
-            </a:schemeClr>
-          </a:lnRef>
-          <a:fillRef idx="1">
-            <a:schemeClr val="accent1"/>
-          </a:fillRef>
-          <a:effectRef idx="0">
-            <a:schemeClr val="accent1"/>
-          </a:effectRef>
-          <a:fontRef idx="minor">
-            <a:schemeClr val="lt1"/>
-          </a:fontRef>
-        </p:style>
-        <p:txBody>
-          <a:bodyPr rtlCol="0" anchor="ctr"/>
-          <a:lstStyle/>
-          <a:p>
-            <a:pPr algn="ctr"/>
-            <a:r>
-              <a:rPr lang="en-GB" sz="2400" dirty="0"/>
-              <a:t>placeholder</a:t>
-            </a:r>
-          </a:p>
-        </p:txBody>
-      </p:sp>
-      <p:sp>
-        <p:nvSpPr>
-          <p:cNvPr id="14" name="Rectangle 13">
-            <a:extLst>
-              <a:ext uri="{FF2B5EF4-FFF2-40B4-BE49-F238E27FC236}">
-                <a16:creationId xmlns:a16="http://schemas.microsoft.com/office/drawing/2014/main" id="{68B1C59E-A7B3-1ED9-6945-09F4D2FB94CE}"/>
-              </a:ext>
-            </a:extLst>
-          </p:cNvPr>
-          <p:cNvSpPr/>
-          <p:nvPr/>
-        </p:nvSpPr>
-        <p:spPr>
-          <a:xfrm>
-            <a:off x="4969636" y="4431324"/>
-            <a:ext cx="6819090" cy="914400"/>
-          </a:xfrm>
-          <a:prstGeom prst="rect">
-            <a:avLst/>
-          </a:prstGeom>
-          <a:solidFill>
-            <a:srgbClr val="262626"/>
-          </a:solidFill>
-          <a:ln>
-            <a:noFill/>
-          </a:ln>
-        </p:spPr>
-        <p:style>
-          <a:lnRef idx="2">
-            <a:schemeClr val="accent1">
-              <a:shade val="15000"/>
-            </a:schemeClr>
-          </a:lnRef>
-          <a:fillRef idx="1">
-            <a:schemeClr val="accent1"/>
-          </a:fillRef>
-          <a:effectRef idx="0">
-            <a:schemeClr val="accent1"/>
-          </a:effectRef>
-          <a:fontRef idx="minor">
-            <a:schemeClr val="lt1"/>
-          </a:fontRef>
-        </p:style>
-        <p:txBody>
-          <a:bodyPr rtlCol="0" anchor="ctr"/>
-          <a:lstStyle/>
-          <a:p>
-            <a:pPr algn="ctr"/>
-            <a:r>
-              <a:rPr lang="en-GB" sz="2400" dirty="0"/>
-              <a:t>placeholder</a:t>
-            </a:r>
-          </a:p>
-        </p:txBody>
-      </p:sp>
-      <p:sp>
-        <p:nvSpPr>
-          <p:cNvPr id="15" name="Rectangle 14">
-            <a:extLst>
-              <a:ext uri="{FF2B5EF4-FFF2-40B4-BE49-F238E27FC236}">
-                <a16:creationId xmlns:a16="http://schemas.microsoft.com/office/drawing/2014/main" id="{C99D21C1-9180-AC23-4B9A-1DD84E57621B}"/>
-              </a:ext>
-            </a:extLst>
-          </p:cNvPr>
-          <p:cNvSpPr/>
-          <p:nvPr/>
-        </p:nvSpPr>
-        <p:spPr>
-          <a:xfrm>
-            <a:off x="4969636" y="5486401"/>
-            <a:ext cx="6819090" cy="914400"/>
-          </a:xfrm>
-          <a:prstGeom prst="rect">
-            <a:avLst/>
-          </a:prstGeom>
-          <a:solidFill>
-            <a:srgbClr val="262626"/>
-          </a:solidFill>
-          <a:ln>
-            <a:noFill/>
-          </a:ln>
-        </p:spPr>
-        <p:style>
-          <a:lnRef idx="2">
-            <a:schemeClr val="accent1">
-              <a:shade val="15000"/>
-            </a:schemeClr>
-          </a:lnRef>
-          <a:fillRef idx="1">
-            <a:schemeClr val="accent1"/>
-          </a:fillRef>
-          <a:effectRef idx="0">
-            <a:schemeClr val="accent1"/>
-          </a:effectRef>
-          <a:fontRef idx="minor">
-            <a:schemeClr val="lt1"/>
-          </a:fontRef>
-        </p:style>
-        <p:txBody>
-          <a:bodyPr rtlCol="0" anchor="ctr"/>
-          <a:lstStyle/>
-          <a:p>
-            <a:pPr algn="ctr"/>
-            <a:r>
-              <a:rPr lang="en-GB" sz="2400" dirty="0"/>
-              <a:t>placeholder</a:t>
+              <a:t>growing</a:t>
+            </a:r>
+            <a:r>
+              <a:rPr lang="en-GB" sz="2000" dirty="0">
+                <a:latin typeface="Inter Light" panose="02000503000000020004" pitchFamily="2" charset="0"/>
+                <a:ea typeface="Inter Light" panose="02000503000000020004" pitchFamily="2" charset="0"/>
+              </a:rPr>
+              <a:t> — sentiment may shape linguistic style</a:t>
             </a:r>
           </a:p>
         </p:txBody>
@@ -11024,7 +12128,7 @@
     </p:spTree>
     <p:extLst>
       <p:ext uri="{BB962C8B-B14F-4D97-AF65-F5344CB8AC3E}">
-        <p14:creationId xmlns:p14="http://schemas.microsoft.com/office/powerpoint/2010/main" val="3803946757"/>
+        <p14:creationId xmlns:p14="http://schemas.microsoft.com/office/powerpoint/2010/main" val="4165105063"/>
       </p:ext>
     </p:extLst>
   </p:cSld>
@@ -11083,8 +12187,8 @@
         </p:nvSpPr>
         <p:spPr>
           <a:xfrm>
-            <a:off x="352425" y="5615971"/>
-            <a:ext cx="10515600" cy="784830"/>
+            <a:off x="302064" y="4893181"/>
+            <a:ext cx="3262313" cy="1523494"/>
           </a:xfrm>
           <a:noFill/>
           <a:ln w="50800">
@@ -11092,7 +12196,7 @@
           </a:ln>
         </p:spPr>
         <p:txBody>
-          <a:bodyPr bIns="0" anchor="b">
+          <a:bodyPr wrap="square" lIns="0" bIns="0" anchor="b">
             <a:spAutoFit/>
           </a:bodyPr>
           <a:lstStyle/>
@@ -11109,17 +12213,83 @@
                 </a:solidFill>
                 <a:latin typeface="Hanken Grotesk" pitchFamily="2" charset="77"/>
               </a:rPr>
-              <a:t>frequency</a:t>
+              <a:t>top 20 loanwords</a:t>
             </a:r>
           </a:p>
         </p:txBody>
       </p:sp>
-      <p:sp>
-        <p:nvSpPr>
-          <p:cNvPr id="6" name="TextBox 5">
-            <a:extLst>
-              <a:ext uri="{FF2B5EF4-FFF2-40B4-BE49-F238E27FC236}">
-                <a16:creationId xmlns:a16="http://schemas.microsoft.com/office/drawing/2014/main" id="{CD8C2532-8DEA-9382-DC99-73836EC58F6D}"/>
+      <p:pic>
+        <p:nvPicPr>
+          <p:cNvPr id="18" name="Picture 17" descr="A graph of orange and white bars&#10;&#10;AI-generated content may be incorrect.">
+            <a:extLst>
+              <a:ext uri="{FF2B5EF4-FFF2-40B4-BE49-F238E27FC236}">
+                <a16:creationId xmlns:a16="http://schemas.microsoft.com/office/drawing/2014/main" id="{297B5818-BC64-C952-CBC2-7D1E2C0FB4CE}"/>
+              </a:ext>
+            </a:extLst>
+          </p:cNvPr>
+          <p:cNvPicPr>
+            <a:picLocks noChangeAspect="1"/>
+          </p:cNvPicPr>
+          <p:nvPr/>
+        </p:nvPicPr>
+        <p:blipFill>
+          <a:blip r:embed="rId3"/>
+          <a:stretch>
+            <a:fillRect/>
+          </a:stretch>
+        </p:blipFill>
+        <p:spPr>
+          <a:xfrm>
+            <a:off x="3756025" y="1534024"/>
+            <a:ext cx="7772400" cy="4921949"/>
+          </a:xfrm>
+          <a:prstGeom prst="rect">
+            <a:avLst/>
+          </a:prstGeom>
+        </p:spPr>
+      </p:pic>
+      <p:pic>
+        <p:nvPicPr>
+          <p:cNvPr id="20" name="Graphic 19">
+            <a:extLst>
+              <a:ext uri="{FF2B5EF4-FFF2-40B4-BE49-F238E27FC236}">
+                <a16:creationId xmlns:a16="http://schemas.microsoft.com/office/drawing/2014/main" id="{6E758B3A-4566-EDC3-20AD-46E4F82796EA}"/>
+              </a:ext>
+            </a:extLst>
+          </p:cNvPr>
+          <p:cNvPicPr>
+            <a:picLocks noChangeAspect="1"/>
+          </p:cNvPicPr>
+          <p:nvPr/>
+        </p:nvPicPr>
+        <p:blipFill>
+          <a:blip r:embed="rId4">
+            <a:extLst>
+              <a:ext uri="{96DAC541-7B7A-43D3-8B79-37D633B846F1}">
+                <asvg:svgBlip xmlns:asvg="http://schemas.microsoft.com/office/drawing/2016/SVG/main" r:embed="rId5"/>
+              </a:ext>
+            </a:extLst>
+          </a:blip>
+          <a:stretch>
+            <a:fillRect/>
+          </a:stretch>
+        </p:blipFill>
+        <p:spPr>
+          <a:xfrm>
+            <a:off x="302065" y="1791342"/>
+            <a:ext cx="2810050" cy="3101839"/>
+          </a:xfrm>
+          <a:prstGeom prst="rect">
+            <a:avLst/>
+          </a:prstGeom>
+        </p:spPr>
+      </p:pic>
+      <p:sp>
+        <p:nvSpPr>
+          <p:cNvPr id="21" name="TextBox 20">
+            <a:extLst>
+              <a:ext uri="{FF2B5EF4-FFF2-40B4-BE49-F238E27FC236}">
+                <a16:creationId xmlns:a16="http://schemas.microsoft.com/office/drawing/2014/main" id="{FCCCF1CC-0417-D53D-A8BD-829E03316C48}"/>
               </a:ext>
             </a:extLst>
           </p:cNvPr>
@@ -11128,8 +12298,8 @@
         </p:nvSpPr>
         <p:spPr>
           <a:xfrm>
-            <a:off x="4958071" y="836414"/>
-            <a:ext cx="4620817" cy="400110"/>
+            <a:off x="3756025" y="252750"/>
+            <a:ext cx="7481818" cy="1015663"/>
           </a:xfrm>
           <a:prstGeom prst="rect">
             <a:avLst/>
@@ -11137,109 +12307,31 @@
           <a:noFill/>
         </p:spPr>
         <p:txBody>
-          <a:bodyPr wrap="none" lIns="0" rtlCol="0">
+          <a:bodyPr wrap="square">
             <a:spAutoFit/>
           </a:bodyPr>
           <a:lstStyle/>
           <a:p>
             <a:r>
+              <a:rPr lang="en-GB" sz="2000" dirty="0">
+                <a:latin typeface="Inter Light" panose="02000503000000020004" pitchFamily="2" charset="0"/>
+                <a:ea typeface="Inter Light" panose="02000503000000020004" pitchFamily="2" charset="0"/>
+              </a:rPr>
+              <a:t>These are the </a:t>
+            </a:r>
+            <a:r>
               <a:rPr lang="en-GB" sz="2000" b="1" dirty="0">
-                <a:solidFill>
-                  <a:srgbClr val="262626"/>
-                </a:solidFill>
-                <a:latin typeface="Inter SemiBold" panose="02000503000000020004" pitchFamily="2" charset="0"/>
-                <a:ea typeface="Inter SemiBold" panose="02000503000000020004" pitchFamily="2" charset="0"/>
+                <a:latin typeface="Inter Light" panose="02000503000000020004" pitchFamily="2" charset="0"/>
+                <a:ea typeface="Inter Light" panose="02000503000000020004" pitchFamily="2" charset="0"/>
               </a:rPr>
-              <a:t>TOP LOANWORDS AND FREQUENCY</a:t>
-            </a:r>
-          </a:p>
-        </p:txBody>
-      </p:sp>
-      <p:pic>
-        <p:nvPicPr>
-          <p:cNvPr id="13" name="Graphic 12">
-            <a:extLst>
-              <a:ext uri="{FF2B5EF4-FFF2-40B4-BE49-F238E27FC236}">
-                <a16:creationId xmlns:a16="http://schemas.microsoft.com/office/drawing/2014/main" id="{AD86AD44-BA68-B184-EF6C-586F057853A6}"/>
-              </a:ext>
-            </a:extLst>
-          </p:cNvPr>
-          <p:cNvPicPr>
-            <a:picLocks noChangeAspect="1"/>
-          </p:cNvPicPr>
-          <p:nvPr/>
-        </p:nvPicPr>
-        <p:blipFill>
-          <a:blip r:embed="rId3">
-            <a:extLst>
-              <a:ext uri="{96DAC541-7B7A-43D3-8B79-37D633B846F1}">
-                <asvg:svgBlip xmlns:asvg="http://schemas.microsoft.com/office/drawing/2016/SVG/main" r:embed="rId4"/>
-              </a:ext>
-            </a:extLst>
-          </a:blip>
-          <a:stretch>
-            <a:fillRect/>
-          </a:stretch>
-        </p:blipFill>
-        <p:spPr>
-          <a:xfrm>
-            <a:off x="-437271" y="2089999"/>
-            <a:ext cx="3810000" cy="3810000"/>
-          </a:xfrm>
-          <a:prstGeom prst="rect">
-            <a:avLst/>
-          </a:prstGeom>
-        </p:spPr>
-      </p:pic>
-      <p:sp>
-        <p:nvSpPr>
-          <p:cNvPr id="3" name="TextBox 2">
-            <a:extLst>
-              <a:ext uri="{FF2B5EF4-FFF2-40B4-BE49-F238E27FC236}">
-                <a16:creationId xmlns:a16="http://schemas.microsoft.com/office/drawing/2014/main" id="{E0095DAB-3A92-B515-5BFD-DC82870A55A5}"/>
-              </a:ext>
-            </a:extLst>
-          </p:cNvPr>
-          <p:cNvSpPr txBox="1"/>
-          <p:nvPr/>
-        </p:nvSpPr>
-        <p:spPr>
-          <a:xfrm>
-            <a:off x="4958071" y="1544661"/>
-            <a:ext cx="4913461" cy="923330"/>
-          </a:xfrm>
-          <a:prstGeom prst="rect">
-            <a:avLst/>
-          </a:prstGeom>
-          <a:noFill/>
-        </p:spPr>
-        <p:txBody>
-          <a:bodyPr wrap="none" rtlCol="0">
-            <a:spAutoFit/>
-          </a:bodyPr>
-          <a:lstStyle/>
-          <a:p>
-            <a:pPr marL="0" indent="0">
-              <a:buNone/>
-            </a:pPr>
-            <a:r>
-              <a:rPr lang="en-GB" dirty="0"/>
-              <a:t>TODO: Plot #5 Bar chart</a:t>
-            </a:r>
-          </a:p>
-          <a:p>
-            <a:pPr marL="0" indent="0">
-              <a:buNone/>
-            </a:pPr>
-            <a:endParaRPr lang="en-GB" dirty="0"/>
-          </a:p>
-          <a:p>
-            <a:pPr marL="0" indent="0">
-              <a:buNone/>
-            </a:pPr>
-            <a:r>
-              <a:rPr lang="en-GB" dirty="0"/>
-              <a:t>What are the most common English loanwords?</a:t>
+              <a:t>most frequent</a:t>
+            </a:r>
+            <a:r>
+              <a:rPr lang="en-GB" sz="2000" dirty="0">
+                <a:latin typeface="Inter Light" panose="02000503000000020004" pitchFamily="2" charset="0"/>
+                <a:ea typeface="Inter Light" panose="02000503000000020004" pitchFamily="2" charset="0"/>
+              </a:rPr>
+              <a:t> English loanwords. Many displace German alternatives — possibly because they sound more modern, international, or efficient.</a:t>
             </a:r>
           </a:p>
         </p:txBody>

--- a/DA_Final_Presentation.pptx
+++ b/DA_Final_Presentation.pptx
@@ -5,7 +5,7 @@
     <p:sldMasterId id="2147483648" r:id="rId1"/>
   </p:sldMasterIdLst>
   <p:notesMasterIdLst>
-    <p:notesMasterId r:id="rId14"/>
+    <p:notesMasterId r:id="rId13"/>
   </p:notesMasterIdLst>
   <p:sldIdLst>
     <p:sldId id="256" r:id="rId2"/>
@@ -19,7 +19,6 @@
     <p:sldId id="278" r:id="rId10"/>
     <p:sldId id="275" r:id="rId11"/>
     <p:sldId id="271" r:id="rId12"/>
-    <p:sldId id="277" r:id="rId13"/>
   </p:sldIdLst>
   <p:sldSz cx="12192000" cy="6858000"/>
   <p:notesSz cx="6858000" cy="9144000"/>
@@ -1082,288 +1081,6 @@
     <p:extLst>
       <p:ext uri="{BB962C8B-B14F-4D97-AF65-F5344CB8AC3E}">
         <p14:creationId xmlns:p14="http://schemas.microsoft.com/office/powerpoint/2010/main" val="62052570"/>
-      </p:ext>
-    </p:extLst>
-  </p:cSld>
-  <p:clrMapOvr>
-    <a:masterClrMapping/>
-  </p:clrMapOvr>
-</p:notes>
-</file>
-
-<file path=ppt/notesSlides/notesSlide12.xml><?xml version="1.0" encoding="utf-8"?>
-<p:notes xmlns:a="http://schemas.openxmlformats.org/drawingml/2006/main" xmlns:r="http://schemas.openxmlformats.org/officeDocument/2006/relationships" xmlns:p="http://schemas.openxmlformats.org/presentationml/2006/main">
-  <p:cSld>
-    <p:spTree>
-      <p:nvGrpSpPr>
-        <p:cNvPr id="1" name="">
-          <a:extLst>
-            <a:ext uri="{FF2B5EF4-FFF2-40B4-BE49-F238E27FC236}">
-              <a16:creationId xmlns:a16="http://schemas.microsoft.com/office/drawing/2014/main" id="{3527F2D1-AD52-6072-F8B3-47BB9146C5FE}"/>
-            </a:ext>
-          </a:extLst>
-        </p:cNvPr>
-        <p:cNvGrpSpPr/>
-        <p:nvPr/>
-      </p:nvGrpSpPr>
-      <p:grpSpPr>
-        <a:xfrm>
-          <a:off x="0" y="0"/>
-          <a:ext cx="0" cy="0"/>
-          <a:chOff x="0" y="0"/>
-          <a:chExt cx="0" cy="0"/>
-        </a:xfrm>
-      </p:grpSpPr>
-      <p:sp>
-        <p:nvSpPr>
-          <p:cNvPr id="2" name="Slide Image Placeholder 1">
-            <a:extLst>
-              <a:ext uri="{FF2B5EF4-FFF2-40B4-BE49-F238E27FC236}">
-                <a16:creationId xmlns:a16="http://schemas.microsoft.com/office/drawing/2014/main" id="{20F8C00A-BB76-FAE5-CB01-E46E9E3BB45B}"/>
-              </a:ext>
-            </a:extLst>
-          </p:cNvPr>
-          <p:cNvSpPr>
-            <a:spLocks noGrp="1" noRot="1" noChangeAspect="1"/>
-          </p:cNvSpPr>
-          <p:nvPr>
-            <p:ph type="sldImg"/>
-          </p:nvPr>
-        </p:nvSpPr>
-        <p:spPr/>
-      </p:sp>
-      <p:sp>
-        <p:nvSpPr>
-          <p:cNvPr id="3" name="Notes Placeholder 2">
-            <a:extLst>
-              <a:ext uri="{FF2B5EF4-FFF2-40B4-BE49-F238E27FC236}">
-                <a16:creationId xmlns:a16="http://schemas.microsoft.com/office/drawing/2014/main" id="{31764FFF-8843-043F-B1E5-B3BE4A601C77}"/>
-              </a:ext>
-            </a:extLst>
-          </p:cNvPr>
-          <p:cNvSpPr>
-            <a:spLocks noGrp="1"/>
-          </p:cNvSpPr>
-          <p:nvPr>
-            <p:ph type="body" idx="1"/>
-          </p:nvPr>
-        </p:nvSpPr>
-        <p:spPr/>
-        <p:txBody>
-          <a:bodyPr/>
-          <a:lstStyle/>
-          <a:p>
-            <a:pPr>
-              <a:buNone/>
-            </a:pPr>
-            <a:r>
-              <a:rPr lang="en-GB" b="0" dirty="0"/>
-              <a:t>Before I show you the top 10 words from the data. Lets have a quick game. </a:t>
-            </a:r>
-          </a:p>
-          <a:p>
-            <a:pPr>
-              <a:buNone/>
-            </a:pPr>
-            <a:endParaRPr lang="en-GB" b="0" dirty="0"/>
-          </a:p>
-          <a:p>
-            <a:pPr>
-              <a:buNone/>
-            </a:pPr>
-            <a:r>
-              <a:rPr lang="en-GB" b="0" dirty="0"/>
-              <a:t>Can you guess the top 5 most common English words in German articles?</a:t>
-            </a:r>
-          </a:p>
-          <a:p>
-            <a:pPr>
-              <a:buNone/>
-            </a:pPr>
-            <a:endParaRPr lang="en-GB" b="0" dirty="0"/>
-          </a:p>
-          <a:p>
-            <a:pPr>
-              <a:buNone/>
-            </a:pPr>
-            <a:r>
-              <a:rPr lang="en-GB" b="0" dirty="0"/>
-              <a:t>Let’s play a quick game of Family Fortunes. Based on the articles scraped from Business Insider, what do you think were the top 5 most common English loanwords?</a:t>
-            </a:r>
-          </a:p>
-          <a:p>
-            <a:pPr>
-              <a:buNone/>
-            </a:pPr>
-            <a:endParaRPr lang="en-GB" b="1" dirty="0"/>
-          </a:p>
-          <a:p>
-            <a:pPr>
-              <a:buNone/>
-            </a:pPr>
-            <a:r>
-              <a:rPr lang="en-GB" b="1" dirty="0"/>
-              <a:t>Slide 7: Audience Round – Guess the Top 5</a:t>
-            </a:r>
-          </a:p>
-          <a:p>
-            <a:pPr>
-              <a:buNone/>
-            </a:pPr>
-            <a:r>
-              <a:rPr lang="en-GB" b="1" dirty="0"/>
-              <a:t>Interactive Moment: What Are the Most Common English Words?</a:t>
-            </a:r>
-            <a:endParaRPr lang="en-GB" dirty="0"/>
-          </a:p>
-          <a:p>
-            <a:pPr>
-              <a:buNone/>
-            </a:pPr>
-            <a:r>
-              <a:rPr lang="en-CH" dirty="0"/>
-              <a:t>🧠 </a:t>
-            </a:r>
-            <a:r>
-              <a:rPr lang="en-GB" i="1" dirty="0"/>
-              <a:t>Mini Game: 'Family Fortunes' Style</a:t>
-            </a:r>
-            <a:endParaRPr lang="en-GB" dirty="0"/>
-          </a:p>
-          <a:p>
-            <a:pPr>
-              <a:buFont typeface="Arial" panose="020B0604020202020204" pitchFamily="34" charset="0"/>
-              <a:buChar char="•"/>
-            </a:pPr>
-            <a:r>
-              <a:rPr lang="en-GB" dirty="0"/>
-              <a:t>Invite the audience to guess the top 5 most frequent English loanwords in the dataset</a:t>
-            </a:r>
-          </a:p>
-          <a:p>
-            <a:pPr>
-              <a:buNone/>
-            </a:pPr>
-            <a:r>
-              <a:rPr lang="en-CH" dirty="0"/>
-              <a:t>🖼️ </a:t>
-            </a:r>
-            <a:r>
-              <a:rPr lang="en-GB" dirty="0"/>
-              <a:t>Visual Game Board:</a:t>
-            </a:r>
-          </a:p>
-          <a:p>
-            <a:pPr>
-              <a:buNone/>
-            </a:pPr>
-            <a:r>
-              <a:rPr lang="en-GB" dirty="0"/>
-              <a:t>1. __________ 2. __________ 3. __________ 4. __________ 5. __________</a:t>
-            </a:r>
-            <a:r>
-              <a:rPr lang="en-CH" dirty="0"/>
-              <a:t>🎙️ </a:t>
-            </a:r>
-            <a:r>
-              <a:rPr lang="en-GB" dirty="0"/>
-              <a:t>Prompt: “Let’s play a quick game! Based on 30,000+ German articles scraped from Business Insider, what do you think were the top 5 most common English loanwords?”</a:t>
-            </a:r>
-          </a:p>
-          <a:p>
-            <a:pPr>
-              <a:buNone/>
-            </a:pPr>
-            <a:r>
-              <a:rPr lang="en-CH" dirty="0"/>
-              <a:t>📣 </a:t>
-            </a:r>
-            <a:r>
-              <a:rPr lang="en-GB" dirty="0"/>
-              <a:t>As they guess:</a:t>
-            </a:r>
-          </a:p>
-          <a:p>
-            <a:pPr>
-              <a:buFont typeface="Arial" panose="020B0604020202020204" pitchFamily="34" charset="0"/>
-              <a:buChar char="•"/>
-            </a:pPr>
-            <a:r>
-              <a:rPr lang="en-GB" dirty="0"/>
-              <a:t>Fill in correct answers one by one</a:t>
-            </a:r>
-          </a:p>
-          <a:p>
-            <a:pPr>
-              <a:buFont typeface="Arial" panose="020B0604020202020204" pitchFamily="34" charset="0"/>
-              <a:buChar char="•"/>
-            </a:pPr>
-            <a:r>
-              <a:rPr lang="en-GB" dirty="0"/>
-              <a:t>Reveal the full list</a:t>
-            </a:r>
-          </a:p>
-          <a:p>
-            <a:pPr>
-              <a:buNone/>
-            </a:pPr>
-            <a:r>
-              <a:rPr lang="en-CH" dirty="0"/>
-              <a:t>📊 </a:t>
-            </a:r>
-            <a:r>
-              <a:rPr lang="en-GB" dirty="0"/>
-              <a:t>Then transition to: A bar chart of actual top 10 loanwords (frequency-based)</a:t>
-            </a:r>
-          </a:p>
-          <a:p>
-            <a:r>
-              <a:rPr lang="en-CH" dirty="0"/>
-              <a:t>🎯 </a:t>
-            </a:r>
-            <a:r>
-              <a:rPr lang="en-GB" dirty="0"/>
-              <a:t>This interactive moment will build energy and make your findings more memorable.</a:t>
-            </a:r>
-          </a:p>
-          <a:p>
-            <a:endParaRPr lang="en-GB" dirty="0"/>
-          </a:p>
-        </p:txBody>
-      </p:sp>
-      <p:sp>
-        <p:nvSpPr>
-          <p:cNvPr id="4" name="Slide Number Placeholder 3">
-            <a:extLst>
-              <a:ext uri="{FF2B5EF4-FFF2-40B4-BE49-F238E27FC236}">
-                <a16:creationId xmlns:a16="http://schemas.microsoft.com/office/drawing/2014/main" id="{3CE720EA-3B95-5B29-CF4C-799571206A0C}"/>
-              </a:ext>
-            </a:extLst>
-          </p:cNvPr>
-          <p:cNvSpPr>
-            <a:spLocks noGrp="1"/>
-          </p:cNvSpPr>
-          <p:nvPr>
-            <p:ph type="sldNum" sz="quarter" idx="5"/>
-          </p:nvPr>
-        </p:nvSpPr>
-        <p:spPr/>
-        <p:txBody>
-          <a:bodyPr/>
-          <a:lstStyle/>
-          <a:p>
-            <a:fld id="{606917B7-F4B5-AB46-80C1-BC4475229642}" type="slidenum">
-              <a:rPr lang="en-GB" smtClean="0"/>
-              <a:t>12</a:t>
-            </a:fld>
-            <a:endParaRPr lang="en-GB"/>
-          </a:p>
-        </p:txBody>
-      </p:sp>
-    </p:spTree>
-    <p:extLst>
-      <p:ext uri="{BB962C8B-B14F-4D97-AF65-F5344CB8AC3E}">
-        <p14:creationId xmlns:p14="http://schemas.microsoft.com/office/powerpoint/2010/main" val="3649055021"/>
       </p:ext>
     </p:extLst>
   </p:cSld>
@@ -9747,461 +9464,6 @@
 </p:sld>
 </file>
 
-<file path=ppt/slides/slide12.xml><?xml version="1.0" encoding="utf-8"?>
-<p:sld xmlns:a="http://schemas.openxmlformats.org/drawingml/2006/main" xmlns:r="http://schemas.openxmlformats.org/officeDocument/2006/relationships" xmlns:p="http://schemas.openxmlformats.org/presentationml/2006/main">
-  <p:cSld>
-    <p:bg>
-      <p:bgPr>
-        <a:solidFill>
-          <a:srgbClr val="EEECE8"/>
-        </a:solidFill>
-        <a:effectLst/>
-      </p:bgPr>
-    </p:bg>
-    <p:spTree>
-      <p:nvGrpSpPr>
-        <p:cNvPr id="1" name="">
-          <a:extLst>
-            <a:ext uri="{FF2B5EF4-FFF2-40B4-BE49-F238E27FC236}">
-              <a16:creationId xmlns:a16="http://schemas.microsoft.com/office/drawing/2014/main" id="{F6F31E17-7CE8-F9D8-4B32-8A286014966E}"/>
-            </a:ext>
-          </a:extLst>
-        </p:cNvPr>
-        <p:cNvGrpSpPr/>
-        <p:nvPr/>
-      </p:nvGrpSpPr>
-      <p:grpSpPr>
-        <a:xfrm>
-          <a:off x="0" y="0"/>
-          <a:ext cx="0" cy="0"/>
-          <a:chOff x="0" y="0"/>
-          <a:chExt cx="0" cy="0"/>
-        </a:xfrm>
-      </p:grpSpPr>
-      <p:sp>
-        <p:nvSpPr>
-          <p:cNvPr id="2" name="Title 1">
-            <a:extLst>
-              <a:ext uri="{FF2B5EF4-FFF2-40B4-BE49-F238E27FC236}">
-                <a16:creationId xmlns:a16="http://schemas.microsoft.com/office/drawing/2014/main" id="{341294E7-9498-4E3E-0FCB-97870EB39563}"/>
-              </a:ext>
-            </a:extLst>
-          </p:cNvPr>
-          <p:cNvSpPr>
-            <a:spLocks noGrp="1"/>
-          </p:cNvSpPr>
-          <p:nvPr>
-            <p:ph type="title"/>
-          </p:nvPr>
-        </p:nvSpPr>
-        <p:spPr>
-          <a:xfrm>
-            <a:off x="352425" y="5615971"/>
-            <a:ext cx="10515600" cy="784830"/>
-          </a:xfrm>
-          <a:noFill/>
-          <a:ln w="50800">
-            <a:noFill/>
-          </a:ln>
-        </p:spPr>
-        <p:txBody>
-          <a:bodyPr bIns="0" anchor="b">
-            <a:spAutoFit/>
-          </a:bodyPr>
-          <a:lstStyle/>
-          <a:p>
-            <a:pPr>
-              <a:lnSpc>
-                <a:spcPct val="100000"/>
-              </a:lnSpc>
-            </a:pPr>
-            <a:r>
-              <a:rPr lang="en-GB" sz="4800" b="1" spc="-150" dirty="0">
-                <a:solidFill>
-                  <a:srgbClr val="D64025"/>
-                </a:solidFill>
-                <a:latin typeface="Hanken Grotesk" pitchFamily="2" charset="77"/>
-              </a:rPr>
-              <a:t>guess the word</a:t>
-            </a:r>
-          </a:p>
-        </p:txBody>
-      </p:sp>
-      <p:pic>
-        <p:nvPicPr>
-          <p:cNvPr id="5" name="Graphic 4">
-            <a:extLst>
-              <a:ext uri="{FF2B5EF4-FFF2-40B4-BE49-F238E27FC236}">
-                <a16:creationId xmlns:a16="http://schemas.microsoft.com/office/drawing/2014/main" id="{F0F28CE3-AF30-E9A5-A6A9-16113A522DEB}"/>
-              </a:ext>
-            </a:extLst>
-          </p:cNvPr>
-          <p:cNvPicPr>
-            <a:picLocks noChangeAspect="1"/>
-          </p:cNvPicPr>
-          <p:nvPr/>
-        </p:nvPicPr>
-        <p:blipFill>
-          <a:blip r:embed="rId3">
-            <a:extLst>
-              <a:ext uri="{96DAC541-7B7A-43D3-8B79-37D633B846F1}">
-                <asvg:svgBlip xmlns:asvg="http://schemas.microsoft.com/office/drawing/2016/SVG/main" r:embed="rId4"/>
-              </a:ext>
-            </a:extLst>
-          </a:blip>
-          <a:stretch>
-            <a:fillRect/>
-          </a:stretch>
-        </p:blipFill>
-        <p:spPr>
-          <a:xfrm>
-            <a:off x="-287936" y="2175302"/>
-            <a:ext cx="3810000" cy="3810000"/>
-          </a:xfrm>
-          <a:prstGeom prst="rect">
-            <a:avLst/>
-          </a:prstGeom>
-        </p:spPr>
-      </p:pic>
-      <p:sp>
-        <p:nvSpPr>
-          <p:cNvPr id="6" name="TextBox 5">
-            <a:extLst>
-              <a:ext uri="{FF2B5EF4-FFF2-40B4-BE49-F238E27FC236}">
-                <a16:creationId xmlns:a16="http://schemas.microsoft.com/office/drawing/2014/main" id="{264FECF1-1A5C-5FA1-AED9-F89FB6EEB494}"/>
-              </a:ext>
-            </a:extLst>
-          </p:cNvPr>
-          <p:cNvSpPr txBox="1"/>
-          <p:nvPr/>
-        </p:nvSpPr>
-        <p:spPr>
-          <a:xfrm>
-            <a:off x="4969636" y="587267"/>
-            <a:ext cx="3941144" cy="400110"/>
-          </a:xfrm>
-          <a:prstGeom prst="rect">
-            <a:avLst/>
-          </a:prstGeom>
-          <a:noFill/>
-        </p:spPr>
-        <p:txBody>
-          <a:bodyPr wrap="none" lIns="0" rtlCol="0">
-            <a:spAutoFit/>
-          </a:bodyPr>
-          <a:lstStyle/>
-          <a:p>
-            <a:r>
-              <a:rPr lang="en-GB" sz="2000" b="1" i="1" dirty="0">
-                <a:solidFill>
-                  <a:srgbClr val="262626"/>
-                </a:solidFill>
-                <a:latin typeface="Inter SemiBold" panose="02000503000000020004" pitchFamily="2" charset="0"/>
-                <a:ea typeface="Inter SemiBold" panose="02000503000000020004" pitchFamily="2" charset="0"/>
-              </a:rPr>
-              <a:t>FAMILY FORTUNES </a:t>
-            </a:r>
-            <a:r>
-              <a:rPr lang="en-GB" sz="2000" b="1" dirty="0">
-                <a:solidFill>
-                  <a:srgbClr val="262626"/>
-                </a:solidFill>
-                <a:latin typeface="Inter SemiBold" panose="02000503000000020004" pitchFamily="2" charset="0"/>
-                <a:ea typeface="Inter SemiBold" panose="02000503000000020004" pitchFamily="2" charset="0"/>
-              </a:rPr>
-              <a:t>MINI GAME</a:t>
-            </a:r>
-          </a:p>
-        </p:txBody>
-      </p:sp>
-      <p:sp>
-        <p:nvSpPr>
-          <p:cNvPr id="12" name="Rectangle 11">
-            <a:extLst>
-              <a:ext uri="{FF2B5EF4-FFF2-40B4-BE49-F238E27FC236}">
-                <a16:creationId xmlns:a16="http://schemas.microsoft.com/office/drawing/2014/main" id="{579E3AD5-67E5-8515-1A39-FE85094DBF6B}"/>
-              </a:ext>
-            </a:extLst>
-          </p:cNvPr>
-          <p:cNvSpPr/>
-          <p:nvPr/>
-        </p:nvSpPr>
-        <p:spPr>
-          <a:xfrm>
-            <a:off x="4969636" y="1181686"/>
-            <a:ext cx="6819090" cy="914400"/>
-          </a:xfrm>
-          <a:prstGeom prst="rect">
-            <a:avLst/>
-          </a:prstGeom>
-          <a:solidFill>
-            <a:srgbClr val="262626"/>
-          </a:solidFill>
-          <a:ln>
-            <a:noFill/>
-          </a:ln>
-        </p:spPr>
-        <p:style>
-          <a:lnRef idx="2">
-            <a:schemeClr val="accent1">
-              <a:shade val="15000"/>
-            </a:schemeClr>
-          </a:lnRef>
-          <a:fillRef idx="1">
-            <a:schemeClr val="accent1"/>
-          </a:fillRef>
-          <a:effectRef idx="0">
-            <a:schemeClr val="accent1"/>
-          </a:effectRef>
-          <a:fontRef idx="minor">
-            <a:schemeClr val="lt1"/>
-          </a:fontRef>
-        </p:style>
-        <p:txBody>
-          <a:bodyPr rtlCol="0" anchor="ctr"/>
-          <a:lstStyle/>
-          <a:p>
-            <a:pPr algn="ctr"/>
-            <a:r>
-              <a:rPr lang="en-GB" sz="2400" dirty="0"/>
-              <a:t>placeholder</a:t>
-            </a:r>
-          </a:p>
-        </p:txBody>
-      </p:sp>
-      <p:sp>
-        <p:nvSpPr>
-          <p:cNvPr id="3" name="Rectangle 2">
-            <a:extLst>
-              <a:ext uri="{FF2B5EF4-FFF2-40B4-BE49-F238E27FC236}">
-                <a16:creationId xmlns:a16="http://schemas.microsoft.com/office/drawing/2014/main" id="{56856A62-FD22-E1F6-2741-005ADD32C75E}"/>
-              </a:ext>
-            </a:extLst>
-          </p:cNvPr>
-          <p:cNvSpPr/>
-          <p:nvPr/>
-        </p:nvSpPr>
-        <p:spPr>
-          <a:xfrm>
-            <a:off x="4969636" y="2264899"/>
-            <a:ext cx="6819090" cy="914400"/>
-          </a:xfrm>
-          <a:prstGeom prst="rect">
-            <a:avLst/>
-          </a:prstGeom>
-          <a:solidFill>
-            <a:srgbClr val="262626"/>
-          </a:solidFill>
-          <a:ln>
-            <a:noFill/>
-          </a:ln>
-        </p:spPr>
-        <p:style>
-          <a:lnRef idx="2">
-            <a:schemeClr val="accent1">
-              <a:shade val="15000"/>
-            </a:schemeClr>
-          </a:lnRef>
-          <a:fillRef idx="1">
-            <a:schemeClr val="accent1"/>
-          </a:fillRef>
-          <a:effectRef idx="0">
-            <a:schemeClr val="accent1"/>
-          </a:effectRef>
-          <a:fontRef idx="minor">
-            <a:schemeClr val="lt1"/>
-          </a:fontRef>
-        </p:style>
-        <p:txBody>
-          <a:bodyPr rtlCol="0" anchor="ctr"/>
-          <a:lstStyle/>
-          <a:p>
-            <a:pPr algn="ctr"/>
-            <a:r>
-              <a:rPr lang="en-GB" sz="2400" dirty="0"/>
-              <a:t>placeholder</a:t>
-            </a:r>
-          </a:p>
-        </p:txBody>
-      </p:sp>
-      <p:sp>
-        <p:nvSpPr>
-          <p:cNvPr id="13" name="Rectangle 12">
-            <a:extLst>
-              <a:ext uri="{FF2B5EF4-FFF2-40B4-BE49-F238E27FC236}">
-                <a16:creationId xmlns:a16="http://schemas.microsoft.com/office/drawing/2014/main" id="{C7411B2C-B52C-C653-E00E-0ADF93859F2A}"/>
-              </a:ext>
-            </a:extLst>
-          </p:cNvPr>
-          <p:cNvSpPr/>
-          <p:nvPr/>
-        </p:nvSpPr>
-        <p:spPr>
-          <a:xfrm>
-            <a:off x="4969636" y="3334044"/>
-            <a:ext cx="6819090" cy="914400"/>
-          </a:xfrm>
-          <a:prstGeom prst="rect">
-            <a:avLst/>
-          </a:prstGeom>
-          <a:solidFill>
-            <a:srgbClr val="262626"/>
-          </a:solidFill>
-          <a:ln>
-            <a:noFill/>
-          </a:ln>
-        </p:spPr>
-        <p:style>
-          <a:lnRef idx="2">
-            <a:schemeClr val="accent1">
-              <a:shade val="15000"/>
-            </a:schemeClr>
-          </a:lnRef>
-          <a:fillRef idx="1">
-            <a:schemeClr val="accent1"/>
-          </a:fillRef>
-          <a:effectRef idx="0">
-            <a:schemeClr val="accent1"/>
-          </a:effectRef>
-          <a:fontRef idx="minor">
-            <a:schemeClr val="lt1"/>
-          </a:fontRef>
-        </p:style>
-        <p:txBody>
-          <a:bodyPr rtlCol="0" anchor="ctr"/>
-          <a:lstStyle/>
-          <a:p>
-            <a:pPr algn="ctr"/>
-            <a:r>
-              <a:rPr lang="en-GB" sz="2400" dirty="0"/>
-              <a:t>placeholder</a:t>
-            </a:r>
-          </a:p>
-        </p:txBody>
-      </p:sp>
-      <p:sp>
-        <p:nvSpPr>
-          <p:cNvPr id="14" name="Rectangle 13">
-            <a:extLst>
-              <a:ext uri="{FF2B5EF4-FFF2-40B4-BE49-F238E27FC236}">
-                <a16:creationId xmlns:a16="http://schemas.microsoft.com/office/drawing/2014/main" id="{68B1C59E-A7B3-1ED9-6945-09F4D2FB94CE}"/>
-              </a:ext>
-            </a:extLst>
-          </p:cNvPr>
-          <p:cNvSpPr/>
-          <p:nvPr/>
-        </p:nvSpPr>
-        <p:spPr>
-          <a:xfrm>
-            <a:off x="4969636" y="4431324"/>
-            <a:ext cx="6819090" cy="914400"/>
-          </a:xfrm>
-          <a:prstGeom prst="rect">
-            <a:avLst/>
-          </a:prstGeom>
-          <a:solidFill>
-            <a:srgbClr val="262626"/>
-          </a:solidFill>
-          <a:ln>
-            <a:noFill/>
-          </a:ln>
-        </p:spPr>
-        <p:style>
-          <a:lnRef idx="2">
-            <a:schemeClr val="accent1">
-              <a:shade val="15000"/>
-            </a:schemeClr>
-          </a:lnRef>
-          <a:fillRef idx="1">
-            <a:schemeClr val="accent1"/>
-          </a:fillRef>
-          <a:effectRef idx="0">
-            <a:schemeClr val="accent1"/>
-          </a:effectRef>
-          <a:fontRef idx="minor">
-            <a:schemeClr val="lt1"/>
-          </a:fontRef>
-        </p:style>
-        <p:txBody>
-          <a:bodyPr rtlCol="0" anchor="ctr"/>
-          <a:lstStyle/>
-          <a:p>
-            <a:pPr algn="ctr"/>
-            <a:r>
-              <a:rPr lang="en-GB" sz="2400" dirty="0"/>
-              <a:t>placeholder</a:t>
-            </a:r>
-          </a:p>
-        </p:txBody>
-      </p:sp>
-      <p:sp>
-        <p:nvSpPr>
-          <p:cNvPr id="15" name="Rectangle 14">
-            <a:extLst>
-              <a:ext uri="{FF2B5EF4-FFF2-40B4-BE49-F238E27FC236}">
-                <a16:creationId xmlns:a16="http://schemas.microsoft.com/office/drawing/2014/main" id="{C99D21C1-9180-AC23-4B9A-1DD84E57621B}"/>
-              </a:ext>
-            </a:extLst>
-          </p:cNvPr>
-          <p:cNvSpPr/>
-          <p:nvPr/>
-        </p:nvSpPr>
-        <p:spPr>
-          <a:xfrm>
-            <a:off x="4969636" y="5486401"/>
-            <a:ext cx="6819090" cy="914400"/>
-          </a:xfrm>
-          <a:prstGeom prst="rect">
-            <a:avLst/>
-          </a:prstGeom>
-          <a:solidFill>
-            <a:srgbClr val="262626"/>
-          </a:solidFill>
-          <a:ln>
-            <a:noFill/>
-          </a:ln>
-        </p:spPr>
-        <p:style>
-          <a:lnRef idx="2">
-            <a:schemeClr val="accent1">
-              <a:shade val="15000"/>
-            </a:schemeClr>
-          </a:lnRef>
-          <a:fillRef idx="1">
-            <a:schemeClr val="accent1"/>
-          </a:fillRef>
-          <a:effectRef idx="0">
-            <a:schemeClr val="accent1"/>
-          </a:effectRef>
-          <a:fontRef idx="minor">
-            <a:schemeClr val="lt1"/>
-          </a:fontRef>
-        </p:style>
-        <p:txBody>
-          <a:bodyPr rtlCol="0" anchor="ctr"/>
-          <a:lstStyle/>
-          <a:p>
-            <a:pPr algn="ctr"/>
-            <a:r>
-              <a:rPr lang="en-GB" sz="2400" dirty="0"/>
-              <a:t>placeholder</a:t>
-            </a:r>
-          </a:p>
-        </p:txBody>
-      </p:sp>
-    </p:spTree>
-    <p:extLst>
-      <p:ext uri="{BB962C8B-B14F-4D97-AF65-F5344CB8AC3E}">
-        <p14:creationId xmlns:p14="http://schemas.microsoft.com/office/powerpoint/2010/main" val="3803946757"/>
-      </p:ext>
-    </p:extLst>
-  </p:cSld>
-  <p:clrMapOvr>
-    <a:masterClrMapping/>
-  </p:clrMapOvr>
-</p:sld>
-</file>
-
 <file path=ppt/slides/slide2.xml><?xml version="1.0" encoding="utf-8"?>
 <p:sld xmlns:a="http://schemas.openxmlformats.org/drawingml/2006/main" xmlns:r="http://schemas.openxmlformats.org/officeDocument/2006/relationships" xmlns:p="http://schemas.openxmlformats.org/presentationml/2006/main">
   <p:cSld>
